--- a/notes.pptx
+++ b/notes.pptx
@@ -13,9 +13,12 @@
     <p:sldId id="260" r:id="rId7"/>
     <p:sldId id="263" r:id="rId8"/>
     <p:sldId id="264" r:id="rId9"/>
-    <p:sldId id="266" r:id="rId10"/>
-    <p:sldId id="265" r:id="rId11"/>
-    <p:sldId id="259" r:id="rId12"/>
+    <p:sldId id="268" r:id="rId10"/>
+    <p:sldId id="266" r:id="rId11"/>
+    <p:sldId id="265" r:id="rId12"/>
+    <p:sldId id="267" r:id="rId13"/>
+    <p:sldId id="269" r:id="rId14"/>
+    <p:sldId id="259" r:id="rId15"/>
   </p:sldIdLst>
   <p:sldSz cx="12192000" cy="6858000"/>
   <p:notesSz cx="6858000" cy="9144000"/>
@@ -114,6 +117,11 @@
       </a:defRPr>
     </a:lvl9pPr>
   </p:defaultTextStyle>
+  <p:extLst>
+    <p:ext uri="{EFAFB233-063F-42B5-8137-9DF3F51BA10A}">
+      <p15:sldGuideLst xmlns:p15="http://schemas.microsoft.com/office/powerpoint/2012/main"/>
+    </p:ext>
+  </p:extLst>
 </p:presentation>
 </file>
 
@@ -266,7 +274,7 @@
           <a:p>
             <a:fld id="{CAE47142-16B0-4769-BA42-4A01FDA2F14A}" type="datetimeFigureOut">
               <a:rPr lang="fr-FR" smtClean="0"/>
-              <a:t>15/07/2021</a:t>
+              <a:t>19/08/2021</a:t>
             </a:fld>
             <a:endParaRPr lang="fr-FR"/>
           </a:p>
@@ -466,7 +474,7 @@
           <a:p>
             <a:fld id="{CAE47142-16B0-4769-BA42-4A01FDA2F14A}" type="datetimeFigureOut">
               <a:rPr lang="fr-FR" smtClean="0"/>
-              <a:t>15/07/2021</a:t>
+              <a:t>19/08/2021</a:t>
             </a:fld>
             <a:endParaRPr lang="fr-FR"/>
           </a:p>
@@ -676,7 +684,7 @@
           <a:p>
             <a:fld id="{CAE47142-16B0-4769-BA42-4A01FDA2F14A}" type="datetimeFigureOut">
               <a:rPr lang="fr-FR" smtClean="0"/>
-              <a:t>15/07/2021</a:t>
+              <a:t>19/08/2021</a:t>
             </a:fld>
             <a:endParaRPr lang="fr-FR"/>
           </a:p>
@@ -876,7 +884,7 @@
           <a:p>
             <a:fld id="{CAE47142-16B0-4769-BA42-4A01FDA2F14A}" type="datetimeFigureOut">
               <a:rPr lang="fr-FR" smtClean="0"/>
-              <a:t>15/07/2021</a:t>
+              <a:t>19/08/2021</a:t>
             </a:fld>
             <a:endParaRPr lang="fr-FR"/>
           </a:p>
@@ -1152,7 +1160,7 @@
           <a:p>
             <a:fld id="{CAE47142-16B0-4769-BA42-4A01FDA2F14A}" type="datetimeFigureOut">
               <a:rPr lang="fr-FR" smtClean="0"/>
-              <a:t>15/07/2021</a:t>
+              <a:t>19/08/2021</a:t>
             </a:fld>
             <a:endParaRPr lang="fr-FR"/>
           </a:p>
@@ -1420,7 +1428,7 @@
           <a:p>
             <a:fld id="{CAE47142-16B0-4769-BA42-4A01FDA2F14A}" type="datetimeFigureOut">
               <a:rPr lang="fr-FR" smtClean="0"/>
-              <a:t>15/07/2021</a:t>
+              <a:t>19/08/2021</a:t>
             </a:fld>
             <a:endParaRPr lang="fr-FR"/>
           </a:p>
@@ -1835,7 +1843,7 @@
           <a:p>
             <a:fld id="{CAE47142-16B0-4769-BA42-4A01FDA2F14A}" type="datetimeFigureOut">
               <a:rPr lang="fr-FR" smtClean="0"/>
-              <a:t>15/07/2021</a:t>
+              <a:t>19/08/2021</a:t>
             </a:fld>
             <a:endParaRPr lang="fr-FR"/>
           </a:p>
@@ -1977,7 +1985,7 @@
           <a:p>
             <a:fld id="{CAE47142-16B0-4769-BA42-4A01FDA2F14A}" type="datetimeFigureOut">
               <a:rPr lang="fr-FR" smtClean="0"/>
-              <a:t>15/07/2021</a:t>
+              <a:t>19/08/2021</a:t>
             </a:fld>
             <a:endParaRPr lang="fr-FR"/>
           </a:p>
@@ -2090,7 +2098,7 @@
           <a:p>
             <a:fld id="{CAE47142-16B0-4769-BA42-4A01FDA2F14A}" type="datetimeFigureOut">
               <a:rPr lang="fr-FR" smtClean="0"/>
-              <a:t>15/07/2021</a:t>
+              <a:t>19/08/2021</a:t>
             </a:fld>
             <a:endParaRPr lang="fr-FR"/>
           </a:p>
@@ -2403,7 +2411,7 @@
           <a:p>
             <a:fld id="{CAE47142-16B0-4769-BA42-4A01FDA2F14A}" type="datetimeFigureOut">
               <a:rPr lang="fr-FR" smtClean="0"/>
-              <a:t>15/07/2021</a:t>
+              <a:t>19/08/2021</a:t>
             </a:fld>
             <a:endParaRPr lang="fr-FR"/>
           </a:p>
@@ -2692,7 +2700,7 @@
           <a:p>
             <a:fld id="{CAE47142-16B0-4769-BA42-4A01FDA2F14A}" type="datetimeFigureOut">
               <a:rPr lang="fr-FR" smtClean="0"/>
-              <a:t>15/07/2021</a:t>
+              <a:t>19/08/2021</a:t>
             </a:fld>
             <a:endParaRPr lang="fr-FR"/>
           </a:p>
@@ -2935,7 +2943,7 @@
           <a:p>
             <a:fld id="{CAE47142-16B0-4769-BA42-4A01FDA2F14A}" type="datetimeFigureOut">
               <a:rPr lang="fr-FR" smtClean="0"/>
-              <a:t>15/07/2021</a:t>
+              <a:t>19/08/2021</a:t>
             </a:fld>
             <a:endParaRPr lang="fr-FR"/>
           </a:p>
@@ -3717,112 +3725,939 @@
       </p:grpSpPr>
       <p:sp>
         <p:nvSpPr>
-          <p:cNvPr id="2" name="Title 1">
-            <a:extLst>
-              <a:ext uri="{FF2B5EF4-FFF2-40B4-BE49-F238E27FC236}">
-                <a16:creationId xmlns:a16="http://schemas.microsoft.com/office/drawing/2014/main" id="{2A824837-C474-418A-9501-24DF1D496575}"/>
-              </a:ext>
-            </a:extLst>
-          </p:cNvPr>
-          <p:cNvSpPr>
-            <a:spLocks noGrp="1"/>
-          </p:cNvSpPr>
-          <p:nvPr>
-            <p:ph type="title"/>
-          </p:nvPr>
-        </p:nvSpPr>
-        <p:spPr/>
-        <p:txBody>
-          <a:bodyPr/>
-          <a:lstStyle/>
-          <a:p>
-            <a:r>
-              <a:rPr lang="fr-FR" dirty="0"/>
-              <a:t>5 </a:t>
+          <p:cNvPr id="4" name="Rectangle 3">
+            <a:extLst>
+              <a:ext uri="{FF2B5EF4-FFF2-40B4-BE49-F238E27FC236}">
+                <a16:creationId xmlns:a16="http://schemas.microsoft.com/office/drawing/2014/main" id="{CF6F62F4-96E9-42BD-8201-29CCA9A6F44B}"/>
+              </a:ext>
+            </a:extLst>
+          </p:cNvPr>
+          <p:cNvSpPr/>
+          <p:nvPr/>
+        </p:nvSpPr>
+        <p:spPr>
+          <a:xfrm>
+            <a:off x="372036" y="1690688"/>
+            <a:ext cx="3227294" cy="4899212"/>
+          </a:xfrm>
+          <a:prstGeom prst="rect">
+            <a:avLst/>
+          </a:prstGeom>
+        </p:spPr>
+        <p:style>
+          <a:lnRef idx="2">
+            <a:schemeClr val="accent1"/>
+          </a:lnRef>
+          <a:fillRef idx="1">
+            <a:schemeClr val="lt1"/>
+          </a:fillRef>
+          <a:effectRef idx="0">
+            <a:schemeClr val="accent1"/>
+          </a:effectRef>
+          <a:fontRef idx="minor">
+            <a:schemeClr val="dk1"/>
+          </a:fontRef>
+        </p:style>
+        <p:txBody>
+          <a:bodyPr rtlCol="0" anchor="ctr"/>
+          <a:lstStyle/>
+          <a:p>
+            <a:pPr algn="ctr"/>
+            <a:endParaRPr lang="fr-FR"/>
+          </a:p>
+        </p:txBody>
+      </p:sp>
+      <p:sp>
+        <p:nvSpPr>
+          <p:cNvPr id="5" name="Rectangle 4">
+            <a:extLst>
+              <a:ext uri="{FF2B5EF4-FFF2-40B4-BE49-F238E27FC236}">
+                <a16:creationId xmlns:a16="http://schemas.microsoft.com/office/drawing/2014/main" id="{D2D5EE56-B0B0-401E-A448-2D90A43F176A}"/>
+              </a:ext>
+            </a:extLst>
+          </p:cNvPr>
+          <p:cNvSpPr/>
+          <p:nvPr/>
+        </p:nvSpPr>
+        <p:spPr>
+          <a:xfrm>
+            <a:off x="372036" y="1690688"/>
+            <a:ext cx="3227294" cy="636494"/>
+          </a:xfrm>
+          <a:prstGeom prst="rect">
+            <a:avLst/>
+          </a:prstGeom>
+        </p:spPr>
+        <p:style>
+          <a:lnRef idx="2">
+            <a:schemeClr val="accent1">
+              <a:shade val="50000"/>
+            </a:schemeClr>
+          </a:lnRef>
+          <a:fillRef idx="1">
+            <a:schemeClr val="accent1"/>
+          </a:fillRef>
+          <a:effectRef idx="0">
+            <a:schemeClr val="accent1"/>
+          </a:effectRef>
+          <a:fontRef idx="minor">
+            <a:schemeClr val="lt1"/>
+          </a:fontRef>
+        </p:style>
+        <p:txBody>
+          <a:bodyPr rtlCol="0" anchor="ctr"/>
+          <a:lstStyle/>
+          <a:p>
+            <a:pPr algn="ctr"/>
+            <a:endParaRPr lang="fr-FR"/>
+          </a:p>
+        </p:txBody>
+      </p:sp>
+      <p:sp>
+        <p:nvSpPr>
+          <p:cNvPr id="6" name="Rectangle 5">
+            <a:extLst>
+              <a:ext uri="{FF2B5EF4-FFF2-40B4-BE49-F238E27FC236}">
+                <a16:creationId xmlns:a16="http://schemas.microsoft.com/office/drawing/2014/main" id="{B0DD19F9-29D5-40D8-A555-D23F45425805}"/>
+              </a:ext>
+            </a:extLst>
+          </p:cNvPr>
+          <p:cNvSpPr/>
+          <p:nvPr/>
+        </p:nvSpPr>
+        <p:spPr>
+          <a:xfrm>
+            <a:off x="372036" y="5953406"/>
+            <a:ext cx="3227294" cy="636494"/>
+          </a:xfrm>
+          <a:prstGeom prst="rect">
+            <a:avLst/>
+          </a:prstGeom>
+        </p:spPr>
+        <p:style>
+          <a:lnRef idx="2">
+            <a:schemeClr val="accent1">
+              <a:shade val="50000"/>
+            </a:schemeClr>
+          </a:lnRef>
+          <a:fillRef idx="1">
+            <a:schemeClr val="accent1"/>
+          </a:fillRef>
+          <a:effectRef idx="0">
+            <a:schemeClr val="accent1"/>
+          </a:effectRef>
+          <a:fontRef idx="minor">
+            <a:schemeClr val="lt1"/>
+          </a:fontRef>
+        </p:style>
+        <p:txBody>
+          <a:bodyPr rtlCol="0" anchor="ctr"/>
+          <a:lstStyle/>
+          <a:p>
+            <a:pPr algn="ctr"/>
+            <a:r>
+              <a:rPr lang="fr-FR" dirty="0"/>
+              <a:t>Mention </a:t>
             </a:r>
             <a:r>
               <a:rPr lang="fr-FR" dirty="0" err="1"/>
-              <a:t>Angular</a:t>
-            </a:r>
-            <a:r>
-              <a:rPr lang="fr-FR" dirty="0"/>
-              <a:t> artefacts</a:t>
-            </a:r>
-          </a:p>
-        </p:txBody>
-      </p:sp>
-      <p:sp>
-        <p:nvSpPr>
-          <p:cNvPr id="3" name="Content Placeholder 2">
-            <a:extLst>
-              <a:ext uri="{FF2B5EF4-FFF2-40B4-BE49-F238E27FC236}">
-                <a16:creationId xmlns:a16="http://schemas.microsoft.com/office/drawing/2014/main" id="{9FDBB396-E9C8-460E-B65A-CE89CB7661EF}"/>
-              </a:ext>
-            </a:extLst>
-          </p:cNvPr>
-          <p:cNvSpPr>
-            <a:spLocks noGrp="1"/>
-          </p:cNvSpPr>
-          <p:nvPr>
-            <p:ph idx="1"/>
-          </p:nvPr>
-        </p:nvSpPr>
-        <p:spPr/>
-        <p:txBody>
-          <a:bodyPr/>
-          <a:lstStyle/>
-          <a:p>
-            <a:r>
-              <a:rPr lang="fr-FR" dirty="0"/>
-              <a:t>Module : </a:t>
-            </a:r>
+              <a:t>Legales</a:t>
+            </a:r>
+            <a:endParaRPr lang="fr-FR" dirty="0"/>
+          </a:p>
+        </p:txBody>
+      </p:sp>
+      <p:sp>
+        <p:nvSpPr>
+          <p:cNvPr id="7" name="Rectangle 6">
+            <a:extLst>
+              <a:ext uri="{FF2B5EF4-FFF2-40B4-BE49-F238E27FC236}">
+                <a16:creationId xmlns:a16="http://schemas.microsoft.com/office/drawing/2014/main" id="{36CDFBFB-9354-4A5D-8819-4E8396DE817F}"/>
+              </a:ext>
+            </a:extLst>
+          </p:cNvPr>
+          <p:cNvSpPr/>
+          <p:nvPr/>
+        </p:nvSpPr>
+        <p:spPr>
+          <a:xfrm>
+            <a:off x="524436" y="1865500"/>
+            <a:ext cx="694765" cy="331694"/>
+          </a:xfrm>
+          <a:prstGeom prst="rect">
+            <a:avLst/>
+          </a:prstGeom>
+        </p:spPr>
+        <p:style>
+          <a:lnRef idx="2">
+            <a:schemeClr val="accent2"/>
+          </a:lnRef>
+          <a:fillRef idx="1">
+            <a:schemeClr val="lt1"/>
+          </a:fillRef>
+          <a:effectRef idx="0">
+            <a:schemeClr val="accent2"/>
+          </a:effectRef>
+          <a:fontRef idx="minor">
+            <a:schemeClr val="dk1"/>
+          </a:fontRef>
+        </p:style>
+        <p:txBody>
+          <a:bodyPr rtlCol="0" anchor="ctr"/>
+          <a:lstStyle/>
+          <a:p>
+            <a:pPr algn="ctr"/>
+            <a:r>
+              <a:rPr lang="fr-FR" dirty="0"/>
+              <a:t>Logo</a:t>
+            </a:r>
+          </a:p>
+        </p:txBody>
+      </p:sp>
+      <p:sp>
+        <p:nvSpPr>
+          <p:cNvPr id="8" name="TextBox 7">
+            <a:extLst>
+              <a:ext uri="{FF2B5EF4-FFF2-40B4-BE49-F238E27FC236}">
+                <a16:creationId xmlns:a16="http://schemas.microsoft.com/office/drawing/2014/main" id="{891C13AE-39CF-45AF-94FC-71C35D1CB46B}"/>
+              </a:ext>
+            </a:extLst>
+          </p:cNvPr>
+          <p:cNvSpPr txBox="1"/>
+          <p:nvPr/>
+        </p:nvSpPr>
+        <p:spPr>
+          <a:xfrm>
+            <a:off x="1219201" y="1824269"/>
+            <a:ext cx="1463862" cy="369332"/>
+          </a:xfrm>
+          <a:prstGeom prst="rect">
+            <a:avLst/>
+          </a:prstGeom>
+          <a:noFill/>
+        </p:spPr>
+        <p:txBody>
+          <a:bodyPr wrap="none" rtlCol="0">
+            <a:spAutoFit/>
+          </a:bodyPr>
+          <a:lstStyle/>
+          <a:p>
+            <a:r>
+              <a:rPr lang="fr-FR" dirty="0"/>
+              <a:t>Gestion Stock</a:t>
+            </a:r>
+          </a:p>
+        </p:txBody>
+      </p:sp>
+      <p:sp>
+        <p:nvSpPr>
+          <p:cNvPr id="9" name="TextBox 8">
+            <a:extLst>
+              <a:ext uri="{FF2B5EF4-FFF2-40B4-BE49-F238E27FC236}">
+                <a16:creationId xmlns:a16="http://schemas.microsoft.com/office/drawing/2014/main" id="{9500213B-3C0E-41D1-87AA-0AC674FCAB74}"/>
+              </a:ext>
+            </a:extLst>
+          </p:cNvPr>
+          <p:cNvSpPr txBox="1"/>
+          <p:nvPr/>
+        </p:nvSpPr>
+        <p:spPr>
+          <a:xfrm>
+            <a:off x="443754" y="3393982"/>
+            <a:ext cx="3205878" cy="369332"/>
+          </a:xfrm>
+          <a:prstGeom prst="rect">
+            <a:avLst/>
+          </a:prstGeom>
+          <a:noFill/>
+        </p:spPr>
+        <p:txBody>
+          <a:bodyPr wrap="none" rtlCol="0">
+            <a:spAutoFit/>
+          </a:bodyPr>
+          <a:lstStyle/>
+          <a:p>
             <a:r>
               <a:rPr lang="fr-FR" dirty="0" err="1"/>
-              <a:t>paquest</a:t>
-            </a:r>
-            <a:r>
-              <a:rPr lang="fr-FR" dirty="0"/>
-              <a:t> d’artefact, import ou export module</a:t>
-            </a:r>
-          </a:p>
-          <a:p>
-            <a:r>
-              <a:rPr lang="fr-FR" dirty="0"/>
-              <a:t>Composant : visuel + intelligent</a:t>
-            </a:r>
-          </a:p>
-          <a:p>
-            <a:r>
-              <a:rPr lang="fr-FR" dirty="0"/>
-              <a:t>Directive : intelligent mais s’appuie sur le visuel d’un autre</a:t>
-            </a:r>
-          </a:p>
-          <a:p>
-            <a:r>
-              <a:rPr lang="fr-FR" dirty="0"/>
-              <a:t>Pipe : ls | </a:t>
-            </a:r>
+              <a:t>Gerer</a:t>
+            </a:r>
+            <a:r>
+              <a:rPr lang="fr-FR" dirty="0"/>
+              <a:t> efficacement votre stock !</a:t>
+            </a:r>
+          </a:p>
+        </p:txBody>
+      </p:sp>
+      <p:sp>
+        <p:nvSpPr>
+          <p:cNvPr id="10" name="Rectangle 9">
+            <a:extLst>
+              <a:ext uri="{FF2B5EF4-FFF2-40B4-BE49-F238E27FC236}">
+                <a16:creationId xmlns:a16="http://schemas.microsoft.com/office/drawing/2014/main" id="{3B4358F9-34FF-4FDF-9D17-01EFB20E9AA6}"/>
+              </a:ext>
+            </a:extLst>
+          </p:cNvPr>
+          <p:cNvSpPr/>
+          <p:nvPr/>
+        </p:nvSpPr>
+        <p:spPr>
+          <a:xfrm>
+            <a:off x="1139016" y="3896895"/>
+            <a:ext cx="1815353" cy="470647"/>
+          </a:xfrm>
+          <a:prstGeom prst="rect">
+            <a:avLst/>
+          </a:prstGeom>
+        </p:spPr>
+        <p:style>
+          <a:lnRef idx="2">
+            <a:schemeClr val="accent1">
+              <a:shade val="50000"/>
+            </a:schemeClr>
+          </a:lnRef>
+          <a:fillRef idx="1">
+            <a:schemeClr val="accent1"/>
+          </a:fillRef>
+          <a:effectRef idx="0">
+            <a:schemeClr val="accent1"/>
+          </a:effectRef>
+          <a:fontRef idx="minor">
+            <a:schemeClr val="lt1"/>
+          </a:fontRef>
+        </p:style>
+        <p:txBody>
+          <a:bodyPr rtlCol="0" anchor="ctr"/>
+          <a:lstStyle/>
+          <a:p>
+            <a:pPr algn="ctr"/>
+            <a:r>
+              <a:rPr lang="fr-FR" dirty="0"/>
+              <a:t>Voir le stock</a:t>
+            </a:r>
+          </a:p>
+        </p:txBody>
+      </p:sp>
+      <p:sp>
+        <p:nvSpPr>
+          <p:cNvPr id="11" name="Rectangle 10">
+            <a:extLst>
+              <a:ext uri="{FF2B5EF4-FFF2-40B4-BE49-F238E27FC236}">
+                <a16:creationId xmlns:a16="http://schemas.microsoft.com/office/drawing/2014/main" id="{07FC6C40-EE5D-4565-8682-148A2883F62E}"/>
+              </a:ext>
+            </a:extLst>
+          </p:cNvPr>
+          <p:cNvSpPr/>
+          <p:nvPr/>
+        </p:nvSpPr>
+        <p:spPr>
+          <a:xfrm>
+            <a:off x="6665258" y="600635"/>
+            <a:ext cx="1138517" cy="510989"/>
+          </a:xfrm>
+          <a:prstGeom prst="rect">
+            <a:avLst/>
+          </a:prstGeom>
+        </p:spPr>
+        <p:style>
+          <a:lnRef idx="2">
+            <a:schemeClr val="accent1">
+              <a:shade val="50000"/>
+            </a:schemeClr>
+          </a:lnRef>
+          <a:fillRef idx="1">
+            <a:schemeClr val="accent1"/>
+          </a:fillRef>
+          <a:effectRef idx="0">
+            <a:schemeClr val="accent1"/>
+          </a:effectRef>
+          <a:fontRef idx="minor">
+            <a:schemeClr val="lt1"/>
+          </a:fontRef>
+        </p:style>
+        <p:txBody>
+          <a:bodyPr rtlCol="0" anchor="ctr"/>
+          <a:lstStyle/>
+          <a:p>
+            <a:pPr algn="ctr"/>
+            <a:r>
+              <a:rPr lang="fr-FR" dirty="0"/>
+              <a:t>App</a:t>
+            </a:r>
+          </a:p>
+        </p:txBody>
+      </p:sp>
+      <p:sp>
+        <p:nvSpPr>
+          <p:cNvPr id="14" name="Oval 13">
+            <a:extLst>
+              <a:ext uri="{FF2B5EF4-FFF2-40B4-BE49-F238E27FC236}">
+                <a16:creationId xmlns:a16="http://schemas.microsoft.com/office/drawing/2014/main" id="{9AD4A4D4-2744-4E75-961A-8A0C37658AEE}"/>
+              </a:ext>
+            </a:extLst>
+          </p:cNvPr>
+          <p:cNvSpPr/>
+          <p:nvPr/>
+        </p:nvSpPr>
+        <p:spPr>
+          <a:xfrm>
+            <a:off x="6665258" y="1678082"/>
+            <a:ext cx="1210236" cy="636494"/>
+          </a:xfrm>
+          <a:prstGeom prst="ellipse">
+            <a:avLst/>
+          </a:prstGeom>
+        </p:spPr>
+        <p:style>
+          <a:lnRef idx="2">
+            <a:schemeClr val="accent6">
+              <a:shade val="50000"/>
+            </a:schemeClr>
+          </a:lnRef>
+          <a:fillRef idx="1">
+            <a:schemeClr val="accent6"/>
+          </a:fillRef>
+          <a:effectRef idx="0">
+            <a:schemeClr val="accent6"/>
+          </a:effectRef>
+          <a:fontRef idx="minor">
+            <a:schemeClr val="lt1"/>
+          </a:fontRef>
+        </p:style>
+        <p:txBody>
+          <a:bodyPr rtlCol="0" anchor="ctr"/>
+          <a:lstStyle/>
+          <a:p>
+            <a:pPr algn="ctr"/>
+            <a:r>
+              <a:rPr lang="fr-FR" dirty="0"/>
+              <a:t>App</a:t>
+            </a:r>
+          </a:p>
+        </p:txBody>
+      </p:sp>
+      <p:cxnSp>
+        <p:nvCxnSpPr>
+          <p:cNvPr id="16" name="Straight Arrow Connector 15">
+            <a:extLst>
+              <a:ext uri="{FF2B5EF4-FFF2-40B4-BE49-F238E27FC236}">
+                <a16:creationId xmlns:a16="http://schemas.microsoft.com/office/drawing/2014/main" id="{37E5076F-A72F-48E0-9380-54785F8EB8B3}"/>
+              </a:ext>
+            </a:extLst>
+          </p:cNvPr>
+          <p:cNvCxnSpPr>
+            <a:stCxn id="14" idx="0"/>
+            <a:endCxn id="11" idx="2"/>
+          </p:cNvCxnSpPr>
+          <p:nvPr/>
+        </p:nvCxnSpPr>
+        <p:spPr>
+          <a:xfrm flipH="1" flipV="1">
+            <a:off x="7234517" y="1111624"/>
+            <a:ext cx="35859" cy="566458"/>
+          </a:xfrm>
+          <a:prstGeom prst="straightConnector1">
+            <a:avLst/>
+          </a:prstGeom>
+          <a:ln w="76200">
+            <a:solidFill>
+              <a:schemeClr val="accent1"/>
+            </a:solidFill>
+            <a:tailEnd type="triangle"/>
+          </a:ln>
+        </p:spPr>
+        <p:style>
+          <a:lnRef idx="1">
+            <a:schemeClr val="accent1"/>
+          </a:lnRef>
+          <a:fillRef idx="0">
+            <a:schemeClr val="accent1"/>
+          </a:fillRef>
+          <a:effectRef idx="0">
+            <a:schemeClr val="accent1"/>
+          </a:effectRef>
+          <a:fontRef idx="minor">
+            <a:schemeClr val="tx1"/>
+          </a:fontRef>
+        </p:style>
+      </p:cxnSp>
+      <p:sp>
+        <p:nvSpPr>
+          <p:cNvPr id="18" name="Rectangle 17">
+            <a:extLst>
+              <a:ext uri="{FF2B5EF4-FFF2-40B4-BE49-F238E27FC236}">
+                <a16:creationId xmlns:a16="http://schemas.microsoft.com/office/drawing/2014/main" id="{BE8FCBE2-7001-41DC-ABE9-014C5C4C3D59}"/>
+              </a:ext>
+            </a:extLst>
+          </p:cNvPr>
+          <p:cNvSpPr/>
+          <p:nvPr/>
+        </p:nvSpPr>
+        <p:spPr>
+          <a:xfrm>
+            <a:off x="8709211" y="605117"/>
+            <a:ext cx="1833283" cy="510989"/>
+          </a:xfrm>
+          <a:prstGeom prst="rect">
+            <a:avLst/>
+          </a:prstGeom>
+        </p:spPr>
+        <p:style>
+          <a:lnRef idx="2">
+            <a:schemeClr val="accent1">
+              <a:shade val="50000"/>
+            </a:schemeClr>
+          </a:lnRef>
+          <a:fillRef idx="1">
+            <a:schemeClr val="accent1"/>
+          </a:fillRef>
+          <a:effectRef idx="0">
+            <a:schemeClr val="accent1"/>
+          </a:effectRef>
+          <a:fontRef idx="minor">
+            <a:schemeClr val="lt1"/>
+          </a:fontRef>
+        </p:style>
+        <p:txBody>
+          <a:bodyPr rtlCol="0" anchor="ctr"/>
+          <a:lstStyle/>
+          <a:p>
+            <a:pPr algn="ctr"/>
             <a:r>
               <a:rPr lang="fr-FR" dirty="0" err="1"/>
-              <a:t>grep</a:t>
-            </a:r>
-            <a:r>
-              <a:rPr lang="fr-FR" dirty="0"/>
-              <a:t> truc</a:t>
-            </a:r>
-          </a:p>
-          <a:p>
-            <a:r>
-              <a:rPr lang="fr-FR" dirty="0"/>
-              <a:t>Service: truc qui dure…</a:t>
-            </a:r>
-          </a:p>
-        </p:txBody>
-      </p:sp>
+              <a:t>AppRouting</a:t>
+            </a:r>
+            <a:endParaRPr lang="fr-FR" dirty="0"/>
+          </a:p>
+        </p:txBody>
+      </p:sp>
+      <p:cxnSp>
+        <p:nvCxnSpPr>
+          <p:cNvPr id="20" name="Straight Arrow Connector 19">
+            <a:extLst>
+              <a:ext uri="{FF2B5EF4-FFF2-40B4-BE49-F238E27FC236}">
+                <a16:creationId xmlns:a16="http://schemas.microsoft.com/office/drawing/2014/main" id="{C83F8A27-4B84-46E1-A67E-66AC0573C898}"/>
+              </a:ext>
+            </a:extLst>
+          </p:cNvPr>
+          <p:cNvCxnSpPr>
+            <a:endCxn id="11" idx="3"/>
+          </p:cNvCxnSpPr>
+          <p:nvPr/>
+        </p:nvCxnSpPr>
+        <p:spPr>
+          <a:xfrm flipH="1" flipV="1">
+            <a:off x="7803775" y="856130"/>
+            <a:ext cx="824754" cy="13446"/>
+          </a:xfrm>
+          <a:prstGeom prst="straightConnector1">
+            <a:avLst/>
+          </a:prstGeom>
+          <a:ln w="76200">
+            <a:solidFill>
+              <a:schemeClr val="accent1"/>
+            </a:solidFill>
+            <a:prstDash val="sysDash"/>
+            <a:tailEnd type="triangle"/>
+          </a:ln>
+        </p:spPr>
+        <p:style>
+          <a:lnRef idx="1">
+            <a:schemeClr val="accent1"/>
+          </a:lnRef>
+          <a:fillRef idx="0">
+            <a:schemeClr val="accent1"/>
+          </a:fillRef>
+          <a:effectRef idx="0">
+            <a:schemeClr val="accent1"/>
+          </a:effectRef>
+          <a:fontRef idx="minor">
+            <a:schemeClr val="tx1"/>
+          </a:fontRef>
+        </p:style>
+      </p:cxnSp>
+      <p:sp>
+        <p:nvSpPr>
+          <p:cNvPr id="21" name="Rectangle 20">
+            <a:extLst>
+              <a:ext uri="{FF2B5EF4-FFF2-40B4-BE49-F238E27FC236}">
+                <a16:creationId xmlns:a16="http://schemas.microsoft.com/office/drawing/2014/main" id="{79FC1160-3126-4EE1-8180-93B4ECA2483C}"/>
+              </a:ext>
+            </a:extLst>
+          </p:cNvPr>
+          <p:cNvSpPr/>
+          <p:nvPr/>
+        </p:nvSpPr>
+        <p:spPr>
+          <a:xfrm>
+            <a:off x="4809565" y="1268457"/>
+            <a:ext cx="1210236" cy="528918"/>
+          </a:xfrm>
+          <a:prstGeom prst="rect">
+            <a:avLst/>
+          </a:prstGeom>
+        </p:spPr>
+        <p:style>
+          <a:lnRef idx="2">
+            <a:schemeClr val="accent1">
+              <a:shade val="50000"/>
+            </a:schemeClr>
+          </a:lnRef>
+          <a:fillRef idx="1">
+            <a:schemeClr val="accent1"/>
+          </a:fillRef>
+          <a:effectRef idx="0">
+            <a:schemeClr val="accent1"/>
+          </a:effectRef>
+          <a:fontRef idx="minor">
+            <a:schemeClr val="lt1"/>
+          </a:fontRef>
+        </p:style>
+        <p:txBody>
+          <a:bodyPr rtlCol="0" anchor="ctr"/>
+          <a:lstStyle/>
+          <a:p>
+            <a:pPr algn="ctr"/>
+            <a:r>
+              <a:rPr lang="fr-FR" dirty="0" err="1"/>
+              <a:t>Layout</a:t>
+            </a:r>
+            <a:endParaRPr lang="fr-FR" dirty="0"/>
+          </a:p>
+        </p:txBody>
+      </p:sp>
+      <p:sp>
+        <p:nvSpPr>
+          <p:cNvPr id="22" name="Oval 21">
+            <a:extLst>
+              <a:ext uri="{FF2B5EF4-FFF2-40B4-BE49-F238E27FC236}">
+                <a16:creationId xmlns:a16="http://schemas.microsoft.com/office/drawing/2014/main" id="{1F63F3A8-D2B2-467B-B6B4-9F691AA841CD}"/>
+              </a:ext>
+            </a:extLst>
+          </p:cNvPr>
+          <p:cNvSpPr/>
+          <p:nvPr/>
+        </p:nvSpPr>
+        <p:spPr>
+          <a:xfrm>
+            <a:off x="3922058" y="2199765"/>
+            <a:ext cx="1264025" cy="636494"/>
+          </a:xfrm>
+          <a:prstGeom prst="ellipse">
+            <a:avLst/>
+          </a:prstGeom>
+        </p:spPr>
+        <p:style>
+          <a:lnRef idx="2">
+            <a:schemeClr val="accent6">
+              <a:shade val="50000"/>
+            </a:schemeClr>
+          </a:lnRef>
+          <a:fillRef idx="1">
+            <a:schemeClr val="accent6"/>
+          </a:fillRef>
+          <a:effectRef idx="0">
+            <a:schemeClr val="accent6"/>
+          </a:effectRef>
+          <a:fontRef idx="minor">
+            <a:schemeClr val="lt1"/>
+          </a:fontRef>
+        </p:style>
+        <p:txBody>
+          <a:bodyPr rtlCol="0" anchor="ctr"/>
+          <a:lstStyle/>
+          <a:p>
+            <a:pPr algn="ctr"/>
+            <a:r>
+              <a:rPr lang="fr-FR" dirty="0"/>
+              <a:t>Header</a:t>
+            </a:r>
+          </a:p>
+        </p:txBody>
+      </p:sp>
+      <p:sp>
+        <p:nvSpPr>
+          <p:cNvPr id="23" name="Oval 22">
+            <a:extLst>
+              <a:ext uri="{FF2B5EF4-FFF2-40B4-BE49-F238E27FC236}">
+                <a16:creationId xmlns:a16="http://schemas.microsoft.com/office/drawing/2014/main" id="{269E3F1F-C2F6-4166-88F4-D34FB50701F2}"/>
+              </a:ext>
+            </a:extLst>
+          </p:cNvPr>
+          <p:cNvSpPr/>
+          <p:nvPr/>
+        </p:nvSpPr>
+        <p:spPr>
+          <a:xfrm>
+            <a:off x="5360893" y="3110753"/>
+            <a:ext cx="1210236" cy="636494"/>
+          </a:xfrm>
+          <a:prstGeom prst="ellipse">
+            <a:avLst/>
+          </a:prstGeom>
+        </p:spPr>
+        <p:style>
+          <a:lnRef idx="2">
+            <a:schemeClr val="accent6">
+              <a:shade val="50000"/>
+            </a:schemeClr>
+          </a:lnRef>
+          <a:fillRef idx="1">
+            <a:schemeClr val="accent6"/>
+          </a:fillRef>
+          <a:effectRef idx="0">
+            <a:schemeClr val="accent6"/>
+          </a:effectRef>
+          <a:fontRef idx="minor">
+            <a:schemeClr val="lt1"/>
+          </a:fontRef>
+        </p:style>
+        <p:txBody>
+          <a:bodyPr rtlCol="0" anchor="ctr"/>
+          <a:lstStyle/>
+          <a:p>
+            <a:pPr algn="ctr"/>
+            <a:r>
+              <a:rPr lang="fr-FR" dirty="0" err="1"/>
+              <a:t>Footer</a:t>
+            </a:r>
+            <a:endParaRPr lang="fr-FR" dirty="0"/>
+          </a:p>
+        </p:txBody>
+      </p:sp>
+      <p:sp>
+        <p:nvSpPr>
+          <p:cNvPr id="24" name="Oval 23">
+            <a:extLst>
+              <a:ext uri="{FF2B5EF4-FFF2-40B4-BE49-F238E27FC236}">
+                <a16:creationId xmlns:a16="http://schemas.microsoft.com/office/drawing/2014/main" id="{A24F93BA-EBD3-41A6-83C4-C54C66AD5453}"/>
+              </a:ext>
+            </a:extLst>
+          </p:cNvPr>
+          <p:cNvSpPr/>
+          <p:nvPr/>
+        </p:nvSpPr>
+        <p:spPr>
+          <a:xfrm>
+            <a:off x="4150657" y="3896895"/>
+            <a:ext cx="1210236" cy="636494"/>
+          </a:xfrm>
+          <a:prstGeom prst="ellipse">
+            <a:avLst/>
+          </a:prstGeom>
+        </p:spPr>
+        <p:style>
+          <a:lnRef idx="2">
+            <a:schemeClr val="accent6">
+              <a:shade val="50000"/>
+            </a:schemeClr>
+          </a:lnRef>
+          <a:fillRef idx="1">
+            <a:schemeClr val="accent6"/>
+          </a:fillRef>
+          <a:effectRef idx="0">
+            <a:schemeClr val="accent6"/>
+          </a:effectRef>
+          <a:fontRef idx="minor">
+            <a:schemeClr val="lt1"/>
+          </a:fontRef>
+        </p:style>
+        <p:txBody>
+          <a:bodyPr rtlCol="0" anchor="ctr"/>
+          <a:lstStyle/>
+          <a:p>
+            <a:pPr algn="ctr"/>
+            <a:r>
+              <a:rPr lang="fr-FR" dirty="0"/>
+              <a:t>Body</a:t>
+            </a:r>
+          </a:p>
+        </p:txBody>
+      </p:sp>
+      <p:cxnSp>
+        <p:nvCxnSpPr>
+          <p:cNvPr id="26" name="Straight Arrow Connector 25">
+            <a:extLst>
+              <a:ext uri="{FF2B5EF4-FFF2-40B4-BE49-F238E27FC236}">
+                <a16:creationId xmlns:a16="http://schemas.microsoft.com/office/drawing/2014/main" id="{B10E8DCF-512A-426B-95FC-480B8801F175}"/>
+              </a:ext>
+            </a:extLst>
+          </p:cNvPr>
+          <p:cNvCxnSpPr>
+            <a:stCxn id="22" idx="0"/>
+            <a:endCxn id="21" idx="2"/>
+          </p:cNvCxnSpPr>
+          <p:nvPr/>
+        </p:nvCxnSpPr>
+        <p:spPr>
+          <a:xfrm flipV="1">
+            <a:off x="4554071" y="1797375"/>
+            <a:ext cx="860612" cy="402390"/>
+          </a:xfrm>
+          <a:prstGeom prst="straightConnector1">
+            <a:avLst/>
+          </a:prstGeom>
+          <a:ln w="76200">
+            <a:solidFill>
+              <a:schemeClr val="accent1"/>
+            </a:solidFill>
+            <a:tailEnd type="triangle"/>
+          </a:ln>
+        </p:spPr>
+        <p:style>
+          <a:lnRef idx="1">
+            <a:schemeClr val="accent1"/>
+          </a:lnRef>
+          <a:fillRef idx="0">
+            <a:schemeClr val="accent1"/>
+          </a:fillRef>
+          <a:effectRef idx="0">
+            <a:schemeClr val="accent1"/>
+          </a:effectRef>
+          <a:fontRef idx="minor">
+            <a:schemeClr val="tx1"/>
+          </a:fontRef>
+        </p:style>
+      </p:cxnSp>
+      <p:cxnSp>
+        <p:nvCxnSpPr>
+          <p:cNvPr id="28" name="Straight Arrow Connector 27">
+            <a:extLst>
+              <a:ext uri="{FF2B5EF4-FFF2-40B4-BE49-F238E27FC236}">
+                <a16:creationId xmlns:a16="http://schemas.microsoft.com/office/drawing/2014/main" id="{F3D055C4-FA2B-4B38-8518-806438157ADC}"/>
+              </a:ext>
+            </a:extLst>
+          </p:cNvPr>
+          <p:cNvCxnSpPr>
+            <a:stCxn id="23" idx="0"/>
+            <a:endCxn id="21" idx="2"/>
+          </p:cNvCxnSpPr>
+          <p:nvPr/>
+        </p:nvCxnSpPr>
+        <p:spPr>
+          <a:xfrm flipH="1" flipV="1">
+            <a:off x="5414683" y="1797375"/>
+            <a:ext cx="551328" cy="1313378"/>
+          </a:xfrm>
+          <a:prstGeom prst="straightConnector1">
+            <a:avLst/>
+          </a:prstGeom>
+          <a:ln w="76200">
+            <a:solidFill>
+              <a:schemeClr val="accent1"/>
+            </a:solidFill>
+            <a:tailEnd type="triangle"/>
+          </a:ln>
+        </p:spPr>
+        <p:style>
+          <a:lnRef idx="1">
+            <a:schemeClr val="accent1"/>
+          </a:lnRef>
+          <a:fillRef idx="0">
+            <a:schemeClr val="accent1"/>
+          </a:fillRef>
+          <a:effectRef idx="0">
+            <a:schemeClr val="accent1"/>
+          </a:effectRef>
+          <a:fontRef idx="minor">
+            <a:schemeClr val="tx1"/>
+          </a:fontRef>
+        </p:style>
+      </p:cxnSp>
+      <p:cxnSp>
+        <p:nvCxnSpPr>
+          <p:cNvPr id="30" name="Straight Arrow Connector 29">
+            <a:extLst>
+              <a:ext uri="{FF2B5EF4-FFF2-40B4-BE49-F238E27FC236}">
+                <a16:creationId xmlns:a16="http://schemas.microsoft.com/office/drawing/2014/main" id="{B6D20DF3-D64E-400A-80C2-0972F55ECB8A}"/>
+              </a:ext>
+            </a:extLst>
+          </p:cNvPr>
+          <p:cNvCxnSpPr>
+            <a:stCxn id="24" idx="0"/>
+            <a:endCxn id="21" idx="2"/>
+          </p:cNvCxnSpPr>
+          <p:nvPr/>
+        </p:nvCxnSpPr>
+        <p:spPr>
+          <a:xfrm flipV="1">
+            <a:off x="4755775" y="1797375"/>
+            <a:ext cx="658908" cy="2099520"/>
+          </a:xfrm>
+          <a:prstGeom prst="straightConnector1">
+            <a:avLst/>
+          </a:prstGeom>
+          <a:ln w="76200">
+            <a:solidFill>
+              <a:schemeClr val="accent1"/>
+            </a:solidFill>
+            <a:tailEnd type="triangle"/>
+          </a:ln>
+        </p:spPr>
+        <p:style>
+          <a:lnRef idx="1">
+            <a:schemeClr val="accent1"/>
+          </a:lnRef>
+          <a:fillRef idx="0">
+            <a:schemeClr val="accent1"/>
+          </a:fillRef>
+          <a:effectRef idx="0">
+            <a:schemeClr val="accent1"/>
+          </a:effectRef>
+          <a:fontRef idx="minor">
+            <a:schemeClr val="tx1"/>
+          </a:fontRef>
+        </p:style>
+      </p:cxnSp>
+      <p:cxnSp>
+        <p:nvCxnSpPr>
+          <p:cNvPr id="32" name="Straight Arrow Connector 31">
+            <a:extLst>
+              <a:ext uri="{FF2B5EF4-FFF2-40B4-BE49-F238E27FC236}">
+                <a16:creationId xmlns:a16="http://schemas.microsoft.com/office/drawing/2014/main" id="{AB0A059C-8C1B-4B59-93CF-A482FA6D5CA6}"/>
+              </a:ext>
+            </a:extLst>
+          </p:cNvPr>
+          <p:cNvCxnSpPr>
+            <a:stCxn id="21" idx="0"/>
+            <a:endCxn id="11" idx="1"/>
+          </p:cNvCxnSpPr>
+          <p:nvPr/>
+        </p:nvCxnSpPr>
+        <p:spPr>
+          <a:xfrm flipV="1">
+            <a:off x="5414683" y="856130"/>
+            <a:ext cx="1250575" cy="412327"/>
+          </a:xfrm>
+          <a:prstGeom prst="straightConnector1">
+            <a:avLst/>
+          </a:prstGeom>
+          <a:ln w="76200">
+            <a:solidFill>
+              <a:schemeClr val="accent1"/>
+            </a:solidFill>
+            <a:prstDash val="sysDash"/>
+            <a:tailEnd type="triangle"/>
+          </a:ln>
+        </p:spPr>
+        <p:style>
+          <a:lnRef idx="1">
+            <a:schemeClr val="accent1"/>
+          </a:lnRef>
+          <a:fillRef idx="0">
+            <a:schemeClr val="accent1"/>
+          </a:fillRef>
+          <a:effectRef idx="0">
+            <a:schemeClr val="accent1"/>
+          </a:effectRef>
+          <a:fontRef idx="minor">
+            <a:schemeClr val="tx1"/>
+          </a:fontRef>
+        </p:style>
+      </p:cxnSp>
     </p:spTree>
     <p:extLst>
       <p:ext uri="{BB962C8B-B14F-4D97-AF65-F5344CB8AC3E}">
-        <p14:creationId xmlns:p14="http://schemas.microsoft.com/office/powerpoint/2010/main" val="3054801375"/>
+        <p14:creationId xmlns:p14="http://schemas.microsoft.com/office/powerpoint/2010/main" val="1636575586"/>
       </p:ext>
     </p:extLst>
   </p:cSld>
@@ -3854,7 +4689,7 @@
           <p:cNvPr id="2" name="Title 1">
             <a:extLst>
               <a:ext uri="{FF2B5EF4-FFF2-40B4-BE49-F238E27FC236}">
-                <a16:creationId xmlns:a16="http://schemas.microsoft.com/office/drawing/2014/main" id="{02109A0C-AFFD-406D-90FA-C9E147A26F14}"/>
+                <a16:creationId xmlns:a16="http://schemas.microsoft.com/office/drawing/2014/main" id="{2A824837-C474-418A-9501-24DF1D496575}"/>
               </a:ext>
             </a:extLst>
           </p:cNvPr>
@@ -3872,7 +4707,15 @@
           <a:p>
             <a:r>
               <a:rPr lang="fr-FR" dirty="0"/>
-              <a:t>Webographie</a:t>
+              <a:t>5 </a:t>
+            </a:r>
+            <a:r>
+              <a:rPr lang="fr-FR" dirty="0" err="1"/>
+              <a:t>Angular</a:t>
+            </a:r>
+            <a:r>
+              <a:rPr lang="fr-FR" dirty="0"/>
+              <a:t> artefacts</a:t>
             </a:r>
           </a:p>
         </p:txBody>
@@ -3882,7 +4725,7 @@
           <p:cNvPr id="3" name="Content Placeholder 2">
             <a:extLst>
               <a:ext uri="{FF2B5EF4-FFF2-40B4-BE49-F238E27FC236}">
-                <a16:creationId xmlns:a16="http://schemas.microsoft.com/office/drawing/2014/main" id="{D338E908-3417-4D40-A13D-F91F51EBFCC6}"/>
+                <a16:creationId xmlns:a16="http://schemas.microsoft.com/office/drawing/2014/main" id="{9FDBB396-E9C8-460E-B65A-CE89CB7661EF}"/>
               </a:ext>
             </a:extLst>
           </p:cNvPr>
@@ -3899,6 +4742,2682 @@
           <a:lstStyle/>
           <a:p>
             <a:r>
+              <a:rPr lang="fr-FR" dirty="0"/>
+              <a:t>Module : </a:t>
+            </a:r>
+            <a:r>
+              <a:rPr lang="fr-FR" dirty="0" err="1"/>
+              <a:t>paquest</a:t>
+            </a:r>
+            <a:r>
+              <a:rPr lang="fr-FR" dirty="0"/>
+              <a:t> d’artefact, import ou export module</a:t>
+            </a:r>
+          </a:p>
+          <a:p>
+            <a:r>
+              <a:rPr lang="fr-FR" dirty="0"/>
+              <a:t>Composant : visuel + intelligent</a:t>
+            </a:r>
+          </a:p>
+          <a:p>
+            <a:r>
+              <a:rPr lang="fr-FR" dirty="0"/>
+              <a:t>Directive : intelligent mais s’appuie sur le visuel d’un autre</a:t>
+            </a:r>
+          </a:p>
+          <a:p>
+            <a:r>
+              <a:rPr lang="fr-FR" dirty="0"/>
+              <a:t>Pipe : ls | </a:t>
+            </a:r>
+            <a:r>
+              <a:rPr lang="fr-FR" dirty="0" err="1"/>
+              <a:t>grep</a:t>
+            </a:r>
+            <a:r>
+              <a:rPr lang="fr-FR" dirty="0"/>
+              <a:t> truc</a:t>
+            </a:r>
+          </a:p>
+          <a:p>
+            <a:r>
+              <a:rPr lang="fr-FR" dirty="0"/>
+              <a:t>Service: truc qui dure…</a:t>
+            </a:r>
+          </a:p>
+        </p:txBody>
+      </p:sp>
+    </p:spTree>
+    <p:extLst>
+      <p:ext uri="{BB962C8B-B14F-4D97-AF65-F5344CB8AC3E}">
+        <p14:creationId xmlns:p14="http://schemas.microsoft.com/office/powerpoint/2010/main" val="3054801375"/>
+      </p:ext>
+    </p:extLst>
+  </p:cSld>
+  <p:clrMapOvr>
+    <a:masterClrMapping/>
+  </p:clrMapOvr>
+</p:sld>
+</file>
+
+<file path=ppt/slides/slide12.xml><?xml version="1.0" encoding="utf-8"?>
+<p:sld xmlns:a="http://schemas.openxmlformats.org/drawingml/2006/main" xmlns:r="http://schemas.openxmlformats.org/officeDocument/2006/relationships" xmlns:p="http://schemas.openxmlformats.org/presentationml/2006/main">
+  <p:cSld>
+    <p:spTree>
+      <p:nvGrpSpPr>
+        <p:cNvPr id="1" name=""/>
+        <p:cNvGrpSpPr/>
+        <p:nvPr/>
+      </p:nvGrpSpPr>
+      <p:grpSpPr>
+        <a:xfrm>
+          <a:off x="0" y="0"/>
+          <a:ext cx="0" cy="0"/>
+          <a:chOff x="0" y="0"/>
+          <a:chExt cx="0" cy="0"/>
+        </a:xfrm>
+      </p:grpSpPr>
+      <p:sp>
+        <p:nvSpPr>
+          <p:cNvPr id="4" name="Rectangle 3">
+            <a:extLst>
+              <a:ext uri="{FF2B5EF4-FFF2-40B4-BE49-F238E27FC236}">
+                <a16:creationId xmlns:a16="http://schemas.microsoft.com/office/drawing/2014/main" id="{CF6F62F4-96E9-42BD-8201-29CCA9A6F44B}"/>
+              </a:ext>
+            </a:extLst>
+          </p:cNvPr>
+          <p:cNvSpPr/>
+          <p:nvPr/>
+        </p:nvSpPr>
+        <p:spPr>
+          <a:xfrm>
+            <a:off x="372036" y="1690688"/>
+            <a:ext cx="3227294" cy="4899212"/>
+          </a:xfrm>
+          <a:prstGeom prst="rect">
+            <a:avLst/>
+          </a:prstGeom>
+        </p:spPr>
+        <p:style>
+          <a:lnRef idx="2">
+            <a:schemeClr val="accent1"/>
+          </a:lnRef>
+          <a:fillRef idx="1">
+            <a:schemeClr val="lt1"/>
+          </a:fillRef>
+          <a:effectRef idx="0">
+            <a:schemeClr val="accent1"/>
+          </a:effectRef>
+          <a:fontRef idx="minor">
+            <a:schemeClr val="dk1"/>
+          </a:fontRef>
+        </p:style>
+        <p:txBody>
+          <a:bodyPr rtlCol="0" anchor="ctr"/>
+          <a:lstStyle/>
+          <a:p>
+            <a:pPr algn="ctr"/>
+            <a:endParaRPr lang="fr-FR"/>
+          </a:p>
+        </p:txBody>
+      </p:sp>
+      <p:sp>
+        <p:nvSpPr>
+          <p:cNvPr id="5" name="Rectangle 4">
+            <a:extLst>
+              <a:ext uri="{FF2B5EF4-FFF2-40B4-BE49-F238E27FC236}">
+                <a16:creationId xmlns:a16="http://schemas.microsoft.com/office/drawing/2014/main" id="{D2D5EE56-B0B0-401E-A448-2D90A43F176A}"/>
+              </a:ext>
+            </a:extLst>
+          </p:cNvPr>
+          <p:cNvSpPr/>
+          <p:nvPr/>
+        </p:nvSpPr>
+        <p:spPr>
+          <a:xfrm>
+            <a:off x="372036" y="1690688"/>
+            <a:ext cx="3227294" cy="636494"/>
+          </a:xfrm>
+          <a:prstGeom prst="rect">
+            <a:avLst/>
+          </a:prstGeom>
+        </p:spPr>
+        <p:style>
+          <a:lnRef idx="2">
+            <a:schemeClr val="accent1">
+              <a:shade val="50000"/>
+            </a:schemeClr>
+          </a:lnRef>
+          <a:fillRef idx="1">
+            <a:schemeClr val="accent1"/>
+          </a:fillRef>
+          <a:effectRef idx="0">
+            <a:schemeClr val="accent1"/>
+          </a:effectRef>
+          <a:fontRef idx="minor">
+            <a:schemeClr val="lt1"/>
+          </a:fontRef>
+        </p:style>
+        <p:txBody>
+          <a:bodyPr rtlCol="0" anchor="ctr"/>
+          <a:lstStyle/>
+          <a:p>
+            <a:pPr algn="ctr"/>
+            <a:endParaRPr lang="fr-FR"/>
+          </a:p>
+        </p:txBody>
+      </p:sp>
+      <p:sp>
+        <p:nvSpPr>
+          <p:cNvPr id="6" name="Rectangle 5">
+            <a:extLst>
+              <a:ext uri="{FF2B5EF4-FFF2-40B4-BE49-F238E27FC236}">
+                <a16:creationId xmlns:a16="http://schemas.microsoft.com/office/drawing/2014/main" id="{B0DD19F9-29D5-40D8-A555-D23F45425805}"/>
+              </a:ext>
+            </a:extLst>
+          </p:cNvPr>
+          <p:cNvSpPr/>
+          <p:nvPr/>
+        </p:nvSpPr>
+        <p:spPr>
+          <a:xfrm>
+            <a:off x="372036" y="5953406"/>
+            <a:ext cx="3227294" cy="636494"/>
+          </a:xfrm>
+          <a:prstGeom prst="rect">
+            <a:avLst/>
+          </a:prstGeom>
+        </p:spPr>
+        <p:style>
+          <a:lnRef idx="2">
+            <a:schemeClr val="accent1">
+              <a:shade val="50000"/>
+            </a:schemeClr>
+          </a:lnRef>
+          <a:fillRef idx="1">
+            <a:schemeClr val="accent1"/>
+          </a:fillRef>
+          <a:effectRef idx="0">
+            <a:schemeClr val="accent1"/>
+          </a:effectRef>
+          <a:fontRef idx="minor">
+            <a:schemeClr val="lt1"/>
+          </a:fontRef>
+        </p:style>
+        <p:txBody>
+          <a:bodyPr rtlCol="0" anchor="ctr"/>
+          <a:lstStyle/>
+          <a:p>
+            <a:pPr algn="ctr"/>
+            <a:r>
+              <a:rPr lang="fr-FR" dirty="0"/>
+              <a:t>Mention </a:t>
+            </a:r>
+            <a:r>
+              <a:rPr lang="fr-FR" dirty="0" err="1"/>
+              <a:t>Legales</a:t>
+            </a:r>
+            <a:endParaRPr lang="fr-FR" dirty="0"/>
+          </a:p>
+        </p:txBody>
+      </p:sp>
+      <p:sp>
+        <p:nvSpPr>
+          <p:cNvPr id="7" name="Rectangle 6">
+            <a:extLst>
+              <a:ext uri="{FF2B5EF4-FFF2-40B4-BE49-F238E27FC236}">
+                <a16:creationId xmlns:a16="http://schemas.microsoft.com/office/drawing/2014/main" id="{36CDFBFB-9354-4A5D-8819-4E8396DE817F}"/>
+              </a:ext>
+            </a:extLst>
+          </p:cNvPr>
+          <p:cNvSpPr/>
+          <p:nvPr/>
+        </p:nvSpPr>
+        <p:spPr>
+          <a:xfrm>
+            <a:off x="524436" y="1865500"/>
+            <a:ext cx="694765" cy="331694"/>
+          </a:xfrm>
+          <a:prstGeom prst="rect">
+            <a:avLst/>
+          </a:prstGeom>
+        </p:spPr>
+        <p:style>
+          <a:lnRef idx="2">
+            <a:schemeClr val="accent2"/>
+          </a:lnRef>
+          <a:fillRef idx="1">
+            <a:schemeClr val="lt1"/>
+          </a:fillRef>
+          <a:effectRef idx="0">
+            <a:schemeClr val="accent2"/>
+          </a:effectRef>
+          <a:fontRef idx="minor">
+            <a:schemeClr val="dk1"/>
+          </a:fontRef>
+        </p:style>
+        <p:txBody>
+          <a:bodyPr rtlCol="0" anchor="ctr"/>
+          <a:lstStyle/>
+          <a:p>
+            <a:pPr algn="ctr"/>
+            <a:r>
+              <a:rPr lang="fr-FR" dirty="0"/>
+              <a:t>Logo</a:t>
+            </a:r>
+          </a:p>
+        </p:txBody>
+      </p:sp>
+      <p:sp>
+        <p:nvSpPr>
+          <p:cNvPr id="8" name="TextBox 7">
+            <a:extLst>
+              <a:ext uri="{FF2B5EF4-FFF2-40B4-BE49-F238E27FC236}">
+                <a16:creationId xmlns:a16="http://schemas.microsoft.com/office/drawing/2014/main" id="{891C13AE-39CF-45AF-94FC-71C35D1CB46B}"/>
+              </a:ext>
+            </a:extLst>
+          </p:cNvPr>
+          <p:cNvSpPr txBox="1"/>
+          <p:nvPr/>
+        </p:nvSpPr>
+        <p:spPr>
+          <a:xfrm>
+            <a:off x="1219201" y="1824269"/>
+            <a:ext cx="1463862" cy="369332"/>
+          </a:xfrm>
+          <a:prstGeom prst="rect">
+            <a:avLst/>
+          </a:prstGeom>
+          <a:noFill/>
+        </p:spPr>
+        <p:txBody>
+          <a:bodyPr wrap="none" rtlCol="0">
+            <a:spAutoFit/>
+          </a:bodyPr>
+          <a:lstStyle/>
+          <a:p>
+            <a:r>
+              <a:rPr lang="fr-FR" dirty="0"/>
+              <a:t>Gestion Stock</a:t>
+            </a:r>
+          </a:p>
+        </p:txBody>
+      </p:sp>
+      <p:sp>
+        <p:nvSpPr>
+          <p:cNvPr id="9" name="TextBox 8">
+            <a:extLst>
+              <a:ext uri="{FF2B5EF4-FFF2-40B4-BE49-F238E27FC236}">
+                <a16:creationId xmlns:a16="http://schemas.microsoft.com/office/drawing/2014/main" id="{9500213B-3C0E-41D1-87AA-0AC674FCAB74}"/>
+              </a:ext>
+            </a:extLst>
+          </p:cNvPr>
+          <p:cNvSpPr txBox="1"/>
+          <p:nvPr/>
+        </p:nvSpPr>
+        <p:spPr>
+          <a:xfrm>
+            <a:off x="443754" y="3393982"/>
+            <a:ext cx="3205878" cy="369332"/>
+          </a:xfrm>
+          <a:prstGeom prst="rect">
+            <a:avLst/>
+          </a:prstGeom>
+          <a:noFill/>
+        </p:spPr>
+        <p:txBody>
+          <a:bodyPr wrap="none" rtlCol="0">
+            <a:spAutoFit/>
+          </a:bodyPr>
+          <a:lstStyle/>
+          <a:p>
+            <a:r>
+              <a:rPr lang="fr-FR" dirty="0" err="1"/>
+              <a:t>Gerer</a:t>
+            </a:r>
+            <a:r>
+              <a:rPr lang="fr-FR" dirty="0"/>
+              <a:t> efficacement votre stock !</a:t>
+            </a:r>
+          </a:p>
+        </p:txBody>
+      </p:sp>
+      <p:sp>
+        <p:nvSpPr>
+          <p:cNvPr id="10" name="Rectangle 9">
+            <a:extLst>
+              <a:ext uri="{FF2B5EF4-FFF2-40B4-BE49-F238E27FC236}">
+                <a16:creationId xmlns:a16="http://schemas.microsoft.com/office/drawing/2014/main" id="{3B4358F9-34FF-4FDF-9D17-01EFB20E9AA6}"/>
+              </a:ext>
+            </a:extLst>
+          </p:cNvPr>
+          <p:cNvSpPr/>
+          <p:nvPr/>
+        </p:nvSpPr>
+        <p:spPr>
+          <a:xfrm>
+            <a:off x="1139016" y="3896895"/>
+            <a:ext cx="1815353" cy="470647"/>
+          </a:xfrm>
+          <a:prstGeom prst="rect">
+            <a:avLst/>
+          </a:prstGeom>
+        </p:spPr>
+        <p:style>
+          <a:lnRef idx="2">
+            <a:schemeClr val="accent1">
+              <a:shade val="50000"/>
+            </a:schemeClr>
+          </a:lnRef>
+          <a:fillRef idx="1">
+            <a:schemeClr val="accent1"/>
+          </a:fillRef>
+          <a:effectRef idx="0">
+            <a:schemeClr val="accent1"/>
+          </a:effectRef>
+          <a:fontRef idx="minor">
+            <a:schemeClr val="lt1"/>
+          </a:fontRef>
+        </p:style>
+        <p:txBody>
+          <a:bodyPr rtlCol="0" anchor="ctr"/>
+          <a:lstStyle/>
+          <a:p>
+            <a:pPr algn="ctr"/>
+            <a:r>
+              <a:rPr lang="fr-FR" dirty="0"/>
+              <a:t>Voir le stock</a:t>
+            </a:r>
+          </a:p>
+        </p:txBody>
+      </p:sp>
+      <p:sp>
+        <p:nvSpPr>
+          <p:cNvPr id="11" name="Rectangle 10">
+            <a:extLst>
+              <a:ext uri="{FF2B5EF4-FFF2-40B4-BE49-F238E27FC236}">
+                <a16:creationId xmlns:a16="http://schemas.microsoft.com/office/drawing/2014/main" id="{07FC6C40-EE5D-4565-8682-148A2883F62E}"/>
+              </a:ext>
+            </a:extLst>
+          </p:cNvPr>
+          <p:cNvSpPr/>
+          <p:nvPr/>
+        </p:nvSpPr>
+        <p:spPr>
+          <a:xfrm>
+            <a:off x="6665258" y="600635"/>
+            <a:ext cx="1138517" cy="510989"/>
+          </a:xfrm>
+          <a:prstGeom prst="rect">
+            <a:avLst/>
+          </a:prstGeom>
+        </p:spPr>
+        <p:style>
+          <a:lnRef idx="2">
+            <a:schemeClr val="accent1">
+              <a:shade val="50000"/>
+            </a:schemeClr>
+          </a:lnRef>
+          <a:fillRef idx="1">
+            <a:schemeClr val="accent1"/>
+          </a:fillRef>
+          <a:effectRef idx="0">
+            <a:schemeClr val="accent1"/>
+          </a:effectRef>
+          <a:fontRef idx="minor">
+            <a:schemeClr val="lt1"/>
+          </a:fontRef>
+        </p:style>
+        <p:txBody>
+          <a:bodyPr rtlCol="0" anchor="ctr"/>
+          <a:lstStyle/>
+          <a:p>
+            <a:pPr algn="ctr"/>
+            <a:r>
+              <a:rPr lang="fr-FR" dirty="0"/>
+              <a:t>App</a:t>
+            </a:r>
+          </a:p>
+        </p:txBody>
+      </p:sp>
+      <p:sp>
+        <p:nvSpPr>
+          <p:cNvPr id="14" name="Oval 13">
+            <a:extLst>
+              <a:ext uri="{FF2B5EF4-FFF2-40B4-BE49-F238E27FC236}">
+                <a16:creationId xmlns:a16="http://schemas.microsoft.com/office/drawing/2014/main" id="{9AD4A4D4-2744-4E75-961A-8A0C37658AEE}"/>
+              </a:ext>
+            </a:extLst>
+          </p:cNvPr>
+          <p:cNvSpPr/>
+          <p:nvPr/>
+        </p:nvSpPr>
+        <p:spPr>
+          <a:xfrm>
+            <a:off x="6665258" y="1678082"/>
+            <a:ext cx="1210236" cy="636494"/>
+          </a:xfrm>
+          <a:prstGeom prst="ellipse">
+            <a:avLst/>
+          </a:prstGeom>
+        </p:spPr>
+        <p:style>
+          <a:lnRef idx="2">
+            <a:schemeClr val="accent6">
+              <a:shade val="50000"/>
+            </a:schemeClr>
+          </a:lnRef>
+          <a:fillRef idx="1">
+            <a:schemeClr val="accent6"/>
+          </a:fillRef>
+          <a:effectRef idx="0">
+            <a:schemeClr val="accent6"/>
+          </a:effectRef>
+          <a:fontRef idx="minor">
+            <a:schemeClr val="lt1"/>
+          </a:fontRef>
+        </p:style>
+        <p:txBody>
+          <a:bodyPr rtlCol="0" anchor="ctr"/>
+          <a:lstStyle/>
+          <a:p>
+            <a:pPr algn="ctr"/>
+            <a:r>
+              <a:rPr lang="fr-FR" dirty="0"/>
+              <a:t>App</a:t>
+            </a:r>
+          </a:p>
+        </p:txBody>
+      </p:sp>
+      <p:cxnSp>
+        <p:nvCxnSpPr>
+          <p:cNvPr id="16" name="Straight Arrow Connector 15">
+            <a:extLst>
+              <a:ext uri="{FF2B5EF4-FFF2-40B4-BE49-F238E27FC236}">
+                <a16:creationId xmlns:a16="http://schemas.microsoft.com/office/drawing/2014/main" id="{37E5076F-A72F-48E0-9380-54785F8EB8B3}"/>
+              </a:ext>
+            </a:extLst>
+          </p:cNvPr>
+          <p:cNvCxnSpPr>
+            <a:stCxn id="14" idx="0"/>
+            <a:endCxn id="11" idx="2"/>
+          </p:cNvCxnSpPr>
+          <p:nvPr/>
+        </p:nvCxnSpPr>
+        <p:spPr>
+          <a:xfrm flipH="1" flipV="1">
+            <a:off x="7234517" y="1111624"/>
+            <a:ext cx="35859" cy="566458"/>
+          </a:xfrm>
+          <a:prstGeom prst="straightConnector1">
+            <a:avLst/>
+          </a:prstGeom>
+          <a:ln w="76200">
+            <a:solidFill>
+              <a:schemeClr val="accent1"/>
+            </a:solidFill>
+            <a:tailEnd type="triangle"/>
+          </a:ln>
+        </p:spPr>
+        <p:style>
+          <a:lnRef idx="1">
+            <a:schemeClr val="accent1"/>
+          </a:lnRef>
+          <a:fillRef idx="0">
+            <a:schemeClr val="accent1"/>
+          </a:fillRef>
+          <a:effectRef idx="0">
+            <a:schemeClr val="accent1"/>
+          </a:effectRef>
+          <a:fontRef idx="minor">
+            <a:schemeClr val="tx1"/>
+          </a:fontRef>
+        </p:style>
+      </p:cxnSp>
+      <p:sp>
+        <p:nvSpPr>
+          <p:cNvPr id="18" name="Rectangle 17">
+            <a:extLst>
+              <a:ext uri="{FF2B5EF4-FFF2-40B4-BE49-F238E27FC236}">
+                <a16:creationId xmlns:a16="http://schemas.microsoft.com/office/drawing/2014/main" id="{BE8FCBE2-7001-41DC-ABE9-014C5C4C3D59}"/>
+              </a:ext>
+            </a:extLst>
+          </p:cNvPr>
+          <p:cNvSpPr/>
+          <p:nvPr/>
+        </p:nvSpPr>
+        <p:spPr>
+          <a:xfrm>
+            <a:off x="8709211" y="605117"/>
+            <a:ext cx="1833283" cy="510989"/>
+          </a:xfrm>
+          <a:prstGeom prst="rect">
+            <a:avLst/>
+          </a:prstGeom>
+        </p:spPr>
+        <p:style>
+          <a:lnRef idx="2">
+            <a:schemeClr val="accent1">
+              <a:shade val="50000"/>
+            </a:schemeClr>
+          </a:lnRef>
+          <a:fillRef idx="1">
+            <a:schemeClr val="accent1"/>
+          </a:fillRef>
+          <a:effectRef idx="0">
+            <a:schemeClr val="accent1"/>
+          </a:effectRef>
+          <a:fontRef idx="minor">
+            <a:schemeClr val="lt1"/>
+          </a:fontRef>
+        </p:style>
+        <p:txBody>
+          <a:bodyPr rtlCol="0" anchor="ctr"/>
+          <a:lstStyle/>
+          <a:p>
+            <a:pPr algn="ctr"/>
+            <a:r>
+              <a:rPr lang="fr-FR" dirty="0" err="1"/>
+              <a:t>AppRouting</a:t>
+            </a:r>
+            <a:endParaRPr lang="fr-FR" dirty="0"/>
+          </a:p>
+        </p:txBody>
+      </p:sp>
+      <p:cxnSp>
+        <p:nvCxnSpPr>
+          <p:cNvPr id="20" name="Straight Arrow Connector 19">
+            <a:extLst>
+              <a:ext uri="{FF2B5EF4-FFF2-40B4-BE49-F238E27FC236}">
+                <a16:creationId xmlns:a16="http://schemas.microsoft.com/office/drawing/2014/main" id="{C83F8A27-4B84-46E1-A67E-66AC0573C898}"/>
+              </a:ext>
+            </a:extLst>
+          </p:cNvPr>
+          <p:cNvCxnSpPr>
+            <a:endCxn id="11" idx="3"/>
+          </p:cNvCxnSpPr>
+          <p:nvPr/>
+        </p:nvCxnSpPr>
+        <p:spPr>
+          <a:xfrm flipH="1" flipV="1">
+            <a:off x="7803775" y="856130"/>
+            <a:ext cx="824754" cy="13446"/>
+          </a:xfrm>
+          <a:prstGeom prst="straightConnector1">
+            <a:avLst/>
+          </a:prstGeom>
+          <a:ln w="76200">
+            <a:solidFill>
+              <a:schemeClr val="accent1"/>
+            </a:solidFill>
+            <a:prstDash val="sysDash"/>
+            <a:tailEnd type="triangle"/>
+          </a:ln>
+        </p:spPr>
+        <p:style>
+          <a:lnRef idx="1">
+            <a:schemeClr val="accent1"/>
+          </a:lnRef>
+          <a:fillRef idx="0">
+            <a:schemeClr val="accent1"/>
+          </a:fillRef>
+          <a:effectRef idx="0">
+            <a:schemeClr val="accent1"/>
+          </a:effectRef>
+          <a:fontRef idx="minor">
+            <a:schemeClr val="tx1"/>
+          </a:fontRef>
+        </p:style>
+      </p:cxnSp>
+      <p:sp>
+        <p:nvSpPr>
+          <p:cNvPr id="21" name="Rectangle 20">
+            <a:extLst>
+              <a:ext uri="{FF2B5EF4-FFF2-40B4-BE49-F238E27FC236}">
+                <a16:creationId xmlns:a16="http://schemas.microsoft.com/office/drawing/2014/main" id="{79FC1160-3126-4EE1-8180-93B4ECA2483C}"/>
+              </a:ext>
+            </a:extLst>
+          </p:cNvPr>
+          <p:cNvSpPr/>
+          <p:nvPr/>
+        </p:nvSpPr>
+        <p:spPr>
+          <a:xfrm>
+            <a:off x="4809565" y="1268457"/>
+            <a:ext cx="1210236" cy="528918"/>
+          </a:xfrm>
+          <a:prstGeom prst="rect">
+            <a:avLst/>
+          </a:prstGeom>
+        </p:spPr>
+        <p:style>
+          <a:lnRef idx="2">
+            <a:schemeClr val="accent1">
+              <a:shade val="50000"/>
+            </a:schemeClr>
+          </a:lnRef>
+          <a:fillRef idx="1">
+            <a:schemeClr val="accent1"/>
+          </a:fillRef>
+          <a:effectRef idx="0">
+            <a:schemeClr val="accent1"/>
+          </a:effectRef>
+          <a:fontRef idx="minor">
+            <a:schemeClr val="lt1"/>
+          </a:fontRef>
+        </p:style>
+        <p:txBody>
+          <a:bodyPr rtlCol="0" anchor="ctr"/>
+          <a:lstStyle/>
+          <a:p>
+            <a:pPr algn="ctr"/>
+            <a:r>
+              <a:rPr lang="fr-FR" dirty="0" err="1"/>
+              <a:t>Layout</a:t>
+            </a:r>
+            <a:endParaRPr lang="fr-FR" dirty="0"/>
+          </a:p>
+        </p:txBody>
+      </p:sp>
+      <p:sp>
+        <p:nvSpPr>
+          <p:cNvPr id="22" name="Oval 21">
+            <a:extLst>
+              <a:ext uri="{FF2B5EF4-FFF2-40B4-BE49-F238E27FC236}">
+                <a16:creationId xmlns:a16="http://schemas.microsoft.com/office/drawing/2014/main" id="{1F63F3A8-D2B2-467B-B6B4-9F691AA841CD}"/>
+              </a:ext>
+            </a:extLst>
+          </p:cNvPr>
+          <p:cNvSpPr/>
+          <p:nvPr/>
+        </p:nvSpPr>
+        <p:spPr>
+          <a:xfrm>
+            <a:off x="3922058" y="2199765"/>
+            <a:ext cx="1264025" cy="636494"/>
+          </a:xfrm>
+          <a:prstGeom prst="ellipse">
+            <a:avLst/>
+          </a:prstGeom>
+        </p:spPr>
+        <p:style>
+          <a:lnRef idx="2">
+            <a:schemeClr val="accent6">
+              <a:shade val="50000"/>
+            </a:schemeClr>
+          </a:lnRef>
+          <a:fillRef idx="1">
+            <a:schemeClr val="accent6"/>
+          </a:fillRef>
+          <a:effectRef idx="0">
+            <a:schemeClr val="accent6"/>
+          </a:effectRef>
+          <a:fontRef idx="minor">
+            <a:schemeClr val="lt1"/>
+          </a:fontRef>
+        </p:style>
+        <p:txBody>
+          <a:bodyPr rtlCol="0" anchor="ctr"/>
+          <a:lstStyle/>
+          <a:p>
+            <a:pPr algn="ctr"/>
+            <a:r>
+              <a:rPr lang="fr-FR" dirty="0"/>
+              <a:t>Header</a:t>
+            </a:r>
+          </a:p>
+        </p:txBody>
+      </p:sp>
+      <p:sp>
+        <p:nvSpPr>
+          <p:cNvPr id="23" name="Oval 22">
+            <a:extLst>
+              <a:ext uri="{FF2B5EF4-FFF2-40B4-BE49-F238E27FC236}">
+                <a16:creationId xmlns:a16="http://schemas.microsoft.com/office/drawing/2014/main" id="{269E3F1F-C2F6-4166-88F4-D34FB50701F2}"/>
+              </a:ext>
+            </a:extLst>
+          </p:cNvPr>
+          <p:cNvSpPr/>
+          <p:nvPr/>
+        </p:nvSpPr>
+        <p:spPr>
+          <a:xfrm>
+            <a:off x="5360893" y="3110753"/>
+            <a:ext cx="1210236" cy="636494"/>
+          </a:xfrm>
+          <a:prstGeom prst="ellipse">
+            <a:avLst/>
+          </a:prstGeom>
+        </p:spPr>
+        <p:style>
+          <a:lnRef idx="2">
+            <a:schemeClr val="accent6">
+              <a:shade val="50000"/>
+            </a:schemeClr>
+          </a:lnRef>
+          <a:fillRef idx="1">
+            <a:schemeClr val="accent6"/>
+          </a:fillRef>
+          <a:effectRef idx="0">
+            <a:schemeClr val="accent6"/>
+          </a:effectRef>
+          <a:fontRef idx="minor">
+            <a:schemeClr val="lt1"/>
+          </a:fontRef>
+        </p:style>
+        <p:txBody>
+          <a:bodyPr rtlCol="0" anchor="ctr"/>
+          <a:lstStyle/>
+          <a:p>
+            <a:pPr algn="ctr"/>
+            <a:r>
+              <a:rPr lang="fr-FR" dirty="0" err="1"/>
+              <a:t>Footer</a:t>
+            </a:r>
+            <a:endParaRPr lang="fr-FR" dirty="0"/>
+          </a:p>
+        </p:txBody>
+      </p:sp>
+      <p:sp>
+        <p:nvSpPr>
+          <p:cNvPr id="24" name="Oval 23">
+            <a:extLst>
+              <a:ext uri="{FF2B5EF4-FFF2-40B4-BE49-F238E27FC236}">
+                <a16:creationId xmlns:a16="http://schemas.microsoft.com/office/drawing/2014/main" id="{A24F93BA-EBD3-41A6-83C4-C54C66AD5453}"/>
+              </a:ext>
+            </a:extLst>
+          </p:cNvPr>
+          <p:cNvSpPr/>
+          <p:nvPr/>
+        </p:nvSpPr>
+        <p:spPr>
+          <a:xfrm>
+            <a:off x="4150657" y="3896895"/>
+            <a:ext cx="1210236" cy="636494"/>
+          </a:xfrm>
+          <a:prstGeom prst="ellipse">
+            <a:avLst/>
+          </a:prstGeom>
+        </p:spPr>
+        <p:style>
+          <a:lnRef idx="2">
+            <a:schemeClr val="accent6">
+              <a:shade val="50000"/>
+            </a:schemeClr>
+          </a:lnRef>
+          <a:fillRef idx="1">
+            <a:schemeClr val="accent6"/>
+          </a:fillRef>
+          <a:effectRef idx="0">
+            <a:schemeClr val="accent6"/>
+          </a:effectRef>
+          <a:fontRef idx="minor">
+            <a:schemeClr val="lt1"/>
+          </a:fontRef>
+        </p:style>
+        <p:txBody>
+          <a:bodyPr rtlCol="0" anchor="ctr"/>
+          <a:lstStyle/>
+          <a:p>
+            <a:pPr algn="ctr"/>
+            <a:r>
+              <a:rPr lang="fr-FR" dirty="0"/>
+              <a:t>Body</a:t>
+            </a:r>
+          </a:p>
+        </p:txBody>
+      </p:sp>
+      <p:cxnSp>
+        <p:nvCxnSpPr>
+          <p:cNvPr id="26" name="Straight Arrow Connector 25">
+            <a:extLst>
+              <a:ext uri="{FF2B5EF4-FFF2-40B4-BE49-F238E27FC236}">
+                <a16:creationId xmlns:a16="http://schemas.microsoft.com/office/drawing/2014/main" id="{B10E8DCF-512A-426B-95FC-480B8801F175}"/>
+              </a:ext>
+            </a:extLst>
+          </p:cNvPr>
+          <p:cNvCxnSpPr>
+            <a:stCxn id="22" idx="0"/>
+            <a:endCxn id="21" idx="2"/>
+          </p:cNvCxnSpPr>
+          <p:nvPr/>
+        </p:nvCxnSpPr>
+        <p:spPr>
+          <a:xfrm flipV="1">
+            <a:off x="4554071" y="1797375"/>
+            <a:ext cx="860612" cy="402390"/>
+          </a:xfrm>
+          <a:prstGeom prst="straightConnector1">
+            <a:avLst/>
+          </a:prstGeom>
+          <a:ln w="76200">
+            <a:solidFill>
+              <a:schemeClr val="accent1"/>
+            </a:solidFill>
+            <a:tailEnd type="triangle"/>
+          </a:ln>
+        </p:spPr>
+        <p:style>
+          <a:lnRef idx="1">
+            <a:schemeClr val="accent1"/>
+          </a:lnRef>
+          <a:fillRef idx="0">
+            <a:schemeClr val="accent1"/>
+          </a:fillRef>
+          <a:effectRef idx="0">
+            <a:schemeClr val="accent1"/>
+          </a:effectRef>
+          <a:fontRef idx="minor">
+            <a:schemeClr val="tx1"/>
+          </a:fontRef>
+        </p:style>
+      </p:cxnSp>
+      <p:cxnSp>
+        <p:nvCxnSpPr>
+          <p:cNvPr id="28" name="Straight Arrow Connector 27">
+            <a:extLst>
+              <a:ext uri="{FF2B5EF4-FFF2-40B4-BE49-F238E27FC236}">
+                <a16:creationId xmlns:a16="http://schemas.microsoft.com/office/drawing/2014/main" id="{F3D055C4-FA2B-4B38-8518-806438157ADC}"/>
+              </a:ext>
+            </a:extLst>
+          </p:cNvPr>
+          <p:cNvCxnSpPr>
+            <a:stCxn id="23" idx="0"/>
+            <a:endCxn id="21" idx="2"/>
+          </p:cNvCxnSpPr>
+          <p:nvPr/>
+        </p:nvCxnSpPr>
+        <p:spPr>
+          <a:xfrm flipH="1" flipV="1">
+            <a:off x="5414683" y="1797375"/>
+            <a:ext cx="551328" cy="1313378"/>
+          </a:xfrm>
+          <a:prstGeom prst="straightConnector1">
+            <a:avLst/>
+          </a:prstGeom>
+          <a:ln w="76200">
+            <a:solidFill>
+              <a:schemeClr val="accent1"/>
+            </a:solidFill>
+            <a:tailEnd type="triangle"/>
+          </a:ln>
+        </p:spPr>
+        <p:style>
+          <a:lnRef idx="1">
+            <a:schemeClr val="accent1"/>
+          </a:lnRef>
+          <a:fillRef idx="0">
+            <a:schemeClr val="accent1"/>
+          </a:fillRef>
+          <a:effectRef idx="0">
+            <a:schemeClr val="accent1"/>
+          </a:effectRef>
+          <a:fontRef idx="minor">
+            <a:schemeClr val="tx1"/>
+          </a:fontRef>
+        </p:style>
+      </p:cxnSp>
+      <p:cxnSp>
+        <p:nvCxnSpPr>
+          <p:cNvPr id="30" name="Straight Arrow Connector 29">
+            <a:extLst>
+              <a:ext uri="{FF2B5EF4-FFF2-40B4-BE49-F238E27FC236}">
+                <a16:creationId xmlns:a16="http://schemas.microsoft.com/office/drawing/2014/main" id="{B6D20DF3-D64E-400A-80C2-0972F55ECB8A}"/>
+              </a:ext>
+            </a:extLst>
+          </p:cNvPr>
+          <p:cNvCxnSpPr>
+            <a:stCxn id="24" idx="0"/>
+            <a:endCxn id="21" idx="2"/>
+          </p:cNvCxnSpPr>
+          <p:nvPr/>
+        </p:nvCxnSpPr>
+        <p:spPr>
+          <a:xfrm flipV="1">
+            <a:off x="4755775" y="1797375"/>
+            <a:ext cx="658908" cy="2099520"/>
+          </a:xfrm>
+          <a:prstGeom prst="straightConnector1">
+            <a:avLst/>
+          </a:prstGeom>
+          <a:ln w="76200">
+            <a:solidFill>
+              <a:schemeClr val="accent1"/>
+            </a:solidFill>
+            <a:tailEnd type="triangle"/>
+          </a:ln>
+        </p:spPr>
+        <p:style>
+          <a:lnRef idx="1">
+            <a:schemeClr val="accent1"/>
+          </a:lnRef>
+          <a:fillRef idx="0">
+            <a:schemeClr val="accent1"/>
+          </a:fillRef>
+          <a:effectRef idx="0">
+            <a:schemeClr val="accent1"/>
+          </a:effectRef>
+          <a:fontRef idx="minor">
+            <a:schemeClr val="tx1"/>
+          </a:fontRef>
+        </p:style>
+      </p:cxnSp>
+      <p:cxnSp>
+        <p:nvCxnSpPr>
+          <p:cNvPr id="32" name="Straight Arrow Connector 31">
+            <a:extLst>
+              <a:ext uri="{FF2B5EF4-FFF2-40B4-BE49-F238E27FC236}">
+                <a16:creationId xmlns:a16="http://schemas.microsoft.com/office/drawing/2014/main" id="{AB0A059C-8C1B-4B59-93CF-A482FA6D5CA6}"/>
+              </a:ext>
+            </a:extLst>
+          </p:cNvPr>
+          <p:cNvCxnSpPr>
+            <a:stCxn id="21" idx="0"/>
+            <a:endCxn id="11" idx="1"/>
+          </p:cNvCxnSpPr>
+          <p:nvPr/>
+        </p:nvCxnSpPr>
+        <p:spPr>
+          <a:xfrm flipV="1">
+            <a:off x="5414683" y="856130"/>
+            <a:ext cx="1250575" cy="412327"/>
+          </a:xfrm>
+          <a:prstGeom prst="straightConnector1">
+            <a:avLst/>
+          </a:prstGeom>
+          <a:ln w="76200">
+            <a:solidFill>
+              <a:schemeClr val="accent1"/>
+            </a:solidFill>
+            <a:prstDash val="sysDash"/>
+            <a:tailEnd type="triangle"/>
+          </a:ln>
+        </p:spPr>
+        <p:style>
+          <a:lnRef idx="1">
+            <a:schemeClr val="accent1"/>
+          </a:lnRef>
+          <a:fillRef idx="0">
+            <a:schemeClr val="accent1"/>
+          </a:fillRef>
+          <a:effectRef idx="0">
+            <a:schemeClr val="accent1"/>
+          </a:effectRef>
+          <a:fontRef idx="minor">
+            <a:schemeClr val="tx1"/>
+          </a:fontRef>
+        </p:style>
+      </p:cxnSp>
+      <p:sp>
+        <p:nvSpPr>
+          <p:cNvPr id="25" name="Oval 24">
+            <a:extLst>
+              <a:ext uri="{FF2B5EF4-FFF2-40B4-BE49-F238E27FC236}">
+                <a16:creationId xmlns:a16="http://schemas.microsoft.com/office/drawing/2014/main" id="{E64C1AB3-2B26-439E-AECC-A29FF3788CD6}"/>
+              </a:ext>
+            </a:extLst>
+          </p:cNvPr>
+          <p:cNvSpPr/>
+          <p:nvPr/>
+        </p:nvSpPr>
+        <p:spPr>
+          <a:xfrm>
+            <a:off x="8254434" y="2204018"/>
+            <a:ext cx="1210236" cy="636494"/>
+          </a:xfrm>
+          <a:prstGeom prst="ellipse">
+            <a:avLst/>
+          </a:prstGeom>
+        </p:spPr>
+        <p:style>
+          <a:lnRef idx="2">
+            <a:schemeClr val="accent6">
+              <a:shade val="50000"/>
+            </a:schemeClr>
+          </a:lnRef>
+          <a:fillRef idx="1">
+            <a:schemeClr val="accent6"/>
+          </a:fillRef>
+          <a:effectRef idx="0">
+            <a:schemeClr val="accent6"/>
+          </a:effectRef>
+          <a:fontRef idx="minor">
+            <a:schemeClr val="lt1"/>
+          </a:fontRef>
+        </p:style>
+        <p:txBody>
+          <a:bodyPr rtlCol="0" anchor="ctr"/>
+          <a:lstStyle/>
+          <a:p>
+            <a:pPr algn="ctr"/>
+            <a:r>
+              <a:rPr lang="fr-FR" dirty="0"/>
+              <a:t>Home</a:t>
+            </a:r>
+          </a:p>
+        </p:txBody>
+      </p:sp>
+      <p:sp>
+        <p:nvSpPr>
+          <p:cNvPr id="27" name="Oval 26">
+            <a:extLst>
+              <a:ext uri="{FF2B5EF4-FFF2-40B4-BE49-F238E27FC236}">
+                <a16:creationId xmlns:a16="http://schemas.microsoft.com/office/drawing/2014/main" id="{6AE035DE-8D0A-48A5-A578-25288891C4B3}"/>
+              </a:ext>
+            </a:extLst>
+          </p:cNvPr>
+          <p:cNvSpPr/>
+          <p:nvPr/>
+        </p:nvSpPr>
+        <p:spPr>
+          <a:xfrm>
+            <a:off x="8252011" y="3203200"/>
+            <a:ext cx="1210236" cy="636494"/>
+          </a:xfrm>
+          <a:prstGeom prst="ellipse">
+            <a:avLst/>
+          </a:prstGeom>
+        </p:spPr>
+        <p:style>
+          <a:lnRef idx="2">
+            <a:schemeClr val="accent6">
+              <a:shade val="50000"/>
+            </a:schemeClr>
+          </a:lnRef>
+          <a:fillRef idx="1">
+            <a:schemeClr val="accent6"/>
+          </a:fillRef>
+          <a:effectRef idx="0">
+            <a:schemeClr val="accent6"/>
+          </a:effectRef>
+          <a:fontRef idx="minor">
+            <a:schemeClr val="lt1"/>
+          </a:fontRef>
+        </p:style>
+        <p:txBody>
+          <a:bodyPr rtlCol="0" anchor="ctr"/>
+          <a:lstStyle/>
+          <a:p>
+            <a:pPr algn="ctr"/>
+            <a:r>
+              <a:rPr lang="fr-FR" dirty="0"/>
+              <a:t>Legal</a:t>
+            </a:r>
+          </a:p>
+        </p:txBody>
+      </p:sp>
+      <p:cxnSp>
+        <p:nvCxnSpPr>
+          <p:cNvPr id="3" name="Straight Arrow Connector 2">
+            <a:extLst>
+              <a:ext uri="{FF2B5EF4-FFF2-40B4-BE49-F238E27FC236}">
+                <a16:creationId xmlns:a16="http://schemas.microsoft.com/office/drawing/2014/main" id="{BBBD138C-2AA2-47E9-B4CA-BE7616634779}"/>
+              </a:ext>
+            </a:extLst>
+          </p:cNvPr>
+          <p:cNvCxnSpPr>
+            <a:endCxn id="11" idx="2"/>
+          </p:cNvCxnSpPr>
+          <p:nvPr/>
+        </p:nvCxnSpPr>
+        <p:spPr>
+          <a:xfrm flipH="1" flipV="1">
+            <a:off x="7234517" y="1111624"/>
+            <a:ext cx="1474694" cy="1120588"/>
+          </a:xfrm>
+          <a:prstGeom prst="straightConnector1">
+            <a:avLst/>
+          </a:prstGeom>
+          <a:ln w="76200">
+            <a:solidFill>
+              <a:schemeClr val="accent1"/>
+            </a:solidFill>
+            <a:tailEnd type="triangle"/>
+          </a:ln>
+        </p:spPr>
+        <p:style>
+          <a:lnRef idx="1">
+            <a:schemeClr val="accent1"/>
+          </a:lnRef>
+          <a:fillRef idx="0">
+            <a:schemeClr val="accent1"/>
+          </a:fillRef>
+          <a:effectRef idx="0">
+            <a:schemeClr val="accent1"/>
+          </a:effectRef>
+          <a:fontRef idx="minor">
+            <a:schemeClr val="tx1"/>
+          </a:fontRef>
+        </p:style>
+      </p:cxnSp>
+      <p:cxnSp>
+        <p:nvCxnSpPr>
+          <p:cNvPr id="13" name="Straight Arrow Connector 12">
+            <a:extLst>
+              <a:ext uri="{FF2B5EF4-FFF2-40B4-BE49-F238E27FC236}">
+                <a16:creationId xmlns:a16="http://schemas.microsoft.com/office/drawing/2014/main" id="{D6720C29-E69E-4E0B-B573-81D047F0BCC3}"/>
+              </a:ext>
+            </a:extLst>
+          </p:cNvPr>
+          <p:cNvCxnSpPr>
+            <a:stCxn id="27" idx="1"/>
+            <a:endCxn id="11" idx="2"/>
+          </p:cNvCxnSpPr>
+          <p:nvPr/>
+        </p:nvCxnSpPr>
+        <p:spPr>
+          <a:xfrm flipH="1" flipV="1">
+            <a:off x="7234517" y="1111624"/>
+            <a:ext cx="1194729" cy="2184788"/>
+          </a:xfrm>
+          <a:prstGeom prst="straightConnector1">
+            <a:avLst/>
+          </a:prstGeom>
+          <a:ln w="76200">
+            <a:solidFill>
+              <a:schemeClr val="accent1"/>
+            </a:solidFill>
+            <a:tailEnd type="triangle"/>
+          </a:ln>
+        </p:spPr>
+        <p:style>
+          <a:lnRef idx="1">
+            <a:schemeClr val="accent1"/>
+          </a:lnRef>
+          <a:fillRef idx="0">
+            <a:schemeClr val="accent1"/>
+          </a:fillRef>
+          <a:effectRef idx="0">
+            <a:schemeClr val="accent1"/>
+          </a:effectRef>
+          <a:fontRef idx="minor">
+            <a:schemeClr val="tx1"/>
+          </a:fontRef>
+        </p:style>
+      </p:cxnSp>
+      <p:sp>
+        <p:nvSpPr>
+          <p:cNvPr id="15" name="Rectangle 14">
+            <a:extLst>
+              <a:ext uri="{FF2B5EF4-FFF2-40B4-BE49-F238E27FC236}">
+                <a16:creationId xmlns:a16="http://schemas.microsoft.com/office/drawing/2014/main" id="{2CA659A6-366B-4903-9089-7D9F50823F01}"/>
+              </a:ext>
+            </a:extLst>
+          </p:cNvPr>
+          <p:cNvSpPr/>
+          <p:nvPr/>
+        </p:nvSpPr>
+        <p:spPr>
+          <a:xfrm>
+            <a:off x="8857129" y="2684929"/>
+            <a:ext cx="1474695" cy="636494"/>
+          </a:xfrm>
+          <a:prstGeom prst="rect">
+            <a:avLst/>
+          </a:prstGeom>
+        </p:spPr>
+        <p:style>
+          <a:lnRef idx="2">
+            <a:schemeClr val="accent3">
+              <a:shade val="50000"/>
+            </a:schemeClr>
+          </a:lnRef>
+          <a:fillRef idx="1">
+            <a:schemeClr val="accent3"/>
+          </a:fillRef>
+          <a:effectRef idx="0">
+            <a:schemeClr val="accent3"/>
+          </a:effectRef>
+          <a:fontRef idx="minor">
+            <a:schemeClr val="lt1"/>
+          </a:fontRef>
+        </p:style>
+        <p:txBody>
+          <a:bodyPr rtlCol="0" anchor="ctr"/>
+          <a:lstStyle/>
+          <a:p>
+            <a:pPr algn="ctr"/>
+            <a:r>
+              <a:rPr lang="fr-FR" dirty="0"/>
+              <a:t>Step1</a:t>
+            </a:r>
+          </a:p>
+        </p:txBody>
+      </p:sp>
+      <p:sp>
+        <p:nvSpPr>
+          <p:cNvPr id="29" name="Rectangle 28">
+            <a:extLst>
+              <a:ext uri="{FF2B5EF4-FFF2-40B4-BE49-F238E27FC236}">
+                <a16:creationId xmlns:a16="http://schemas.microsoft.com/office/drawing/2014/main" id="{E1786853-6AEC-4B98-8596-690E13A7B369}"/>
+              </a:ext>
+            </a:extLst>
+          </p:cNvPr>
+          <p:cNvSpPr/>
+          <p:nvPr/>
+        </p:nvSpPr>
+        <p:spPr>
+          <a:xfrm>
+            <a:off x="9767228" y="1016194"/>
+            <a:ext cx="1474695" cy="636494"/>
+          </a:xfrm>
+          <a:prstGeom prst="rect">
+            <a:avLst/>
+          </a:prstGeom>
+        </p:spPr>
+        <p:style>
+          <a:lnRef idx="2">
+            <a:schemeClr val="accent3">
+              <a:shade val="50000"/>
+            </a:schemeClr>
+          </a:lnRef>
+          <a:fillRef idx="1">
+            <a:schemeClr val="accent3"/>
+          </a:fillRef>
+          <a:effectRef idx="0">
+            <a:schemeClr val="accent3"/>
+          </a:effectRef>
+          <a:fontRef idx="minor">
+            <a:schemeClr val="lt1"/>
+          </a:fontRef>
+        </p:style>
+        <p:txBody>
+          <a:bodyPr rtlCol="0" anchor="ctr"/>
+          <a:lstStyle/>
+          <a:p>
+            <a:pPr algn="ctr"/>
+            <a:r>
+              <a:rPr lang="fr-FR" dirty="0"/>
+              <a:t>Step2</a:t>
+            </a:r>
+          </a:p>
+        </p:txBody>
+      </p:sp>
+      <p:sp>
+        <p:nvSpPr>
+          <p:cNvPr id="31" name="Rectangle 30">
+            <a:extLst>
+              <a:ext uri="{FF2B5EF4-FFF2-40B4-BE49-F238E27FC236}">
+                <a16:creationId xmlns:a16="http://schemas.microsoft.com/office/drawing/2014/main" id="{9A350A70-3685-43F9-9CB4-69A859D13811}"/>
+              </a:ext>
+            </a:extLst>
+          </p:cNvPr>
+          <p:cNvSpPr/>
+          <p:nvPr/>
+        </p:nvSpPr>
+        <p:spPr>
+          <a:xfrm>
+            <a:off x="4755775" y="4360308"/>
+            <a:ext cx="1474695" cy="636494"/>
+          </a:xfrm>
+          <a:prstGeom prst="rect">
+            <a:avLst/>
+          </a:prstGeom>
+        </p:spPr>
+        <p:style>
+          <a:lnRef idx="2">
+            <a:schemeClr val="accent3">
+              <a:shade val="50000"/>
+            </a:schemeClr>
+          </a:lnRef>
+          <a:fillRef idx="1">
+            <a:schemeClr val="accent3"/>
+          </a:fillRef>
+          <a:effectRef idx="0">
+            <a:schemeClr val="accent3"/>
+          </a:effectRef>
+          <a:fontRef idx="minor">
+            <a:schemeClr val="lt1"/>
+          </a:fontRef>
+        </p:style>
+        <p:txBody>
+          <a:bodyPr rtlCol="0" anchor="ctr"/>
+          <a:lstStyle/>
+          <a:p>
+            <a:pPr algn="ctr"/>
+            <a:r>
+              <a:rPr lang="fr-FR" dirty="0"/>
+              <a:t>Step3</a:t>
+            </a:r>
+          </a:p>
+        </p:txBody>
+      </p:sp>
+      <p:sp>
+        <p:nvSpPr>
+          <p:cNvPr id="33" name="Rectangle 32">
+            <a:extLst>
+              <a:ext uri="{FF2B5EF4-FFF2-40B4-BE49-F238E27FC236}">
+                <a16:creationId xmlns:a16="http://schemas.microsoft.com/office/drawing/2014/main" id="{4C70F0C6-F4A3-47F4-8603-2B2C3946B6D5}"/>
+              </a:ext>
+            </a:extLst>
+          </p:cNvPr>
+          <p:cNvSpPr/>
+          <p:nvPr/>
+        </p:nvSpPr>
+        <p:spPr>
+          <a:xfrm>
+            <a:off x="2861982" y="6188959"/>
+            <a:ext cx="1474695" cy="636494"/>
+          </a:xfrm>
+          <a:prstGeom prst="rect">
+            <a:avLst/>
+          </a:prstGeom>
+        </p:spPr>
+        <p:style>
+          <a:lnRef idx="2">
+            <a:schemeClr val="accent3">
+              <a:shade val="50000"/>
+            </a:schemeClr>
+          </a:lnRef>
+          <a:fillRef idx="1">
+            <a:schemeClr val="accent3"/>
+          </a:fillRef>
+          <a:effectRef idx="0">
+            <a:schemeClr val="accent3"/>
+          </a:effectRef>
+          <a:fontRef idx="minor">
+            <a:schemeClr val="lt1"/>
+          </a:fontRef>
+        </p:style>
+        <p:txBody>
+          <a:bodyPr rtlCol="0" anchor="ctr"/>
+          <a:lstStyle/>
+          <a:p>
+            <a:pPr algn="ctr"/>
+            <a:r>
+              <a:rPr lang="fr-FR" dirty="0"/>
+              <a:t>Step4a</a:t>
+            </a:r>
+          </a:p>
+        </p:txBody>
+      </p:sp>
+      <p:sp>
+        <p:nvSpPr>
+          <p:cNvPr id="34" name="Rectangle 33">
+            <a:extLst>
+              <a:ext uri="{FF2B5EF4-FFF2-40B4-BE49-F238E27FC236}">
+                <a16:creationId xmlns:a16="http://schemas.microsoft.com/office/drawing/2014/main" id="{72DD14B7-D4D1-4951-8AE6-3E387B6D9C44}"/>
+              </a:ext>
+            </a:extLst>
+          </p:cNvPr>
+          <p:cNvSpPr/>
+          <p:nvPr/>
+        </p:nvSpPr>
+        <p:spPr>
+          <a:xfrm>
+            <a:off x="848750" y="1270469"/>
+            <a:ext cx="1474695" cy="636494"/>
+          </a:xfrm>
+          <a:prstGeom prst="rect">
+            <a:avLst/>
+          </a:prstGeom>
+        </p:spPr>
+        <p:style>
+          <a:lnRef idx="2">
+            <a:schemeClr val="accent3">
+              <a:shade val="50000"/>
+            </a:schemeClr>
+          </a:lnRef>
+          <a:fillRef idx="1">
+            <a:schemeClr val="accent3"/>
+          </a:fillRef>
+          <a:effectRef idx="0">
+            <a:schemeClr val="accent3"/>
+          </a:effectRef>
+          <a:fontRef idx="minor">
+            <a:schemeClr val="lt1"/>
+          </a:fontRef>
+        </p:style>
+        <p:txBody>
+          <a:bodyPr rtlCol="0" anchor="ctr"/>
+          <a:lstStyle/>
+          <a:p>
+            <a:pPr algn="ctr"/>
+            <a:r>
+              <a:rPr lang="fr-FR" dirty="0"/>
+              <a:t>Step4b</a:t>
+            </a:r>
+          </a:p>
+        </p:txBody>
+      </p:sp>
+      <p:sp>
+        <p:nvSpPr>
+          <p:cNvPr id="17" name="Rectangle 16">
+            <a:extLst>
+              <a:ext uri="{FF2B5EF4-FFF2-40B4-BE49-F238E27FC236}">
+                <a16:creationId xmlns:a16="http://schemas.microsoft.com/office/drawing/2014/main" id="{D8895B31-8A15-4AF1-A883-9CE8619F8717}"/>
+              </a:ext>
+            </a:extLst>
+          </p:cNvPr>
+          <p:cNvSpPr/>
+          <p:nvPr/>
+        </p:nvSpPr>
+        <p:spPr>
+          <a:xfrm>
+            <a:off x="7593106" y="4533389"/>
+            <a:ext cx="1299882" cy="585458"/>
+          </a:xfrm>
+          <a:prstGeom prst="rect">
+            <a:avLst/>
+          </a:prstGeom>
+        </p:spPr>
+        <p:style>
+          <a:lnRef idx="2">
+            <a:schemeClr val="accent1">
+              <a:shade val="50000"/>
+            </a:schemeClr>
+          </a:lnRef>
+          <a:fillRef idx="1">
+            <a:schemeClr val="accent1"/>
+          </a:fillRef>
+          <a:effectRef idx="0">
+            <a:schemeClr val="accent1"/>
+          </a:effectRef>
+          <a:fontRef idx="minor">
+            <a:schemeClr val="lt1"/>
+          </a:fontRef>
+        </p:style>
+        <p:txBody>
+          <a:bodyPr rtlCol="0" anchor="ctr"/>
+          <a:lstStyle/>
+          <a:p>
+            <a:pPr algn="ctr"/>
+            <a:r>
+              <a:rPr lang="fr-FR" dirty="0"/>
+              <a:t>Stock</a:t>
+            </a:r>
+          </a:p>
+        </p:txBody>
+      </p:sp>
+      <p:cxnSp>
+        <p:nvCxnSpPr>
+          <p:cNvPr id="35" name="Straight Arrow Connector 34">
+            <a:extLst>
+              <a:ext uri="{FF2B5EF4-FFF2-40B4-BE49-F238E27FC236}">
+                <a16:creationId xmlns:a16="http://schemas.microsoft.com/office/drawing/2014/main" id="{3B8CB088-5181-415F-A668-DAD2E4FBF719}"/>
+              </a:ext>
+            </a:extLst>
+          </p:cNvPr>
+          <p:cNvCxnSpPr>
+            <a:cxnSpLocks/>
+            <a:endCxn id="11" idx="3"/>
+          </p:cNvCxnSpPr>
+          <p:nvPr/>
+        </p:nvCxnSpPr>
+        <p:spPr>
+          <a:xfrm flipH="1" flipV="1">
+            <a:off x="7803775" y="856130"/>
+            <a:ext cx="322639" cy="3612776"/>
+          </a:xfrm>
+          <a:prstGeom prst="straightConnector1">
+            <a:avLst/>
+          </a:prstGeom>
+          <a:ln w="76200">
+            <a:solidFill>
+              <a:schemeClr val="accent1"/>
+            </a:solidFill>
+            <a:prstDash val="dashDot"/>
+            <a:tailEnd type="triangle"/>
+          </a:ln>
+        </p:spPr>
+        <p:style>
+          <a:lnRef idx="1">
+            <a:schemeClr val="accent1"/>
+          </a:lnRef>
+          <a:fillRef idx="0">
+            <a:schemeClr val="accent1"/>
+          </a:fillRef>
+          <a:effectRef idx="0">
+            <a:schemeClr val="accent1"/>
+          </a:effectRef>
+          <a:fontRef idx="minor">
+            <a:schemeClr val="tx1"/>
+          </a:fontRef>
+        </p:style>
+      </p:cxnSp>
+      <p:sp>
+        <p:nvSpPr>
+          <p:cNvPr id="37" name="Oval 36">
+            <a:extLst>
+              <a:ext uri="{FF2B5EF4-FFF2-40B4-BE49-F238E27FC236}">
+                <a16:creationId xmlns:a16="http://schemas.microsoft.com/office/drawing/2014/main" id="{9B8F3F81-D283-4CA1-AD8F-E4103484CE13}"/>
+              </a:ext>
+            </a:extLst>
+          </p:cNvPr>
+          <p:cNvSpPr/>
+          <p:nvPr/>
+        </p:nvSpPr>
+        <p:spPr>
+          <a:xfrm>
+            <a:off x="7875494" y="5374761"/>
+            <a:ext cx="1210236" cy="636494"/>
+          </a:xfrm>
+          <a:prstGeom prst="ellipse">
+            <a:avLst/>
+          </a:prstGeom>
+        </p:spPr>
+        <p:style>
+          <a:lnRef idx="2">
+            <a:schemeClr val="accent6">
+              <a:shade val="50000"/>
+            </a:schemeClr>
+          </a:lnRef>
+          <a:fillRef idx="1">
+            <a:schemeClr val="accent6"/>
+          </a:fillRef>
+          <a:effectRef idx="0">
+            <a:schemeClr val="accent6"/>
+          </a:effectRef>
+          <a:fontRef idx="minor">
+            <a:schemeClr val="lt1"/>
+          </a:fontRef>
+        </p:style>
+        <p:txBody>
+          <a:bodyPr rtlCol="0" anchor="ctr"/>
+          <a:lstStyle/>
+          <a:p>
+            <a:pPr algn="ctr"/>
+            <a:r>
+              <a:rPr lang="fr-FR" dirty="0"/>
+              <a:t>Stock</a:t>
+            </a:r>
+          </a:p>
+        </p:txBody>
+      </p:sp>
+      <p:sp>
+        <p:nvSpPr>
+          <p:cNvPr id="38" name="Oval 37">
+            <a:extLst>
+              <a:ext uri="{FF2B5EF4-FFF2-40B4-BE49-F238E27FC236}">
+                <a16:creationId xmlns:a16="http://schemas.microsoft.com/office/drawing/2014/main" id="{31ACFEA9-C147-4A87-853E-9CA3347D8848}"/>
+              </a:ext>
+            </a:extLst>
+          </p:cNvPr>
+          <p:cNvSpPr/>
+          <p:nvPr/>
+        </p:nvSpPr>
+        <p:spPr>
+          <a:xfrm>
+            <a:off x="7929189" y="6146147"/>
+            <a:ext cx="1210236" cy="636494"/>
+          </a:xfrm>
+          <a:prstGeom prst="ellipse">
+            <a:avLst/>
+          </a:prstGeom>
+        </p:spPr>
+        <p:style>
+          <a:lnRef idx="2">
+            <a:schemeClr val="accent6">
+              <a:shade val="50000"/>
+            </a:schemeClr>
+          </a:lnRef>
+          <a:fillRef idx="1">
+            <a:schemeClr val="accent6"/>
+          </a:fillRef>
+          <a:effectRef idx="0">
+            <a:schemeClr val="accent6"/>
+          </a:effectRef>
+          <a:fontRef idx="minor">
+            <a:schemeClr val="lt1"/>
+          </a:fontRef>
+        </p:style>
+        <p:txBody>
+          <a:bodyPr rtlCol="0" anchor="ctr"/>
+          <a:lstStyle/>
+          <a:p>
+            <a:pPr algn="ctr"/>
+            <a:r>
+              <a:rPr lang="fr-FR" dirty="0" err="1"/>
+              <a:t>Add</a:t>
+            </a:r>
+            <a:endParaRPr lang="fr-FR" dirty="0"/>
+          </a:p>
+        </p:txBody>
+      </p:sp>
+      <p:sp>
+        <p:nvSpPr>
+          <p:cNvPr id="39" name="Rectangle 38">
+            <a:extLst>
+              <a:ext uri="{FF2B5EF4-FFF2-40B4-BE49-F238E27FC236}">
+                <a16:creationId xmlns:a16="http://schemas.microsoft.com/office/drawing/2014/main" id="{B699ACC7-A070-4CC9-99FA-F165BB3E7B55}"/>
+              </a:ext>
+            </a:extLst>
+          </p:cNvPr>
+          <p:cNvSpPr/>
+          <p:nvPr/>
+        </p:nvSpPr>
+        <p:spPr>
+          <a:xfrm>
+            <a:off x="9462247" y="4570623"/>
+            <a:ext cx="1833283" cy="510989"/>
+          </a:xfrm>
+          <a:prstGeom prst="rect">
+            <a:avLst/>
+          </a:prstGeom>
+        </p:spPr>
+        <p:style>
+          <a:lnRef idx="2">
+            <a:schemeClr val="accent1">
+              <a:shade val="50000"/>
+            </a:schemeClr>
+          </a:lnRef>
+          <a:fillRef idx="1">
+            <a:schemeClr val="accent1"/>
+          </a:fillRef>
+          <a:effectRef idx="0">
+            <a:schemeClr val="accent1"/>
+          </a:effectRef>
+          <a:fontRef idx="minor">
+            <a:schemeClr val="lt1"/>
+          </a:fontRef>
+        </p:style>
+        <p:txBody>
+          <a:bodyPr rtlCol="0" anchor="ctr"/>
+          <a:lstStyle/>
+          <a:p>
+            <a:pPr algn="ctr"/>
+            <a:r>
+              <a:rPr lang="fr-FR" dirty="0" err="1"/>
+              <a:t>StockRouting</a:t>
+            </a:r>
+            <a:endParaRPr lang="fr-FR" dirty="0"/>
+          </a:p>
+        </p:txBody>
+      </p:sp>
+      <p:cxnSp>
+        <p:nvCxnSpPr>
+          <p:cNvPr id="40" name="Straight Arrow Connector 39">
+            <a:extLst>
+              <a:ext uri="{FF2B5EF4-FFF2-40B4-BE49-F238E27FC236}">
+                <a16:creationId xmlns:a16="http://schemas.microsoft.com/office/drawing/2014/main" id="{D5D94394-FB42-4C07-9DD6-5E02D6ACD347}"/>
+              </a:ext>
+            </a:extLst>
+          </p:cNvPr>
+          <p:cNvCxnSpPr>
+            <a:cxnSpLocks/>
+            <a:stCxn id="39" idx="1"/>
+          </p:cNvCxnSpPr>
+          <p:nvPr/>
+        </p:nvCxnSpPr>
+        <p:spPr>
+          <a:xfrm flipH="1" flipV="1">
+            <a:off x="8892895" y="4755778"/>
+            <a:ext cx="569352" cy="70340"/>
+          </a:xfrm>
+          <a:prstGeom prst="straightConnector1">
+            <a:avLst/>
+          </a:prstGeom>
+          <a:ln w="76200">
+            <a:solidFill>
+              <a:schemeClr val="accent1"/>
+            </a:solidFill>
+            <a:prstDash val="sysDash"/>
+            <a:tailEnd type="triangle"/>
+          </a:ln>
+        </p:spPr>
+        <p:style>
+          <a:lnRef idx="1">
+            <a:schemeClr val="accent1"/>
+          </a:lnRef>
+          <a:fillRef idx="0">
+            <a:schemeClr val="accent1"/>
+          </a:fillRef>
+          <a:effectRef idx="0">
+            <a:schemeClr val="accent1"/>
+          </a:effectRef>
+          <a:fontRef idx="minor">
+            <a:schemeClr val="tx1"/>
+          </a:fontRef>
+        </p:style>
+      </p:cxnSp>
+      <p:cxnSp>
+        <p:nvCxnSpPr>
+          <p:cNvPr id="43" name="Straight Arrow Connector 42">
+            <a:extLst>
+              <a:ext uri="{FF2B5EF4-FFF2-40B4-BE49-F238E27FC236}">
+                <a16:creationId xmlns:a16="http://schemas.microsoft.com/office/drawing/2014/main" id="{2499E04F-0CF4-485B-9228-FA15307EE54F}"/>
+              </a:ext>
+            </a:extLst>
+          </p:cNvPr>
+          <p:cNvCxnSpPr>
+            <a:stCxn id="37" idx="0"/>
+            <a:endCxn id="17" idx="2"/>
+          </p:cNvCxnSpPr>
+          <p:nvPr/>
+        </p:nvCxnSpPr>
+        <p:spPr>
+          <a:xfrm flipH="1" flipV="1">
+            <a:off x="8243047" y="5118847"/>
+            <a:ext cx="237565" cy="255914"/>
+          </a:xfrm>
+          <a:prstGeom prst="straightConnector1">
+            <a:avLst/>
+          </a:prstGeom>
+          <a:ln w="76200">
+            <a:solidFill>
+              <a:schemeClr val="accent1"/>
+            </a:solidFill>
+            <a:tailEnd type="triangle"/>
+          </a:ln>
+        </p:spPr>
+        <p:style>
+          <a:lnRef idx="1">
+            <a:schemeClr val="accent1"/>
+          </a:lnRef>
+          <a:fillRef idx="0">
+            <a:schemeClr val="accent1"/>
+          </a:fillRef>
+          <a:effectRef idx="0">
+            <a:schemeClr val="accent1"/>
+          </a:effectRef>
+          <a:fontRef idx="minor">
+            <a:schemeClr val="tx1"/>
+          </a:fontRef>
+        </p:style>
+      </p:cxnSp>
+      <p:cxnSp>
+        <p:nvCxnSpPr>
+          <p:cNvPr id="45" name="Straight Arrow Connector 44">
+            <a:extLst>
+              <a:ext uri="{FF2B5EF4-FFF2-40B4-BE49-F238E27FC236}">
+                <a16:creationId xmlns:a16="http://schemas.microsoft.com/office/drawing/2014/main" id="{6D93E4A4-9D9C-4A09-B09B-8C3CEACBFDA6}"/>
+              </a:ext>
+            </a:extLst>
+          </p:cNvPr>
+          <p:cNvCxnSpPr>
+            <a:stCxn id="38" idx="0"/>
+            <a:endCxn id="17" idx="2"/>
+          </p:cNvCxnSpPr>
+          <p:nvPr/>
+        </p:nvCxnSpPr>
+        <p:spPr>
+          <a:xfrm flipH="1" flipV="1">
+            <a:off x="8243047" y="5118847"/>
+            <a:ext cx="291260" cy="1027300"/>
+          </a:xfrm>
+          <a:prstGeom prst="straightConnector1">
+            <a:avLst/>
+          </a:prstGeom>
+          <a:ln w="76200">
+            <a:solidFill>
+              <a:schemeClr val="accent1"/>
+            </a:solidFill>
+            <a:tailEnd type="triangle"/>
+          </a:ln>
+        </p:spPr>
+        <p:style>
+          <a:lnRef idx="1">
+            <a:schemeClr val="accent1"/>
+          </a:lnRef>
+          <a:fillRef idx="0">
+            <a:schemeClr val="accent1"/>
+          </a:fillRef>
+          <a:effectRef idx="0">
+            <a:schemeClr val="accent1"/>
+          </a:effectRef>
+          <a:fontRef idx="minor">
+            <a:schemeClr val="tx1"/>
+          </a:fontRef>
+        </p:style>
+      </p:cxnSp>
+      <p:sp>
+        <p:nvSpPr>
+          <p:cNvPr id="46" name="Rectangle 45">
+            <a:extLst>
+              <a:ext uri="{FF2B5EF4-FFF2-40B4-BE49-F238E27FC236}">
+                <a16:creationId xmlns:a16="http://schemas.microsoft.com/office/drawing/2014/main" id="{34304722-32A1-497C-9C2D-C9F77084CB05}"/>
+              </a:ext>
+            </a:extLst>
+          </p:cNvPr>
+          <p:cNvSpPr/>
+          <p:nvPr/>
+        </p:nvSpPr>
+        <p:spPr>
+          <a:xfrm>
+            <a:off x="6096000" y="5244772"/>
+            <a:ext cx="1134036" cy="501604"/>
+          </a:xfrm>
+          <a:prstGeom prst="rect">
+            <a:avLst/>
+          </a:prstGeom>
+        </p:spPr>
+        <p:style>
+          <a:lnRef idx="2">
+            <a:schemeClr val="accent1">
+              <a:shade val="50000"/>
+            </a:schemeClr>
+          </a:lnRef>
+          <a:fillRef idx="1">
+            <a:schemeClr val="accent1"/>
+          </a:fillRef>
+          <a:effectRef idx="0">
+            <a:schemeClr val="accent1"/>
+          </a:effectRef>
+          <a:fontRef idx="minor">
+            <a:schemeClr val="lt1"/>
+          </a:fontRef>
+        </p:style>
+        <p:txBody>
+          <a:bodyPr rtlCol="0" anchor="ctr"/>
+          <a:lstStyle/>
+          <a:p>
+            <a:pPr algn="ctr"/>
+            <a:r>
+              <a:rPr lang="fr-FR" dirty="0"/>
+              <a:t>widget</a:t>
+            </a:r>
+          </a:p>
+        </p:txBody>
+      </p:sp>
+      <p:sp>
+        <p:nvSpPr>
+          <p:cNvPr id="48" name="Oval 47">
+            <a:extLst>
+              <a:ext uri="{FF2B5EF4-FFF2-40B4-BE49-F238E27FC236}">
+                <a16:creationId xmlns:a16="http://schemas.microsoft.com/office/drawing/2014/main" id="{62739CAE-4AD2-4AA1-A71A-40EDAF523CB7}"/>
+              </a:ext>
+            </a:extLst>
+          </p:cNvPr>
+          <p:cNvSpPr/>
+          <p:nvPr/>
+        </p:nvSpPr>
+        <p:spPr>
+          <a:xfrm>
+            <a:off x="5082988" y="6176080"/>
+            <a:ext cx="1655063" cy="636494"/>
+          </a:xfrm>
+          <a:prstGeom prst="ellipse">
+            <a:avLst/>
+          </a:prstGeom>
+        </p:spPr>
+        <p:style>
+          <a:lnRef idx="3">
+            <a:schemeClr val="lt1"/>
+          </a:lnRef>
+          <a:fillRef idx="1">
+            <a:schemeClr val="accent4"/>
+          </a:fillRef>
+          <a:effectRef idx="1">
+            <a:schemeClr val="accent4"/>
+          </a:effectRef>
+          <a:fontRef idx="minor">
+            <a:schemeClr val="lt1"/>
+          </a:fontRef>
+        </p:style>
+        <p:txBody>
+          <a:bodyPr rtlCol="0" anchor="ctr"/>
+          <a:lstStyle/>
+          <a:p>
+            <a:pPr algn="ctr"/>
+            <a:r>
+              <a:rPr lang="fr-FR" dirty="0"/>
+              <a:t>Autofocus</a:t>
+            </a:r>
+          </a:p>
+        </p:txBody>
+      </p:sp>
+      <p:cxnSp>
+        <p:nvCxnSpPr>
+          <p:cNvPr id="50" name="Straight Arrow Connector 49">
+            <a:extLst>
+              <a:ext uri="{FF2B5EF4-FFF2-40B4-BE49-F238E27FC236}">
+                <a16:creationId xmlns:a16="http://schemas.microsoft.com/office/drawing/2014/main" id="{71844554-73B6-45E4-B703-020DCC63D8D6}"/>
+              </a:ext>
+            </a:extLst>
+          </p:cNvPr>
+          <p:cNvCxnSpPr>
+            <a:cxnSpLocks/>
+            <a:stCxn id="48" idx="0"/>
+            <a:endCxn id="46" idx="2"/>
+          </p:cNvCxnSpPr>
+          <p:nvPr/>
+        </p:nvCxnSpPr>
+        <p:spPr>
+          <a:xfrm flipV="1">
+            <a:off x="5910520" y="5746376"/>
+            <a:ext cx="752498" cy="429704"/>
+          </a:xfrm>
+          <a:prstGeom prst="straightConnector1">
+            <a:avLst/>
+          </a:prstGeom>
+          <a:ln w="76200">
+            <a:solidFill>
+              <a:schemeClr val="accent1"/>
+            </a:solidFill>
+            <a:tailEnd type="triangle"/>
+          </a:ln>
+        </p:spPr>
+        <p:style>
+          <a:lnRef idx="1">
+            <a:schemeClr val="accent1"/>
+          </a:lnRef>
+          <a:fillRef idx="0">
+            <a:schemeClr val="accent1"/>
+          </a:fillRef>
+          <a:effectRef idx="0">
+            <a:schemeClr val="accent1"/>
+          </a:effectRef>
+          <a:fontRef idx="minor">
+            <a:schemeClr val="tx1"/>
+          </a:fontRef>
+        </p:style>
+      </p:cxnSp>
+      <p:cxnSp>
+        <p:nvCxnSpPr>
+          <p:cNvPr id="54" name="Straight Arrow Connector 53">
+            <a:extLst>
+              <a:ext uri="{FF2B5EF4-FFF2-40B4-BE49-F238E27FC236}">
+                <a16:creationId xmlns:a16="http://schemas.microsoft.com/office/drawing/2014/main" id="{29A9EC5A-CE1B-4423-A109-98620F2A9C96}"/>
+              </a:ext>
+            </a:extLst>
+          </p:cNvPr>
+          <p:cNvCxnSpPr>
+            <a:stCxn id="46" idx="0"/>
+            <a:endCxn id="17" idx="1"/>
+          </p:cNvCxnSpPr>
+          <p:nvPr/>
+        </p:nvCxnSpPr>
+        <p:spPr>
+          <a:xfrm flipV="1">
+            <a:off x="6663018" y="4826118"/>
+            <a:ext cx="930088" cy="418654"/>
+          </a:xfrm>
+          <a:prstGeom prst="straightConnector1">
+            <a:avLst/>
+          </a:prstGeom>
+          <a:ln w="76200">
+            <a:solidFill>
+              <a:schemeClr val="accent1"/>
+            </a:solidFill>
+            <a:prstDash val="dash"/>
+            <a:tailEnd type="triangle"/>
+          </a:ln>
+        </p:spPr>
+        <p:style>
+          <a:lnRef idx="1">
+            <a:schemeClr val="accent1"/>
+          </a:lnRef>
+          <a:fillRef idx="0">
+            <a:schemeClr val="accent1"/>
+          </a:fillRef>
+          <a:effectRef idx="0">
+            <a:schemeClr val="accent1"/>
+          </a:effectRef>
+          <a:fontRef idx="minor">
+            <a:schemeClr val="tx1"/>
+          </a:fontRef>
+        </p:style>
+      </p:cxnSp>
+    </p:spTree>
+    <p:extLst>
+      <p:ext uri="{BB962C8B-B14F-4D97-AF65-F5344CB8AC3E}">
+        <p14:creationId xmlns:p14="http://schemas.microsoft.com/office/powerpoint/2010/main" val="3028216093"/>
+      </p:ext>
+    </p:extLst>
+  </p:cSld>
+  <p:clrMapOvr>
+    <a:masterClrMapping/>
+  </p:clrMapOvr>
+</p:sld>
+</file>
+
+<file path=ppt/slides/slide13.xml><?xml version="1.0" encoding="utf-8"?>
+<p:sld xmlns:a="http://schemas.openxmlformats.org/drawingml/2006/main" xmlns:r="http://schemas.openxmlformats.org/officeDocument/2006/relationships" xmlns:p="http://schemas.openxmlformats.org/presentationml/2006/main">
+  <p:cSld>
+    <p:spTree>
+      <p:nvGrpSpPr>
+        <p:cNvPr id="1" name=""/>
+        <p:cNvGrpSpPr/>
+        <p:nvPr/>
+      </p:nvGrpSpPr>
+      <p:grpSpPr>
+        <a:xfrm>
+          <a:off x="0" y="0"/>
+          <a:ext cx="0" cy="0"/>
+          <a:chOff x="0" y="0"/>
+          <a:chExt cx="0" cy="0"/>
+        </a:xfrm>
+      </p:grpSpPr>
+      <p:cxnSp>
+        <p:nvCxnSpPr>
+          <p:cNvPr id="5" name="Straight Arrow Connector 4">
+            <a:extLst>
+              <a:ext uri="{FF2B5EF4-FFF2-40B4-BE49-F238E27FC236}">
+                <a16:creationId xmlns:a16="http://schemas.microsoft.com/office/drawing/2014/main" id="{1EDEEB9E-9DD9-4F5D-A9DE-3C763CBBDA9A}"/>
+              </a:ext>
+            </a:extLst>
+          </p:cNvPr>
+          <p:cNvCxnSpPr/>
+          <p:nvPr/>
+        </p:nvCxnSpPr>
+        <p:spPr>
+          <a:xfrm flipV="1">
+            <a:off x="233082" y="2595282"/>
+            <a:ext cx="11573436" cy="44824"/>
+          </a:xfrm>
+          <a:prstGeom prst="straightConnector1">
+            <a:avLst/>
+          </a:prstGeom>
+          <a:ln w="76200">
+            <a:solidFill>
+              <a:schemeClr val="accent1"/>
+            </a:solidFill>
+            <a:tailEnd type="triangle"/>
+          </a:ln>
+        </p:spPr>
+        <p:style>
+          <a:lnRef idx="1">
+            <a:schemeClr val="accent1"/>
+          </a:lnRef>
+          <a:fillRef idx="0">
+            <a:schemeClr val="accent1"/>
+          </a:fillRef>
+          <a:effectRef idx="0">
+            <a:schemeClr val="accent1"/>
+          </a:effectRef>
+          <a:fontRef idx="minor">
+            <a:schemeClr val="tx1"/>
+          </a:fontRef>
+        </p:style>
+      </p:cxnSp>
+      <p:cxnSp>
+        <p:nvCxnSpPr>
+          <p:cNvPr id="7" name="Straight Connector 6">
+            <a:extLst>
+              <a:ext uri="{FF2B5EF4-FFF2-40B4-BE49-F238E27FC236}">
+                <a16:creationId xmlns:a16="http://schemas.microsoft.com/office/drawing/2014/main" id="{94E822B8-3C6A-48C8-846D-C2E8A71D3721}"/>
+              </a:ext>
+            </a:extLst>
+          </p:cNvPr>
+          <p:cNvCxnSpPr/>
+          <p:nvPr/>
+        </p:nvCxnSpPr>
+        <p:spPr>
+          <a:xfrm>
+            <a:off x="614082" y="2294965"/>
+            <a:ext cx="0" cy="739588"/>
+          </a:xfrm>
+          <a:prstGeom prst="line">
+            <a:avLst/>
+          </a:prstGeom>
+          <a:ln w="76200">
+            <a:solidFill>
+              <a:schemeClr val="accent1"/>
+            </a:solidFill>
+          </a:ln>
+        </p:spPr>
+        <p:style>
+          <a:lnRef idx="1">
+            <a:schemeClr val="accent1"/>
+          </a:lnRef>
+          <a:fillRef idx="0">
+            <a:schemeClr val="accent1"/>
+          </a:fillRef>
+          <a:effectRef idx="0">
+            <a:schemeClr val="accent1"/>
+          </a:effectRef>
+          <a:fontRef idx="minor">
+            <a:schemeClr val="tx1"/>
+          </a:fontRef>
+        </p:style>
+      </p:cxnSp>
+      <p:cxnSp>
+        <p:nvCxnSpPr>
+          <p:cNvPr id="9" name="Straight Connector 8">
+            <a:extLst>
+              <a:ext uri="{FF2B5EF4-FFF2-40B4-BE49-F238E27FC236}">
+                <a16:creationId xmlns:a16="http://schemas.microsoft.com/office/drawing/2014/main" id="{D6C0775C-E4F4-497A-ACEB-6032740514BE}"/>
+              </a:ext>
+            </a:extLst>
+          </p:cNvPr>
+          <p:cNvCxnSpPr/>
+          <p:nvPr/>
+        </p:nvCxnSpPr>
+        <p:spPr>
+          <a:xfrm>
+            <a:off x="658906" y="1846729"/>
+            <a:ext cx="2693894" cy="0"/>
+          </a:xfrm>
+          <a:prstGeom prst="line">
+            <a:avLst/>
+          </a:prstGeom>
+          <a:ln w="76200">
+            <a:solidFill>
+              <a:schemeClr val="accent1"/>
+            </a:solidFill>
+          </a:ln>
+        </p:spPr>
+        <p:style>
+          <a:lnRef idx="1">
+            <a:schemeClr val="accent1"/>
+          </a:lnRef>
+          <a:fillRef idx="0">
+            <a:schemeClr val="accent1"/>
+          </a:fillRef>
+          <a:effectRef idx="0">
+            <a:schemeClr val="accent1"/>
+          </a:effectRef>
+          <a:fontRef idx="minor">
+            <a:schemeClr val="tx1"/>
+          </a:fontRef>
+        </p:style>
+      </p:cxnSp>
+      <p:sp>
+        <p:nvSpPr>
+          <p:cNvPr id="10" name="TextBox 9">
+            <a:extLst>
+              <a:ext uri="{FF2B5EF4-FFF2-40B4-BE49-F238E27FC236}">
+                <a16:creationId xmlns:a16="http://schemas.microsoft.com/office/drawing/2014/main" id="{69C68B88-FE38-41B8-B358-7215043DBF59}"/>
+              </a:ext>
+            </a:extLst>
+          </p:cNvPr>
+          <p:cNvSpPr txBox="1"/>
+          <p:nvPr/>
+        </p:nvSpPr>
+        <p:spPr>
+          <a:xfrm>
+            <a:off x="1201271" y="1223682"/>
+            <a:ext cx="750526" cy="369332"/>
+          </a:xfrm>
+          <a:prstGeom prst="rect">
+            <a:avLst/>
+          </a:prstGeom>
+          <a:noFill/>
+        </p:spPr>
+        <p:txBody>
+          <a:bodyPr wrap="none" rtlCol="0">
+            <a:spAutoFit/>
+          </a:bodyPr>
+          <a:lstStyle/>
+          <a:p>
+            <a:r>
+              <a:rPr lang="en-US" dirty="0"/>
+              <a:t>Home</a:t>
+            </a:r>
+            <a:endParaRPr lang="fr-FR" dirty="0"/>
+          </a:p>
+        </p:txBody>
+      </p:sp>
+      <p:cxnSp>
+        <p:nvCxnSpPr>
+          <p:cNvPr id="12" name="Straight Connector 11">
+            <a:extLst>
+              <a:ext uri="{FF2B5EF4-FFF2-40B4-BE49-F238E27FC236}">
+                <a16:creationId xmlns:a16="http://schemas.microsoft.com/office/drawing/2014/main" id="{D7F48426-3333-44AE-81BE-9DE2932A151A}"/>
+              </a:ext>
+            </a:extLst>
+          </p:cNvPr>
+          <p:cNvCxnSpPr/>
+          <p:nvPr/>
+        </p:nvCxnSpPr>
+        <p:spPr>
+          <a:xfrm>
+            <a:off x="3424518" y="2294965"/>
+            <a:ext cx="0" cy="645459"/>
+          </a:xfrm>
+          <a:prstGeom prst="line">
+            <a:avLst/>
+          </a:prstGeom>
+          <a:ln w="76200">
+            <a:solidFill>
+              <a:schemeClr val="accent1"/>
+            </a:solidFill>
+          </a:ln>
+        </p:spPr>
+        <p:style>
+          <a:lnRef idx="1">
+            <a:schemeClr val="accent1"/>
+          </a:lnRef>
+          <a:fillRef idx="0">
+            <a:schemeClr val="accent1"/>
+          </a:fillRef>
+          <a:effectRef idx="0">
+            <a:schemeClr val="accent1"/>
+          </a:effectRef>
+          <a:fontRef idx="minor">
+            <a:schemeClr val="tx1"/>
+          </a:fontRef>
+        </p:style>
+      </p:cxnSp>
+      <p:cxnSp>
+        <p:nvCxnSpPr>
+          <p:cNvPr id="13" name="Straight Connector 12">
+            <a:extLst>
+              <a:ext uri="{FF2B5EF4-FFF2-40B4-BE49-F238E27FC236}">
+                <a16:creationId xmlns:a16="http://schemas.microsoft.com/office/drawing/2014/main" id="{2C71B184-430D-45BA-B115-0F55C9505B55}"/>
+              </a:ext>
+            </a:extLst>
+          </p:cNvPr>
+          <p:cNvCxnSpPr/>
+          <p:nvPr/>
+        </p:nvCxnSpPr>
+        <p:spPr>
+          <a:xfrm>
+            <a:off x="3612777" y="1846729"/>
+            <a:ext cx="2693894" cy="0"/>
+          </a:xfrm>
+          <a:prstGeom prst="line">
+            <a:avLst/>
+          </a:prstGeom>
+          <a:ln w="76200">
+            <a:solidFill>
+              <a:schemeClr val="accent1"/>
+            </a:solidFill>
+          </a:ln>
+        </p:spPr>
+        <p:style>
+          <a:lnRef idx="1">
+            <a:schemeClr val="accent1"/>
+          </a:lnRef>
+          <a:fillRef idx="0">
+            <a:schemeClr val="accent1"/>
+          </a:fillRef>
+          <a:effectRef idx="0">
+            <a:schemeClr val="accent1"/>
+          </a:effectRef>
+          <a:fontRef idx="minor">
+            <a:schemeClr val="tx1"/>
+          </a:fontRef>
+        </p:style>
+      </p:cxnSp>
+      <p:sp>
+        <p:nvSpPr>
+          <p:cNvPr id="14" name="TextBox 13">
+            <a:extLst>
+              <a:ext uri="{FF2B5EF4-FFF2-40B4-BE49-F238E27FC236}">
+                <a16:creationId xmlns:a16="http://schemas.microsoft.com/office/drawing/2014/main" id="{C97726EF-9A36-4BBC-8199-D46343DE6237}"/>
+              </a:ext>
+            </a:extLst>
+          </p:cNvPr>
+          <p:cNvSpPr txBox="1"/>
+          <p:nvPr/>
+        </p:nvSpPr>
+        <p:spPr>
+          <a:xfrm>
+            <a:off x="4267200" y="1272988"/>
+            <a:ext cx="688971" cy="369332"/>
+          </a:xfrm>
+          <a:prstGeom prst="rect">
+            <a:avLst/>
+          </a:prstGeom>
+          <a:noFill/>
+        </p:spPr>
+        <p:txBody>
+          <a:bodyPr wrap="none" rtlCol="0">
+            <a:spAutoFit/>
+          </a:bodyPr>
+          <a:lstStyle/>
+          <a:p>
+            <a:r>
+              <a:rPr lang="en-US" dirty="0"/>
+              <a:t>Stock</a:t>
+            </a:r>
+            <a:endParaRPr lang="fr-FR" dirty="0"/>
+          </a:p>
+        </p:txBody>
+      </p:sp>
+      <p:cxnSp>
+        <p:nvCxnSpPr>
+          <p:cNvPr id="15" name="Straight Connector 14">
+            <a:extLst>
+              <a:ext uri="{FF2B5EF4-FFF2-40B4-BE49-F238E27FC236}">
+                <a16:creationId xmlns:a16="http://schemas.microsoft.com/office/drawing/2014/main" id="{9ECE4061-8E8C-4631-9EA3-D593AE9862FB}"/>
+              </a:ext>
+            </a:extLst>
+          </p:cNvPr>
+          <p:cNvCxnSpPr/>
+          <p:nvPr/>
+        </p:nvCxnSpPr>
+        <p:spPr>
+          <a:xfrm>
+            <a:off x="6441141" y="2272552"/>
+            <a:ext cx="0" cy="645459"/>
+          </a:xfrm>
+          <a:prstGeom prst="line">
+            <a:avLst/>
+          </a:prstGeom>
+          <a:ln w="76200">
+            <a:solidFill>
+              <a:schemeClr val="accent1"/>
+            </a:solidFill>
+          </a:ln>
+        </p:spPr>
+        <p:style>
+          <a:lnRef idx="1">
+            <a:schemeClr val="accent1"/>
+          </a:lnRef>
+          <a:fillRef idx="0">
+            <a:schemeClr val="accent1"/>
+          </a:fillRef>
+          <a:effectRef idx="0">
+            <a:schemeClr val="accent1"/>
+          </a:effectRef>
+          <a:fontRef idx="minor">
+            <a:schemeClr val="tx1"/>
+          </a:fontRef>
+        </p:style>
+      </p:cxnSp>
+      <p:cxnSp>
+        <p:nvCxnSpPr>
+          <p:cNvPr id="16" name="Straight Connector 15">
+            <a:extLst>
+              <a:ext uri="{FF2B5EF4-FFF2-40B4-BE49-F238E27FC236}">
+                <a16:creationId xmlns:a16="http://schemas.microsoft.com/office/drawing/2014/main" id="{30F17E00-3A2F-4253-B718-64C549EF6707}"/>
+              </a:ext>
+            </a:extLst>
+          </p:cNvPr>
+          <p:cNvCxnSpPr>
+            <a:cxnSpLocks/>
+          </p:cNvCxnSpPr>
+          <p:nvPr/>
+        </p:nvCxnSpPr>
+        <p:spPr>
+          <a:xfrm>
+            <a:off x="6535271" y="1846729"/>
+            <a:ext cx="1806387" cy="0"/>
+          </a:xfrm>
+          <a:prstGeom prst="line">
+            <a:avLst/>
+          </a:prstGeom>
+          <a:ln w="76200">
+            <a:solidFill>
+              <a:schemeClr val="accent1"/>
+            </a:solidFill>
+          </a:ln>
+        </p:spPr>
+        <p:style>
+          <a:lnRef idx="1">
+            <a:schemeClr val="accent1"/>
+          </a:lnRef>
+          <a:fillRef idx="0">
+            <a:schemeClr val="accent1"/>
+          </a:fillRef>
+          <a:effectRef idx="0">
+            <a:schemeClr val="accent1"/>
+          </a:effectRef>
+          <a:fontRef idx="minor">
+            <a:schemeClr val="tx1"/>
+          </a:fontRef>
+        </p:style>
+      </p:cxnSp>
+      <p:sp>
+        <p:nvSpPr>
+          <p:cNvPr id="17" name="TextBox 16">
+            <a:extLst>
+              <a:ext uri="{FF2B5EF4-FFF2-40B4-BE49-F238E27FC236}">
+                <a16:creationId xmlns:a16="http://schemas.microsoft.com/office/drawing/2014/main" id="{4343D502-CD91-4455-A2D4-B88B4DB05479}"/>
+              </a:ext>
+            </a:extLst>
+          </p:cNvPr>
+          <p:cNvSpPr txBox="1"/>
+          <p:nvPr/>
+        </p:nvSpPr>
+        <p:spPr>
+          <a:xfrm>
+            <a:off x="6927088" y="1316032"/>
+            <a:ext cx="561372" cy="369332"/>
+          </a:xfrm>
+          <a:prstGeom prst="rect">
+            <a:avLst/>
+          </a:prstGeom>
+          <a:noFill/>
+        </p:spPr>
+        <p:txBody>
+          <a:bodyPr wrap="none" rtlCol="0">
+            <a:spAutoFit/>
+          </a:bodyPr>
+          <a:lstStyle/>
+          <a:p>
+            <a:r>
+              <a:rPr lang="en-US" dirty="0"/>
+              <a:t>Add</a:t>
+            </a:r>
+            <a:endParaRPr lang="fr-FR" dirty="0"/>
+          </a:p>
+        </p:txBody>
+      </p:sp>
+      <p:cxnSp>
+        <p:nvCxnSpPr>
+          <p:cNvPr id="18" name="Straight Connector 17">
+            <a:extLst>
+              <a:ext uri="{FF2B5EF4-FFF2-40B4-BE49-F238E27FC236}">
+                <a16:creationId xmlns:a16="http://schemas.microsoft.com/office/drawing/2014/main" id="{4CCC3685-0A8A-4DFC-B24E-665596E1F2CA}"/>
+              </a:ext>
+            </a:extLst>
+          </p:cNvPr>
+          <p:cNvCxnSpPr/>
+          <p:nvPr/>
+        </p:nvCxnSpPr>
+        <p:spPr>
+          <a:xfrm>
+            <a:off x="8341658" y="2272552"/>
+            <a:ext cx="0" cy="645459"/>
+          </a:xfrm>
+          <a:prstGeom prst="line">
+            <a:avLst/>
+          </a:prstGeom>
+          <a:ln w="76200">
+            <a:solidFill>
+              <a:schemeClr val="accent1"/>
+            </a:solidFill>
+          </a:ln>
+        </p:spPr>
+        <p:style>
+          <a:lnRef idx="1">
+            <a:schemeClr val="accent1"/>
+          </a:lnRef>
+          <a:fillRef idx="0">
+            <a:schemeClr val="accent1"/>
+          </a:fillRef>
+          <a:effectRef idx="0">
+            <a:schemeClr val="accent1"/>
+          </a:effectRef>
+          <a:fontRef idx="minor">
+            <a:schemeClr val="tx1"/>
+          </a:fontRef>
+        </p:style>
+      </p:cxnSp>
+      <p:cxnSp>
+        <p:nvCxnSpPr>
+          <p:cNvPr id="20" name="Straight Connector 19">
+            <a:extLst>
+              <a:ext uri="{FF2B5EF4-FFF2-40B4-BE49-F238E27FC236}">
+                <a16:creationId xmlns:a16="http://schemas.microsoft.com/office/drawing/2014/main" id="{7BDE635D-D4CA-4B42-BFF5-6A4B1B9B6474}"/>
+              </a:ext>
+            </a:extLst>
+          </p:cNvPr>
+          <p:cNvCxnSpPr/>
+          <p:nvPr/>
+        </p:nvCxnSpPr>
+        <p:spPr>
+          <a:xfrm>
+            <a:off x="8480612" y="1846729"/>
+            <a:ext cx="2693894" cy="0"/>
+          </a:xfrm>
+          <a:prstGeom prst="line">
+            <a:avLst/>
+          </a:prstGeom>
+          <a:ln w="76200">
+            <a:solidFill>
+              <a:schemeClr val="accent1"/>
+            </a:solidFill>
+          </a:ln>
+        </p:spPr>
+        <p:style>
+          <a:lnRef idx="1">
+            <a:schemeClr val="accent1"/>
+          </a:lnRef>
+          <a:fillRef idx="0">
+            <a:schemeClr val="accent1"/>
+          </a:fillRef>
+          <a:effectRef idx="0">
+            <a:schemeClr val="accent1"/>
+          </a:effectRef>
+          <a:fontRef idx="minor">
+            <a:schemeClr val="tx1"/>
+          </a:fontRef>
+        </p:style>
+      </p:cxnSp>
+      <p:sp>
+        <p:nvSpPr>
+          <p:cNvPr id="21" name="TextBox 20">
+            <a:extLst>
+              <a:ext uri="{FF2B5EF4-FFF2-40B4-BE49-F238E27FC236}">
+                <a16:creationId xmlns:a16="http://schemas.microsoft.com/office/drawing/2014/main" id="{4316F7BB-A77B-4458-8BCF-806A751635E8}"/>
+              </a:ext>
+            </a:extLst>
+          </p:cNvPr>
+          <p:cNvSpPr txBox="1"/>
+          <p:nvPr/>
+        </p:nvSpPr>
+        <p:spPr>
+          <a:xfrm>
+            <a:off x="9135035" y="1272988"/>
+            <a:ext cx="688971" cy="369332"/>
+          </a:xfrm>
+          <a:prstGeom prst="rect">
+            <a:avLst/>
+          </a:prstGeom>
+          <a:noFill/>
+        </p:spPr>
+        <p:txBody>
+          <a:bodyPr wrap="none" rtlCol="0">
+            <a:spAutoFit/>
+          </a:bodyPr>
+          <a:lstStyle/>
+          <a:p>
+            <a:r>
+              <a:rPr lang="en-US" dirty="0"/>
+              <a:t>Stock</a:t>
+            </a:r>
+            <a:endParaRPr lang="fr-FR" dirty="0"/>
+          </a:p>
+        </p:txBody>
+      </p:sp>
+      <p:cxnSp>
+        <p:nvCxnSpPr>
+          <p:cNvPr id="23" name="Straight Connector 22">
+            <a:extLst>
+              <a:ext uri="{FF2B5EF4-FFF2-40B4-BE49-F238E27FC236}">
+                <a16:creationId xmlns:a16="http://schemas.microsoft.com/office/drawing/2014/main" id="{C69FBBA3-110F-4B7C-B139-F09ED5EE547D}"/>
+              </a:ext>
+            </a:extLst>
+          </p:cNvPr>
+          <p:cNvCxnSpPr/>
+          <p:nvPr/>
+        </p:nvCxnSpPr>
+        <p:spPr>
+          <a:xfrm flipV="1">
+            <a:off x="833718" y="3585882"/>
+            <a:ext cx="10439400" cy="76200"/>
+          </a:xfrm>
+          <a:prstGeom prst="line">
+            <a:avLst/>
+          </a:prstGeom>
+          <a:ln w="76200">
+            <a:solidFill>
+              <a:schemeClr val="accent1"/>
+            </a:solidFill>
+          </a:ln>
+        </p:spPr>
+        <p:style>
+          <a:lnRef idx="1">
+            <a:schemeClr val="accent1"/>
+          </a:lnRef>
+          <a:fillRef idx="0">
+            <a:schemeClr val="accent1"/>
+          </a:fillRef>
+          <a:effectRef idx="0">
+            <a:schemeClr val="accent1"/>
+          </a:effectRef>
+          <a:fontRef idx="minor">
+            <a:schemeClr val="tx1"/>
+          </a:fontRef>
+        </p:style>
+      </p:cxnSp>
+    </p:spTree>
+    <p:extLst>
+      <p:ext uri="{BB962C8B-B14F-4D97-AF65-F5344CB8AC3E}">
+        <p14:creationId xmlns:p14="http://schemas.microsoft.com/office/powerpoint/2010/main" val="1261615248"/>
+      </p:ext>
+    </p:extLst>
+  </p:cSld>
+  <p:clrMapOvr>
+    <a:masterClrMapping/>
+  </p:clrMapOvr>
+</p:sld>
+</file>
+
+<file path=ppt/slides/slide14.xml><?xml version="1.0" encoding="utf-8"?>
+<p:sld xmlns:a="http://schemas.openxmlformats.org/drawingml/2006/main" xmlns:r="http://schemas.openxmlformats.org/officeDocument/2006/relationships" xmlns:p="http://schemas.openxmlformats.org/presentationml/2006/main">
+  <p:cSld>
+    <p:spTree>
+      <p:nvGrpSpPr>
+        <p:cNvPr id="1" name=""/>
+        <p:cNvGrpSpPr/>
+        <p:nvPr/>
+      </p:nvGrpSpPr>
+      <p:grpSpPr>
+        <a:xfrm>
+          <a:off x="0" y="0"/>
+          <a:ext cx="0" cy="0"/>
+          <a:chOff x="0" y="0"/>
+          <a:chExt cx="0" cy="0"/>
+        </a:xfrm>
+      </p:grpSpPr>
+      <p:sp>
+        <p:nvSpPr>
+          <p:cNvPr id="2" name="Title 1">
+            <a:extLst>
+              <a:ext uri="{FF2B5EF4-FFF2-40B4-BE49-F238E27FC236}">
+                <a16:creationId xmlns:a16="http://schemas.microsoft.com/office/drawing/2014/main" id="{02109A0C-AFFD-406D-90FA-C9E147A26F14}"/>
+              </a:ext>
+            </a:extLst>
+          </p:cNvPr>
+          <p:cNvSpPr>
+            <a:spLocks noGrp="1"/>
+          </p:cNvSpPr>
+          <p:nvPr>
+            <p:ph type="title"/>
+          </p:nvPr>
+        </p:nvSpPr>
+        <p:spPr/>
+        <p:txBody>
+          <a:bodyPr/>
+          <a:lstStyle/>
+          <a:p>
+            <a:r>
+              <a:rPr lang="fr-FR" dirty="0"/>
+              <a:t>Webographie</a:t>
+            </a:r>
+          </a:p>
+        </p:txBody>
+      </p:sp>
+      <p:sp>
+        <p:nvSpPr>
+          <p:cNvPr id="3" name="Content Placeholder 2">
+            <a:extLst>
+              <a:ext uri="{FF2B5EF4-FFF2-40B4-BE49-F238E27FC236}">
+                <a16:creationId xmlns:a16="http://schemas.microsoft.com/office/drawing/2014/main" id="{D338E908-3417-4D40-A13D-F91F51EBFCC6}"/>
+              </a:ext>
+            </a:extLst>
+          </p:cNvPr>
+          <p:cNvSpPr>
+            <a:spLocks noGrp="1"/>
+          </p:cNvSpPr>
+          <p:nvPr>
+            <p:ph idx="1"/>
+          </p:nvPr>
+        </p:nvSpPr>
+        <p:spPr/>
+        <p:txBody>
+          <a:bodyPr>
+            <a:normAutofit/>
+          </a:bodyPr>
+          <a:lstStyle/>
+          <a:p>
+            <a:r>
               <a:rPr lang="fr-FR" dirty="0">
                 <a:hlinkClick r:id="rId2"/>
               </a:rPr>
@@ -3958,12 +7477,23 @@
           </a:p>
           <a:p>
             <a:r>
-              <a:rPr lang="fr-FR">
+              <a:rPr lang="fr-FR" dirty="0">
                 <a:hlinkClick r:id="rId7"/>
               </a:rPr>
               <a:t>https://flexboxfroggy.com/#fr</a:t>
             </a:r>
-            <a:endParaRPr lang="fr-FR"/>
+            <a:endParaRPr lang="fr-FR" dirty="0"/>
+          </a:p>
+          <a:p>
+            <a:r>
+              <a:rPr lang="fr-FR" dirty="0"/>
+              <a:t>Google : </a:t>
+            </a:r>
+            <a:r>
+              <a:rPr lang="en-US" dirty="0"/>
+              <a:t>100 Things Every Designer Needs to Know About People pdf</a:t>
+            </a:r>
+            <a:endParaRPr lang="fr-FR" dirty="0"/>
           </a:p>
           <a:p>
             <a:endParaRPr lang="fr-FR" dirty="0"/>
@@ -6728,7 +10258,7 @@
             </a:r>
             <a:r>
               <a:rPr lang="fr-FR" dirty="0" err="1"/>
-              <a:t>Lkllegales</a:t>
+              <a:t>Legales</a:t>
             </a:r>
             <a:endParaRPr lang="fr-FR" dirty="0"/>
           </a:p>
@@ -7306,6 +10836,452 @@
               <a:rPr lang="fr-FR" dirty="0"/>
               <a:t>S</a:t>
             </a:r>
+          </a:p>
+        </p:txBody>
+      </p:sp>
+      <p:sp>
+        <p:nvSpPr>
+          <p:cNvPr id="22" name="Rectangle 21">
+            <a:extLst>
+              <a:ext uri="{FF2B5EF4-FFF2-40B4-BE49-F238E27FC236}">
+                <a16:creationId xmlns:a16="http://schemas.microsoft.com/office/drawing/2014/main" id="{94A70BA3-8D1B-47DF-A22B-5F6B6D9F7B02}"/>
+              </a:ext>
+            </a:extLst>
+          </p:cNvPr>
+          <p:cNvSpPr/>
+          <p:nvPr/>
+        </p:nvSpPr>
+        <p:spPr>
+          <a:xfrm>
+            <a:off x="8516471" y="1032721"/>
+            <a:ext cx="3227294" cy="4899212"/>
+          </a:xfrm>
+          <a:prstGeom prst="rect">
+            <a:avLst/>
+          </a:prstGeom>
+        </p:spPr>
+        <p:style>
+          <a:lnRef idx="2">
+            <a:schemeClr val="accent1"/>
+          </a:lnRef>
+          <a:fillRef idx="1">
+            <a:schemeClr val="lt1"/>
+          </a:fillRef>
+          <a:effectRef idx="0">
+            <a:schemeClr val="accent1"/>
+          </a:effectRef>
+          <a:fontRef idx="minor">
+            <a:schemeClr val="dk1"/>
+          </a:fontRef>
+        </p:style>
+        <p:txBody>
+          <a:bodyPr rtlCol="0" anchor="ctr"/>
+          <a:lstStyle/>
+          <a:p>
+            <a:pPr algn="ctr"/>
+            <a:endParaRPr lang="fr-FR"/>
+          </a:p>
+        </p:txBody>
+      </p:sp>
+      <p:sp>
+        <p:nvSpPr>
+          <p:cNvPr id="23" name="Rectangle 22">
+            <a:extLst>
+              <a:ext uri="{FF2B5EF4-FFF2-40B4-BE49-F238E27FC236}">
+                <a16:creationId xmlns:a16="http://schemas.microsoft.com/office/drawing/2014/main" id="{F0F793BE-F518-4E14-B1D2-8EA7AC305605}"/>
+              </a:ext>
+            </a:extLst>
+          </p:cNvPr>
+          <p:cNvSpPr/>
+          <p:nvPr/>
+        </p:nvSpPr>
+        <p:spPr>
+          <a:xfrm>
+            <a:off x="8516471" y="1032721"/>
+            <a:ext cx="3227294" cy="636494"/>
+          </a:xfrm>
+          <a:prstGeom prst="rect">
+            <a:avLst/>
+          </a:prstGeom>
+        </p:spPr>
+        <p:style>
+          <a:lnRef idx="2">
+            <a:schemeClr val="accent1">
+              <a:shade val="50000"/>
+            </a:schemeClr>
+          </a:lnRef>
+          <a:fillRef idx="1">
+            <a:schemeClr val="accent1"/>
+          </a:fillRef>
+          <a:effectRef idx="0">
+            <a:schemeClr val="accent1"/>
+          </a:effectRef>
+          <a:fontRef idx="minor">
+            <a:schemeClr val="lt1"/>
+          </a:fontRef>
+        </p:style>
+        <p:txBody>
+          <a:bodyPr rtlCol="0" anchor="ctr"/>
+          <a:lstStyle/>
+          <a:p>
+            <a:pPr algn="ctr"/>
+            <a:endParaRPr lang="fr-FR"/>
+          </a:p>
+        </p:txBody>
+      </p:sp>
+      <p:sp>
+        <p:nvSpPr>
+          <p:cNvPr id="24" name="Rectangle 23">
+            <a:extLst>
+              <a:ext uri="{FF2B5EF4-FFF2-40B4-BE49-F238E27FC236}">
+                <a16:creationId xmlns:a16="http://schemas.microsoft.com/office/drawing/2014/main" id="{9CB6B714-9672-407A-8A49-414F2D29FCF2}"/>
+              </a:ext>
+            </a:extLst>
+          </p:cNvPr>
+          <p:cNvSpPr/>
+          <p:nvPr/>
+        </p:nvSpPr>
+        <p:spPr>
+          <a:xfrm>
+            <a:off x="8516471" y="5295439"/>
+            <a:ext cx="3227294" cy="636494"/>
+          </a:xfrm>
+          <a:prstGeom prst="rect">
+            <a:avLst/>
+          </a:prstGeom>
+        </p:spPr>
+        <p:style>
+          <a:lnRef idx="2">
+            <a:schemeClr val="accent1">
+              <a:shade val="50000"/>
+            </a:schemeClr>
+          </a:lnRef>
+          <a:fillRef idx="1">
+            <a:schemeClr val="accent1"/>
+          </a:fillRef>
+          <a:effectRef idx="0">
+            <a:schemeClr val="accent1"/>
+          </a:effectRef>
+          <a:fontRef idx="minor">
+            <a:schemeClr val="lt1"/>
+          </a:fontRef>
+        </p:style>
+        <p:txBody>
+          <a:bodyPr rtlCol="0" anchor="ctr"/>
+          <a:lstStyle/>
+          <a:p>
+            <a:pPr algn="ctr"/>
+            <a:r>
+              <a:rPr lang="fr-FR" dirty="0"/>
+              <a:t>Mention </a:t>
+            </a:r>
+            <a:r>
+              <a:rPr lang="fr-FR" dirty="0" err="1"/>
+              <a:t>Legales</a:t>
+            </a:r>
+            <a:endParaRPr lang="fr-FR" dirty="0"/>
+          </a:p>
+        </p:txBody>
+      </p:sp>
+      <p:sp>
+        <p:nvSpPr>
+          <p:cNvPr id="25" name="Rectangle 24">
+            <a:extLst>
+              <a:ext uri="{FF2B5EF4-FFF2-40B4-BE49-F238E27FC236}">
+                <a16:creationId xmlns:a16="http://schemas.microsoft.com/office/drawing/2014/main" id="{EB2B1D67-B017-40C0-94C5-6AC09EABF98E}"/>
+              </a:ext>
+            </a:extLst>
+          </p:cNvPr>
+          <p:cNvSpPr/>
+          <p:nvPr/>
+        </p:nvSpPr>
+        <p:spPr>
+          <a:xfrm>
+            <a:off x="8668871" y="1207533"/>
+            <a:ext cx="694765" cy="331694"/>
+          </a:xfrm>
+          <a:prstGeom prst="rect">
+            <a:avLst/>
+          </a:prstGeom>
+        </p:spPr>
+        <p:style>
+          <a:lnRef idx="2">
+            <a:schemeClr val="accent2"/>
+          </a:lnRef>
+          <a:fillRef idx="1">
+            <a:schemeClr val="lt1"/>
+          </a:fillRef>
+          <a:effectRef idx="0">
+            <a:schemeClr val="accent2"/>
+          </a:effectRef>
+          <a:fontRef idx="minor">
+            <a:schemeClr val="dk1"/>
+          </a:fontRef>
+        </p:style>
+        <p:txBody>
+          <a:bodyPr rtlCol="0" anchor="ctr"/>
+          <a:lstStyle/>
+          <a:p>
+            <a:pPr algn="ctr"/>
+            <a:r>
+              <a:rPr lang="fr-FR" dirty="0"/>
+              <a:t>Logo</a:t>
+            </a:r>
+          </a:p>
+        </p:txBody>
+      </p:sp>
+      <p:sp>
+        <p:nvSpPr>
+          <p:cNvPr id="26" name="TextBox 25">
+            <a:extLst>
+              <a:ext uri="{FF2B5EF4-FFF2-40B4-BE49-F238E27FC236}">
+                <a16:creationId xmlns:a16="http://schemas.microsoft.com/office/drawing/2014/main" id="{007E6E54-5B1A-4AEA-B774-7856132D0B6B}"/>
+              </a:ext>
+            </a:extLst>
+          </p:cNvPr>
+          <p:cNvSpPr txBox="1"/>
+          <p:nvPr/>
+        </p:nvSpPr>
+        <p:spPr>
+          <a:xfrm>
+            <a:off x="9363636" y="1166302"/>
+            <a:ext cx="1463862" cy="369332"/>
+          </a:xfrm>
+          <a:prstGeom prst="rect">
+            <a:avLst/>
+          </a:prstGeom>
+          <a:noFill/>
+        </p:spPr>
+        <p:txBody>
+          <a:bodyPr wrap="none" rtlCol="0">
+            <a:spAutoFit/>
+          </a:bodyPr>
+          <a:lstStyle/>
+          <a:p>
+            <a:r>
+              <a:rPr lang="fr-FR" dirty="0"/>
+              <a:t>Gestion Stock</a:t>
+            </a:r>
+          </a:p>
+        </p:txBody>
+      </p:sp>
+      <p:sp>
+        <p:nvSpPr>
+          <p:cNvPr id="2" name="TextBox 1">
+            <a:extLst>
+              <a:ext uri="{FF2B5EF4-FFF2-40B4-BE49-F238E27FC236}">
+                <a16:creationId xmlns:a16="http://schemas.microsoft.com/office/drawing/2014/main" id="{1F6734B9-57BE-4978-892D-94AC1EEDCC06}"/>
+              </a:ext>
+            </a:extLst>
+          </p:cNvPr>
+          <p:cNvSpPr txBox="1"/>
+          <p:nvPr/>
+        </p:nvSpPr>
+        <p:spPr>
+          <a:xfrm>
+            <a:off x="9273989" y="1907704"/>
+            <a:ext cx="1819729" cy="369332"/>
+          </a:xfrm>
+          <a:prstGeom prst="rect">
+            <a:avLst/>
+          </a:prstGeom>
+          <a:noFill/>
+        </p:spPr>
+        <p:txBody>
+          <a:bodyPr wrap="none" rtlCol="0">
+            <a:spAutoFit/>
+          </a:bodyPr>
+          <a:lstStyle/>
+          <a:p>
+            <a:r>
+              <a:rPr lang="fr-FR" dirty="0"/>
+              <a:t>Mentions </a:t>
+            </a:r>
+            <a:r>
+              <a:rPr lang="fr-FR" dirty="0" err="1"/>
+              <a:t>Legales</a:t>
+            </a:r>
+            <a:endParaRPr lang="fr-FR" dirty="0"/>
+          </a:p>
+        </p:txBody>
+      </p:sp>
+      <p:sp>
+        <p:nvSpPr>
+          <p:cNvPr id="3" name="TextBox 2">
+            <a:extLst>
+              <a:ext uri="{FF2B5EF4-FFF2-40B4-BE49-F238E27FC236}">
+                <a16:creationId xmlns:a16="http://schemas.microsoft.com/office/drawing/2014/main" id="{B07724C4-FE19-4799-AC87-8A5F903824FB}"/>
+              </a:ext>
+            </a:extLst>
+          </p:cNvPr>
+          <p:cNvSpPr txBox="1"/>
+          <p:nvPr/>
+        </p:nvSpPr>
+        <p:spPr>
+          <a:xfrm>
+            <a:off x="8566773" y="2451832"/>
+            <a:ext cx="2686313" cy="923330"/>
+          </a:xfrm>
+          <a:prstGeom prst="rect">
+            <a:avLst/>
+          </a:prstGeom>
+          <a:noFill/>
+        </p:spPr>
+        <p:txBody>
+          <a:bodyPr wrap="none" rtlCol="0">
+            <a:spAutoFit/>
+          </a:bodyPr>
+          <a:lstStyle/>
+          <a:p>
+            <a:r>
+              <a:rPr lang="fr-FR" dirty="0" err="1"/>
+              <a:t>asdfasd</a:t>
+            </a:r>
+            <a:r>
+              <a:rPr lang="fr-FR" dirty="0"/>
+              <a:t> </a:t>
+            </a:r>
+            <a:r>
+              <a:rPr lang="fr-FR" dirty="0" err="1"/>
+              <a:t>fasdfasdf</a:t>
+            </a:r>
+            <a:r>
+              <a:rPr lang="fr-FR" dirty="0"/>
+              <a:t> </a:t>
+            </a:r>
+            <a:r>
+              <a:rPr lang="fr-FR" dirty="0" err="1"/>
+              <a:t>asdf</a:t>
+            </a:r>
+            <a:r>
+              <a:rPr lang="fr-FR" dirty="0"/>
+              <a:t> </a:t>
+            </a:r>
+            <a:r>
+              <a:rPr lang="fr-FR" dirty="0" err="1"/>
+              <a:t>asdf</a:t>
+            </a:r>
+            <a:endParaRPr lang="fr-FR" dirty="0"/>
+          </a:p>
+          <a:p>
+            <a:r>
+              <a:rPr lang="fr-FR" dirty="0" err="1"/>
+              <a:t>asdfasfasdf</a:t>
+            </a:r>
+            <a:r>
+              <a:rPr lang="fr-FR" dirty="0"/>
+              <a:t> </a:t>
+            </a:r>
+            <a:r>
+              <a:rPr lang="fr-FR" dirty="0" err="1"/>
+              <a:t>asdfasd</a:t>
+            </a:r>
+            <a:endParaRPr lang="fr-FR" dirty="0"/>
+          </a:p>
+          <a:p>
+            <a:r>
+              <a:rPr lang="fr-FR" dirty="0" err="1"/>
+              <a:t>asf</a:t>
+            </a:r>
+            <a:r>
+              <a:rPr lang="fr-FR" dirty="0"/>
+              <a:t> </a:t>
+            </a:r>
+            <a:r>
+              <a:rPr lang="fr-FR" dirty="0" err="1"/>
+              <a:t>asdfasf</a:t>
+            </a:r>
+            <a:endParaRPr lang="fr-FR" dirty="0"/>
+          </a:p>
+        </p:txBody>
+      </p:sp>
+      <p:sp>
+        <p:nvSpPr>
+          <p:cNvPr id="29" name="TextBox 28">
+            <a:extLst>
+              <a:ext uri="{FF2B5EF4-FFF2-40B4-BE49-F238E27FC236}">
+                <a16:creationId xmlns:a16="http://schemas.microsoft.com/office/drawing/2014/main" id="{EFBCFB56-85BE-46DC-8F40-7BD3EEEF7C0E}"/>
+              </a:ext>
+            </a:extLst>
+          </p:cNvPr>
+          <p:cNvSpPr txBox="1"/>
+          <p:nvPr/>
+        </p:nvSpPr>
+        <p:spPr>
+          <a:xfrm>
+            <a:off x="8566773" y="3476065"/>
+            <a:ext cx="2686313" cy="923330"/>
+          </a:xfrm>
+          <a:prstGeom prst="rect">
+            <a:avLst/>
+          </a:prstGeom>
+          <a:noFill/>
+        </p:spPr>
+        <p:txBody>
+          <a:bodyPr wrap="none" rtlCol="0">
+            <a:spAutoFit/>
+          </a:bodyPr>
+          <a:lstStyle/>
+          <a:p>
+            <a:r>
+              <a:rPr lang="fr-FR" dirty="0" err="1"/>
+              <a:t>asdfasd</a:t>
+            </a:r>
+            <a:r>
+              <a:rPr lang="fr-FR" dirty="0"/>
+              <a:t> </a:t>
+            </a:r>
+            <a:r>
+              <a:rPr lang="fr-FR" dirty="0" err="1"/>
+              <a:t>fasdfasdf</a:t>
+            </a:r>
+            <a:r>
+              <a:rPr lang="fr-FR" dirty="0"/>
+              <a:t> </a:t>
+            </a:r>
+            <a:r>
+              <a:rPr lang="fr-FR" dirty="0" err="1"/>
+              <a:t>asdf</a:t>
+            </a:r>
+            <a:r>
+              <a:rPr lang="fr-FR" dirty="0"/>
+              <a:t> </a:t>
+            </a:r>
+            <a:r>
+              <a:rPr lang="fr-FR" dirty="0" err="1"/>
+              <a:t>asdf</a:t>
+            </a:r>
+            <a:endParaRPr lang="fr-FR" dirty="0"/>
+          </a:p>
+          <a:p>
+            <a:r>
+              <a:rPr lang="fr-FR" dirty="0" err="1"/>
+              <a:t>asdfasfasdf</a:t>
+            </a:r>
+            <a:r>
+              <a:rPr lang="fr-FR" dirty="0"/>
+              <a:t> </a:t>
+            </a:r>
+            <a:r>
+              <a:rPr lang="fr-FR" dirty="0" err="1"/>
+              <a:t>asdfasd</a:t>
+            </a:r>
+            <a:endParaRPr lang="fr-FR" dirty="0"/>
+          </a:p>
+          <a:p>
+            <a:r>
+              <a:rPr lang="fr-FR" dirty="0" err="1"/>
+              <a:t>asf</a:t>
+            </a:r>
+            <a:r>
+              <a:rPr lang="fr-FR" dirty="0"/>
+              <a:t> </a:t>
+            </a:r>
+            <a:r>
+              <a:rPr lang="fr-FR" dirty="0" err="1"/>
+              <a:t>asdfasf</a:t>
+            </a:r>
+            <a:endParaRPr lang="fr-FR" dirty="0"/>
           </a:p>
         </p:txBody>
       </p:sp>
@@ -7344,7 +11320,7 @@
           <p:cNvPr id="4" name="Rectangle 3">
             <a:extLst>
               <a:ext uri="{FF2B5EF4-FFF2-40B4-BE49-F238E27FC236}">
-                <a16:creationId xmlns:a16="http://schemas.microsoft.com/office/drawing/2014/main" id="{CF6F62F4-96E9-42BD-8201-29CCA9A6F44B}"/>
+                <a16:creationId xmlns:a16="http://schemas.microsoft.com/office/drawing/2014/main" id="{03E0441E-EF77-4731-9D6F-47CB8F3D035E}"/>
               </a:ext>
             </a:extLst>
           </p:cNvPr>
@@ -7353,7 +11329,7 @@
         </p:nvSpPr>
         <p:spPr>
           <a:xfrm>
-            <a:off x="372036" y="1690688"/>
+            <a:off x="4694020" y="1026459"/>
             <a:ext cx="3227294" cy="4899212"/>
           </a:xfrm>
           <a:prstGeom prst="rect">
@@ -7388,7 +11364,7 @@
           <p:cNvPr id="5" name="Rectangle 4">
             <a:extLst>
               <a:ext uri="{FF2B5EF4-FFF2-40B4-BE49-F238E27FC236}">
-                <a16:creationId xmlns:a16="http://schemas.microsoft.com/office/drawing/2014/main" id="{D2D5EE56-B0B0-401E-A448-2D90A43F176A}"/>
+                <a16:creationId xmlns:a16="http://schemas.microsoft.com/office/drawing/2014/main" id="{687C59ED-9D93-4B7A-8E3D-F907E8F9BDC0}"/>
               </a:ext>
             </a:extLst>
           </p:cNvPr>
@@ -7397,7 +11373,7 @@
         </p:nvSpPr>
         <p:spPr>
           <a:xfrm>
-            <a:off x="372036" y="1690688"/>
+            <a:off x="4694020" y="1026459"/>
             <a:ext cx="3227294" cy="636494"/>
           </a:xfrm>
           <a:prstGeom prst="rect">
@@ -7434,7 +11410,7 @@
           <p:cNvPr id="6" name="Rectangle 5">
             <a:extLst>
               <a:ext uri="{FF2B5EF4-FFF2-40B4-BE49-F238E27FC236}">
-                <a16:creationId xmlns:a16="http://schemas.microsoft.com/office/drawing/2014/main" id="{B0DD19F9-29D5-40D8-A555-D23F45425805}"/>
+                <a16:creationId xmlns:a16="http://schemas.microsoft.com/office/drawing/2014/main" id="{01E08AA2-561B-465D-8783-4A73364BB2DB}"/>
               </a:ext>
             </a:extLst>
           </p:cNvPr>
@@ -7443,7 +11419,7 @@
         </p:nvSpPr>
         <p:spPr>
           <a:xfrm>
-            <a:off x="372036" y="5953406"/>
+            <a:off x="4694020" y="5289177"/>
             <a:ext cx="3227294" cy="636494"/>
           </a:xfrm>
           <a:prstGeom prst="rect">
@@ -7488,7 +11464,7 @@
           <p:cNvPr id="7" name="Rectangle 6">
             <a:extLst>
               <a:ext uri="{FF2B5EF4-FFF2-40B4-BE49-F238E27FC236}">
-                <a16:creationId xmlns:a16="http://schemas.microsoft.com/office/drawing/2014/main" id="{36CDFBFB-9354-4A5D-8819-4E8396DE817F}"/>
+                <a16:creationId xmlns:a16="http://schemas.microsoft.com/office/drawing/2014/main" id="{44AC92CD-0C2A-47B5-8EDC-5DB03675788B}"/>
               </a:ext>
             </a:extLst>
           </p:cNvPr>
@@ -7497,7 +11473,7 @@
         </p:nvSpPr>
         <p:spPr>
           <a:xfrm>
-            <a:off x="524436" y="1865500"/>
+            <a:off x="4846420" y="1201271"/>
             <a:ext cx="694765" cy="331694"/>
           </a:xfrm>
           <a:prstGeom prst="rect">
@@ -7535,7 +11511,7 @@
           <p:cNvPr id="8" name="TextBox 7">
             <a:extLst>
               <a:ext uri="{FF2B5EF4-FFF2-40B4-BE49-F238E27FC236}">
-                <a16:creationId xmlns:a16="http://schemas.microsoft.com/office/drawing/2014/main" id="{891C13AE-39CF-45AF-94FC-71C35D1CB46B}"/>
+                <a16:creationId xmlns:a16="http://schemas.microsoft.com/office/drawing/2014/main" id="{FB490FC5-9F05-4DC0-8417-48E9F54F38F1}"/>
               </a:ext>
             </a:extLst>
           </p:cNvPr>
@@ -7544,7 +11520,7 @@
         </p:nvSpPr>
         <p:spPr>
           <a:xfrm>
-            <a:off x="1219201" y="1824269"/>
+            <a:off x="5541185" y="1160040"/>
             <a:ext cx="1463862" cy="369332"/>
           </a:xfrm>
           <a:prstGeom prst="rect">
@@ -7570,7 +11546,7 @@
           <p:cNvPr id="9" name="TextBox 8">
             <a:extLst>
               <a:ext uri="{FF2B5EF4-FFF2-40B4-BE49-F238E27FC236}">
-                <a16:creationId xmlns:a16="http://schemas.microsoft.com/office/drawing/2014/main" id="{9500213B-3C0E-41D1-87AA-0AC674FCAB74}"/>
+                <a16:creationId xmlns:a16="http://schemas.microsoft.com/office/drawing/2014/main" id="{A0DEB832-1BF3-4557-B98B-1D931DFF5A50}"/>
               </a:ext>
             </a:extLst>
           </p:cNvPr>
@@ -7579,8 +11555,8 @@
         </p:nvSpPr>
         <p:spPr>
           <a:xfrm>
-            <a:off x="443754" y="3393982"/>
-            <a:ext cx="3205878" cy="369332"/>
+            <a:off x="5446822" y="1837765"/>
+            <a:ext cx="1803442" cy="369332"/>
           </a:xfrm>
           <a:prstGeom prst="rect">
             <a:avLst/>
@@ -7594,22 +11570,18 @@
           <a:lstStyle/>
           <a:p>
             <a:r>
-              <a:rPr lang="fr-FR" dirty="0" err="1"/>
-              <a:t>Gerer</a:t>
-            </a:r>
-            <a:r>
-              <a:rPr lang="fr-FR" dirty="0"/>
-              <a:t> efficacement votre stock !</a:t>
-            </a:r>
-          </a:p>
-        </p:txBody>
-      </p:sp>
-      <p:sp>
-        <p:nvSpPr>
-          <p:cNvPr id="10" name="Rectangle 9">
-            <a:extLst>
-              <a:ext uri="{FF2B5EF4-FFF2-40B4-BE49-F238E27FC236}">
-                <a16:creationId xmlns:a16="http://schemas.microsoft.com/office/drawing/2014/main" id="{3B4358F9-34FF-4FDF-9D17-01EFB20E9AA6}"/>
+              <a:rPr lang="fr-FR" dirty="0"/>
+              <a:t>Ajout d’un article</a:t>
+            </a:r>
+          </a:p>
+        </p:txBody>
+      </p:sp>
+      <p:sp>
+        <p:nvSpPr>
+          <p:cNvPr id="13" name="Rectangle 12">
+            <a:extLst>
+              <a:ext uri="{FF2B5EF4-FFF2-40B4-BE49-F238E27FC236}">
+                <a16:creationId xmlns:a16="http://schemas.microsoft.com/office/drawing/2014/main" id="{C591FEFA-A62C-4CB8-A3DE-B2A49C1EC60B}"/>
               </a:ext>
             </a:extLst>
           </p:cNvPr>
@@ -7618,10 +11590,247 @@
         </p:nvSpPr>
         <p:spPr>
           <a:xfrm>
-            <a:off x="1139016" y="3896895"/>
-            <a:ext cx="1815353" cy="470647"/>
+            <a:off x="4908176" y="2514602"/>
+            <a:ext cx="2545976" cy="369332"/>
           </a:xfrm>
           <a:prstGeom prst="rect">
+            <a:avLst/>
+          </a:prstGeom>
+        </p:spPr>
+        <p:style>
+          <a:lnRef idx="2">
+            <a:schemeClr val="accent1"/>
+          </a:lnRef>
+          <a:fillRef idx="1">
+            <a:schemeClr val="lt1"/>
+          </a:fillRef>
+          <a:effectRef idx="0">
+            <a:schemeClr val="accent1"/>
+          </a:effectRef>
+          <a:fontRef idx="minor">
+            <a:schemeClr val="dk1"/>
+          </a:fontRef>
+        </p:style>
+        <p:txBody>
+          <a:bodyPr rtlCol="0" anchor="ctr"/>
+          <a:lstStyle/>
+          <a:p>
+            <a:pPr algn="ctr"/>
+            <a:endParaRPr lang="fr-FR"/>
+          </a:p>
+        </p:txBody>
+      </p:sp>
+      <p:sp>
+        <p:nvSpPr>
+          <p:cNvPr id="14" name="TextBox 13">
+            <a:extLst>
+              <a:ext uri="{FF2B5EF4-FFF2-40B4-BE49-F238E27FC236}">
+                <a16:creationId xmlns:a16="http://schemas.microsoft.com/office/drawing/2014/main" id="{4FD051A5-BB01-4A17-A894-B147083FC5C8}"/>
+              </a:ext>
+            </a:extLst>
+          </p:cNvPr>
+          <p:cNvSpPr txBox="1"/>
+          <p:nvPr/>
+        </p:nvSpPr>
+        <p:spPr>
+          <a:xfrm>
+            <a:off x="4834154" y="2145270"/>
+            <a:ext cx="612668" cy="369332"/>
+          </a:xfrm>
+          <a:prstGeom prst="rect">
+            <a:avLst/>
+          </a:prstGeom>
+          <a:noFill/>
+        </p:spPr>
+        <p:txBody>
+          <a:bodyPr wrap="none" rtlCol="0">
+            <a:spAutoFit/>
+          </a:bodyPr>
+          <a:lstStyle/>
+          <a:p>
+            <a:r>
+              <a:rPr lang="fr-FR" dirty="0"/>
+              <a:t>nom</a:t>
+            </a:r>
+          </a:p>
+        </p:txBody>
+      </p:sp>
+      <p:sp>
+        <p:nvSpPr>
+          <p:cNvPr id="15" name="Rectangle 14">
+            <a:extLst>
+              <a:ext uri="{FF2B5EF4-FFF2-40B4-BE49-F238E27FC236}">
+                <a16:creationId xmlns:a16="http://schemas.microsoft.com/office/drawing/2014/main" id="{4155D560-C2AE-444B-BDAD-C9CD77EA918E}"/>
+              </a:ext>
+            </a:extLst>
+          </p:cNvPr>
+          <p:cNvSpPr/>
+          <p:nvPr/>
+        </p:nvSpPr>
+        <p:spPr>
+          <a:xfrm>
+            <a:off x="4890249" y="3411071"/>
+            <a:ext cx="2545976" cy="369332"/>
+          </a:xfrm>
+          <a:prstGeom prst="rect">
+            <a:avLst/>
+          </a:prstGeom>
+        </p:spPr>
+        <p:style>
+          <a:lnRef idx="2">
+            <a:schemeClr val="accent1"/>
+          </a:lnRef>
+          <a:fillRef idx="1">
+            <a:schemeClr val="lt1"/>
+          </a:fillRef>
+          <a:effectRef idx="0">
+            <a:schemeClr val="accent1"/>
+          </a:effectRef>
+          <a:fontRef idx="minor">
+            <a:schemeClr val="dk1"/>
+          </a:fontRef>
+        </p:style>
+        <p:txBody>
+          <a:bodyPr rtlCol="0" anchor="ctr"/>
+          <a:lstStyle/>
+          <a:p>
+            <a:pPr algn="ctr"/>
+            <a:endParaRPr lang="fr-FR"/>
+          </a:p>
+        </p:txBody>
+      </p:sp>
+      <p:sp>
+        <p:nvSpPr>
+          <p:cNvPr id="16" name="TextBox 15">
+            <a:extLst>
+              <a:ext uri="{FF2B5EF4-FFF2-40B4-BE49-F238E27FC236}">
+                <a16:creationId xmlns:a16="http://schemas.microsoft.com/office/drawing/2014/main" id="{B24980BB-B4D9-4734-80A6-9591DE34A062}"/>
+              </a:ext>
+            </a:extLst>
+          </p:cNvPr>
+          <p:cNvSpPr txBox="1"/>
+          <p:nvPr/>
+        </p:nvSpPr>
+        <p:spPr>
+          <a:xfrm>
+            <a:off x="4816227" y="3041739"/>
+            <a:ext cx="538930" cy="369332"/>
+          </a:xfrm>
+          <a:prstGeom prst="rect">
+            <a:avLst/>
+          </a:prstGeom>
+          <a:noFill/>
+        </p:spPr>
+        <p:txBody>
+          <a:bodyPr wrap="none" rtlCol="0">
+            <a:spAutoFit/>
+          </a:bodyPr>
+          <a:lstStyle/>
+          <a:p>
+            <a:r>
+              <a:rPr lang="fr-FR" dirty="0"/>
+              <a:t>prix</a:t>
+            </a:r>
+          </a:p>
+        </p:txBody>
+      </p:sp>
+      <p:sp>
+        <p:nvSpPr>
+          <p:cNvPr id="17" name="Rectangle 16">
+            <a:extLst>
+              <a:ext uri="{FF2B5EF4-FFF2-40B4-BE49-F238E27FC236}">
+                <a16:creationId xmlns:a16="http://schemas.microsoft.com/office/drawing/2014/main" id="{185CD75F-4716-4FEE-9F56-F78580F4EC96}"/>
+              </a:ext>
+            </a:extLst>
+          </p:cNvPr>
+          <p:cNvSpPr/>
+          <p:nvPr/>
+        </p:nvSpPr>
+        <p:spPr>
+          <a:xfrm>
+            <a:off x="4840945" y="4217903"/>
+            <a:ext cx="2545976" cy="369332"/>
+          </a:xfrm>
+          <a:prstGeom prst="rect">
+            <a:avLst/>
+          </a:prstGeom>
+        </p:spPr>
+        <p:style>
+          <a:lnRef idx="2">
+            <a:schemeClr val="accent1"/>
+          </a:lnRef>
+          <a:fillRef idx="1">
+            <a:schemeClr val="lt1"/>
+          </a:fillRef>
+          <a:effectRef idx="0">
+            <a:schemeClr val="accent1"/>
+          </a:effectRef>
+          <a:fontRef idx="minor">
+            <a:schemeClr val="dk1"/>
+          </a:fontRef>
+        </p:style>
+        <p:txBody>
+          <a:bodyPr rtlCol="0" anchor="ctr"/>
+          <a:lstStyle/>
+          <a:p>
+            <a:pPr algn="ctr"/>
+            <a:endParaRPr lang="fr-FR"/>
+          </a:p>
+        </p:txBody>
+      </p:sp>
+      <p:sp>
+        <p:nvSpPr>
+          <p:cNvPr id="18" name="TextBox 17">
+            <a:extLst>
+              <a:ext uri="{FF2B5EF4-FFF2-40B4-BE49-F238E27FC236}">
+                <a16:creationId xmlns:a16="http://schemas.microsoft.com/office/drawing/2014/main" id="{77076A46-12A4-4673-B91D-11E1AF49D53B}"/>
+              </a:ext>
+            </a:extLst>
+          </p:cNvPr>
+          <p:cNvSpPr txBox="1"/>
+          <p:nvPr/>
+        </p:nvSpPr>
+        <p:spPr>
+          <a:xfrm>
+            <a:off x="4766923" y="3848571"/>
+            <a:ext cx="978345" cy="369332"/>
+          </a:xfrm>
+          <a:prstGeom prst="rect">
+            <a:avLst/>
+          </a:prstGeom>
+          <a:noFill/>
+        </p:spPr>
+        <p:txBody>
+          <a:bodyPr wrap="none" rtlCol="0">
+            <a:spAutoFit/>
+          </a:bodyPr>
+          <a:lstStyle/>
+          <a:p>
+            <a:r>
+              <a:rPr lang="fr-FR" dirty="0"/>
+              <a:t>quantité</a:t>
+            </a:r>
+          </a:p>
+        </p:txBody>
+      </p:sp>
+      <p:sp>
+        <p:nvSpPr>
+          <p:cNvPr id="19" name="Rectangle: Rounded Corners 18">
+            <a:extLst>
+              <a:ext uri="{FF2B5EF4-FFF2-40B4-BE49-F238E27FC236}">
+                <a16:creationId xmlns:a16="http://schemas.microsoft.com/office/drawing/2014/main" id="{59034AB4-6B2A-42A4-8E16-08879E30F136}"/>
+              </a:ext>
+            </a:extLst>
+          </p:cNvPr>
+          <p:cNvSpPr/>
+          <p:nvPr/>
+        </p:nvSpPr>
+        <p:spPr>
+          <a:xfrm>
+            <a:off x="4908176" y="4845424"/>
+            <a:ext cx="2528049" cy="310172"/>
+          </a:xfrm>
+          <a:prstGeom prst="roundRect">
             <a:avLst/>
           </a:prstGeom>
         </p:spPr>
@@ -7648,632 +11857,15 @@
             <a:pPr algn="ctr"/>
             <a:r>
               <a:rPr lang="fr-FR" dirty="0"/>
-              <a:t>Voir le stock</a:t>
-            </a:r>
-          </a:p>
-        </p:txBody>
-      </p:sp>
-      <p:sp>
-        <p:nvSpPr>
-          <p:cNvPr id="11" name="Rectangle 10">
-            <a:extLst>
-              <a:ext uri="{FF2B5EF4-FFF2-40B4-BE49-F238E27FC236}">
-                <a16:creationId xmlns:a16="http://schemas.microsoft.com/office/drawing/2014/main" id="{07FC6C40-EE5D-4565-8682-148A2883F62E}"/>
-              </a:ext>
-            </a:extLst>
-          </p:cNvPr>
-          <p:cNvSpPr/>
-          <p:nvPr/>
-        </p:nvSpPr>
-        <p:spPr>
-          <a:xfrm>
-            <a:off x="6665258" y="600635"/>
-            <a:ext cx="1138517" cy="510989"/>
-          </a:xfrm>
-          <a:prstGeom prst="rect">
-            <a:avLst/>
-          </a:prstGeom>
-        </p:spPr>
-        <p:style>
-          <a:lnRef idx="2">
-            <a:schemeClr val="accent1">
-              <a:shade val="50000"/>
-            </a:schemeClr>
-          </a:lnRef>
-          <a:fillRef idx="1">
-            <a:schemeClr val="accent1"/>
-          </a:fillRef>
-          <a:effectRef idx="0">
-            <a:schemeClr val="accent1"/>
-          </a:effectRef>
-          <a:fontRef idx="minor">
-            <a:schemeClr val="lt1"/>
-          </a:fontRef>
-        </p:style>
-        <p:txBody>
-          <a:bodyPr rtlCol="0" anchor="ctr"/>
-          <a:lstStyle/>
-          <a:p>
-            <a:pPr algn="ctr"/>
-            <a:r>
-              <a:rPr lang="fr-FR" dirty="0"/>
-              <a:t>App</a:t>
-            </a:r>
-          </a:p>
-        </p:txBody>
-      </p:sp>
-      <p:sp>
-        <p:nvSpPr>
-          <p:cNvPr id="14" name="Oval 13">
-            <a:extLst>
-              <a:ext uri="{FF2B5EF4-FFF2-40B4-BE49-F238E27FC236}">
-                <a16:creationId xmlns:a16="http://schemas.microsoft.com/office/drawing/2014/main" id="{9AD4A4D4-2744-4E75-961A-8A0C37658AEE}"/>
-              </a:ext>
-            </a:extLst>
-          </p:cNvPr>
-          <p:cNvSpPr/>
-          <p:nvPr/>
-        </p:nvSpPr>
-        <p:spPr>
-          <a:xfrm>
-            <a:off x="6665258" y="1678082"/>
-            <a:ext cx="1210236" cy="636494"/>
-          </a:xfrm>
-          <a:prstGeom prst="ellipse">
-            <a:avLst/>
-          </a:prstGeom>
-        </p:spPr>
-        <p:style>
-          <a:lnRef idx="2">
-            <a:schemeClr val="accent6">
-              <a:shade val="50000"/>
-            </a:schemeClr>
-          </a:lnRef>
-          <a:fillRef idx="1">
-            <a:schemeClr val="accent6"/>
-          </a:fillRef>
-          <a:effectRef idx="0">
-            <a:schemeClr val="accent6"/>
-          </a:effectRef>
-          <a:fontRef idx="minor">
-            <a:schemeClr val="lt1"/>
-          </a:fontRef>
-        </p:style>
-        <p:txBody>
-          <a:bodyPr rtlCol="0" anchor="ctr"/>
-          <a:lstStyle/>
-          <a:p>
-            <a:pPr algn="ctr"/>
-            <a:r>
-              <a:rPr lang="fr-FR" dirty="0"/>
-              <a:t>App</a:t>
-            </a:r>
-          </a:p>
-        </p:txBody>
-      </p:sp>
-      <p:cxnSp>
-        <p:nvCxnSpPr>
-          <p:cNvPr id="16" name="Straight Arrow Connector 15">
-            <a:extLst>
-              <a:ext uri="{FF2B5EF4-FFF2-40B4-BE49-F238E27FC236}">
-                <a16:creationId xmlns:a16="http://schemas.microsoft.com/office/drawing/2014/main" id="{37E5076F-A72F-48E0-9380-54785F8EB8B3}"/>
-              </a:ext>
-            </a:extLst>
-          </p:cNvPr>
-          <p:cNvCxnSpPr>
-            <a:stCxn id="14" idx="0"/>
-            <a:endCxn id="11" idx="2"/>
-          </p:cNvCxnSpPr>
-          <p:nvPr/>
-        </p:nvCxnSpPr>
-        <p:spPr>
-          <a:xfrm flipH="1" flipV="1">
-            <a:off x="7234517" y="1111624"/>
-            <a:ext cx="35859" cy="566458"/>
-          </a:xfrm>
-          <a:prstGeom prst="straightConnector1">
-            <a:avLst/>
-          </a:prstGeom>
-          <a:ln w="76200">
-            <a:solidFill>
-              <a:schemeClr val="accent1"/>
-            </a:solidFill>
-            <a:tailEnd type="triangle"/>
-          </a:ln>
-        </p:spPr>
-        <p:style>
-          <a:lnRef idx="1">
-            <a:schemeClr val="accent1"/>
-          </a:lnRef>
-          <a:fillRef idx="0">
-            <a:schemeClr val="accent1"/>
-          </a:fillRef>
-          <a:effectRef idx="0">
-            <a:schemeClr val="accent1"/>
-          </a:effectRef>
-          <a:fontRef idx="minor">
-            <a:schemeClr val="tx1"/>
-          </a:fontRef>
-        </p:style>
-      </p:cxnSp>
-      <p:sp>
-        <p:nvSpPr>
-          <p:cNvPr id="18" name="Rectangle 17">
-            <a:extLst>
-              <a:ext uri="{FF2B5EF4-FFF2-40B4-BE49-F238E27FC236}">
-                <a16:creationId xmlns:a16="http://schemas.microsoft.com/office/drawing/2014/main" id="{BE8FCBE2-7001-41DC-ABE9-014C5C4C3D59}"/>
-              </a:ext>
-            </a:extLst>
-          </p:cNvPr>
-          <p:cNvSpPr/>
-          <p:nvPr/>
-        </p:nvSpPr>
-        <p:spPr>
-          <a:xfrm>
-            <a:off x="8709211" y="605117"/>
-            <a:ext cx="1833283" cy="510989"/>
-          </a:xfrm>
-          <a:prstGeom prst="rect">
-            <a:avLst/>
-          </a:prstGeom>
-        </p:spPr>
-        <p:style>
-          <a:lnRef idx="2">
-            <a:schemeClr val="accent1">
-              <a:shade val="50000"/>
-            </a:schemeClr>
-          </a:lnRef>
-          <a:fillRef idx="1">
-            <a:schemeClr val="accent1"/>
-          </a:fillRef>
-          <a:effectRef idx="0">
-            <a:schemeClr val="accent1"/>
-          </a:effectRef>
-          <a:fontRef idx="minor">
-            <a:schemeClr val="lt1"/>
-          </a:fontRef>
-        </p:style>
-        <p:txBody>
-          <a:bodyPr rtlCol="0" anchor="ctr"/>
-          <a:lstStyle/>
-          <a:p>
-            <a:pPr algn="ctr"/>
-            <a:r>
-              <a:rPr lang="fr-FR" dirty="0" err="1"/>
-              <a:t>AppRouting</a:t>
-            </a:r>
-            <a:endParaRPr lang="fr-FR" dirty="0"/>
-          </a:p>
-        </p:txBody>
-      </p:sp>
-      <p:cxnSp>
-        <p:nvCxnSpPr>
-          <p:cNvPr id="20" name="Straight Arrow Connector 19">
-            <a:extLst>
-              <a:ext uri="{FF2B5EF4-FFF2-40B4-BE49-F238E27FC236}">
-                <a16:creationId xmlns:a16="http://schemas.microsoft.com/office/drawing/2014/main" id="{C83F8A27-4B84-46E1-A67E-66AC0573C898}"/>
-              </a:ext>
-            </a:extLst>
-          </p:cNvPr>
-          <p:cNvCxnSpPr>
-            <a:endCxn id="11" idx="3"/>
-          </p:cNvCxnSpPr>
-          <p:nvPr/>
-        </p:nvCxnSpPr>
-        <p:spPr>
-          <a:xfrm flipH="1" flipV="1">
-            <a:off x="7803775" y="856130"/>
-            <a:ext cx="824754" cy="13446"/>
-          </a:xfrm>
-          <a:prstGeom prst="straightConnector1">
-            <a:avLst/>
-          </a:prstGeom>
-          <a:ln w="76200">
-            <a:solidFill>
-              <a:schemeClr val="accent1"/>
-            </a:solidFill>
-            <a:prstDash val="sysDash"/>
-            <a:tailEnd type="triangle"/>
-          </a:ln>
-        </p:spPr>
-        <p:style>
-          <a:lnRef idx="1">
-            <a:schemeClr val="accent1"/>
-          </a:lnRef>
-          <a:fillRef idx="0">
-            <a:schemeClr val="accent1"/>
-          </a:fillRef>
-          <a:effectRef idx="0">
-            <a:schemeClr val="accent1"/>
-          </a:effectRef>
-          <a:fontRef idx="minor">
-            <a:schemeClr val="tx1"/>
-          </a:fontRef>
-        </p:style>
-      </p:cxnSp>
-      <p:sp>
-        <p:nvSpPr>
-          <p:cNvPr id="21" name="Rectangle 20">
-            <a:extLst>
-              <a:ext uri="{FF2B5EF4-FFF2-40B4-BE49-F238E27FC236}">
-                <a16:creationId xmlns:a16="http://schemas.microsoft.com/office/drawing/2014/main" id="{79FC1160-3126-4EE1-8180-93B4ECA2483C}"/>
-              </a:ext>
-            </a:extLst>
-          </p:cNvPr>
-          <p:cNvSpPr/>
-          <p:nvPr/>
-        </p:nvSpPr>
-        <p:spPr>
-          <a:xfrm>
-            <a:off x="4809565" y="1268457"/>
-            <a:ext cx="1210236" cy="528918"/>
-          </a:xfrm>
-          <a:prstGeom prst="rect">
-            <a:avLst/>
-          </a:prstGeom>
-        </p:spPr>
-        <p:style>
-          <a:lnRef idx="2">
-            <a:schemeClr val="accent1">
-              <a:shade val="50000"/>
-            </a:schemeClr>
-          </a:lnRef>
-          <a:fillRef idx="1">
-            <a:schemeClr val="accent1"/>
-          </a:fillRef>
-          <a:effectRef idx="0">
-            <a:schemeClr val="accent1"/>
-          </a:effectRef>
-          <a:fontRef idx="minor">
-            <a:schemeClr val="lt1"/>
-          </a:fontRef>
-        </p:style>
-        <p:txBody>
-          <a:bodyPr rtlCol="0" anchor="ctr"/>
-          <a:lstStyle/>
-          <a:p>
-            <a:pPr algn="ctr"/>
-            <a:r>
-              <a:rPr lang="fr-FR" dirty="0" err="1"/>
-              <a:t>Layout</a:t>
-            </a:r>
-            <a:endParaRPr lang="fr-FR" dirty="0"/>
-          </a:p>
-        </p:txBody>
-      </p:sp>
-      <p:sp>
-        <p:nvSpPr>
-          <p:cNvPr id="22" name="Oval 21">
-            <a:extLst>
-              <a:ext uri="{FF2B5EF4-FFF2-40B4-BE49-F238E27FC236}">
-                <a16:creationId xmlns:a16="http://schemas.microsoft.com/office/drawing/2014/main" id="{1F63F3A8-D2B2-467B-B6B4-9F691AA841CD}"/>
-              </a:ext>
-            </a:extLst>
-          </p:cNvPr>
-          <p:cNvSpPr/>
-          <p:nvPr/>
-        </p:nvSpPr>
-        <p:spPr>
-          <a:xfrm>
-            <a:off x="3922058" y="2199765"/>
-            <a:ext cx="1264025" cy="636494"/>
-          </a:xfrm>
-          <a:prstGeom prst="ellipse">
-            <a:avLst/>
-          </a:prstGeom>
-        </p:spPr>
-        <p:style>
-          <a:lnRef idx="2">
-            <a:schemeClr val="accent6">
-              <a:shade val="50000"/>
-            </a:schemeClr>
-          </a:lnRef>
-          <a:fillRef idx="1">
-            <a:schemeClr val="accent6"/>
-          </a:fillRef>
-          <a:effectRef idx="0">
-            <a:schemeClr val="accent6"/>
-          </a:effectRef>
-          <a:fontRef idx="minor">
-            <a:schemeClr val="lt1"/>
-          </a:fontRef>
-        </p:style>
-        <p:txBody>
-          <a:bodyPr rtlCol="0" anchor="ctr"/>
-          <a:lstStyle/>
-          <a:p>
-            <a:pPr algn="ctr"/>
-            <a:r>
-              <a:rPr lang="fr-FR" dirty="0"/>
-              <a:t>Header</a:t>
-            </a:r>
-          </a:p>
-        </p:txBody>
-      </p:sp>
-      <p:sp>
-        <p:nvSpPr>
-          <p:cNvPr id="23" name="Oval 22">
-            <a:extLst>
-              <a:ext uri="{FF2B5EF4-FFF2-40B4-BE49-F238E27FC236}">
-                <a16:creationId xmlns:a16="http://schemas.microsoft.com/office/drawing/2014/main" id="{269E3F1F-C2F6-4166-88F4-D34FB50701F2}"/>
-              </a:ext>
-            </a:extLst>
-          </p:cNvPr>
-          <p:cNvSpPr/>
-          <p:nvPr/>
-        </p:nvSpPr>
-        <p:spPr>
-          <a:xfrm>
-            <a:off x="5360893" y="3110753"/>
-            <a:ext cx="1210236" cy="636494"/>
-          </a:xfrm>
-          <a:prstGeom prst="ellipse">
-            <a:avLst/>
-          </a:prstGeom>
-        </p:spPr>
-        <p:style>
-          <a:lnRef idx="2">
-            <a:schemeClr val="accent6">
-              <a:shade val="50000"/>
-            </a:schemeClr>
-          </a:lnRef>
-          <a:fillRef idx="1">
-            <a:schemeClr val="accent6"/>
-          </a:fillRef>
-          <a:effectRef idx="0">
-            <a:schemeClr val="accent6"/>
-          </a:effectRef>
-          <a:fontRef idx="minor">
-            <a:schemeClr val="lt1"/>
-          </a:fontRef>
-        </p:style>
-        <p:txBody>
-          <a:bodyPr rtlCol="0" anchor="ctr"/>
-          <a:lstStyle/>
-          <a:p>
-            <a:pPr algn="ctr"/>
-            <a:r>
-              <a:rPr lang="fr-FR" dirty="0" err="1"/>
-              <a:t>Footer</a:t>
-            </a:r>
-            <a:endParaRPr lang="fr-FR" dirty="0"/>
-          </a:p>
-        </p:txBody>
-      </p:sp>
-      <p:sp>
-        <p:nvSpPr>
-          <p:cNvPr id="24" name="Oval 23">
-            <a:extLst>
-              <a:ext uri="{FF2B5EF4-FFF2-40B4-BE49-F238E27FC236}">
-                <a16:creationId xmlns:a16="http://schemas.microsoft.com/office/drawing/2014/main" id="{A24F93BA-EBD3-41A6-83C4-C54C66AD5453}"/>
-              </a:ext>
-            </a:extLst>
-          </p:cNvPr>
-          <p:cNvSpPr/>
-          <p:nvPr/>
-        </p:nvSpPr>
-        <p:spPr>
-          <a:xfrm>
-            <a:off x="4150657" y="3896895"/>
-            <a:ext cx="1210236" cy="636494"/>
-          </a:xfrm>
-          <a:prstGeom prst="ellipse">
-            <a:avLst/>
-          </a:prstGeom>
-        </p:spPr>
-        <p:style>
-          <a:lnRef idx="2">
-            <a:schemeClr val="accent6">
-              <a:shade val="50000"/>
-            </a:schemeClr>
-          </a:lnRef>
-          <a:fillRef idx="1">
-            <a:schemeClr val="accent6"/>
-          </a:fillRef>
-          <a:effectRef idx="0">
-            <a:schemeClr val="accent6"/>
-          </a:effectRef>
-          <a:fontRef idx="minor">
-            <a:schemeClr val="lt1"/>
-          </a:fontRef>
-        </p:style>
-        <p:txBody>
-          <a:bodyPr rtlCol="0" anchor="ctr"/>
-          <a:lstStyle/>
-          <a:p>
-            <a:pPr algn="ctr"/>
-            <a:r>
-              <a:rPr lang="fr-FR" dirty="0"/>
-              <a:t>Body</a:t>
-            </a:r>
-          </a:p>
-        </p:txBody>
-      </p:sp>
-      <p:cxnSp>
-        <p:nvCxnSpPr>
-          <p:cNvPr id="26" name="Straight Arrow Connector 25">
-            <a:extLst>
-              <a:ext uri="{FF2B5EF4-FFF2-40B4-BE49-F238E27FC236}">
-                <a16:creationId xmlns:a16="http://schemas.microsoft.com/office/drawing/2014/main" id="{B10E8DCF-512A-426B-95FC-480B8801F175}"/>
-              </a:ext>
-            </a:extLst>
-          </p:cNvPr>
-          <p:cNvCxnSpPr>
-            <a:stCxn id="22" idx="0"/>
-            <a:endCxn id="21" idx="2"/>
-          </p:cNvCxnSpPr>
-          <p:nvPr/>
-        </p:nvCxnSpPr>
-        <p:spPr>
-          <a:xfrm flipV="1">
-            <a:off x="4554071" y="1797375"/>
-            <a:ext cx="860612" cy="402390"/>
-          </a:xfrm>
-          <a:prstGeom prst="straightConnector1">
-            <a:avLst/>
-          </a:prstGeom>
-          <a:ln w="76200">
-            <a:solidFill>
-              <a:schemeClr val="accent1"/>
-            </a:solidFill>
-            <a:tailEnd type="triangle"/>
-          </a:ln>
-        </p:spPr>
-        <p:style>
-          <a:lnRef idx="1">
-            <a:schemeClr val="accent1"/>
-          </a:lnRef>
-          <a:fillRef idx="0">
-            <a:schemeClr val="accent1"/>
-          </a:fillRef>
-          <a:effectRef idx="0">
-            <a:schemeClr val="accent1"/>
-          </a:effectRef>
-          <a:fontRef idx="minor">
-            <a:schemeClr val="tx1"/>
-          </a:fontRef>
-        </p:style>
-      </p:cxnSp>
-      <p:cxnSp>
-        <p:nvCxnSpPr>
-          <p:cNvPr id="28" name="Straight Arrow Connector 27">
-            <a:extLst>
-              <a:ext uri="{FF2B5EF4-FFF2-40B4-BE49-F238E27FC236}">
-                <a16:creationId xmlns:a16="http://schemas.microsoft.com/office/drawing/2014/main" id="{F3D055C4-FA2B-4B38-8518-806438157ADC}"/>
-              </a:ext>
-            </a:extLst>
-          </p:cNvPr>
-          <p:cNvCxnSpPr>
-            <a:stCxn id="23" idx="0"/>
-            <a:endCxn id="21" idx="2"/>
-          </p:cNvCxnSpPr>
-          <p:nvPr/>
-        </p:nvCxnSpPr>
-        <p:spPr>
-          <a:xfrm flipH="1" flipV="1">
-            <a:off x="5414683" y="1797375"/>
-            <a:ext cx="551328" cy="1313378"/>
-          </a:xfrm>
-          <a:prstGeom prst="straightConnector1">
-            <a:avLst/>
-          </a:prstGeom>
-          <a:ln w="76200">
-            <a:solidFill>
-              <a:schemeClr val="accent1"/>
-            </a:solidFill>
-            <a:tailEnd type="triangle"/>
-          </a:ln>
-        </p:spPr>
-        <p:style>
-          <a:lnRef idx="1">
-            <a:schemeClr val="accent1"/>
-          </a:lnRef>
-          <a:fillRef idx="0">
-            <a:schemeClr val="accent1"/>
-          </a:fillRef>
-          <a:effectRef idx="0">
-            <a:schemeClr val="accent1"/>
-          </a:effectRef>
-          <a:fontRef idx="minor">
-            <a:schemeClr val="tx1"/>
-          </a:fontRef>
-        </p:style>
-      </p:cxnSp>
-      <p:cxnSp>
-        <p:nvCxnSpPr>
-          <p:cNvPr id="30" name="Straight Arrow Connector 29">
-            <a:extLst>
-              <a:ext uri="{FF2B5EF4-FFF2-40B4-BE49-F238E27FC236}">
-                <a16:creationId xmlns:a16="http://schemas.microsoft.com/office/drawing/2014/main" id="{B6D20DF3-D64E-400A-80C2-0972F55ECB8A}"/>
-              </a:ext>
-            </a:extLst>
-          </p:cNvPr>
-          <p:cNvCxnSpPr>
-            <a:stCxn id="24" idx="0"/>
-            <a:endCxn id="21" idx="2"/>
-          </p:cNvCxnSpPr>
-          <p:nvPr/>
-        </p:nvCxnSpPr>
-        <p:spPr>
-          <a:xfrm flipV="1">
-            <a:off x="4755775" y="1797375"/>
-            <a:ext cx="658908" cy="2099520"/>
-          </a:xfrm>
-          <a:prstGeom prst="straightConnector1">
-            <a:avLst/>
-          </a:prstGeom>
-          <a:ln w="76200">
-            <a:solidFill>
-              <a:schemeClr val="accent1"/>
-            </a:solidFill>
-            <a:tailEnd type="triangle"/>
-          </a:ln>
-        </p:spPr>
-        <p:style>
-          <a:lnRef idx="1">
-            <a:schemeClr val="accent1"/>
-          </a:lnRef>
-          <a:fillRef idx="0">
-            <a:schemeClr val="accent1"/>
-          </a:fillRef>
-          <a:effectRef idx="0">
-            <a:schemeClr val="accent1"/>
-          </a:effectRef>
-          <a:fontRef idx="minor">
-            <a:schemeClr val="tx1"/>
-          </a:fontRef>
-        </p:style>
-      </p:cxnSp>
-      <p:cxnSp>
-        <p:nvCxnSpPr>
-          <p:cNvPr id="32" name="Straight Arrow Connector 31">
-            <a:extLst>
-              <a:ext uri="{FF2B5EF4-FFF2-40B4-BE49-F238E27FC236}">
-                <a16:creationId xmlns:a16="http://schemas.microsoft.com/office/drawing/2014/main" id="{AB0A059C-8C1B-4B59-93CF-A482FA6D5CA6}"/>
-              </a:ext>
-            </a:extLst>
-          </p:cNvPr>
-          <p:cNvCxnSpPr>
-            <a:stCxn id="21" idx="0"/>
-            <a:endCxn id="11" idx="1"/>
-          </p:cNvCxnSpPr>
-          <p:nvPr/>
-        </p:nvCxnSpPr>
-        <p:spPr>
-          <a:xfrm flipV="1">
-            <a:off x="5414683" y="856130"/>
-            <a:ext cx="1250575" cy="412327"/>
-          </a:xfrm>
-          <a:prstGeom prst="straightConnector1">
-            <a:avLst/>
-          </a:prstGeom>
-          <a:ln w="76200">
-            <a:solidFill>
-              <a:schemeClr val="accent1"/>
-            </a:solidFill>
-            <a:prstDash val="sysDash"/>
-            <a:tailEnd type="triangle"/>
-          </a:ln>
-        </p:spPr>
-        <p:style>
-          <a:lnRef idx="1">
-            <a:schemeClr val="accent1"/>
-          </a:lnRef>
-          <a:fillRef idx="0">
-            <a:schemeClr val="accent1"/>
-          </a:fillRef>
-          <a:effectRef idx="0">
-            <a:schemeClr val="accent1"/>
-          </a:effectRef>
-          <a:fontRef idx="minor">
-            <a:schemeClr val="tx1"/>
-          </a:fontRef>
-        </p:style>
-      </p:cxnSp>
+              <a:t>Ajouter</a:t>
+            </a:r>
+          </a:p>
+        </p:txBody>
+      </p:sp>
     </p:spTree>
     <p:extLst>
       <p:ext uri="{BB962C8B-B14F-4D97-AF65-F5344CB8AC3E}">
-        <p14:creationId xmlns:p14="http://schemas.microsoft.com/office/powerpoint/2010/main" val="1636575586"/>
+        <p14:creationId xmlns:p14="http://schemas.microsoft.com/office/powerpoint/2010/main" val="4021583596"/>
       </p:ext>
     </p:extLst>
   </p:cSld>

--- a/notes.pptx
+++ b/notes.pptx
@@ -18,7 +18,16 @@
     <p:sldId id="265" r:id="rId12"/>
     <p:sldId id="267" r:id="rId13"/>
     <p:sldId id="269" r:id="rId14"/>
-    <p:sldId id="259" r:id="rId15"/>
+    <p:sldId id="270" r:id="rId15"/>
+    <p:sldId id="271" r:id="rId16"/>
+    <p:sldId id="272" r:id="rId17"/>
+    <p:sldId id="274" r:id="rId18"/>
+    <p:sldId id="275" r:id="rId19"/>
+    <p:sldId id="276" r:id="rId20"/>
+    <p:sldId id="999" r:id="rId21"/>
+    <p:sldId id="1000" r:id="rId22"/>
+    <p:sldId id="1001" r:id="rId23"/>
+    <p:sldId id="259" r:id="rId24"/>
   </p:sldIdLst>
   <p:sldSz cx="12192000" cy="6858000"/>
   <p:notesSz cx="6858000" cy="9144000"/>
@@ -274,7 +283,7 @@
           <a:p>
             <a:fld id="{CAE47142-16B0-4769-BA42-4A01FDA2F14A}" type="datetimeFigureOut">
               <a:rPr lang="fr-FR" smtClean="0"/>
-              <a:t>19/08/2021</a:t>
+              <a:t>09/09/2021</a:t>
             </a:fld>
             <a:endParaRPr lang="fr-FR"/>
           </a:p>
@@ -474,7 +483,7 @@
           <a:p>
             <a:fld id="{CAE47142-16B0-4769-BA42-4A01FDA2F14A}" type="datetimeFigureOut">
               <a:rPr lang="fr-FR" smtClean="0"/>
-              <a:t>19/08/2021</a:t>
+              <a:t>09/09/2021</a:t>
             </a:fld>
             <a:endParaRPr lang="fr-FR"/>
           </a:p>
@@ -684,7 +693,7 @@
           <a:p>
             <a:fld id="{CAE47142-16B0-4769-BA42-4A01FDA2F14A}" type="datetimeFigureOut">
               <a:rPr lang="fr-FR" smtClean="0"/>
-              <a:t>19/08/2021</a:t>
+              <a:t>09/09/2021</a:t>
             </a:fld>
             <a:endParaRPr lang="fr-FR"/>
           </a:p>
@@ -884,7 +893,7 @@
           <a:p>
             <a:fld id="{CAE47142-16B0-4769-BA42-4A01FDA2F14A}" type="datetimeFigureOut">
               <a:rPr lang="fr-FR" smtClean="0"/>
-              <a:t>19/08/2021</a:t>
+              <a:t>09/09/2021</a:t>
             </a:fld>
             <a:endParaRPr lang="fr-FR"/>
           </a:p>
@@ -1160,7 +1169,7 @@
           <a:p>
             <a:fld id="{CAE47142-16B0-4769-BA42-4A01FDA2F14A}" type="datetimeFigureOut">
               <a:rPr lang="fr-FR" smtClean="0"/>
-              <a:t>19/08/2021</a:t>
+              <a:t>09/09/2021</a:t>
             </a:fld>
             <a:endParaRPr lang="fr-FR"/>
           </a:p>
@@ -1428,7 +1437,7 @@
           <a:p>
             <a:fld id="{CAE47142-16B0-4769-BA42-4A01FDA2F14A}" type="datetimeFigureOut">
               <a:rPr lang="fr-FR" smtClean="0"/>
-              <a:t>19/08/2021</a:t>
+              <a:t>09/09/2021</a:t>
             </a:fld>
             <a:endParaRPr lang="fr-FR"/>
           </a:p>
@@ -1843,7 +1852,7 @@
           <a:p>
             <a:fld id="{CAE47142-16B0-4769-BA42-4A01FDA2F14A}" type="datetimeFigureOut">
               <a:rPr lang="fr-FR" smtClean="0"/>
-              <a:t>19/08/2021</a:t>
+              <a:t>09/09/2021</a:t>
             </a:fld>
             <a:endParaRPr lang="fr-FR"/>
           </a:p>
@@ -1985,7 +1994,7 @@
           <a:p>
             <a:fld id="{CAE47142-16B0-4769-BA42-4A01FDA2F14A}" type="datetimeFigureOut">
               <a:rPr lang="fr-FR" smtClean="0"/>
-              <a:t>19/08/2021</a:t>
+              <a:t>09/09/2021</a:t>
             </a:fld>
             <a:endParaRPr lang="fr-FR"/>
           </a:p>
@@ -2098,7 +2107,7 @@
           <a:p>
             <a:fld id="{CAE47142-16B0-4769-BA42-4A01FDA2F14A}" type="datetimeFigureOut">
               <a:rPr lang="fr-FR" smtClean="0"/>
-              <a:t>19/08/2021</a:t>
+              <a:t>09/09/2021</a:t>
             </a:fld>
             <a:endParaRPr lang="fr-FR"/>
           </a:p>
@@ -2411,7 +2420,7 @@
           <a:p>
             <a:fld id="{CAE47142-16B0-4769-BA42-4A01FDA2F14A}" type="datetimeFigureOut">
               <a:rPr lang="fr-FR" smtClean="0"/>
-              <a:t>19/08/2021</a:t>
+              <a:t>09/09/2021</a:t>
             </a:fld>
             <a:endParaRPr lang="fr-FR"/>
           </a:p>
@@ -2700,7 +2709,7 @@
           <a:p>
             <a:fld id="{CAE47142-16B0-4769-BA42-4A01FDA2F14A}" type="datetimeFigureOut">
               <a:rPr lang="fr-FR" smtClean="0"/>
-              <a:t>19/08/2021</a:t>
+              <a:t>09/09/2021</a:t>
             </a:fld>
             <a:endParaRPr lang="fr-FR"/>
           </a:p>
@@ -2943,7 +2952,7 @@
           <a:p>
             <a:fld id="{CAE47142-16B0-4769-BA42-4A01FDA2F14A}" type="datetimeFigureOut">
               <a:rPr lang="fr-FR" smtClean="0"/>
-              <a:t>19/08/2021</a:t>
+              <a:t>09/09/2021</a:t>
             </a:fld>
             <a:endParaRPr lang="fr-FR"/>
           </a:p>
@@ -7371,7 +7380,7 @@
           <p:cNvPr id="2" name="Title 1">
             <a:extLst>
               <a:ext uri="{FF2B5EF4-FFF2-40B4-BE49-F238E27FC236}">
-                <a16:creationId xmlns:a16="http://schemas.microsoft.com/office/drawing/2014/main" id="{02109A0C-AFFD-406D-90FA-C9E147A26F14}"/>
+                <a16:creationId xmlns:a16="http://schemas.microsoft.com/office/drawing/2014/main" id="{A2168384-2976-45DC-93C7-7E906BE92FB5}"/>
               </a:ext>
             </a:extLst>
           </p:cNvPr>
@@ -7389,17 +7398,3386 @@
           <a:p>
             <a:r>
               <a:rPr lang="fr-FR" dirty="0"/>
-              <a:t>Webographie</a:t>
-            </a:r>
-          </a:p>
-        </p:txBody>
-      </p:sp>
-      <p:sp>
-        <p:nvSpPr>
-          <p:cNvPr id="3" name="Content Placeholder 2">
-            <a:extLst>
-              <a:ext uri="{FF2B5EF4-FFF2-40B4-BE49-F238E27FC236}">
-                <a16:creationId xmlns:a16="http://schemas.microsoft.com/office/drawing/2014/main" id="{D338E908-3417-4D40-A13D-F91F51EBFCC6}"/>
+              <a:t>Event </a:t>
+            </a:r>
+            <a:r>
+              <a:rPr lang="fr-FR" dirty="0" err="1"/>
+              <a:t>loop</a:t>
+            </a:r>
+            <a:endParaRPr lang="fr-FR" dirty="0"/>
+          </a:p>
+        </p:txBody>
+      </p:sp>
+      <p:cxnSp>
+        <p:nvCxnSpPr>
+          <p:cNvPr id="5" name="Straight Arrow Connector 4">
+            <a:extLst>
+              <a:ext uri="{FF2B5EF4-FFF2-40B4-BE49-F238E27FC236}">
+                <a16:creationId xmlns:a16="http://schemas.microsoft.com/office/drawing/2014/main" id="{7812E4A3-4D5D-498B-903D-CC82B6ABCA4B}"/>
+              </a:ext>
+            </a:extLst>
+          </p:cNvPr>
+          <p:cNvCxnSpPr/>
+          <p:nvPr/>
+        </p:nvCxnSpPr>
+        <p:spPr>
+          <a:xfrm>
+            <a:off x="282388" y="2864224"/>
+            <a:ext cx="11604812" cy="0"/>
+          </a:xfrm>
+          <a:prstGeom prst="straightConnector1">
+            <a:avLst/>
+          </a:prstGeom>
+          <a:ln w="76200">
+            <a:solidFill>
+              <a:schemeClr val="accent1"/>
+            </a:solidFill>
+            <a:tailEnd type="triangle"/>
+          </a:ln>
+        </p:spPr>
+        <p:style>
+          <a:lnRef idx="1">
+            <a:schemeClr val="accent1"/>
+          </a:lnRef>
+          <a:fillRef idx="0">
+            <a:schemeClr val="accent1"/>
+          </a:fillRef>
+          <a:effectRef idx="0">
+            <a:schemeClr val="accent1"/>
+          </a:effectRef>
+          <a:fontRef idx="minor">
+            <a:schemeClr val="tx1"/>
+          </a:fontRef>
+        </p:style>
+      </p:cxnSp>
+      <p:cxnSp>
+        <p:nvCxnSpPr>
+          <p:cNvPr id="7" name="Straight Connector 6">
+            <a:extLst>
+              <a:ext uri="{FF2B5EF4-FFF2-40B4-BE49-F238E27FC236}">
+                <a16:creationId xmlns:a16="http://schemas.microsoft.com/office/drawing/2014/main" id="{1E4D801D-99A7-4ED8-8182-4180E25F17D1}"/>
+              </a:ext>
+            </a:extLst>
+          </p:cNvPr>
+          <p:cNvCxnSpPr/>
+          <p:nvPr/>
+        </p:nvCxnSpPr>
+        <p:spPr>
+          <a:xfrm>
+            <a:off x="1613647" y="2474259"/>
+            <a:ext cx="0" cy="874059"/>
+          </a:xfrm>
+          <a:prstGeom prst="line">
+            <a:avLst/>
+          </a:prstGeom>
+          <a:ln w="76200">
+            <a:solidFill>
+              <a:schemeClr val="accent1"/>
+            </a:solidFill>
+          </a:ln>
+        </p:spPr>
+        <p:style>
+          <a:lnRef idx="1">
+            <a:schemeClr val="accent1"/>
+          </a:lnRef>
+          <a:fillRef idx="0">
+            <a:schemeClr val="accent1"/>
+          </a:fillRef>
+          <a:effectRef idx="0">
+            <a:schemeClr val="accent1"/>
+          </a:effectRef>
+          <a:fontRef idx="minor">
+            <a:schemeClr val="tx1"/>
+          </a:fontRef>
+        </p:style>
+      </p:cxnSp>
+      <p:sp>
+        <p:nvSpPr>
+          <p:cNvPr id="8" name="TextBox 7">
+            <a:extLst>
+              <a:ext uri="{FF2B5EF4-FFF2-40B4-BE49-F238E27FC236}">
+                <a16:creationId xmlns:a16="http://schemas.microsoft.com/office/drawing/2014/main" id="{EF1E40A0-F762-4F8C-A6E0-0AECD774EFC7}"/>
+              </a:ext>
+            </a:extLst>
+          </p:cNvPr>
+          <p:cNvSpPr txBox="1"/>
+          <p:nvPr/>
+        </p:nvSpPr>
+        <p:spPr>
+          <a:xfrm>
+            <a:off x="1318534" y="2010799"/>
+            <a:ext cx="590226" cy="369332"/>
+          </a:xfrm>
+          <a:prstGeom prst="rect">
+            <a:avLst/>
+          </a:prstGeom>
+          <a:noFill/>
+        </p:spPr>
+        <p:txBody>
+          <a:bodyPr wrap="none" rtlCol="0">
+            <a:spAutoFit/>
+          </a:bodyPr>
+          <a:lstStyle/>
+          <a:p>
+            <a:r>
+              <a:rPr lang="fr-FR" dirty="0"/>
+              <a:t>click</a:t>
+            </a:r>
+          </a:p>
+        </p:txBody>
+      </p:sp>
+      <p:sp>
+        <p:nvSpPr>
+          <p:cNvPr id="9" name="Rectangle 8">
+            <a:extLst>
+              <a:ext uri="{FF2B5EF4-FFF2-40B4-BE49-F238E27FC236}">
+                <a16:creationId xmlns:a16="http://schemas.microsoft.com/office/drawing/2014/main" id="{BF99D926-2BF8-4587-8179-52F2DCCF0DD1}"/>
+              </a:ext>
+            </a:extLst>
+          </p:cNvPr>
+          <p:cNvSpPr/>
+          <p:nvPr/>
+        </p:nvSpPr>
+        <p:spPr>
+          <a:xfrm>
+            <a:off x="1662954" y="2617694"/>
+            <a:ext cx="89646" cy="488556"/>
+          </a:xfrm>
+          <a:prstGeom prst="rect">
+            <a:avLst/>
+          </a:prstGeom>
+        </p:spPr>
+        <p:style>
+          <a:lnRef idx="2">
+            <a:schemeClr val="accent6">
+              <a:shade val="50000"/>
+            </a:schemeClr>
+          </a:lnRef>
+          <a:fillRef idx="1">
+            <a:schemeClr val="accent6"/>
+          </a:fillRef>
+          <a:effectRef idx="0">
+            <a:schemeClr val="accent6"/>
+          </a:effectRef>
+          <a:fontRef idx="minor">
+            <a:schemeClr val="lt1"/>
+          </a:fontRef>
+        </p:style>
+        <p:txBody>
+          <a:bodyPr rtlCol="0" anchor="ctr"/>
+          <a:lstStyle/>
+          <a:p>
+            <a:pPr algn="ctr"/>
+            <a:endParaRPr lang="fr-FR"/>
+          </a:p>
+        </p:txBody>
+      </p:sp>
+      <p:cxnSp>
+        <p:nvCxnSpPr>
+          <p:cNvPr id="10" name="Straight Connector 9">
+            <a:extLst>
+              <a:ext uri="{FF2B5EF4-FFF2-40B4-BE49-F238E27FC236}">
+                <a16:creationId xmlns:a16="http://schemas.microsoft.com/office/drawing/2014/main" id="{D58E9901-766C-4FD9-BA28-287549494F2A}"/>
+              </a:ext>
+            </a:extLst>
+          </p:cNvPr>
+          <p:cNvCxnSpPr/>
+          <p:nvPr/>
+        </p:nvCxnSpPr>
+        <p:spPr>
+          <a:xfrm>
+            <a:off x="4809565" y="2474259"/>
+            <a:ext cx="0" cy="874059"/>
+          </a:xfrm>
+          <a:prstGeom prst="line">
+            <a:avLst/>
+          </a:prstGeom>
+          <a:ln w="76200">
+            <a:solidFill>
+              <a:schemeClr val="accent1"/>
+            </a:solidFill>
+          </a:ln>
+        </p:spPr>
+        <p:style>
+          <a:lnRef idx="1">
+            <a:schemeClr val="accent1"/>
+          </a:lnRef>
+          <a:fillRef idx="0">
+            <a:schemeClr val="accent1"/>
+          </a:fillRef>
+          <a:effectRef idx="0">
+            <a:schemeClr val="accent1"/>
+          </a:effectRef>
+          <a:fontRef idx="minor">
+            <a:schemeClr val="tx1"/>
+          </a:fontRef>
+        </p:style>
+      </p:cxnSp>
+      <p:sp>
+        <p:nvSpPr>
+          <p:cNvPr id="11" name="TextBox 10">
+            <a:extLst>
+              <a:ext uri="{FF2B5EF4-FFF2-40B4-BE49-F238E27FC236}">
+                <a16:creationId xmlns:a16="http://schemas.microsoft.com/office/drawing/2014/main" id="{702DCB0F-728D-478D-9347-FC563994CE10}"/>
+              </a:ext>
+            </a:extLst>
+          </p:cNvPr>
+          <p:cNvSpPr txBox="1"/>
+          <p:nvPr/>
+        </p:nvSpPr>
+        <p:spPr>
+          <a:xfrm>
+            <a:off x="4289612" y="1913965"/>
+            <a:ext cx="1236172" cy="369332"/>
+          </a:xfrm>
+          <a:prstGeom prst="rect">
+            <a:avLst/>
+          </a:prstGeom>
+          <a:noFill/>
+        </p:spPr>
+        <p:txBody>
+          <a:bodyPr wrap="none" rtlCol="0">
+            <a:spAutoFit/>
+          </a:bodyPr>
+          <a:lstStyle/>
+          <a:p>
+            <a:r>
+              <a:rPr lang="fr-FR" dirty="0" err="1"/>
+              <a:t>mouseover</a:t>
+            </a:r>
+            <a:endParaRPr lang="fr-FR" dirty="0"/>
+          </a:p>
+        </p:txBody>
+      </p:sp>
+      <p:sp>
+        <p:nvSpPr>
+          <p:cNvPr id="12" name="Rectangle 11">
+            <a:extLst>
+              <a:ext uri="{FF2B5EF4-FFF2-40B4-BE49-F238E27FC236}">
+                <a16:creationId xmlns:a16="http://schemas.microsoft.com/office/drawing/2014/main" id="{811B0502-6458-4E15-B75F-B5B8700751BF}"/>
+              </a:ext>
+            </a:extLst>
+          </p:cNvPr>
+          <p:cNvSpPr/>
+          <p:nvPr/>
+        </p:nvSpPr>
+        <p:spPr>
+          <a:xfrm>
+            <a:off x="4840942" y="2617694"/>
+            <a:ext cx="107571" cy="488556"/>
+          </a:xfrm>
+          <a:prstGeom prst="rect">
+            <a:avLst/>
+          </a:prstGeom>
+        </p:spPr>
+        <p:style>
+          <a:lnRef idx="2">
+            <a:schemeClr val="accent6">
+              <a:shade val="50000"/>
+            </a:schemeClr>
+          </a:lnRef>
+          <a:fillRef idx="1">
+            <a:schemeClr val="accent6"/>
+          </a:fillRef>
+          <a:effectRef idx="0">
+            <a:schemeClr val="accent6"/>
+          </a:effectRef>
+          <a:fontRef idx="minor">
+            <a:schemeClr val="lt1"/>
+          </a:fontRef>
+        </p:style>
+        <p:txBody>
+          <a:bodyPr rtlCol="0" anchor="ctr"/>
+          <a:lstStyle/>
+          <a:p>
+            <a:pPr algn="ctr"/>
+            <a:endParaRPr lang="fr-FR"/>
+          </a:p>
+        </p:txBody>
+      </p:sp>
+      <p:cxnSp>
+        <p:nvCxnSpPr>
+          <p:cNvPr id="14" name="Straight Connector 13">
+            <a:extLst>
+              <a:ext uri="{FF2B5EF4-FFF2-40B4-BE49-F238E27FC236}">
+                <a16:creationId xmlns:a16="http://schemas.microsoft.com/office/drawing/2014/main" id="{67903130-AA64-4FF1-B9AA-766EF63D3F6A}"/>
+              </a:ext>
+            </a:extLst>
+          </p:cNvPr>
+          <p:cNvCxnSpPr/>
+          <p:nvPr/>
+        </p:nvCxnSpPr>
+        <p:spPr>
+          <a:xfrm>
+            <a:off x="8260976" y="2377900"/>
+            <a:ext cx="0" cy="970418"/>
+          </a:xfrm>
+          <a:prstGeom prst="line">
+            <a:avLst/>
+          </a:prstGeom>
+          <a:ln w="76200">
+            <a:solidFill>
+              <a:schemeClr val="accent1"/>
+            </a:solidFill>
+          </a:ln>
+        </p:spPr>
+        <p:style>
+          <a:lnRef idx="1">
+            <a:schemeClr val="accent1"/>
+          </a:lnRef>
+          <a:fillRef idx="0">
+            <a:schemeClr val="accent1"/>
+          </a:fillRef>
+          <a:effectRef idx="0">
+            <a:schemeClr val="accent1"/>
+          </a:effectRef>
+          <a:fontRef idx="minor">
+            <a:schemeClr val="tx1"/>
+          </a:fontRef>
+        </p:style>
+      </p:cxnSp>
+      <p:sp>
+        <p:nvSpPr>
+          <p:cNvPr id="16" name="TextBox 15">
+            <a:extLst>
+              <a:ext uri="{FF2B5EF4-FFF2-40B4-BE49-F238E27FC236}">
+                <a16:creationId xmlns:a16="http://schemas.microsoft.com/office/drawing/2014/main" id="{2BCC9D05-8005-49F1-ACFE-8A541A5E0277}"/>
+              </a:ext>
+            </a:extLst>
+          </p:cNvPr>
+          <p:cNvSpPr txBox="1"/>
+          <p:nvPr/>
+        </p:nvSpPr>
+        <p:spPr>
+          <a:xfrm>
+            <a:off x="7790329" y="1913965"/>
+            <a:ext cx="934871" cy="369332"/>
+          </a:xfrm>
+          <a:prstGeom prst="rect">
+            <a:avLst/>
+          </a:prstGeom>
+          <a:noFill/>
+        </p:spPr>
+        <p:txBody>
+          <a:bodyPr wrap="none" rtlCol="0">
+            <a:spAutoFit/>
+          </a:bodyPr>
+          <a:lstStyle/>
+          <a:p>
+            <a:r>
+              <a:rPr lang="fr-FR" dirty="0"/>
+              <a:t>timeout</a:t>
+            </a:r>
+          </a:p>
+        </p:txBody>
+      </p:sp>
+      <p:sp>
+        <p:nvSpPr>
+          <p:cNvPr id="17" name="Rectangle 16">
+            <a:extLst>
+              <a:ext uri="{FF2B5EF4-FFF2-40B4-BE49-F238E27FC236}">
+                <a16:creationId xmlns:a16="http://schemas.microsoft.com/office/drawing/2014/main" id="{CD28466C-BB93-433E-B70A-FA01E950E811}"/>
+              </a:ext>
+            </a:extLst>
+          </p:cNvPr>
+          <p:cNvSpPr/>
+          <p:nvPr/>
+        </p:nvSpPr>
+        <p:spPr>
+          <a:xfrm>
+            <a:off x="8292353" y="2617694"/>
+            <a:ext cx="107570" cy="488556"/>
+          </a:xfrm>
+          <a:prstGeom prst="rect">
+            <a:avLst/>
+          </a:prstGeom>
+        </p:spPr>
+        <p:style>
+          <a:lnRef idx="2">
+            <a:schemeClr val="accent6">
+              <a:shade val="50000"/>
+            </a:schemeClr>
+          </a:lnRef>
+          <a:fillRef idx="1">
+            <a:schemeClr val="accent6"/>
+          </a:fillRef>
+          <a:effectRef idx="0">
+            <a:schemeClr val="accent6"/>
+          </a:effectRef>
+          <a:fontRef idx="minor">
+            <a:schemeClr val="lt1"/>
+          </a:fontRef>
+        </p:style>
+        <p:txBody>
+          <a:bodyPr rtlCol="0" anchor="ctr"/>
+          <a:lstStyle/>
+          <a:p>
+            <a:pPr algn="ctr"/>
+            <a:endParaRPr lang="fr-FR"/>
+          </a:p>
+        </p:txBody>
+      </p:sp>
+      <p:cxnSp>
+        <p:nvCxnSpPr>
+          <p:cNvPr id="19" name="Straight Connector 18">
+            <a:extLst>
+              <a:ext uri="{FF2B5EF4-FFF2-40B4-BE49-F238E27FC236}">
+                <a16:creationId xmlns:a16="http://schemas.microsoft.com/office/drawing/2014/main" id="{1E940DA0-63EE-4DAF-82DE-01A6719C2B37}"/>
+              </a:ext>
+            </a:extLst>
+          </p:cNvPr>
+          <p:cNvCxnSpPr/>
+          <p:nvPr/>
+        </p:nvCxnSpPr>
+        <p:spPr>
+          <a:xfrm>
+            <a:off x="2976282" y="2377900"/>
+            <a:ext cx="0" cy="1203500"/>
+          </a:xfrm>
+          <a:prstGeom prst="line">
+            <a:avLst/>
+          </a:prstGeom>
+          <a:ln w="76200">
+            <a:solidFill>
+              <a:schemeClr val="accent1"/>
+            </a:solidFill>
+          </a:ln>
+        </p:spPr>
+        <p:style>
+          <a:lnRef idx="1">
+            <a:schemeClr val="accent1"/>
+          </a:lnRef>
+          <a:fillRef idx="0">
+            <a:schemeClr val="accent1"/>
+          </a:fillRef>
+          <a:effectRef idx="0">
+            <a:schemeClr val="accent1"/>
+          </a:effectRef>
+          <a:fontRef idx="minor">
+            <a:schemeClr val="tx1"/>
+          </a:fontRef>
+        </p:style>
+      </p:cxnSp>
+      <p:sp>
+        <p:nvSpPr>
+          <p:cNvPr id="20" name="TextBox 19">
+            <a:extLst>
+              <a:ext uri="{FF2B5EF4-FFF2-40B4-BE49-F238E27FC236}">
+                <a16:creationId xmlns:a16="http://schemas.microsoft.com/office/drawing/2014/main" id="{015DBE64-C2F3-4B41-99A2-01DD3AE5331F}"/>
+              </a:ext>
+            </a:extLst>
+          </p:cNvPr>
+          <p:cNvSpPr txBox="1"/>
+          <p:nvPr/>
+        </p:nvSpPr>
+        <p:spPr>
+          <a:xfrm>
+            <a:off x="2588557" y="1963271"/>
+            <a:ext cx="590226" cy="369332"/>
+          </a:xfrm>
+          <a:prstGeom prst="rect">
+            <a:avLst/>
+          </a:prstGeom>
+          <a:noFill/>
+        </p:spPr>
+        <p:txBody>
+          <a:bodyPr wrap="none" rtlCol="0">
+            <a:spAutoFit/>
+          </a:bodyPr>
+          <a:lstStyle/>
+          <a:p>
+            <a:r>
+              <a:rPr lang="fr-FR" dirty="0"/>
+              <a:t>click</a:t>
+            </a:r>
+          </a:p>
+        </p:txBody>
+      </p:sp>
+      <p:sp>
+        <p:nvSpPr>
+          <p:cNvPr id="21" name="Rectangle 20">
+            <a:extLst>
+              <a:ext uri="{FF2B5EF4-FFF2-40B4-BE49-F238E27FC236}">
+                <a16:creationId xmlns:a16="http://schemas.microsoft.com/office/drawing/2014/main" id="{74DE7413-2D64-46C9-9EA1-9F54F64FFBEE}"/>
+              </a:ext>
+            </a:extLst>
+          </p:cNvPr>
+          <p:cNvSpPr/>
+          <p:nvPr/>
+        </p:nvSpPr>
+        <p:spPr>
+          <a:xfrm>
+            <a:off x="3007659" y="2605186"/>
+            <a:ext cx="107575" cy="488556"/>
+          </a:xfrm>
+          <a:prstGeom prst="rect">
+            <a:avLst/>
+          </a:prstGeom>
+        </p:spPr>
+        <p:style>
+          <a:lnRef idx="2">
+            <a:schemeClr val="accent6">
+              <a:shade val="50000"/>
+            </a:schemeClr>
+          </a:lnRef>
+          <a:fillRef idx="1">
+            <a:schemeClr val="accent6"/>
+          </a:fillRef>
+          <a:effectRef idx="0">
+            <a:schemeClr val="accent6"/>
+          </a:effectRef>
+          <a:fontRef idx="minor">
+            <a:schemeClr val="lt1"/>
+          </a:fontRef>
+        </p:style>
+        <p:txBody>
+          <a:bodyPr rtlCol="0" anchor="ctr"/>
+          <a:lstStyle/>
+          <a:p>
+            <a:pPr algn="ctr"/>
+            <a:endParaRPr lang="fr-FR"/>
+          </a:p>
+        </p:txBody>
+      </p:sp>
+      <p:sp>
+        <p:nvSpPr>
+          <p:cNvPr id="22" name="Rectangle 21">
+            <a:extLst>
+              <a:ext uri="{FF2B5EF4-FFF2-40B4-BE49-F238E27FC236}">
+                <a16:creationId xmlns:a16="http://schemas.microsoft.com/office/drawing/2014/main" id="{6E4335D4-F283-498C-8A8F-64A524C98843}"/>
+              </a:ext>
+            </a:extLst>
+          </p:cNvPr>
+          <p:cNvSpPr/>
+          <p:nvPr/>
+        </p:nvSpPr>
+        <p:spPr>
+          <a:xfrm>
+            <a:off x="3993776" y="5150224"/>
+            <a:ext cx="2931458" cy="1299881"/>
+          </a:xfrm>
+          <a:prstGeom prst="rect">
+            <a:avLst/>
+          </a:prstGeom>
+        </p:spPr>
+        <p:style>
+          <a:lnRef idx="2">
+            <a:schemeClr val="accent1">
+              <a:shade val="50000"/>
+            </a:schemeClr>
+          </a:lnRef>
+          <a:fillRef idx="1">
+            <a:schemeClr val="accent1"/>
+          </a:fillRef>
+          <a:effectRef idx="0">
+            <a:schemeClr val="accent1"/>
+          </a:effectRef>
+          <a:fontRef idx="minor">
+            <a:schemeClr val="lt1"/>
+          </a:fontRef>
+        </p:style>
+        <p:txBody>
+          <a:bodyPr rtlCol="0" anchor="ctr"/>
+          <a:lstStyle/>
+          <a:p>
+            <a:pPr algn="ctr"/>
+            <a:endParaRPr lang="fr-FR"/>
+          </a:p>
+        </p:txBody>
+      </p:sp>
+      <p:sp>
+        <p:nvSpPr>
+          <p:cNvPr id="23" name="Rectangle 22">
+            <a:extLst>
+              <a:ext uri="{FF2B5EF4-FFF2-40B4-BE49-F238E27FC236}">
+                <a16:creationId xmlns:a16="http://schemas.microsoft.com/office/drawing/2014/main" id="{1C401D84-653C-49D4-A120-F7D7ACAF76C4}"/>
+              </a:ext>
+            </a:extLst>
+          </p:cNvPr>
+          <p:cNvSpPr/>
+          <p:nvPr/>
+        </p:nvSpPr>
+        <p:spPr>
+          <a:xfrm>
+            <a:off x="4809565" y="5428128"/>
+            <a:ext cx="779928" cy="587189"/>
+          </a:xfrm>
+          <a:prstGeom prst="rect">
+            <a:avLst/>
+          </a:prstGeom>
+        </p:spPr>
+        <p:style>
+          <a:lnRef idx="2">
+            <a:schemeClr val="accent4">
+              <a:shade val="50000"/>
+            </a:schemeClr>
+          </a:lnRef>
+          <a:fillRef idx="1">
+            <a:schemeClr val="accent4"/>
+          </a:fillRef>
+          <a:effectRef idx="0">
+            <a:schemeClr val="accent4"/>
+          </a:effectRef>
+          <a:fontRef idx="minor">
+            <a:schemeClr val="lt1"/>
+          </a:fontRef>
+        </p:style>
+        <p:txBody>
+          <a:bodyPr rtlCol="0" anchor="ctr"/>
+          <a:lstStyle/>
+          <a:p>
+            <a:pPr algn="ctr"/>
+            <a:endParaRPr lang="fr-FR"/>
+          </a:p>
+        </p:txBody>
+      </p:sp>
+      <p:sp>
+        <p:nvSpPr>
+          <p:cNvPr id="24" name="Rectangle: Rounded Corners 23">
+            <a:extLst>
+              <a:ext uri="{FF2B5EF4-FFF2-40B4-BE49-F238E27FC236}">
+                <a16:creationId xmlns:a16="http://schemas.microsoft.com/office/drawing/2014/main" id="{A335A6EE-B86E-466F-BD6B-C11EF5A37BDD}"/>
+              </a:ext>
+            </a:extLst>
+          </p:cNvPr>
+          <p:cNvSpPr/>
+          <p:nvPr/>
+        </p:nvSpPr>
+        <p:spPr>
+          <a:xfrm>
+            <a:off x="6096000" y="5316071"/>
+            <a:ext cx="564776" cy="1030941"/>
+          </a:xfrm>
+          <a:prstGeom prst="roundRect">
+            <a:avLst/>
+          </a:prstGeom>
+        </p:spPr>
+        <p:style>
+          <a:lnRef idx="2">
+            <a:schemeClr val="accent2">
+              <a:shade val="50000"/>
+            </a:schemeClr>
+          </a:lnRef>
+          <a:fillRef idx="1">
+            <a:schemeClr val="accent2"/>
+          </a:fillRef>
+          <a:effectRef idx="0">
+            <a:schemeClr val="accent2"/>
+          </a:effectRef>
+          <a:fontRef idx="minor">
+            <a:schemeClr val="lt1"/>
+          </a:fontRef>
+        </p:style>
+        <p:txBody>
+          <a:bodyPr rtlCol="0" anchor="ctr"/>
+          <a:lstStyle/>
+          <a:p>
+            <a:pPr algn="ctr"/>
+            <a:endParaRPr lang="fr-FR"/>
+          </a:p>
+        </p:txBody>
+      </p:sp>
+      <p:sp>
+        <p:nvSpPr>
+          <p:cNvPr id="25" name="Cylinder 24">
+            <a:extLst>
+              <a:ext uri="{FF2B5EF4-FFF2-40B4-BE49-F238E27FC236}">
+                <a16:creationId xmlns:a16="http://schemas.microsoft.com/office/drawing/2014/main" id="{C4ED525A-8F1D-43E3-9032-60AD7433CFCF}"/>
+              </a:ext>
+            </a:extLst>
+          </p:cNvPr>
+          <p:cNvSpPr/>
+          <p:nvPr/>
+        </p:nvSpPr>
+        <p:spPr>
+          <a:xfrm>
+            <a:off x="7920318" y="5316071"/>
+            <a:ext cx="2339788" cy="488556"/>
+          </a:xfrm>
+          <a:prstGeom prst="can">
+            <a:avLst/>
+          </a:prstGeom>
+        </p:spPr>
+        <p:style>
+          <a:lnRef idx="2">
+            <a:schemeClr val="accent1">
+              <a:shade val="50000"/>
+            </a:schemeClr>
+          </a:lnRef>
+          <a:fillRef idx="1">
+            <a:schemeClr val="accent1"/>
+          </a:fillRef>
+          <a:effectRef idx="0">
+            <a:schemeClr val="accent1"/>
+          </a:effectRef>
+          <a:fontRef idx="minor">
+            <a:schemeClr val="lt1"/>
+          </a:fontRef>
+        </p:style>
+        <p:txBody>
+          <a:bodyPr rtlCol="0" anchor="ctr"/>
+          <a:lstStyle/>
+          <a:p>
+            <a:pPr algn="ctr"/>
+            <a:endParaRPr lang="fr-FR"/>
+          </a:p>
+        </p:txBody>
+      </p:sp>
+      <p:sp>
+        <p:nvSpPr>
+          <p:cNvPr id="26" name="Cube 25">
+            <a:extLst>
+              <a:ext uri="{FF2B5EF4-FFF2-40B4-BE49-F238E27FC236}">
+                <a16:creationId xmlns:a16="http://schemas.microsoft.com/office/drawing/2014/main" id="{E3DC9FE5-F1F6-414F-AE9E-6DDC6A6653A2}"/>
+              </a:ext>
+            </a:extLst>
+          </p:cNvPr>
+          <p:cNvSpPr/>
+          <p:nvPr/>
+        </p:nvSpPr>
+        <p:spPr>
+          <a:xfrm>
+            <a:off x="1098177" y="4846313"/>
+            <a:ext cx="1308845" cy="424929"/>
+          </a:xfrm>
+          <a:prstGeom prst="cube">
+            <a:avLst/>
+          </a:prstGeom>
+        </p:spPr>
+        <p:style>
+          <a:lnRef idx="2">
+            <a:schemeClr val="accent1">
+              <a:shade val="50000"/>
+            </a:schemeClr>
+          </a:lnRef>
+          <a:fillRef idx="1">
+            <a:schemeClr val="accent1"/>
+          </a:fillRef>
+          <a:effectRef idx="0">
+            <a:schemeClr val="accent1"/>
+          </a:effectRef>
+          <a:fontRef idx="minor">
+            <a:schemeClr val="lt1"/>
+          </a:fontRef>
+        </p:style>
+        <p:txBody>
+          <a:bodyPr rtlCol="0" anchor="ctr"/>
+          <a:lstStyle/>
+          <a:p>
+            <a:pPr algn="ctr"/>
+            <a:endParaRPr lang="fr-FR"/>
+          </a:p>
+        </p:txBody>
+      </p:sp>
+    </p:spTree>
+    <p:extLst>
+      <p:ext uri="{BB962C8B-B14F-4D97-AF65-F5344CB8AC3E}">
+        <p14:creationId xmlns:p14="http://schemas.microsoft.com/office/powerpoint/2010/main" val="38982970"/>
+      </p:ext>
+    </p:extLst>
+  </p:cSld>
+  <p:clrMapOvr>
+    <a:masterClrMapping/>
+  </p:clrMapOvr>
+</p:sld>
+</file>
+
+<file path=ppt/slides/slide15.xml><?xml version="1.0" encoding="utf-8"?>
+<p:sld xmlns:a="http://schemas.openxmlformats.org/drawingml/2006/main" xmlns:r="http://schemas.openxmlformats.org/officeDocument/2006/relationships" xmlns:p="http://schemas.openxmlformats.org/presentationml/2006/main">
+  <p:cSld>
+    <p:spTree>
+      <p:nvGrpSpPr>
+        <p:cNvPr id="1" name=""/>
+        <p:cNvGrpSpPr/>
+        <p:nvPr/>
+      </p:nvGrpSpPr>
+      <p:grpSpPr>
+        <a:xfrm>
+          <a:off x="0" y="0"/>
+          <a:ext cx="0" cy="0"/>
+          <a:chOff x="0" y="0"/>
+          <a:chExt cx="0" cy="0"/>
+        </a:xfrm>
+      </p:grpSpPr>
+      <p:cxnSp>
+        <p:nvCxnSpPr>
+          <p:cNvPr id="5" name="Straight Arrow Connector 4">
+            <a:extLst>
+              <a:ext uri="{FF2B5EF4-FFF2-40B4-BE49-F238E27FC236}">
+                <a16:creationId xmlns:a16="http://schemas.microsoft.com/office/drawing/2014/main" id="{B6BB98AA-12CA-4430-BA10-6F260EBA2A16}"/>
+              </a:ext>
+            </a:extLst>
+          </p:cNvPr>
+          <p:cNvCxnSpPr/>
+          <p:nvPr/>
+        </p:nvCxnSpPr>
+        <p:spPr>
+          <a:xfrm>
+            <a:off x="582706" y="1631576"/>
+            <a:ext cx="11138647" cy="0"/>
+          </a:xfrm>
+          <a:prstGeom prst="straightConnector1">
+            <a:avLst/>
+          </a:prstGeom>
+          <a:ln w="76200">
+            <a:solidFill>
+              <a:schemeClr val="accent1"/>
+            </a:solidFill>
+            <a:tailEnd type="triangle"/>
+          </a:ln>
+        </p:spPr>
+        <p:style>
+          <a:lnRef idx="1">
+            <a:schemeClr val="accent1"/>
+          </a:lnRef>
+          <a:fillRef idx="0">
+            <a:schemeClr val="accent1"/>
+          </a:fillRef>
+          <a:effectRef idx="0">
+            <a:schemeClr val="accent1"/>
+          </a:effectRef>
+          <a:fontRef idx="minor">
+            <a:schemeClr val="tx1"/>
+          </a:fontRef>
+        </p:style>
+      </p:cxnSp>
+      <p:cxnSp>
+        <p:nvCxnSpPr>
+          <p:cNvPr id="7" name="Straight Connector 6">
+            <a:extLst>
+              <a:ext uri="{FF2B5EF4-FFF2-40B4-BE49-F238E27FC236}">
+                <a16:creationId xmlns:a16="http://schemas.microsoft.com/office/drawing/2014/main" id="{10D95661-E131-48EF-95B4-65159E8E763F}"/>
+              </a:ext>
+            </a:extLst>
+          </p:cNvPr>
+          <p:cNvCxnSpPr/>
+          <p:nvPr/>
+        </p:nvCxnSpPr>
+        <p:spPr>
+          <a:xfrm>
+            <a:off x="2124635" y="1246094"/>
+            <a:ext cx="0" cy="874059"/>
+          </a:xfrm>
+          <a:prstGeom prst="line">
+            <a:avLst/>
+          </a:prstGeom>
+          <a:ln w="76200">
+            <a:solidFill>
+              <a:schemeClr val="accent1"/>
+            </a:solidFill>
+          </a:ln>
+        </p:spPr>
+        <p:style>
+          <a:lnRef idx="1">
+            <a:schemeClr val="accent1"/>
+          </a:lnRef>
+          <a:fillRef idx="0">
+            <a:schemeClr val="accent1"/>
+          </a:fillRef>
+          <a:effectRef idx="0">
+            <a:schemeClr val="accent1"/>
+          </a:effectRef>
+          <a:fontRef idx="minor">
+            <a:schemeClr val="tx1"/>
+          </a:fontRef>
+        </p:style>
+      </p:cxnSp>
+      <p:cxnSp>
+        <p:nvCxnSpPr>
+          <p:cNvPr id="8" name="Straight Connector 7">
+            <a:extLst>
+              <a:ext uri="{FF2B5EF4-FFF2-40B4-BE49-F238E27FC236}">
+                <a16:creationId xmlns:a16="http://schemas.microsoft.com/office/drawing/2014/main" id="{1F515D13-3DD5-4200-BF8A-549AEFE79D27}"/>
+              </a:ext>
+            </a:extLst>
+          </p:cNvPr>
+          <p:cNvCxnSpPr/>
+          <p:nvPr/>
+        </p:nvCxnSpPr>
+        <p:spPr>
+          <a:xfrm>
+            <a:off x="6615952" y="1246094"/>
+            <a:ext cx="0" cy="874059"/>
+          </a:xfrm>
+          <a:prstGeom prst="line">
+            <a:avLst/>
+          </a:prstGeom>
+          <a:ln w="76200">
+            <a:solidFill>
+              <a:schemeClr val="accent1"/>
+            </a:solidFill>
+          </a:ln>
+        </p:spPr>
+        <p:style>
+          <a:lnRef idx="1">
+            <a:schemeClr val="accent1"/>
+          </a:lnRef>
+          <a:fillRef idx="0">
+            <a:schemeClr val="accent1"/>
+          </a:fillRef>
+          <a:effectRef idx="0">
+            <a:schemeClr val="accent1"/>
+          </a:effectRef>
+          <a:fontRef idx="minor">
+            <a:schemeClr val="tx1"/>
+          </a:fontRef>
+        </p:style>
+      </p:cxnSp>
+      <p:sp>
+        <p:nvSpPr>
+          <p:cNvPr id="9" name="Rectangle 8">
+            <a:extLst>
+              <a:ext uri="{FF2B5EF4-FFF2-40B4-BE49-F238E27FC236}">
+                <a16:creationId xmlns:a16="http://schemas.microsoft.com/office/drawing/2014/main" id="{943D14C5-728B-441E-B51A-B02FE4AF82C4}"/>
+              </a:ext>
+            </a:extLst>
+          </p:cNvPr>
+          <p:cNvSpPr/>
+          <p:nvPr/>
+        </p:nvSpPr>
+        <p:spPr>
+          <a:xfrm>
+            <a:off x="2191871" y="1425388"/>
+            <a:ext cx="4374774" cy="425772"/>
+          </a:xfrm>
+          <a:prstGeom prst="rect">
+            <a:avLst/>
+          </a:prstGeom>
+        </p:spPr>
+        <p:style>
+          <a:lnRef idx="2">
+            <a:schemeClr val="accent6">
+              <a:shade val="50000"/>
+            </a:schemeClr>
+          </a:lnRef>
+          <a:fillRef idx="1">
+            <a:schemeClr val="accent6"/>
+          </a:fillRef>
+          <a:effectRef idx="0">
+            <a:schemeClr val="accent6"/>
+          </a:effectRef>
+          <a:fontRef idx="minor">
+            <a:schemeClr val="lt1"/>
+          </a:fontRef>
+        </p:style>
+        <p:txBody>
+          <a:bodyPr rtlCol="0" anchor="ctr"/>
+          <a:lstStyle/>
+          <a:p>
+            <a:pPr algn="ctr"/>
+            <a:endParaRPr lang="fr-FR"/>
+          </a:p>
+        </p:txBody>
+      </p:sp>
+      <p:cxnSp>
+        <p:nvCxnSpPr>
+          <p:cNvPr id="13" name="Straight Arrow Connector 12">
+            <a:extLst>
+              <a:ext uri="{FF2B5EF4-FFF2-40B4-BE49-F238E27FC236}">
+                <a16:creationId xmlns:a16="http://schemas.microsoft.com/office/drawing/2014/main" id="{456BD6E5-189C-4BF8-972C-D27F364FF047}"/>
+              </a:ext>
+            </a:extLst>
+          </p:cNvPr>
+          <p:cNvCxnSpPr/>
+          <p:nvPr/>
+        </p:nvCxnSpPr>
+        <p:spPr>
+          <a:xfrm>
+            <a:off x="2254624" y="2012576"/>
+            <a:ext cx="0" cy="856130"/>
+          </a:xfrm>
+          <a:prstGeom prst="straightConnector1">
+            <a:avLst/>
+          </a:prstGeom>
+          <a:ln w="76200">
+            <a:solidFill>
+              <a:schemeClr val="accent1"/>
+            </a:solidFill>
+            <a:tailEnd type="triangle"/>
+          </a:ln>
+        </p:spPr>
+        <p:style>
+          <a:lnRef idx="1">
+            <a:schemeClr val="accent1"/>
+          </a:lnRef>
+          <a:fillRef idx="0">
+            <a:schemeClr val="accent1"/>
+          </a:fillRef>
+          <a:effectRef idx="0">
+            <a:schemeClr val="accent1"/>
+          </a:effectRef>
+          <a:fontRef idx="minor">
+            <a:schemeClr val="tx1"/>
+          </a:fontRef>
+        </p:style>
+      </p:cxnSp>
+      <p:cxnSp>
+        <p:nvCxnSpPr>
+          <p:cNvPr id="17" name="Straight Arrow Connector 16">
+            <a:extLst>
+              <a:ext uri="{FF2B5EF4-FFF2-40B4-BE49-F238E27FC236}">
+                <a16:creationId xmlns:a16="http://schemas.microsoft.com/office/drawing/2014/main" id="{40F37CAD-1F57-4771-ACC3-24BF76EBC9B6}"/>
+              </a:ext>
+            </a:extLst>
+          </p:cNvPr>
+          <p:cNvCxnSpPr/>
+          <p:nvPr/>
+        </p:nvCxnSpPr>
+        <p:spPr>
+          <a:xfrm flipV="1">
+            <a:off x="443753" y="3110753"/>
+            <a:ext cx="11317941" cy="49306"/>
+          </a:xfrm>
+          <a:prstGeom prst="straightConnector1">
+            <a:avLst/>
+          </a:prstGeom>
+          <a:ln w="76200">
+            <a:solidFill>
+              <a:schemeClr val="accent1"/>
+            </a:solidFill>
+            <a:tailEnd type="triangle"/>
+          </a:ln>
+        </p:spPr>
+        <p:style>
+          <a:lnRef idx="1">
+            <a:schemeClr val="accent1"/>
+          </a:lnRef>
+          <a:fillRef idx="0">
+            <a:schemeClr val="accent1"/>
+          </a:fillRef>
+          <a:effectRef idx="0">
+            <a:schemeClr val="accent1"/>
+          </a:effectRef>
+          <a:fontRef idx="minor">
+            <a:schemeClr val="tx1"/>
+          </a:fontRef>
+        </p:style>
+      </p:cxnSp>
+      <p:sp>
+        <p:nvSpPr>
+          <p:cNvPr id="18" name="Rectangle 17">
+            <a:extLst>
+              <a:ext uri="{FF2B5EF4-FFF2-40B4-BE49-F238E27FC236}">
+                <a16:creationId xmlns:a16="http://schemas.microsoft.com/office/drawing/2014/main" id="{0A6E1FD0-69E5-47A1-A2E5-9B115CFCFF92}"/>
+              </a:ext>
+            </a:extLst>
+          </p:cNvPr>
+          <p:cNvSpPr/>
+          <p:nvPr/>
+        </p:nvSpPr>
+        <p:spPr>
+          <a:xfrm>
+            <a:off x="2191871" y="2891170"/>
+            <a:ext cx="4298576" cy="537830"/>
+          </a:xfrm>
+          <a:prstGeom prst="rect">
+            <a:avLst/>
+          </a:prstGeom>
+        </p:spPr>
+        <p:style>
+          <a:lnRef idx="2">
+            <a:schemeClr val="accent1">
+              <a:shade val="50000"/>
+            </a:schemeClr>
+          </a:lnRef>
+          <a:fillRef idx="1">
+            <a:schemeClr val="accent1"/>
+          </a:fillRef>
+          <a:effectRef idx="0">
+            <a:schemeClr val="accent1"/>
+          </a:effectRef>
+          <a:fontRef idx="minor">
+            <a:schemeClr val="lt1"/>
+          </a:fontRef>
+        </p:style>
+        <p:txBody>
+          <a:bodyPr rtlCol="0" anchor="ctr"/>
+          <a:lstStyle/>
+          <a:p>
+            <a:pPr algn="ctr"/>
+            <a:endParaRPr lang="fr-FR"/>
+          </a:p>
+        </p:txBody>
+      </p:sp>
+      <p:cxnSp>
+        <p:nvCxnSpPr>
+          <p:cNvPr id="20" name="Straight Arrow Connector 19">
+            <a:extLst>
+              <a:ext uri="{FF2B5EF4-FFF2-40B4-BE49-F238E27FC236}">
+                <a16:creationId xmlns:a16="http://schemas.microsoft.com/office/drawing/2014/main" id="{1FB15E6A-9036-4610-951D-D629E4E5FEEB}"/>
+              </a:ext>
+            </a:extLst>
+          </p:cNvPr>
+          <p:cNvCxnSpPr/>
+          <p:nvPr/>
+        </p:nvCxnSpPr>
+        <p:spPr>
+          <a:xfrm flipV="1">
+            <a:off x="6400800" y="1913965"/>
+            <a:ext cx="89646" cy="833717"/>
+          </a:xfrm>
+          <a:prstGeom prst="straightConnector1">
+            <a:avLst/>
+          </a:prstGeom>
+          <a:ln w="76200">
+            <a:solidFill>
+              <a:schemeClr val="accent1"/>
+            </a:solidFill>
+            <a:tailEnd type="triangle"/>
+          </a:ln>
+        </p:spPr>
+        <p:style>
+          <a:lnRef idx="1">
+            <a:schemeClr val="accent1"/>
+          </a:lnRef>
+          <a:fillRef idx="0">
+            <a:schemeClr val="accent1"/>
+          </a:fillRef>
+          <a:effectRef idx="0">
+            <a:schemeClr val="accent1"/>
+          </a:effectRef>
+          <a:fontRef idx="minor">
+            <a:schemeClr val="tx1"/>
+          </a:fontRef>
+        </p:style>
+      </p:cxnSp>
+      <p:cxnSp>
+        <p:nvCxnSpPr>
+          <p:cNvPr id="21" name="Straight Arrow Connector 20">
+            <a:extLst>
+              <a:ext uri="{FF2B5EF4-FFF2-40B4-BE49-F238E27FC236}">
+                <a16:creationId xmlns:a16="http://schemas.microsoft.com/office/drawing/2014/main" id="{B4649B94-E2E5-4100-8E0A-9F0FB140A00F}"/>
+              </a:ext>
+            </a:extLst>
+          </p:cNvPr>
+          <p:cNvCxnSpPr>
+            <a:cxnSpLocks/>
+          </p:cNvCxnSpPr>
+          <p:nvPr/>
+        </p:nvCxnSpPr>
+        <p:spPr>
+          <a:xfrm>
+            <a:off x="515470" y="4482353"/>
+            <a:ext cx="11138647" cy="0"/>
+          </a:xfrm>
+          <a:prstGeom prst="straightConnector1">
+            <a:avLst/>
+          </a:prstGeom>
+          <a:ln w="76200">
+            <a:solidFill>
+              <a:schemeClr val="accent1"/>
+            </a:solidFill>
+            <a:tailEnd type="triangle"/>
+          </a:ln>
+        </p:spPr>
+        <p:style>
+          <a:lnRef idx="1">
+            <a:schemeClr val="accent1"/>
+          </a:lnRef>
+          <a:fillRef idx="0">
+            <a:schemeClr val="accent1"/>
+          </a:fillRef>
+          <a:effectRef idx="0">
+            <a:schemeClr val="accent1"/>
+          </a:effectRef>
+          <a:fontRef idx="minor">
+            <a:schemeClr val="tx1"/>
+          </a:fontRef>
+        </p:style>
+      </p:cxnSp>
+      <p:cxnSp>
+        <p:nvCxnSpPr>
+          <p:cNvPr id="22" name="Straight Connector 21">
+            <a:extLst>
+              <a:ext uri="{FF2B5EF4-FFF2-40B4-BE49-F238E27FC236}">
+                <a16:creationId xmlns:a16="http://schemas.microsoft.com/office/drawing/2014/main" id="{634DD6DB-CBE2-43FE-8731-69EC04F63BDA}"/>
+              </a:ext>
+            </a:extLst>
+          </p:cNvPr>
+          <p:cNvCxnSpPr>
+            <a:cxnSpLocks/>
+          </p:cNvCxnSpPr>
+          <p:nvPr/>
+        </p:nvCxnSpPr>
+        <p:spPr>
+          <a:xfrm>
+            <a:off x="2057399" y="4096871"/>
+            <a:ext cx="0" cy="874059"/>
+          </a:xfrm>
+          <a:prstGeom prst="line">
+            <a:avLst/>
+          </a:prstGeom>
+          <a:ln w="76200">
+            <a:solidFill>
+              <a:schemeClr val="accent1"/>
+            </a:solidFill>
+          </a:ln>
+        </p:spPr>
+        <p:style>
+          <a:lnRef idx="1">
+            <a:schemeClr val="accent1"/>
+          </a:lnRef>
+          <a:fillRef idx="0">
+            <a:schemeClr val="accent1"/>
+          </a:fillRef>
+          <a:effectRef idx="0">
+            <a:schemeClr val="accent1"/>
+          </a:effectRef>
+          <a:fontRef idx="minor">
+            <a:schemeClr val="tx1"/>
+          </a:fontRef>
+        </p:style>
+      </p:cxnSp>
+      <p:cxnSp>
+        <p:nvCxnSpPr>
+          <p:cNvPr id="23" name="Straight Connector 22">
+            <a:extLst>
+              <a:ext uri="{FF2B5EF4-FFF2-40B4-BE49-F238E27FC236}">
+                <a16:creationId xmlns:a16="http://schemas.microsoft.com/office/drawing/2014/main" id="{9179A1FB-808C-42B5-811A-BD4C4457F101}"/>
+              </a:ext>
+            </a:extLst>
+          </p:cNvPr>
+          <p:cNvCxnSpPr>
+            <a:cxnSpLocks/>
+          </p:cNvCxnSpPr>
+          <p:nvPr/>
+        </p:nvCxnSpPr>
+        <p:spPr>
+          <a:xfrm>
+            <a:off x="6548716" y="4096871"/>
+            <a:ext cx="0" cy="874059"/>
+          </a:xfrm>
+          <a:prstGeom prst="line">
+            <a:avLst/>
+          </a:prstGeom>
+          <a:ln w="76200">
+            <a:solidFill>
+              <a:schemeClr val="accent1"/>
+            </a:solidFill>
+          </a:ln>
+        </p:spPr>
+        <p:style>
+          <a:lnRef idx="1">
+            <a:schemeClr val="accent1"/>
+          </a:lnRef>
+          <a:fillRef idx="0">
+            <a:schemeClr val="accent1"/>
+          </a:fillRef>
+          <a:effectRef idx="0">
+            <a:schemeClr val="accent1"/>
+          </a:effectRef>
+          <a:fontRef idx="minor">
+            <a:schemeClr val="tx1"/>
+          </a:fontRef>
+        </p:style>
+      </p:cxnSp>
+      <p:sp>
+        <p:nvSpPr>
+          <p:cNvPr id="24" name="Rectangle 23">
+            <a:extLst>
+              <a:ext uri="{FF2B5EF4-FFF2-40B4-BE49-F238E27FC236}">
+                <a16:creationId xmlns:a16="http://schemas.microsoft.com/office/drawing/2014/main" id="{421815CF-ED4B-47E7-9096-B764FACEC8E5}"/>
+              </a:ext>
+            </a:extLst>
+          </p:cNvPr>
+          <p:cNvSpPr/>
+          <p:nvPr/>
+        </p:nvSpPr>
+        <p:spPr>
+          <a:xfrm>
+            <a:off x="2124635" y="4276165"/>
+            <a:ext cx="174809" cy="425772"/>
+          </a:xfrm>
+          <a:prstGeom prst="rect">
+            <a:avLst/>
+          </a:prstGeom>
+        </p:spPr>
+        <p:style>
+          <a:lnRef idx="2">
+            <a:schemeClr val="accent6">
+              <a:shade val="50000"/>
+            </a:schemeClr>
+          </a:lnRef>
+          <a:fillRef idx="1">
+            <a:schemeClr val="accent6"/>
+          </a:fillRef>
+          <a:effectRef idx="0">
+            <a:schemeClr val="accent6"/>
+          </a:effectRef>
+          <a:fontRef idx="minor">
+            <a:schemeClr val="lt1"/>
+          </a:fontRef>
+        </p:style>
+        <p:txBody>
+          <a:bodyPr rtlCol="0" anchor="ctr"/>
+          <a:lstStyle/>
+          <a:p>
+            <a:pPr algn="ctr"/>
+            <a:endParaRPr lang="fr-FR"/>
+          </a:p>
+        </p:txBody>
+      </p:sp>
+      <p:cxnSp>
+        <p:nvCxnSpPr>
+          <p:cNvPr id="25" name="Straight Arrow Connector 24">
+            <a:extLst>
+              <a:ext uri="{FF2B5EF4-FFF2-40B4-BE49-F238E27FC236}">
+                <a16:creationId xmlns:a16="http://schemas.microsoft.com/office/drawing/2014/main" id="{90A85CD0-D9CB-4BF3-8B07-02550CC3D290}"/>
+              </a:ext>
+            </a:extLst>
+          </p:cNvPr>
+          <p:cNvCxnSpPr>
+            <a:cxnSpLocks/>
+          </p:cNvCxnSpPr>
+          <p:nvPr/>
+        </p:nvCxnSpPr>
+        <p:spPr>
+          <a:xfrm>
+            <a:off x="2187388" y="4863353"/>
+            <a:ext cx="0" cy="856130"/>
+          </a:xfrm>
+          <a:prstGeom prst="straightConnector1">
+            <a:avLst/>
+          </a:prstGeom>
+          <a:ln w="76200">
+            <a:solidFill>
+              <a:schemeClr val="accent1"/>
+            </a:solidFill>
+            <a:tailEnd type="triangle"/>
+          </a:ln>
+        </p:spPr>
+        <p:style>
+          <a:lnRef idx="1">
+            <a:schemeClr val="accent1"/>
+          </a:lnRef>
+          <a:fillRef idx="0">
+            <a:schemeClr val="accent1"/>
+          </a:fillRef>
+          <a:effectRef idx="0">
+            <a:schemeClr val="accent1"/>
+          </a:effectRef>
+          <a:fontRef idx="minor">
+            <a:schemeClr val="tx1"/>
+          </a:fontRef>
+        </p:style>
+      </p:cxnSp>
+      <p:cxnSp>
+        <p:nvCxnSpPr>
+          <p:cNvPr id="26" name="Straight Arrow Connector 25">
+            <a:extLst>
+              <a:ext uri="{FF2B5EF4-FFF2-40B4-BE49-F238E27FC236}">
+                <a16:creationId xmlns:a16="http://schemas.microsoft.com/office/drawing/2014/main" id="{26DFC94E-EAFE-4E19-A8A8-8C187E6FF51A}"/>
+              </a:ext>
+            </a:extLst>
+          </p:cNvPr>
+          <p:cNvCxnSpPr>
+            <a:cxnSpLocks/>
+          </p:cNvCxnSpPr>
+          <p:nvPr/>
+        </p:nvCxnSpPr>
+        <p:spPr>
+          <a:xfrm flipV="1">
+            <a:off x="376517" y="5961530"/>
+            <a:ext cx="11317941" cy="49306"/>
+          </a:xfrm>
+          <a:prstGeom prst="straightConnector1">
+            <a:avLst/>
+          </a:prstGeom>
+          <a:ln w="76200">
+            <a:solidFill>
+              <a:schemeClr val="accent1"/>
+            </a:solidFill>
+            <a:tailEnd type="triangle"/>
+          </a:ln>
+        </p:spPr>
+        <p:style>
+          <a:lnRef idx="1">
+            <a:schemeClr val="accent1"/>
+          </a:lnRef>
+          <a:fillRef idx="0">
+            <a:schemeClr val="accent1"/>
+          </a:fillRef>
+          <a:effectRef idx="0">
+            <a:schemeClr val="accent1"/>
+          </a:effectRef>
+          <a:fontRef idx="minor">
+            <a:schemeClr val="tx1"/>
+          </a:fontRef>
+        </p:style>
+      </p:cxnSp>
+      <p:sp>
+        <p:nvSpPr>
+          <p:cNvPr id="27" name="Rectangle 26">
+            <a:extLst>
+              <a:ext uri="{FF2B5EF4-FFF2-40B4-BE49-F238E27FC236}">
+                <a16:creationId xmlns:a16="http://schemas.microsoft.com/office/drawing/2014/main" id="{A51CF03C-9D6B-4CCB-AA7F-3E3DC9D5E057}"/>
+              </a:ext>
+            </a:extLst>
+          </p:cNvPr>
+          <p:cNvSpPr/>
+          <p:nvPr/>
+        </p:nvSpPr>
+        <p:spPr>
+          <a:xfrm>
+            <a:off x="2124635" y="5741947"/>
+            <a:ext cx="4298576" cy="537830"/>
+          </a:xfrm>
+          <a:prstGeom prst="rect">
+            <a:avLst/>
+          </a:prstGeom>
+        </p:spPr>
+        <p:style>
+          <a:lnRef idx="2">
+            <a:schemeClr val="accent1">
+              <a:shade val="50000"/>
+            </a:schemeClr>
+          </a:lnRef>
+          <a:fillRef idx="1">
+            <a:schemeClr val="accent1"/>
+          </a:fillRef>
+          <a:effectRef idx="0">
+            <a:schemeClr val="accent1"/>
+          </a:effectRef>
+          <a:fontRef idx="minor">
+            <a:schemeClr val="lt1"/>
+          </a:fontRef>
+        </p:style>
+        <p:txBody>
+          <a:bodyPr rtlCol="0" anchor="ctr"/>
+          <a:lstStyle/>
+          <a:p>
+            <a:pPr algn="ctr"/>
+            <a:endParaRPr lang="fr-FR"/>
+          </a:p>
+        </p:txBody>
+      </p:sp>
+      <p:cxnSp>
+        <p:nvCxnSpPr>
+          <p:cNvPr id="28" name="Straight Arrow Connector 27">
+            <a:extLst>
+              <a:ext uri="{FF2B5EF4-FFF2-40B4-BE49-F238E27FC236}">
+                <a16:creationId xmlns:a16="http://schemas.microsoft.com/office/drawing/2014/main" id="{EB5124A9-CB87-44E7-9413-29C1B58FEBE1}"/>
+              </a:ext>
+            </a:extLst>
+          </p:cNvPr>
+          <p:cNvCxnSpPr>
+            <a:cxnSpLocks/>
+          </p:cNvCxnSpPr>
+          <p:nvPr/>
+        </p:nvCxnSpPr>
+        <p:spPr>
+          <a:xfrm flipV="1">
+            <a:off x="6333564" y="4764742"/>
+            <a:ext cx="89646" cy="833717"/>
+          </a:xfrm>
+          <a:prstGeom prst="straightConnector1">
+            <a:avLst/>
+          </a:prstGeom>
+          <a:ln w="76200">
+            <a:solidFill>
+              <a:schemeClr val="accent1"/>
+            </a:solidFill>
+            <a:tailEnd type="triangle"/>
+          </a:ln>
+        </p:spPr>
+        <p:style>
+          <a:lnRef idx="1">
+            <a:schemeClr val="accent1"/>
+          </a:lnRef>
+          <a:fillRef idx="0">
+            <a:schemeClr val="accent1"/>
+          </a:fillRef>
+          <a:effectRef idx="0">
+            <a:schemeClr val="accent1"/>
+          </a:effectRef>
+          <a:fontRef idx="minor">
+            <a:schemeClr val="tx1"/>
+          </a:fontRef>
+        </p:style>
+      </p:cxnSp>
+      <p:sp>
+        <p:nvSpPr>
+          <p:cNvPr id="35" name="Rectangle 34">
+            <a:extLst>
+              <a:ext uri="{FF2B5EF4-FFF2-40B4-BE49-F238E27FC236}">
+                <a16:creationId xmlns:a16="http://schemas.microsoft.com/office/drawing/2014/main" id="{96C6D1FB-A23E-4523-BE85-B8F7546DC4F6}"/>
+              </a:ext>
+            </a:extLst>
+          </p:cNvPr>
+          <p:cNvSpPr/>
+          <p:nvPr/>
+        </p:nvSpPr>
+        <p:spPr>
+          <a:xfrm>
+            <a:off x="6566645" y="4276165"/>
+            <a:ext cx="174809" cy="425772"/>
+          </a:xfrm>
+          <a:prstGeom prst="rect">
+            <a:avLst/>
+          </a:prstGeom>
+        </p:spPr>
+        <p:style>
+          <a:lnRef idx="2">
+            <a:schemeClr val="accent6">
+              <a:shade val="50000"/>
+            </a:schemeClr>
+          </a:lnRef>
+          <a:fillRef idx="1">
+            <a:schemeClr val="accent6"/>
+          </a:fillRef>
+          <a:effectRef idx="0">
+            <a:schemeClr val="accent6"/>
+          </a:effectRef>
+          <a:fontRef idx="minor">
+            <a:schemeClr val="lt1"/>
+          </a:fontRef>
+        </p:style>
+        <p:txBody>
+          <a:bodyPr rtlCol="0" anchor="ctr"/>
+          <a:lstStyle/>
+          <a:p>
+            <a:pPr algn="ctr"/>
+            <a:endParaRPr lang="fr-FR"/>
+          </a:p>
+        </p:txBody>
+      </p:sp>
+    </p:spTree>
+    <p:extLst>
+      <p:ext uri="{BB962C8B-B14F-4D97-AF65-F5344CB8AC3E}">
+        <p14:creationId xmlns:p14="http://schemas.microsoft.com/office/powerpoint/2010/main" val="3895341314"/>
+      </p:ext>
+    </p:extLst>
+  </p:cSld>
+  <p:clrMapOvr>
+    <a:masterClrMapping/>
+  </p:clrMapOvr>
+</p:sld>
+</file>
+
+<file path=ppt/slides/slide16.xml><?xml version="1.0" encoding="utf-8"?>
+<p:sld xmlns:a="http://schemas.openxmlformats.org/drawingml/2006/main" xmlns:r="http://schemas.openxmlformats.org/officeDocument/2006/relationships" xmlns:p="http://schemas.openxmlformats.org/presentationml/2006/main">
+  <p:cSld>
+    <p:spTree>
+      <p:nvGrpSpPr>
+        <p:cNvPr id="1" name=""/>
+        <p:cNvGrpSpPr/>
+        <p:nvPr/>
+      </p:nvGrpSpPr>
+      <p:grpSpPr>
+        <a:xfrm>
+          <a:off x="0" y="0"/>
+          <a:ext cx="0" cy="0"/>
+          <a:chOff x="0" y="0"/>
+          <a:chExt cx="0" cy="0"/>
+        </a:xfrm>
+      </p:grpSpPr>
+      <p:cxnSp>
+        <p:nvCxnSpPr>
+          <p:cNvPr id="5" name="Straight Arrow Connector 4">
+            <a:extLst>
+              <a:ext uri="{FF2B5EF4-FFF2-40B4-BE49-F238E27FC236}">
+                <a16:creationId xmlns:a16="http://schemas.microsoft.com/office/drawing/2014/main" id="{F18543C3-359D-4213-89E7-B8EB816D057C}"/>
+              </a:ext>
+            </a:extLst>
+          </p:cNvPr>
+          <p:cNvCxnSpPr/>
+          <p:nvPr/>
+        </p:nvCxnSpPr>
+        <p:spPr>
+          <a:xfrm flipV="1">
+            <a:off x="300318" y="1501588"/>
+            <a:ext cx="11465858" cy="62753"/>
+          </a:xfrm>
+          <a:prstGeom prst="straightConnector1">
+            <a:avLst/>
+          </a:prstGeom>
+          <a:ln w="76200">
+            <a:solidFill>
+              <a:schemeClr val="accent1"/>
+            </a:solidFill>
+            <a:tailEnd type="triangle"/>
+          </a:ln>
+        </p:spPr>
+        <p:style>
+          <a:lnRef idx="1">
+            <a:schemeClr val="accent1"/>
+          </a:lnRef>
+          <a:fillRef idx="0">
+            <a:schemeClr val="accent1"/>
+          </a:fillRef>
+          <a:effectRef idx="0">
+            <a:schemeClr val="accent1"/>
+          </a:effectRef>
+          <a:fontRef idx="minor">
+            <a:schemeClr val="tx1"/>
+          </a:fontRef>
+        </p:style>
+      </p:cxnSp>
+      <p:cxnSp>
+        <p:nvCxnSpPr>
+          <p:cNvPr id="7" name="Straight Connector 6">
+            <a:extLst>
+              <a:ext uri="{FF2B5EF4-FFF2-40B4-BE49-F238E27FC236}">
+                <a16:creationId xmlns:a16="http://schemas.microsoft.com/office/drawing/2014/main" id="{4B19D4B8-695F-4783-8CE7-F11210FE3FD4}"/>
+              </a:ext>
+            </a:extLst>
+          </p:cNvPr>
+          <p:cNvCxnSpPr/>
+          <p:nvPr/>
+        </p:nvCxnSpPr>
+        <p:spPr>
+          <a:xfrm>
+            <a:off x="891988" y="1134035"/>
+            <a:ext cx="0" cy="1004047"/>
+          </a:xfrm>
+          <a:prstGeom prst="line">
+            <a:avLst/>
+          </a:prstGeom>
+          <a:ln w="76200">
+            <a:solidFill>
+              <a:schemeClr val="accent1"/>
+            </a:solidFill>
+          </a:ln>
+        </p:spPr>
+        <p:style>
+          <a:lnRef idx="1">
+            <a:schemeClr val="accent1"/>
+          </a:lnRef>
+          <a:fillRef idx="0">
+            <a:schemeClr val="accent1"/>
+          </a:fillRef>
+          <a:effectRef idx="0">
+            <a:schemeClr val="accent1"/>
+          </a:effectRef>
+          <a:fontRef idx="minor">
+            <a:schemeClr val="tx1"/>
+          </a:fontRef>
+        </p:style>
+      </p:cxnSp>
+      <p:sp>
+        <p:nvSpPr>
+          <p:cNvPr id="8" name="Rectangle 7">
+            <a:extLst>
+              <a:ext uri="{FF2B5EF4-FFF2-40B4-BE49-F238E27FC236}">
+                <a16:creationId xmlns:a16="http://schemas.microsoft.com/office/drawing/2014/main" id="{885A36B4-11CF-43A7-B1C6-8661F79A98E7}"/>
+              </a:ext>
+            </a:extLst>
+          </p:cNvPr>
+          <p:cNvSpPr/>
+          <p:nvPr/>
+        </p:nvSpPr>
+        <p:spPr>
+          <a:xfrm>
+            <a:off x="927847" y="1333499"/>
+            <a:ext cx="116541" cy="470647"/>
+          </a:xfrm>
+          <a:prstGeom prst="rect">
+            <a:avLst/>
+          </a:prstGeom>
+        </p:spPr>
+        <p:style>
+          <a:lnRef idx="2">
+            <a:schemeClr val="accent6">
+              <a:shade val="50000"/>
+            </a:schemeClr>
+          </a:lnRef>
+          <a:fillRef idx="1">
+            <a:schemeClr val="accent6"/>
+          </a:fillRef>
+          <a:effectRef idx="0">
+            <a:schemeClr val="accent6"/>
+          </a:effectRef>
+          <a:fontRef idx="minor">
+            <a:schemeClr val="lt1"/>
+          </a:fontRef>
+        </p:style>
+        <p:txBody>
+          <a:bodyPr rtlCol="0" anchor="ctr"/>
+          <a:lstStyle/>
+          <a:p>
+            <a:pPr algn="ctr"/>
+            <a:endParaRPr lang="fr-FR"/>
+          </a:p>
+        </p:txBody>
+      </p:sp>
+      <p:cxnSp>
+        <p:nvCxnSpPr>
+          <p:cNvPr id="11" name="Straight Connector 10">
+            <a:extLst>
+              <a:ext uri="{FF2B5EF4-FFF2-40B4-BE49-F238E27FC236}">
+                <a16:creationId xmlns:a16="http://schemas.microsoft.com/office/drawing/2014/main" id="{ED31DA84-9448-4890-BE4B-B65C679957A7}"/>
+              </a:ext>
+            </a:extLst>
+          </p:cNvPr>
+          <p:cNvCxnSpPr/>
+          <p:nvPr/>
+        </p:nvCxnSpPr>
+        <p:spPr>
+          <a:xfrm>
+            <a:off x="3124199" y="1066800"/>
+            <a:ext cx="0" cy="1165411"/>
+          </a:xfrm>
+          <a:prstGeom prst="line">
+            <a:avLst/>
+          </a:prstGeom>
+          <a:ln w="76200">
+            <a:solidFill>
+              <a:schemeClr val="accent1"/>
+            </a:solidFill>
+          </a:ln>
+        </p:spPr>
+        <p:style>
+          <a:lnRef idx="1">
+            <a:schemeClr val="accent1"/>
+          </a:lnRef>
+          <a:fillRef idx="0">
+            <a:schemeClr val="accent1"/>
+          </a:fillRef>
+          <a:effectRef idx="0">
+            <a:schemeClr val="accent1"/>
+          </a:effectRef>
+          <a:fontRef idx="minor">
+            <a:schemeClr val="tx1"/>
+          </a:fontRef>
+        </p:style>
+      </p:cxnSp>
+      <p:sp>
+        <p:nvSpPr>
+          <p:cNvPr id="12" name="Rectangle 11">
+            <a:extLst>
+              <a:ext uri="{FF2B5EF4-FFF2-40B4-BE49-F238E27FC236}">
+                <a16:creationId xmlns:a16="http://schemas.microsoft.com/office/drawing/2014/main" id="{4F89BF64-2B02-4567-9AD4-D0AD3954A697}"/>
+              </a:ext>
+            </a:extLst>
+          </p:cNvPr>
+          <p:cNvSpPr/>
+          <p:nvPr/>
+        </p:nvSpPr>
+        <p:spPr>
+          <a:xfrm>
+            <a:off x="3164542" y="1333499"/>
+            <a:ext cx="112056" cy="479612"/>
+          </a:xfrm>
+          <a:prstGeom prst="rect">
+            <a:avLst/>
+          </a:prstGeom>
+        </p:spPr>
+        <p:style>
+          <a:lnRef idx="2">
+            <a:schemeClr val="accent6">
+              <a:shade val="50000"/>
+            </a:schemeClr>
+          </a:lnRef>
+          <a:fillRef idx="1">
+            <a:schemeClr val="accent6"/>
+          </a:fillRef>
+          <a:effectRef idx="0">
+            <a:schemeClr val="accent6"/>
+          </a:effectRef>
+          <a:fontRef idx="minor">
+            <a:schemeClr val="lt1"/>
+          </a:fontRef>
+        </p:style>
+        <p:txBody>
+          <a:bodyPr rtlCol="0" anchor="ctr"/>
+          <a:lstStyle/>
+          <a:p>
+            <a:pPr algn="ctr"/>
+            <a:endParaRPr lang="fr-FR"/>
+          </a:p>
+        </p:txBody>
+      </p:sp>
+      <p:cxnSp>
+        <p:nvCxnSpPr>
+          <p:cNvPr id="14" name="Straight Arrow Connector 13">
+            <a:extLst>
+              <a:ext uri="{FF2B5EF4-FFF2-40B4-BE49-F238E27FC236}">
+                <a16:creationId xmlns:a16="http://schemas.microsoft.com/office/drawing/2014/main" id="{7B3A2F40-8D37-4891-9629-CB178B7FD7A2}"/>
+              </a:ext>
+            </a:extLst>
+          </p:cNvPr>
+          <p:cNvCxnSpPr/>
+          <p:nvPr/>
+        </p:nvCxnSpPr>
+        <p:spPr>
+          <a:xfrm flipV="1">
+            <a:off x="300318" y="3429000"/>
+            <a:ext cx="11465858" cy="62753"/>
+          </a:xfrm>
+          <a:prstGeom prst="straightConnector1">
+            <a:avLst/>
+          </a:prstGeom>
+          <a:ln w="76200">
+            <a:solidFill>
+              <a:schemeClr val="accent1"/>
+            </a:solidFill>
+            <a:tailEnd type="triangle"/>
+          </a:ln>
+        </p:spPr>
+        <p:style>
+          <a:lnRef idx="1">
+            <a:schemeClr val="accent1"/>
+          </a:lnRef>
+          <a:fillRef idx="0">
+            <a:schemeClr val="accent1"/>
+          </a:fillRef>
+          <a:effectRef idx="0">
+            <a:schemeClr val="accent1"/>
+          </a:effectRef>
+          <a:fontRef idx="minor">
+            <a:schemeClr val="tx1"/>
+          </a:fontRef>
+        </p:style>
+      </p:cxnSp>
+      <p:sp>
+        <p:nvSpPr>
+          <p:cNvPr id="15" name="Rectangle 14">
+            <a:extLst>
+              <a:ext uri="{FF2B5EF4-FFF2-40B4-BE49-F238E27FC236}">
+                <a16:creationId xmlns:a16="http://schemas.microsoft.com/office/drawing/2014/main" id="{D5BC7C18-F45A-4397-B312-7276CAB3E0B9}"/>
+              </a:ext>
+            </a:extLst>
+          </p:cNvPr>
+          <p:cNvSpPr/>
+          <p:nvPr/>
+        </p:nvSpPr>
+        <p:spPr>
+          <a:xfrm>
+            <a:off x="927847" y="3285565"/>
+            <a:ext cx="2160494" cy="363070"/>
+          </a:xfrm>
+          <a:prstGeom prst="rect">
+            <a:avLst/>
+          </a:prstGeom>
+        </p:spPr>
+        <p:style>
+          <a:lnRef idx="2">
+            <a:schemeClr val="accent1">
+              <a:shade val="50000"/>
+            </a:schemeClr>
+          </a:lnRef>
+          <a:fillRef idx="1">
+            <a:schemeClr val="accent1"/>
+          </a:fillRef>
+          <a:effectRef idx="0">
+            <a:schemeClr val="accent1"/>
+          </a:effectRef>
+          <a:fontRef idx="minor">
+            <a:schemeClr val="lt1"/>
+          </a:fontRef>
+        </p:style>
+        <p:txBody>
+          <a:bodyPr rtlCol="0" anchor="ctr"/>
+          <a:lstStyle/>
+          <a:p>
+            <a:pPr algn="ctr"/>
+            <a:endParaRPr lang="fr-FR"/>
+          </a:p>
+        </p:txBody>
+      </p:sp>
+      <p:cxnSp>
+        <p:nvCxnSpPr>
+          <p:cNvPr id="17" name="Straight Arrow Connector 16">
+            <a:extLst>
+              <a:ext uri="{FF2B5EF4-FFF2-40B4-BE49-F238E27FC236}">
+                <a16:creationId xmlns:a16="http://schemas.microsoft.com/office/drawing/2014/main" id="{C6D619E0-78D6-43F4-BAE3-DE34F29C192E}"/>
+              </a:ext>
+            </a:extLst>
+          </p:cNvPr>
+          <p:cNvCxnSpPr/>
+          <p:nvPr/>
+        </p:nvCxnSpPr>
+        <p:spPr>
+          <a:xfrm>
+            <a:off x="1044388" y="1931894"/>
+            <a:ext cx="0" cy="1196788"/>
+          </a:xfrm>
+          <a:prstGeom prst="straightConnector1">
+            <a:avLst/>
+          </a:prstGeom>
+          <a:ln w="76200">
+            <a:solidFill>
+              <a:schemeClr val="accent1"/>
+            </a:solidFill>
+            <a:tailEnd type="triangle"/>
+          </a:ln>
+        </p:spPr>
+        <p:style>
+          <a:lnRef idx="1">
+            <a:schemeClr val="accent1"/>
+          </a:lnRef>
+          <a:fillRef idx="0">
+            <a:schemeClr val="accent1"/>
+          </a:fillRef>
+          <a:effectRef idx="0">
+            <a:schemeClr val="accent1"/>
+          </a:effectRef>
+          <a:fontRef idx="minor">
+            <a:schemeClr val="tx1"/>
+          </a:fontRef>
+        </p:style>
+      </p:cxnSp>
+      <p:cxnSp>
+        <p:nvCxnSpPr>
+          <p:cNvPr id="19" name="Straight Arrow Connector 18">
+            <a:extLst>
+              <a:ext uri="{FF2B5EF4-FFF2-40B4-BE49-F238E27FC236}">
+                <a16:creationId xmlns:a16="http://schemas.microsoft.com/office/drawing/2014/main" id="{C24266ED-3E57-4116-8F3C-C47CDE2FB1E1}"/>
+              </a:ext>
+            </a:extLst>
+          </p:cNvPr>
+          <p:cNvCxnSpPr/>
+          <p:nvPr/>
+        </p:nvCxnSpPr>
+        <p:spPr>
+          <a:xfrm flipV="1">
+            <a:off x="3034553" y="1931894"/>
+            <a:ext cx="188259" cy="1196788"/>
+          </a:xfrm>
+          <a:prstGeom prst="straightConnector1">
+            <a:avLst/>
+          </a:prstGeom>
+          <a:ln w="76200">
+            <a:solidFill>
+              <a:schemeClr val="accent1"/>
+            </a:solidFill>
+            <a:tailEnd type="triangle"/>
+          </a:ln>
+        </p:spPr>
+        <p:style>
+          <a:lnRef idx="1">
+            <a:schemeClr val="accent1"/>
+          </a:lnRef>
+          <a:fillRef idx="0">
+            <a:schemeClr val="accent1"/>
+          </a:fillRef>
+          <a:effectRef idx="0">
+            <a:schemeClr val="accent1"/>
+          </a:effectRef>
+          <a:fontRef idx="minor">
+            <a:schemeClr val="tx1"/>
+          </a:fontRef>
+        </p:style>
+      </p:cxnSp>
+      <p:cxnSp>
+        <p:nvCxnSpPr>
+          <p:cNvPr id="25" name="Straight Connector 24">
+            <a:extLst>
+              <a:ext uri="{FF2B5EF4-FFF2-40B4-BE49-F238E27FC236}">
+                <a16:creationId xmlns:a16="http://schemas.microsoft.com/office/drawing/2014/main" id="{8C4582FA-C571-44A8-922F-5BC3263B6EDE}"/>
+              </a:ext>
+            </a:extLst>
+          </p:cNvPr>
+          <p:cNvCxnSpPr/>
+          <p:nvPr/>
+        </p:nvCxnSpPr>
+        <p:spPr>
+          <a:xfrm>
+            <a:off x="5437092" y="1095936"/>
+            <a:ext cx="0" cy="1165411"/>
+          </a:xfrm>
+          <a:prstGeom prst="line">
+            <a:avLst/>
+          </a:prstGeom>
+          <a:ln w="76200">
+            <a:solidFill>
+              <a:schemeClr val="accent1"/>
+            </a:solidFill>
+          </a:ln>
+        </p:spPr>
+        <p:style>
+          <a:lnRef idx="1">
+            <a:schemeClr val="accent1"/>
+          </a:lnRef>
+          <a:fillRef idx="0">
+            <a:schemeClr val="accent1"/>
+          </a:fillRef>
+          <a:effectRef idx="0">
+            <a:schemeClr val="accent1"/>
+          </a:effectRef>
+          <a:fontRef idx="minor">
+            <a:schemeClr val="tx1"/>
+          </a:fontRef>
+        </p:style>
+      </p:cxnSp>
+      <p:sp>
+        <p:nvSpPr>
+          <p:cNvPr id="26" name="Rectangle 25">
+            <a:extLst>
+              <a:ext uri="{FF2B5EF4-FFF2-40B4-BE49-F238E27FC236}">
+                <a16:creationId xmlns:a16="http://schemas.microsoft.com/office/drawing/2014/main" id="{7AF28A79-1D35-4FF0-873B-67B1ECA6EB21}"/>
+              </a:ext>
+            </a:extLst>
+          </p:cNvPr>
+          <p:cNvSpPr/>
+          <p:nvPr/>
+        </p:nvSpPr>
+        <p:spPr>
+          <a:xfrm>
+            <a:off x="5477435" y="1362635"/>
+            <a:ext cx="112056" cy="479612"/>
+          </a:xfrm>
+          <a:prstGeom prst="rect">
+            <a:avLst/>
+          </a:prstGeom>
+        </p:spPr>
+        <p:style>
+          <a:lnRef idx="2">
+            <a:schemeClr val="accent6">
+              <a:shade val="50000"/>
+            </a:schemeClr>
+          </a:lnRef>
+          <a:fillRef idx="1">
+            <a:schemeClr val="accent6"/>
+          </a:fillRef>
+          <a:effectRef idx="0">
+            <a:schemeClr val="accent6"/>
+          </a:effectRef>
+          <a:fontRef idx="minor">
+            <a:schemeClr val="lt1"/>
+          </a:fontRef>
+        </p:style>
+        <p:txBody>
+          <a:bodyPr rtlCol="0" anchor="ctr"/>
+          <a:lstStyle/>
+          <a:p>
+            <a:pPr algn="ctr"/>
+            <a:endParaRPr lang="fr-FR"/>
+          </a:p>
+        </p:txBody>
+      </p:sp>
+      <p:sp>
+        <p:nvSpPr>
+          <p:cNvPr id="27" name="Rectangle 26">
+            <a:extLst>
+              <a:ext uri="{FF2B5EF4-FFF2-40B4-BE49-F238E27FC236}">
+                <a16:creationId xmlns:a16="http://schemas.microsoft.com/office/drawing/2014/main" id="{F6D8D2B8-CC76-4222-B7AF-9DD628EB304C}"/>
+              </a:ext>
+            </a:extLst>
+          </p:cNvPr>
+          <p:cNvSpPr/>
+          <p:nvPr/>
+        </p:nvSpPr>
+        <p:spPr>
+          <a:xfrm>
+            <a:off x="3240740" y="3314701"/>
+            <a:ext cx="2160494" cy="363070"/>
+          </a:xfrm>
+          <a:prstGeom prst="rect">
+            <a:avLst/>
+          </a:prstGeom>
+        </p:spPr>
+        <p:style>
+          <a:lnRef idx="2">
+            <a:schemeClr val="accent1">
+              <a:shade val="50000"/>
+            </a:schemeClr>
+          </a:lnRef>
+          <a:fillRef idx="1">
+            <a:schemeClr val="accent1"/>
+          </a:fillRef>
+          <a:effectRef idx="0">
+            <a:schemeClr val="accent1"/>
+          </a:effectRef>
+          <a:fontRef idx="minor">
+            <a:schemeClr val="lt1"/>
+          </a:fontRef>
+        </p:style>
+        <p:txBody>
+          <a:bodyPr rtlCol="0" anchor="ctr"/>
+          <a:lstStyle/>
+          <a:p>
+            <a:pPr algn="ctr"/>
+            <a:endParaRPr lang="fr-FR"/>
+          </a:p>
+        </p:txBody>
+      </p:sp>
+      <p:cxnSp>
+        <p:nvCxnSpPr>
+          <p:cNvPr id="28" name="Straight Arrow Connector 27">
+            <a:extLst>
+              <a:ext uri="{FF2B5EF4-FFF2-40B4-BE49-F238E27FC236}">
+                <a16:creationId xmlns:a16="http://schemas.microsoft.com/office/drawing/2014/main" id="{33DDA60E-2FB2-42C8-B8FD-16FE2035DC94}"/>
+              </a:ext>
+            </a:extLst>
+          </p:cNvPr>
+          <p:cNvCxnSpPr/>
+          <p:nvPr/>
+        </p:nvCxnSpPr>
+        <p:spPr>
+          <a:xfrm>
+            <a:off x="3357281" y="1961030"/>
+            <a:ext cx="0" cy="1196788"/>
+          </a:xfrm>
+          <a:prstGeom prst="straightConnector1">
+            <a:avLst/>
+          </a:prstGeom>
+          <a:ln w="76200">
+            <a:solidFill>
+              <a:schemeClr val="accent1"/>
+            </a:solidFill>
+            <a:tailEnd type="triangle"/>
+          </a:ln>
+        </p:spPr>
+        <p:style>
+          <a:lnRef idx="1">
+            <a:schemeClr val="accent1"/>
+          </a:lnRef>
+          <a:fillRef idx="0">
+            <a:schemeClr val="accent1"/>
+          </a:fillRef>
+          <a:effectRef idx="0">
+            <a:schemeClr val="accent1"/>
+          </a:effectRef>
+          <a:fontRef idx="minor">
+            <a:schemeClr val="tx1"/>
+          </a:fontRef>
+        </p:style>
+      </p:cxnSp>
+      <p:cxnSp>
+        <p:nvCxnSpPr>
+          <p:cNvPr id="29" name="Straight Arrow Connector 28">
+            <a:extLst>
+              <a:ext uri="{FF2B5EF4-FFF2-40B4-BE49-F238E27FC236}">
+                <a16:creationId xmlns:a16="http://schemas.microsoft.com/office/drawing/2014/main" id="{7B8EE9B3-EE89-453C-BE18-46D5965E650B}"/>
+              </a:ext>
+            </a:extLst>
+          </p:cNvPr>
+          <p:cNvCxnSpPr/>
+          <p:nvPr/>
+        </p:nvCxnSpPr>
+        <p:spPr>
+          <a:xfrm flipV="1">
+            <a:off x="5347446" y="1961030"/>
+            <a:ext cx="188259" cy="1196788"/>
+          </a:xfrm>
+          <a:prstGeom prst="straightConnector1">
+            <a:avLst/>
+          </a:prstGeom>
+          <a:ln w="76200">
+            <a:solidFill>
+              <a:schemeClr val="accent1"/>
+            </a:solidFill>
+            <a:tailEnd type="triangle"/>
+          </a:ln>
+        </p:spPr>
+        <p:style>
+          <a:lnRef idx="1">
+            <a:schemeClr val="accent1"/>
+          </a:lnRef>
+          <a:fillRef idx="0">
+            <a:schemeClr val="accent1"/>
+          </a:fillRef>
+          <a:effectRef idx="0">
+            <a:schemeClr val="accent1"/>
+          </a:effectRef>
+          <a:fontRef idx="minor">
+            <a:schemeClr val="tx1"/>
+          </a:fontRef>
+        </p:style>
+      </p:cxnSp>
+      <p:cxnSp>
+        <p:nvCxnSpPr>
+          <p:cNvPr id="30" name="Straight Connector 29">
+            <a:extLst>
+              <a:ext uri="{FF2B5EF4-FFF2-40B4-BE49-F238E27FC236}">
+                <a16:creationId xmlns:a16="http://schemas.microsoft.com/office/drawing/2014/main" id="{C58AEC76-6A85-44DE-9B68-D36BDDD5E471}"/>
+              </a:ext>
+            </a:extLst>
+          </p:cNvPr>
+          <p:cNvCxnSpPr/>
+          <p:nvPr/>
+        </p:nvCxnSpPr>
+        <p:spPr>
+          <a:xfrm>
+            <a:off x="7723091" y="1095936"/>
+            <a:ext cx="0" cy="1165411"/>
+          </a:xfrm>
+          <a:prstGeom prst="line">
+            <a:avLst/>
+          </a:prstGeom>
+          <a:ln w="76200">
+            <a:solidFill>
+              <a:schemeClr val="accent1"/>
+            </a:solidFill>
+          </a:ln>
+        </p:spPr>
+        <p:style>
+          <a:lnRef idx="1">
+            <a:schemeClr val="accent1"/>
+          </a:lnRef>
+          <a:fillRef idx="0">
+            <a:schemeClr val="accent1"/>
+          </a:fillRef>
+          <a:effectRef idx="0">
+            <a:schemeClr val="accent1"/>
+          </a:effectRef>
+          <a:fontRef idx="minor">
+            <a:schemeClr val="tx1"/>
+          </a:fontRef>
+        </p:style>
+      </p:cxnSp>
+      <p:sp>
+        <p:nvSpPr>
+          <p:cNvPr id="31" name="Rectangle 30">
+            <a:extLst>
+              <a:ext uri="{FF2B5EF4-FFF2-40B4-BE49-F238E27FC236}">
+                <a16:creationId xmlns:a16="http://schemas.microsoft.com/office/drawing/2014/main" id="{DB899733-0EF0-49B6-86C1-18327E59ED99}"/>
+              </a:ext>
+            </a:extLst>
+          </p:cNvPr>
+          <p:cNvSpPr/>
+          <p:nvPr/>
+        </p:nvSpPr>
+        <p:spPr>
+          <a:xfrm>
+            <a:off x="7763434" y="1362635"/>
+            <a:ext cx="112056" cy="479612"/>
+          </a:xfrm>
+          <a:prstGeom prst="rect">
+            <a:avLst/>
+          </a:prstGeom>
+        </p:spPr>
+        <p:style>
+          <a:lnRef idx="2">
+            <a:schemeClr val="accent6">
+              <a:shade val="50000"/>
+            </a:schemeClr>
+          </a:lnRef>
+          <a:fillRef idx="1">
+            <a:schemeClr val="accent6"/>
+          </a:fillRef>
+          <a:effectRef idx="0">
+            <a:schemeClr val="accent6"/>
+          </a:effectRef>
+          <a:fontRef idx="minor">
+            <a:schemeClr val="lt1"/>
+          </a:fontRef>
+        </p:style>
+        <p:txBody>
+          <a:bodyPr rtlCol="0" anchor="ctr"/>
+          <a:lstStyle/>
+          <a:p>
+            <a:pPr algn="ctr"/>
+            <a:endParaRPr lang="fr-FR"/>
+          </a:p>
+        </p:txBody>
+      </p:sp>
+      <p:sp>
+        <p:nvSpPr>
+          <p:cNvPr id="32" name="Rectangle 31">
+            <a:extLst>
+              <a:ext uri="{FF2B5EF4-FFF2-40B4-BE49-F238E27FC236}">
+                <a16:creationId xmlns:a16="http://schemas.microsoft.com/office/drawing/2014/main" id="{06D32F66-E35E-4FD5-9012-794E2A8D28E8}"/>
+              </a:ext>
+            </a:extLst>
+          </p:cNvPr>
+          <p:cNvSpPr/>
+          <p:nvPr/>
+        </p:nvSpPr>
+        <p:spPr>
+          <a:xfrm>
+            <a:off x="5526739" y="3314701"/>
+            <a:ext cx="2160494" cy="363070"/>
+          </a:xfrm>
+          <a:prstGeom prst="rect">
+            <a:avLst/>
+          </a:prstGeom>
+        </p:spPr>
+        <p:style>
+          <a:lnRef idx="2">
+            <a:schemeClr val="accent1">
+              <a:shade val="50000"/>
+            </a:schemeClr>
+          </a:lnRef>
+          <a:fillRef idx="1">
+            <a:schemeClr val="accent1"/>
+          </a:fillRef>
+          <a:effectRef idx="0">
+            <a:schemeClr val="accent1"/>
+          </a:effectRef>
+          <a:fontRef idx="minor">
+            <a:schemeClr val="lt1"/>
+          </a:fontRef>
+        </p:style>
+        <p:txBody>
+          <a:bodyPr rtlCol="0" anchor="ctr"/>
+          <a:lstStyle/>
+          <a:p>
+            <a:pPr algn="ctr"/>
+            <a:endParaRPr lang="fr-FR"/>
+          </a:p>
+        </p:txBody>
+      </p:sp>
+      <p:cxnSp>
+        <p:nvCxnSpPr>
+          <p:cNvPr id="33" name="Straight Arrow Connector 32">
+            <a:extLst>
+              <a:ext uri="{FF2B5EF4-FFF2-40B4-BE49-F238E27FC236}">
+                <a16:creationId xmlns:a16="http://schemas.microsoft.com/office/drawing/2014/main" id="{2925E8A6-55B0-4964-9C73-E21913AED96C}"/>
+              </a:ext>
+            </a:extLst>
+          </p:cNvPr>
+          <p:cNvCxnSpPr/>
+          <p:nvPr/>
+        </p:nvCxnSpPr>
+        <p:spPr>
+          <a:xfrm>
+            <a:off x="5643280" y="1961030"/>
+            <a:ext cx="0" cy="1196788"/>
+          </a:xfrm>
+          <a:prstGeom prst="straightConnector1">
+            <a:avLst/>
+          </a:prstGeom>
+          <a:ln w="76200">
+            <a:solidFill>
+              <a:schemeClr val="accent1"/>
+            </a:solidFill>
+            <a:tailEnd type="triangle"/>
+          </a:ln>
+        </p:spPr>
+        <p:style>
+          <a:lnRef idx="1">
+            <a:schemeClr val="accent1"/>
+          </a:lnRef>
+          <a:fillRef idx="0">
+            <a:schemeClr val="accent1"/>
+          </a:fillRef>
+          <a:effectRef idx="0">
+            <a:schemeClr val="accent1"/>
+          </a:effectRef>
+          <a:fontRef idx="minor">
+            <a:schemeClr val="tx1"/>
+          </a:fontRef>
+        </p:style>
+      </p:cxnSp>
+      <p:cxnSp>
+        <p:nvCxnSpPr>
+          <p:cNvPr id="34" name="Straight Arrow Connector 33">
+            <a:extLst>
+              <a:ext uri="{FF2B5EF4-FFF2-40B4-BE49-F238E27FC236}">
+                <a16:creationId xmlns:a16="http://schemas.microsoft.com/office/drawing/2014/main" id="{BF3C62A7-BE3D-424E-B8AB-CB11E66CCB2F}"/>
+              </a:ext>
+            </a:extLst>
+          </p:cNvPr>
+          <p:cNvCxnSpPr/>
+          <p:nvPr/>
+        </p:nvCxnSpPr>
+        <p:spPr>
+          <a:xfrm flipV="1">
+            <a:off x="7633445" y="1961030"/>
+            <a:ext cx="188259" cy="1196788"/>
+          </a:xfrm>
+          <a:prstGeom prst="straightConnector1">
+            <a:avLst/>
+          </a:prstGeom>
+          <a:ln w="76200">
+            <a:solidFill>
+              <a:schemeClr val="accent1"/>
+            </a:solidFill>
+            <a:tailEnd type="triangle"/>
+          </a:ln>
+        </p:spPr>
+        <p:style>
+          <a:lnRef idx="1">
+            <a:schemeClr val="accent1"/>
+          </a:lnRef>
+          <a:fillRef idx="0">
+            <a:schemeClr val="accent1"/>
+          </a:fillRef>
+          <a:effectRef idx="0">
+            <a:schemeClr val="accent1"/>
+          </a:effectRef>
+          <a:fontRef idx="minor">
+            <a:schemeClr val="tx1"/>
+          </a:fontRef>
+        </p:style>
+      </p:cxnSp>
+      <p:cxnSp>
+        <p:nvCxnSpPr>
+          <p:cNvPr id="35" name="Straight Connector 34">
+            <a:extLst>
+              <a:ext uri="{FF2B5EF4-FFF2-40B4-BE49-F238E27FC236}">
+                <a16:creationId xmlns:a16="http://schemas.microsoft.com/office/drawing/2014/main" id="{F43BF3BB-660E-44A6-BBFE-C1EF75E847BE}"/>
+              </a:ext>
+            </a:extLst>
+          </p:cNvPr>
+          <p:cNvCxnSpPr/>
+          <p:nvPr/>
+        </p:nvCxnSpPr>
+        <p:spPr>
+          <a:xfrm>
+            <a:off x="10027019" y="1066800"/>
+            <a:ext cx="0" cy="1165411"/>
+          </a:xfrm>
+          <a:prstGeom prst="line">
+            <a:avLst/>
+          </a:prstGeom>
+          <a:ln w="76200">
+            <a:solidFill>
+              <a:schemeClr val="accent1"/>
+            </a:solidFill>
+          </a:ln>
+        </p:spPr>
+        <p:style>
+          <a:lnRef idx="1">
+            <a:schemeClr val="accent1"/>
+          </a:lnRef>
+          <a:fillRef idx="0">
+            <a:schemeClr val="accent1"/>
+          </a:fillRef>
+          <a:effectRef idx="0">
+            <a:schemeClr val="accent1"/>
+          </a:effectRef>
+          <a:fontRef idx="minor">
+            <a:schemeClr val="tx1"/>
+          </a:fontRef>
+        </p:style>
+      </p:cxnSp>
+      <p:sp>
+        <p:nvSpPr>
+          <p:cNvPr id="36" name="Rectangle 35">
+            <a:extLst>
+              <a:ext uri="{FF2B5EF4-FFF2-40B4-BE49-F238E27FC236}">
+                <a16:creationId xmlns:a16="http://schemas.microsoft.com/office/drawing/2014/main" id="{05881D8F-656C-4133-BFAF-ACA2B58E390A}"/>
+              </a:ext>
+            </a:extLst>
+          </p:cNvPr>
+          <p:cNvSpPr/>
+          <p:nvPr/>
+        </p:nvSpPr>
+        <p:spPr>
+          <a:xfrm>
+            <a:off x="10067362" y="1333499"/>
+            <a:ext cx="112056" cy="479612"/>
+          </a:xfrm>
+          <a:prstGeom prst="rect">
+            <a:avLst/>
+          </a:prstGeom>
+        </p:spPr>
+        <p:style>
+          <a:lnRef idx="2">
+            <a:schemeClr val="accent6">
+              <a:shade val="50000"/>
+            </a:schemeClr>
+          </a:lnRef>
+          <a:fillRef idx="1">
+            <a:schemeClr val="accent6"/>
+          </a:fillRef>
+          <a:effectRef idx="0">
+            <a:schemeClr val="accent6"/>
+          </a:effectRef>
+          <a:fontRef idx="minor">
+            <a:schemeClr val="lt1"/>
+          </a:fontRef>
+        </p:style>
+        <p:txBody>
+          <a:bodyPr rtlCol="0" anchor="ctr"/>
+          <a:lstStyle/>
+          <a:p>
+            <a:pPr algn="ctr"/>
+            <a:endParaRPr lang="fr-FR"/>
+          </a:p>
+        </p:txBody>
+      </p:sp>
+      <p:sp>
+        <p:nvSpPr>
+          <p:cNvPr id="37" name="Rectangle 36">
+            <a:extLst>
+              <a:ext uri="{FF2B5EF4-FFF2-40B4-BE49-F238E27FC236}">
+                <a16:creationId xmlns:a16="http://schemas.microsoft.com/office/drawing/2014/main" id="{517F20CE-455E-406E-B96D-A937ECB8D7F5}"/>
+              </a:ext>
+            </a:extLst>
+          </p:cNvPr>
+          <p:cNvSpPr/>
+          <p:nvPr/>
+        </p:nvSpPr>
+        <p:spPr>
+          <a:xfrm>
+            <a:off x="7830667" y="3285565"/>
+            <a:ext cx="2160494" cy="363070"/>
+          </a:xfrm>
+          <a:prstGeom prst="rect">
+            <a:avLst/>
+          </a:prstGeom>
+        </p:spPr>
+        <p:style>
+          <a:lnRef idx="2">
+            <a:schemeClr val="accent1">
+              <a:shade val="50000"/>
+            </a:schemeClr>
+          </a:lnRef>
+          <a:fillRef idx="1">
+            <a:schemeClr val="accent1"/>
+          </a:fillRef>
+          <a:effectRef idx="0">
+            <a:schemeClr val="accent1"/>
+          </a:effectRef>
+          <a:fontRef idx="minor">
+            <a:schemeClr val="lt1"/>
+          </a:fontRef>
+        </p:style>
+        <p:txBody>
+          <a:bodyPr rtlCol="0" anchor="ctr"/>
+          <a:lstStyle/>
+          <a:p>
+            <a:pPr algn="ctr"/>
+            <a:endParaRPr lang="fr-FR"/>
+          </a:p>
+        </p:txBody>
+      </p:sp>
+      <p:cxnSp>
+        <p:nvCxnSpPr>
+          <p:cNvPr id="38" name="Straight Arrow Connector 37">
+            <a:extLst>
+              <a:ext uri="{FF2B5EF4-FFF2-40B4-BE49-F238E27FC236}">
+                <a16:creationId xmlns:a16="http://schemas.microsoft.com/office/drawing/2014/main" id="{93D8F0B7-138B-4067-A930-F9667291DF4A}"/>
+              </a:ext>
+            </a:extLst>
+          </p:cNvPr>
+          <p:cNvCxnSpPr/>
+          <p:nvPr/>
+        </p:nvCxnSpPr>
+        <p:spPr>
+          <a:xfrm>
+            <a:off x="7947208" y="1931894"/>
+            <a:ext cx="0" cy="1196788"/>
+          </a:xfrm>
+          <a:prstGeom prst="straightConnector1">
+            <a:avLst/>
+          </a:prstGeom>
+          <a:ln w="76200">
+            <a:solidFill>
+              <a:schemeClr val="accent1"/>
+            </a:solidFill>
+            <a:tailEnd type="triangle"/>
+          </a:ln>
+        </p:spPr>
+        <p:style>
+          <a:lnRef idx="1">
+            <a:schemeClr val="accent1"/>
+          </a:lnRef>
+          <a:fillRef idx="0">
+            <a:schemeClr val="accent1"/>
+          </a:fillRef>
+          <a:effectRef idx="0">
+            <a:schemeClr val="accent1"/>
+          </a:effectRef>
+          <a:fontRef idx="minor">
+            <a:schemeClr val="tx1"/>
+          </a:fontRef>
+        </p:style>
+      </p:cxnSp>
+      <p:cxnSp>
+        <p:nvCxnSpPr>
+          <p:cNvPr id="39" name="Straight Arrow Connector 38">
+            <a:extLst>
+              <a:ext uri="{FF2B5EF4-FFF2-40B4-BE49-F238E27FC236}">
+                <a16:creationId xmlns:a16="http://schemas.microsoft.com/office/drawing/2014/main" id="{1CBDFBA2-A496-4BD0-958A-39B3DC844AFE}"/>
+              </a:ext>
+            </a:extLst>
+          </p:cNvPr>
+          <p:cNvCxnSpPr/>
+          <p:nvPr/>
+        </p:nvCxnSpPr>
+        <p:spPr>
+          <a:xfrm flipV="1">
+            <a:off x="9937373" y="1931894"/>
+            <a:ext cx="188259" cy="1196788"/>
+          </a:xfrm>
+          <a:prstGeom prst="straightConnector1">
+            <a:avLst/>
+          </a:prstGeom>
+          <a:ln w="76200">
+            <a:solidFill>
+              <a:schemeClr val="accent1"/>
+            </a:solidFill>
+            <a:tailEnd type="triangle"/>
+          </a:ln>
+        </p:spPr>
+        <p:style>
+          <a:lnRef idx="1">
+            <a:schemeClr val="accent1"/>
+          </a:lnRef>
+          <a:fillRef idx="0">
+            <a:schemeClr val="accent1"/>
+          </a:fillRef>
+          <a:effectRef idx="0">
+            <a:schemeClr val="accent1"/>
+          </a:effectRef>
+          <a:fontRef idx="minor">
+            <a:schemeClr val="tx1"/>
+          </a:fontRef>
+        </p:style>
+      </p:cxnSp>
+      <p:cxnSp>
+        <p:nvCxnSpPr>
+          <p:cNvPr id="40" name="Straight Arrow Connector 39">
+            <a:extLst>
+              <a:ext uri="{FF2B5EF4-FFF2-40B4-BE49-F238E27FC236}">
+                <a16:creationId xmlns:a16="http://schemas.microsoft.com/office/drawing/2014/main" id="{56CC7E38-B573-4431-A586-D66DC7B915A6}"/>
+              </a:ext>
+            </a:extLst>
+          </p:cNvPr>
+          <p:cNvCxnSpPr/>
+          <p:nvPr/>
+        </p:nvCxnSpPr>
+        <p:spPr>
+          <a:xfrm flipV="1">
+            <a:off x="452718" y="4204463"/>
+            <a:ext cx="11465858" cy="62753"/>
+          </a:xfrm>
+          <a:prstGeom prst="straightConnector1">
+            <a:avLst/>
+          </a:prstGeom>
+          <a:ln w="76200">
+            <a:solidFill>
+              <a:schemeClr val="accent1"/>
+            </a:solidFill>
+            <a:tailEnd type="triangle"/>
+          </a:ln>
+        </p:spPr>
+        <p:style>
+          <a:lnRef idx="1">
+            <a:schemeClr val="accent1"/>
+          </a:lnRef>
+          <a:fillRef idx="0">
+            <a:schemeClr val="accent1"/>
+          </a:fillRef>
+          <a:effectRef idx="0">
+            <a:schemeClr val="accent1"/>
+          </a:effectRef>
+          <a:fontRef idx="minor">
+            <a:schemeClr val="tx1"/>
+          </a:fontRef>
+        </p:style>
+      </p:cxnSp>
+      <p:cxnSp>
+        <p:nvCxnSpPr>
+          <p:cNvPr id="41" name="Straight Connector 40">
+            <a:extLst>
+              <a:ext uri="{FF2B5EF4-FFF2-40B4-BE49-F238E27FC236}">
+                <a16:creationId xmlns:a16="http://schemas.microsoft.com/office/drawing/2014/main" id="{685C27CD-4818-4C87-985F-17F08B58CE50}"/>
+              </a:ext>
+            </a:extLst>
+          </p:cNvPr>
+          <p:cNvCxnSpPr/>
+          <p:nvPr/>
+        </p:nvCxnSpPr>
+        <p:spPr>
+          <a:xfrm>
+            <a:off x="1044388" y="3836910"/>
+            <a:ext cx="0" cy="1004047"/>
+          </a:xfrm>
+          <a:prstGeom prst="line">
+            <a:avLst/>
+          </a:prstGeom>
+          <a:ln w="76200">
+            <a:solidFill>
+              <a:schemeClr val="accent1"/>
+            </a:solidFill>
+          </a:ln>
+        </p:spPr>
+        <p:style>
+          <a:lnRef idx="1">
+            <a:schemeClr val="accent1"/>
+          </a:lnRef>
+          <a:fillRef idx="0">
+            <a:schemeClr val="accent1"/>
+          </a:fillRef>
+          <a:effectRef idx="0">
+            <a:schemeClr val="accent1"/>
+          </a:effectRef>
+          <a:fontRef idx="minor">
+            <a:schemeClr val="tx1"/>
+          </a:fontRef>
+        </p:style>
+      </p:cxnSp>
+      <p:sp>
+        <p:nvSpPr>
+          <p:cNvPr id="42" name="Rectangle 41">
+            <a:extLst>
+              <a:ext uri="{FF2B5EF4-FFF2-40B4-BE49-F238E27FC236}">
+                <a16:creationId xmlns:a16="http://schemas.microsoft.com/office/drawing/2014/main" id="{ADA51013-E5EF-487E-8C4F-A5AB7789B7C9}"/>
+              </a:ext>
+            </a:extLst>
+          </p:cNvPr>
+          <p:cNvSpPr/>
+          <p:nvPr/>
+        </p:nvSpPr>
+        <p:spPr>
+          <a:xfrm>
+            <a:off x="1080247" y="4036374"/>
+            <a:ext cx="9435345" cy="470647"/>
+          </a:xfrm>
+          <a:prstGeom prst="rect">
+            <a:avLst/>
+          </a:prstGeom>
+        </p:spPr>
+        <p:style>
+          <a:lnRef idx="2">
+            <a:schemeClr val="accent6">
+              <a:shade val="50000"/>
+            </a:schemeClr>
+          </a:lnRef>
+          <a:fillRef idx="1">
+            <a:schemeClr val="accent6"/>
+          </a:fillRef>
+          <a:effectRef idx="0">
+            <a:schemeClr val="accent6"/>
+          </a:effectRef>
+          <a:fontRef idx="minor">
+            <a:schemeClr val="lt1"/>
+          </a:fontRef>
+        </p:style>
+        <p:txBody>
+          <a:bodyPr rtlCol="0" anchor="ctr"/>
+          <a:lstStyle/>
+          <a:p>
+            <a:pPr algn="ctr"/>
+            <a:endParaRPr lang="fr-FR"/>
+          </a:p>
+        </p:txBody>
+      </p:sp>
+      <p:cxnSp>
+        <p:nvCxnSpPr>
+          <p:cNvPr id="45" name="Straight Arrow Connector 44">
+            <a:extLst>
+              <a:ext uri="{FF2B5EF4-FFF2-40B4-BE49-F238E27FC236}">
+                <a16:creationId xmlns:a16="http://schemas.microsoft.com/office/drawing/2014/main" id="{73B5ECD4-555C-4F95-87B9-92504F06A129}"/>
+              </a:ext>
+            </a:extLst>
+          </p:cNvPr>
+          <p:cNvCxnSpPr/>
+          <p:nvPr/>
+        </p:nvCxnSpPr>
+        <p:spPr>
+          <a:xfrm flipV="1">
+            <a:off x="452718" y="6131875"/>
+            <a:ext cx="11465858" cy="62753"/>
+          </a:xfrm>
+          <a:prstGeom prst="straightConnector1">
+            <a:avLst/>
+          </a:prstGeom>
+          <a:ln w="76200">
+            <a:solidFill>
+              <a:schemeClr val="accent1"/>
+            </a:solidFill>
+            <a:tailEnd type="triangle"/>
+          </a:ln>
+        </p:spPr>
+        <p:style>
+          <a:lnRef idx="1">
+            <a:schemeClr val="accent1"/>
+          </a:lnRef>
+          <a:fillRef idx="0">
+            <a:schemeClr val="accent1"/>
+          </a:fillRef>
+          <a:effectRef idx="0">
+            <a:schemeClr val="accent1"/>
+          </a:effectRef>
+          <a:fontRef idx="minor">
+            <a:schemeClr val="tx1"/>
+          </a:fontRef>
+        </p:style>
+      </p:cxnSp>
+      <p:sp>
+        <p:nvSpPr>
+          <p:cNvPr id="46" name="Rectangle 45">
+            <a:extLst>
+              <a:ext uri="{FF2B5EF4-FFF2-40B4-BE49-F238E27FC236}">
+                <a16:creationId xmlns:a16="http://schemas.microsoft.com/office/drawing/2014/main" id="{30E49E53-873C-435D-8DFB-1C849AB11E2E}"/>
+              </a:ext>
+            </a:extLst>
+          </p:cNvPr>
+          <p:cNvSpPr/>
+          <p:nvPr/>
+        </p:nvSpPr>
+        <p:spPr>
+          <a:xfrm>
+            <a:off x="1080247" y="5988440"/>
+            <a:ext cx="2160494" cy="363070"/>
+          </a:xfrm>
+          <a:prstGeom prst="rect">
+            <a:avLst/>
+          </a:prstGeom>
+        </p:spPr>
+        <p:style>
+          <a:lnRef idx="2">
+            <a:schemeClr val="accent1">
+              <a:shade val="50000"/>
+            </a:schemeClr>
+          </a:lnRef>
+          <a:fillRef idx="1">
+            <a:schemeClr val="accent1"/>
+          </a:fillRef>
+          <a:effectRef idx="0">
+            <a:schemeClr val="accent1"/>
+          </a:effectRef>
+          <a:fontRef idx="minor">
+            <a:schemeClr val="lt1"/>
+          </a:fontRef>
+        </p:style>
+        <p:txBody>
+          <a:bodyPr rtlCol="0" anchor="ctr"/>
+          <a:lstStyle/>
+          <a:p>
+            <a:pPr algn="ctr"/>
+            <a:endParaRPr lang="fr-FR"/>
+          </a:p>
+        </p:txBody>
+      </p:sp>
+      <p:cxnSp>
+        <p:nvCxnSpPr>
+          <p:cNvPr id="47" name="Straight Arrow Connector 46">
+            <a:extLst>
+              <a:ext uri="{FF2B5EF4-FFF2-40B4-BE49-F238E27FC236}">
+                <a16:creationId xmlns:a16="http://schemas.microsoft.com/office/drawing/2014/main" id="{A7DC85A7-D25C-4C67-AABF-07170A2B9DA5}"/>
+              </a:ext>
+            </a:extLst>
+          </p:cNvPr>
+          <p:cNvCxnSpPr/>
+          <p:nvPr/>
+        </p:nvCxnSpPr>
+        <p:spPr>
+          <a:xfrm>
+            <a:off x="1196788" y="4634769"/>
+            <a:ext cx="0" cy="1196788"/>
+          </a:xfrm>
+          <a:prstGeom prst="straightConnector1">
+            <a:avLst/>
+          </a:prstGeom>
+          <a:ln w="76200">
+            <a:solidFill>
+              <a:schemeClr val="accent1"/>
+            </a:solidFill>
+            <a:tailEnd type="triangle"/>
+          </a:ln>
+        </p:spPr>
+        <p:style>
+          <a:lnRef idx="1">
+            <a:schemeClr val="accent1"/>
+          </a:lnRef>
+          <a:fillRef idx="0">
+            <a:schemeClr val="accent1"/>
+          </a:fillRef>
+          <a:effectRef idx="0">
+            <a:schemeClr val="accent1"/>
+          </a:effectRef>
+          <a:fontRef idx="minor">
+            <a:schemeClr val="tx1"/>
+          </a:fontRef>
+        </p:style>
+      </p:cxnSp>
+      <p:cxnSp>
+        <p:nvCxnSpPr>
+          <p:cNvPr id="48" name="Straight Arrow Connector 47">
+            <a:extLst>
+              <a:ext uri="{FF2B5EF4-FFF2-40B4-BE49-F238E27FC236}">
+                <a16:creationId xmlns:a16="http://schemas.microsoft.com/office/drawing/2014/main" id="{44AD6FC5-F3E2-4D27-A807-D74F03827BF3}"/>
+              </a:ext>
+            </a:extLst>
+          </p:cNvPr>
+          <p:cNvCxnSpPr/>
+          <p:nvPr/>
+        </p:nvCxnSpPr>
+        <p:spPr>
+          <a:xfrm flipV="1">
+            <a:off x="3186953" y="4634769"/>
+            <a:ext cx="188259" cy="1196788"/>
+          </a:xfrm>
+          <a:prstGeom prst="straightConnector1">
+            <a:avLst/>
+          </a:prstGeom>
+          <a:ln w="76200">
+            <a:solidFill>
+              <a:schemeClr val="accent1"/>
+            </a:solidFill>
+            <a:tailEnd type="triangle"/>
+          </a:ln>
+        </p:spPr>
+        <p:style>
+          <a:lnRef idx="1">
+            <a:schemeClr val="accent1"/>
+          </a:lnRef>
+          <a:fillRef idx="0">
+            <a:schemeClr val="accent1"/>
+          </a:fillRef>
+          <a:effectRef idx="0">
+            <a:schemeClr val="accent1"/>
+          </a:effectRef>
+          <a:fontRef idx="minor">
+            <a:schemeClr val="tx1"/>
+          </a:fontRef>
+        </p:style>
+      </p:cxnSp>
+      <p:sp>
+        <p:nvSpPr>
+          <p:cNvPr id="51" name="Rectangle 50">
+            <a:extLst>
+              <a:ext uri="{FF2B5EF4-FFF2-40B4-BE49-F238E27FC236}">
+                <a16:creationId xmlns:a16="http://schemas.microsoft.com/office/drawing/2014/main" id="{D8F5635F-4F2C-4830-B618-EFB9376FA150}"/>
+              </a:ext>
+            </a:extLst>
+          </p:cNvPr>
+          <p:cNvSpPr/>
+          <p:nvPr/>
+        </p:nvSpPr>
+        <p:spPr>
+          <a:xfrm>
+            <a:off x="3393140" y="6017576"/>
+            <a:ext cx="2160494" cy="363070"/>
+          </a:xfrm>
+          <a:prstGeom prst="rect">
+            <a:avLst/>
+          </a:prstGeom>
+        </p:spPr>
+        <p:style>
+          <a:lnRef idx="2">
+            <a:schemeClr val="accent1">
+              <a:shade val="50000"/>
+            </a:schemeClr>
+          </a:lnRef>
+          <a:fillRef idx="1">
+            <a:schemeClr val="accent1"/>
+          </a:fillRef>
+          <a:effectRef idx="0">
+            <a:schemeClr val="accent1"/>
+          </a:effectRef>
+          <a:fontRef idx="minor">
+            <a:schemeClr val="lt1"/>
+          </a:fontRef>
+        </p:style>
+        <p:txBody>
+          <a:bodyPr rtlCol="0" anchor="ctr"/>
+          <a:lstStyle/>
+          <a:p>
+            <a:pPr algn="ctr"/>
+            <a:endParaRPr lang="fr-FR"/>
+          </a:p>
+        </p:txBody>
+      </p:sp>
+      <p:cxnSp>
+        <p:nvCxnSpPr>
+          <p:cNvPr id="52" name="Straight Arrow Connector 51">
+            <a:extLst>
+              <a:ext uri="{FF2B5EF4-FFF2-40B4-BE49-F238E27FC236}">
+                <a16:creationId xmlns:a16="http://schemas.microsoft.com/office/drawing/2014/main" id="{2293386B-6ED4-42CE-AF87-784E0E194F3B}"/>
+              </a:ext>
+            </a:extLst>
+          </p:cNvPr>
+          <p:cNvCxnSpPr/>
+          <p:nvPr/>
+        </p:nvCxnSpPr>
+        <p:spPr>
+          <a:xfrm>
+            <a:off x="3509681" y="4663905"/>
+            <a:ext cx="0" cy="1196788"/>
+          </a:xfrm>
+          <a:prstGeom prst="straightConnector1">
+            <a:avLst/>
+          </a:prstGeom>
+          <a:ln w="76200">
+            <a:solidFill>
+              <a:schemeClr val="accent1"/>
+            </a:solidFill>
+            <a:tailEnd type="triangle"/>
+          </a:ln>
+        </p:spPr>
+        <p:style>
+          <a:lnRef idx="1">
+            <a:schemeClr val="accent1"/>
+          </a:lnRef>
+          <a:fillRef idx="0">
+            <a:schemeClr val="accent1"/>
+          </a:fillRef>
+          <a:effectRef idx="0">
+            <a:schemeClr val="accent1"/>
+          </a:effectRef>
+          <a:fontRef idx="minor">
+            <a:schemeClr val="tx1"/>
+          </a:fontRef>
+        </p:style>
+      </p:cxnSp>
+      <p:cxnSp>
+        <p:nvCxnSpPr>
+          <p:cNvPr id="53" name="Straight Arrow Connector 52">
+            <a:extLst>
+              <a:ext uri="{FF2B5EF4-FFF2-40B4-BE49-F238E27FC236}">
+                <a16:creationId xmlns:a16="http://schemas.microsoft.com/office/drawing/2014/main" id="{8EE8DA49-B6EB-4527-9DDC-4D40F65589CD}"/>
+              </a:ext>
+            </a:extLst>
+          </p:cNvPr>
+          <p:cNvCxnSpPr/>
+          <p:nvPr/>
+        </p:nvCxnSpPr>
+        <p:spPr>
+          <a:xfrm flipV="1">
+            <a:off x="5499846" y="4663905"/>
+            <a:ext cx="188259" cy="1196788"/>
+          </a:xfrm>
+          <a:prstGeom prst="straightConnector1">
+            <a:avLst/>
+          </a:prstGeom>
+          <a:ln w="76200">
+            <a:solidFill>
+              <a:schemeClr val="accent1"/>
+            </a:solidFill>
+            <a:tailEnd type="triangle"/>
+          </a:ln>
+        </p:spPr>
+        <p:style>
+          <a:lnRef idx="1">
+            <a:schemeClr val="accent1"/>
+          </a:lnRef>
+          <a:fillRef idx="0">
+            <a:schemeClr val="accent1"/>
+          </a:fillRef>
+          <a:effectRef idx="0">
+            <a:schemeClr val="accent1"/>
+          </a:effectRef>
+          <a:fontRef idx="minor">
+            <a:schemeClr val="tx1"/>
+          </a:fontRef>
+        </p:style>
+      </p:cxnSp>
+      <p:sp>
+        <p:nvSpPr>
+          <p:cNvPr id="56" name="Rectangle 55">
+            <a:extLst>
+              <a:ext uri="{FF2B5EF4-FFF2-40B4-BE49-F238E27FC236}">
+                <a16:creationId xmlns:a16="http://schemas.microsoft.com/office/drawing/2014/main" id="{9845EE3C-4D6C-41ED-A22E-E1A4266B0CE9}"/>
+              </a:ext>
+            </a:extLst>
+          </p:cNvPr>
+          <p:cNvSpPr/>
+          <p:nvPr/>
+        </p:nvSpPr>
+        <p:spPr>
+          <a:xfrm>
+            <a:off x="5679139" y="6017576"/>
+            <a:ext cx="2160494" cy="363070"/>
+          </a:xfrm>
+          <a:prstGeom prst="rect">
+            <a:avLst/>
+          </a:prstGeom>
+        </p:spPr>
+        <p:style>
+          <a:lnRef idx="2">
+            <a:schemeClr val="accent1">
+              <a:shade val="50000"/>
+            </a:schemeClr>
+          </a:lnRef>
+          <a:fillRef idx="1">
+            <a:schemeClr val="accent1"/>
+          </a:fillRef>
+          <a:effectRef idx="0">
+            <a:schemeClr val="accent1"/>
+          </a:effectRef>
+          <a:fontRef idx="minor">
+            <a:schemeClr val="lt1"/>
+          </a:fontRef>
+        </p:style>
+        <p:txBody>
+          <a:bodyPr rtlCol="0" anchor="ctr"/>
+          <a:lstStyle/>
+          <a:p>
+            <a:pPr algn="ctr"/>
+            <a:endParaRPr lang="fr-FR"/>
+          </a:p>
+        </p:txBody>
+      </p:sp>
+      <p:cxnSp>
+        <p:nvCxnSpPr>
+          <p:cNvPr id="57" name="Straight Arrow Connector 56">
+            <a:extLst>
+              <a:ext uri="{FF2B5EF4-FFF2-40B4-BE49-F238E27FC236}">
+                <a16:creationId xmlns:a16="http://schemas.microsoft.com/office/drawing/2014/main" id="{8ADA1D2D-C836-4168-A125-5A9CFB08E868}"/>
+              </a:ext>
+            </a:extLst>
+          </p:cNvPr>
+          <p:cNvCxnSpPr/>
+          <p:nvPr/>
+        </p:nvCxnSpPr>
+        <p:spPr>
+          <a:xfrm>
+            <a:off x="5795680" y="4663905"/>
+            <a:ext cx="0" cy="1196788"/>
+          </a:xfrm>
+          <a:prstGeom prst="straightConnector1">
+            <a:avLst/>
+          </a:prstGeom>
+          <a:ln w="76200">
+            <a:solidFill>
+              <a:schemeClr val="accent1"/>
+            </a:solidFill>
+            <a:tailEnd type="triangle"/>
+          </a:ln>
+        </p:spPr>
+        <p:style>
+          <a:lnRef idx="1">
+            <a:schemeClr val="accent1"/>
+          </a:lnRef>
+          <a:fillRef idx="0">
+            <a:schemeClr val="accent1"/>
+          </a:fillRef>
+          <a:effectRef idx="0">
+            <a:schemeClr val="accent1"/>
+          </a:effectRef>
+          <a:fontRef idx="minor">
+            <a:schemeClr val="tx1"/>
+          </a:fontRef>
+        </p:style>
+      </p:cxnSp>
+      <p:cxnSp>
+        <p:nvCxnSpPr>
+          <p:cNvPr id="58" name="Straight Arrow Connector 57">
+            <a:extLst>
+              <a:ext uri="{FF2B5EF4-FFF2-40B4-BE49-F238E27FC236}">
+                <a16:creationId xmlns:a16="http://schemas.microsoft.com/office/drawing/2014/main" id="{25D3E7F4-F9AB-4400-9233-338306007990}"/>
+              </a:ext>
+            </a:extLst>
+          </p:cNvPr>
+          <p:cNvCxnSpPr/>
+          <p:nvPr/>
+        </p:nvCxnSpPr>
+        <p:spPr>
+          <a:xfrm flipV="1">
+            <a:off x="7785845" y="4663905"/>
+            <a:ext cx="188259" cy="1196788"/>
+          </a:xfrm>
+          <a:prstGeom prst="straightConnector1">
+            <a:avLst/>
+          </a:prstGeom>
+          <a:ln w="76200">
+            <a:solidFill>
+              <a:schemeClr val="accent1"/>
+            </a:solidFill>
+            <a:tailEnd type="triangle"/>
+          </a:ln>
+        </p:spPr>
+        <p:style>
+          <a:lnRef idx="1">
+            <a:schemeClr val="accent1"/>
+          </a:lnRef>
+          <a:fillRef idx="0">
+            <a:schemeClr val="accent1"/>
+          </a:fillRef>
+          <a:effectRef idx="0">
+            <a:schemeClr val="accent1"/>
+          </a:effectRef>
+          <a:fontRef idx="minor">
+            <a:schemeClr val="tx1"/>
+          </a:fontRef>
+        </p:style>
+      </p:cxnSp>
+      <p:sp>
+        <p:nvSpPr>
+          <p:cNvPr id="61" name="Rectangle 60">
+            <a:extLst>
+              <a:ext uri="{FF2B5EF4-FFF2-40B4-BE49-F238E27FC236}">
+                <a16:creationId xmlns:a16="http://schemas.microsoft.com/office/drawing/2014/main" id="{96337D1F-915D-4D7D-85FA-410899044894}"/>
+              </a:ext>
+            </a:extLst>
+          </p:cNvPr>
+          <p:cNvSpPr/>
+          <p:nvPr/>
+        </p:nvSpPr>
+        <p:spPr>
+          <a:xfrm>
+            <a:off x="7983067" y="5988440"/>
+            <a:ext cx="2160494" cy="363070"/>
+          </a:xfrm>
+          <a:prstGeom prst="rect">
+            <a:avLst/>
+          </a:prstGeom>
+        </p:spPr>
+        <p:style>
+          <a:lnRef idx="2">
+            <a:schemeClr val="accent1">
+              <a:shade val="50000"/>
+            </a:schemeClr>
+          </a:lnRef>
+          <a:fillRef idx="1">
+            <a:schemeClr val="accent1"/>
+          </a:fillRef>
+          <a:effectRef idx="0">
+            <a:schemeClr val="accent1"/>
+          </a:effectRef>
+          <a:fontRef idx="minor">
+            <a:schemeClr val="lt1"/>
+          </a:fontRef>
+        </p:style>
+        <p:txBody>
+          <a:bodyPr rtlCol="0" anchor="ctr"/>
+          <a:lstStyle/>
+          <a:p>
+            <a:pPr algn="ctr"/>
+            <a:endParaRPr lang="fr-FR"/>
+          </a:p>
+        </p:txBody>
+      </p:sp>
+      <p:cxnSp>
+        <p:nvCxnSpPr>
+          <p:cNvPr id="62" name="Straight Arrow Connector 61">
+            <a:extLst>
+              <a:ext uri="{FF2B5EF4-FFF2-40B4-BE49-F238E27FC236}">
+                <a16:creationId xmlns:a16="http://schemas.microsoft.com/office/drawing/2014/main" id="{F4823145-0047-49A8-AB8A-367862175A56}"/>
+              </a:ext>
+            </a:extLst>
+          </p:cNvPr>
+          <p:cNvCxnSpPr/>
+          <p:nvPr/>
+        </p:nvCxnSpPr>
+        <p:spPr>
+          <a:xfrm>
+            <a:off x="8099608" y="4634769"/>
+            <a:ext cx="0" cy="1196788"/>
+          </a:xfrm>
+          <a:prstGeom prst="straightConnector1">
+            <a:avLst/>
+          </a:prstGeom>
+          <a:ln w="76200">
+            <a:solidFill>
+              <a:schemeClr val="accent1"/>
+            </a:solidFill>
+            <a:tailEnd type="triangle"/>
+          </a:ln>
+        </p:spPr>
+        <p:style>
+          <a:lnRef idx="1">
+            <a:schemeClr val="accent1"/>
+          </a:lnRef>
+          <a:fillRef idx="0">
+            <a:schemeClr val="accent1"/>
+          </a:fillRef>
+          <a:effectRef idx="0">
+            <a:schemeClr val="accent1"/>
+          </a:effectRef>
+          <a:fontRef idx="minor">
+            <a:schemeClr val="tx1"/>
+          </a:fontRef>
+        </p:style>
+      </p:cxnSp>
+      <p:cxnSp>
+        <p:nvCxnSpPr>
+          <p:cNvPr id="63" name="Straight Arrow Connector 62">
+            <a:extLst>
+              <a:ext uri="{FF2B5EF4-FFF2-40B4-BE49-F238E27FC236}">
+                <a16:creationId xmlns:a16="http://schemas.microsoft.com/office/drawing/2014/main" id="{92EFF546-CD72-40B5-B670-D94F7CB8F605}"/>
+              </a:ext>
+            </a:extLst>
+          </p:cNvPr>
+          <p:cNvCxnSpPr/>
+          <p:nvPr/>
+        </p:nvCxnSpPr>
+        <p:spPr>
+          <a:xfrm flipV="1">
+            <a:off x="10089773" y="4634769"/>
+            <a:ext cx="188259" cy="1196788"/>
+          </a:xfrm>
+          <a:prstGeom prst="straightConnector1">
+            <a:avLst/>
+          </a:prstGeom>
+          <a:ln w="76200">
+            <a:solidFill>
+              <a:schemeClr val="accent1"/>
+            </a:solidFill>
+            <a:tailEnd type="triangle"/>
+          </a:ln>
+        </p:spPr>
+        <p:style>
+          <a:lnRef idx="1">
+            <a:schemeClr val="accent1"/>
+          </a:lnRef>
+          <a:fillRef idx="0">
+            <a:schemeClr val="accent1"/>
+          </a:fillRef>
+          <a:effectRef idx="0">
+            <a:schemeClr val="accent1"/>
+          </a:effectRef>
+          <a:fontRef idx="minor">
+            <a:schemeClr val="tx1"/>
+          </a:fontRef>
+        </p:style>
+      </p:cxnSp>
+      <p:cxnSp>
+        <p:nvCxnSpPr>
+          <p:cNvPr id="65" name="Straight Connector 64">
+            <a:extLst>
+              <a:ext uri="{FF2B5EF4-FFF2-40B4-BE49-F238E27FC236}">
+                <a16:creationId xmlns:a16="http://schemas.microsoft.com/office/drawing/2014/main" id="{A99743D1-1D03-4BF3-B70C-06421E3939FA}"/>
+              </a:ext>
+            </a:extLst>
+          </p:cNvPr>
+          <p:cNvCxnSpPr/>
+          <p:nvPr/>
+        </p:nvCxnSpPr>
+        <p:spPr>
+          <a:xfrm>
+            <a:off x="4141694" y="506506"/>
+            <a:ext cx="0" cy="2115670"/>
+          </a:xfrm>
+          <a:prstGeom prst="line">
+            <a:avLst/>
+          </a:prstGeom>
+          <a:ln w="76200">
+            <a:solidFill>
+              <a:schemeClr val="accent1"/>
+            </a:solidFill>
+          </a:ln>
+        </p:spPr>
+        <p:style>
+          <a:lnRef idx="1">
+            <a:schemeClr val="accent1"/>
+          </a:lnRef>
+          <a:fillRef idx="0">
+            <a:schemeClr val="accent1"/>
+          </a:fillRef>
+          <a:effectRef idx="0">
+            <a:schemeClr val="accent1"/>
+          </a:effectRef>
+          <a:fontRef idx="minor">
+            <a:schemeClr val="tx1"/>
+          </a:fontRef>
+        </p:style>
+      </p:cxnSp>
+    </p:spTree>
+    <p:extLst>
+      <p:ext uri="{BB962C8B-B14F-4D97-AF65-F5344CB8AC3E}">
+        <p14:creationId xmlns:p14="http://schemas.microsoft.com/office/powerpoint/2010/main" val="1113379706"/>
+      </p:ext>
+    </p:extLst>
+  </p:cSld>
+  <p:clrMapOvr>
+    <a:masterClrMapping/>
+  </p:clrMapOvr>
+</p:sld>
+</file>
+
+<file path=ppt/slides/slide17.xml><?xml version="1.0" encoding="utf-8"?>
+<p:sld xmlns:a="http://schemas.openxmlformats.org/drawingml/2006/main" xmlns:r="http://schemas.openxmlformats.org/officeDocument/2006/relationships" xmlns:p="http://schemas.openxmlformats.org/presentationml/2006/main">
+  <p:cSld>
+    <p:spTree>
+      <p:nvGrpSpPr>
+        <p:cNvPr id="1" name=""/>
+        <p:cNvGrpSpPr/>
+        <p:nvPr/>
+      </p:nvGrpSpPr>
+      <p:grpSpPr>
+        <a:xfrm>
+          <a:off x="0" y="0"/>
+          <a:ext cx="0" cy="0"/>
+          <a:chOff x="0" y="0"/>
+          <a:chExt cx="0" cy="0"/>
+        </a:xfrm>
+      </p:grpSpPr>
+      <p:sp>
+        <p:nvSpPr>
+          <p:cNvPr id="2" name="Title 1">
+            <a:extLst>
+              <a:ext uri="{FF2B5EF4-FFF2-40B4-BE49-F238E27FC236}">
+                <a16:creationId xmlns:a16="http://schemas.microsoft.com/office/drawing/2014/main" id="{0AC0E428-E97C-4ED1-BE20-9C9F60093E5C}"/>
               </a:ext>
             </a:extLst>
           </p:cNvPr>
@@ -7407,109 +10785,2366 @@
             <a:spLocks noGrp="1"/>
           </p:cNvSpPr>
           <p:nvPr>
-            <p:ph idx="1"/>
+            <p:ph type="title"/>
           </p:nvPr>
         </p:nvSpPr>
         <p:spPr/>
         <p:txBody>
-          <a:bodyPr>
-            <a:normAutofit/>
+          <a:bodyPr/>
+          <a:lstStyle/>
+          <a:p>
+            <a:r>
+              <a:rPr lang="fr-FR" dirty="0"/>
+              <a:t>OAuth2</a:t>
+            </a:r>
+          </a:p>
+        </p:txBody>
+      </p:sp>
+      <p:cxnSp>
+        <p:nvCxnSpPr>
+          <p:cNvPr id="5" name="Straight Arrow Connector 4">
+            <a:extLst>
+              <a:ext uri="{FF2B5EF4-FFF2-40B4-BE49-F238E27FC236}">
+                <a16:creationId xmlns:a16="http://schemas.microsoft.com/office/drawing/2014/main" id="{0BF15ABC-CB88-4BBF-812F-63FCC6691CBF}"/>
+              </a:ext>
+            </a:extLst>
+          </p:cNvPr>
+          <p:cNvCxnSpPr/>
+          <p:nvPr/>
+        </p:nvCxnSpPr>
+        <p:spPr>
+          <a:xfrm>
+            <a:off x="1896035" y="1869141"/>
+            <a:ext cx="0" cy="4612341"/>
+          </a:xfrm>
+          <a:prstGeom prst="straightConnector1">
+            <a:avLst/>
+          </a:prstGeom>
+          <a:ln w="28575">
+            <a:solidFill>
+              <a:schemeClr val="accent1"/>
+            </a:solidFill>
+            <a:tailEnd type="triangle"/>
+          </a:ln>
+        </p:spPr>
+        <p:style>
+          <a:lnRef idx="1">
+            <a:schemeClr val="accent1"/>
+          </a:lnRef>
+          <a:fillRef idx="0">
+            <a:schemeClr val="accent1"/>
+          </a:fillRef>
+          <a:effectRef idx="0">
+            <a:schemeClr val="accent1"/>
+          </a:effectRef>
+          <a:fontRef idx="minor">
+            <a:schemeClr val="tx1"/>
+          </a:fontRef>
+        </p:style>
+      </p:cxnSp>
+      <p:cxnSp>
+        <p:nvCxnSpPr>
+          <p:cNvPr id="6" name="Straight Arrow Connector 5">
+            <a:extLst>
+              <a:ext uri="{FF2B5EF4-FFF2-40B4-BE49-F238E27FC236}">
+                <a16:creationId xmlns:a16="http://schemas.microsoft.com/office/drawing/2014/main" id="{786B93AD-0070-4B6E-997B-BBE081B08B90}"/>
+              </a:ext>
+            </a:extLst>
+          </p:cNvPr>
+          <p:cNvCxnSpPr/>
+          <p:nvPr/>
+        </p:nvCxnSpPr>
+        <p:spPr>
+          <a:xfrm>
+            <a:off x="5392271" y="1904999"/>
+            <a:ext cx="0" cy="4612341"/>
+          </a:xfrm>
+          <a:prstGeom prst="straightConnector1">
+            <a:avLst/>
+          </a:prstGeom>
+          <a:ln w="28575">
+            <a:solidFill>
+              <a:schemeClr val="accent1"/>
+            </a:solidFill>
+            <a:tailEnd type="triangle"/>
+          </a:ln>
+        </p:spPr>
+        <p:style>
+          <a:lnRef idx="1">
+            <a:schemeClr val="accent1"/>
+          </a:lnRef>
+          <a:fillRef idx="0">
+            <a:schemeClr val="accent1"/>
+          </a:fillRef>
+          <a:effectRef idx="0">
+            <a:schemeClr val="accent1"/>
+          </a:effectRef>
+          <a:fontRef idx="minor">
+            <a:schemeClr val="tx1"/>
+          </a:fontRef>
+        </p:style>
+      </p:cxnSp>
+      <p:cxnSp>
+        <p:nvCxnSpPr>
+          <p:cNvPr id="7" name="Straight Arrow Connector 6">
+            <a:extLst>
+              <a:ext uri="{FF2B5EF4-FFF2-40B4-BE49-F238E27FC236}">
+                <a16:creationId xmlns:a16="http://schemas.microsoft.com/office/drawing/2014/main" id="{C79D709D-2378-4EE9-B905-E08D565E28E8}"/>
+              </a:ext>
+            </a:extLst>
+          </p:cNvPr>
+          <p:cNvCxnSpPr/>
+          <p:nvPr/>
+        </p:nvCxnSpPr>
+        <p:spPr>
+          <a:xfrm>
+            <a:off x="8646460" y="1904998"/>
+            <a:ext cx="0" cy="4612341"/>
+          </a:xfrm>
+          <a:prstGeom prst="straightConnector1">
+            <a:avLst/>
+          </a:prstGeom>
+          <a:ln w="28575">
+            <a:solidFill>
+              <a:schemeClr val="accent1"/>
+            </a:solidFill>
+            <a:tailEnd type="triangle"/>
+          </a:ln>
+        </p:spPr>
+        <p:style>
+          <a:lnRef idx="1">
+            <a:schemeClr val="accent1"/>
+          </a:lnRef>
+          <a:fillRef idx="0">
+            <a:schemeClr val="accent1"/>
+          </a:fillRef>
+          <a:effectRef idx="0">
+            <a:schemeClr val="accent1"/>
+          </a:effectRef>
+          <a:fontRef idx="minor">
+            <a:schemeClr val="tx1"/>
+          </a:fontRef>
+        </p:style>
+      </p:cxnSp>
+      <p:sp>
+        <p:nvSpPr>
+          <p:cNvPr id="8" name="TextBox 7">
+            <a:extLst>
+              <a:ext uri="{FF2B5EF4-FFF2-40B4-BE49-F238E27FC236}">
+                <a16:creationId xmlns:a16="http://schemas.microsoft.com/office/drawing/2014/main" id="{B36997F6-A377-4247-8E69-F4384D3110AF}"/>
+              </a:ext>
+            </a:extLst>
+          </p:cNvPr>
+          <p:cNvSpPr txBox="1"/>
+          <p:nvPr/>
+        </p:nvSpPr>
+        <p:spPr>
+          <a:xfrm>
+            <a:off x="7505054" y="1219186"/>
+            <a:ext cx="2116605" cy="646331"/>
+          </a:xfrm>
+          <a:prstGeom prst="rect">
+            <a:avLst/>
+          </a:prstGeom>
+          <a:noFill/>
+        </p:spPr>
+        <p:txBody>
+          <a:bodyPr wrap="none" rtlCol="0">
+            <a:spAutoFit/>
           </a:bodyPr>
           <a:lstStyle/>
           <a:p>
             <a:r>
-              <a:rPr lang="fr-FR" dirty="0">
-                <a:hlinkClick r:id="rId2"/>
-              </a:rPr>
-              <a:t>https://refactoring.guru/refactoring</a:t>
+              <a:rPr lang="fr-FR" dirty="0" err="1"/>
+              <a:t>Authorization</a:t>
+            </a:r>
+            <a:r>
+              <a:rPr lang="fr-FR" dirty="0"/>
+              <a:t> Server</a:t>
+            </a:r>
+          </a:p>
+          <a:p>
+            <a:r>
+              <a:rPr lang="fr-FR" dirty="0"/>
+              <a:t>(ex: Azure AD)</a:t>
+            </a:r>
+          </a:p>
+        </p:txBody>
+      </p:sp>
+      <p:cxnSp>
+        <p:nvCxnSpPr>
+          <p:cNvPr id="9" name="Straight Arrow Connector 8">
+            <a:extLst>
+              <a:ext uri="{FF2B5EF4-FFF2-40B4-BE49-F238E27FC236}">
+                <a16:creationId xmlns:a16="http://schemas.microsoft.com/office/drawing/2014/main" id="{4104B67A-9126-4518-A0AC-CC1C2F5B6259}"/>
+              </a:ext>
+            </a:extLst>
+          </p:cNvPr>
+          <p:cNvCxnSpPr/>
+          <p:nvPr/>
+        </p:nvCxnSpPr>
+        <p:spPr>
+          <a:xfrm>
+            <a:off x="11304496" y="1904998"/>
+            <a:ext cx="0" cy="4612341"/>
+          </a:xfrm>
+          <a:prstGeom prst="straightConnector1">
+            <a:avLst/>
+          </a:prstGeom>
+          <a:ln w="28575">
+            <a:solidFill>
+              <a:schemeClr val="accent1"/>
+            </a:solidFill>
+            <a:tailEnd type="triangle"/>
+          </a:ln>
+        </p:spPr>
+        <p:style>
+          <a:lnRef idx="1">
+            <a:schemeClr val="accent1"/>
+          </a:lnRef>
+          <a:fillRef idx="0">
+            <a:schemeClr val="accent1"/>
+          </a:fillRef>
+          <a:effectRef idx="0">
+            <a:schemeClr val="accent1"/>
+          </a:effectRef>
+          <a:fontRef idx="minor">
+            <a:schemeClr val="tx1"/>
+          </a:fontRef>
+        </p:style>
+      </p:cxnSp>
+      <p:sp>
+        <p:nvSpPr>
+          <p:cNvPr id="10" name="TextBox 9">
+            <a:extLst>
+              <a:ext uri="{FF2B5EF4-FFF2-40B4-BE49-F238E27FC236}">
+                <a16:creationId xmlns:a16="http://schemas.microsoft.com/office/drawing/2014/main" id="{398BB401-EE1E-4DEB-A2F4-94B6A76EF6D8}"/>
+              </a:ext>
+            </a:extLst>
+          </p:cNvPr>
+          <p:cNvSpPr txBox="1"/>
+          <p:nvPr/>
+        </p:nvSpPr>
+        <p:spPr>
+          <a:xfrm>
+            <a:off x="10438425" y="1225917"/>
+            <a:ext cx="1732141" cy="646331"/>
+          </a:xfrm>
+          <a:prstGeom prst="rect">
+            <a:avLst/>
+          </a:prstGeom>
+          <a:noFill/>
+        </p:spPr>
+        <p:txBody>
+          <a:bodyPr wrap="none" rtlCol="0">
+            <a:spAutoFit/>
+          </a:bodyPr>
+          <a:lstStyle/>
+          <a:p>
+            <a:r>
+              <a:rPr lang="fr-FR" dirty="0"/>
+              <a:t>Resource </a:t>
+            </a:r>
+            <a:r>
+              <a:rPr lang="fr-FR" dirty="0" err="1"/>
+              <a:t>Owner</a:t>
             </a:r>
             <a:endParaRPr lang="fr-FR" dirty="0"/>
           </a:p>
           <a:p>
             <a:r>
-              <a:rPr lang="fr-FR" dirty="0">
-                <a:hlinkClick r:id="rId3"/>
-              </a:rPr>
-              <a:t>https://www.conventionalcommits.org/en/v1.0.0/</a:t>
+              <a:rPr lang="fr-FR" dirty="0"/>
+              <a:t>(ex: Azure AD)</a:t>
+            </a:r>
+          </a:p>
+        </p:txBody>
+      </p:sp>
+      <p:sp>
+        <p:nvSpPr>
+          <p:cNvPr id="11" name="TextBox 10">
+            <a:extLst>
+              <a:ext uri="{FF2B5EF4-FFF2-40B4-BE49-F238E27FC236}">
+                <a16:creationId xmlns:a16="http://schemas.microsoft.com/office/drawing/2014/main" id="{4A9080B8-BFC7-4A4F-BDE2-B78C4CECFCDF}"/>
+              </a:ext>
+            </a:extLst>
+          </p:cNvPr>
+          <p:cNvSpPr txBox="1"/>
+          <p:nvPr/>
+        </p:nvSpPr>
+        <p:spPr>
+          <a:xfrm>
+            <a:off x="4903045" y="1151512"/>
+            <a:ext cx="1192955" cy="646331"/>
+          </a:xfrm>
+          <a:prstGeom prst="rect">
+            <a:avLst/>
+          </a:prstGeom>
+          <a:noFill/>
+        </p:spPr>
+        <p:txBody>
+          <a:bodyPr wrap="none" rtlCol="0">
+            <a:spAutoFit/>
+          </a:bodyPr>
+          <a:lstStyle/>
+          <a:p>
+            <a:r>
+              <a:rPr lang="fr-FR" dirty="0"/>
+              <a:t>Client</a:t>
+            </a:r>
+          </a:p>
+          <a:p>
+            <a:r>
+              <a:rPr lang="fr-FR" dirty="0"/>
+              <a:t>(</a:t>
+            </a:r>
+            <a:r>
+              <a:rPr lang="fr-FR" dirty="0" err="1"/>
+              <a:t>Back-end</a:t>
+            </a:r>
+            <a:r>
+              <a:rPr lang="fr-FR" dirty="0"/>
+              <a:t>)</a:t>
+            </a:r>
+          </a:p>
+        </p:txBody>
+      </p:sp>
+      <p:sp>
+        <p:nvSpPr>
+          <p:cNvPr id="12" name="TextBox 11">
+            <a:extLst>
+              <a:ext uri="{FF2B5EF4-FFF2-40B4-BE49-F238E27FC236}">
+                <a16:creationId xmlns:a16="http://schemas.microsoft.com/office/drawing/2014/main" id="{EE498947-5EAF-4058-9227-C4A4F5E379A5}"/>
+              </a:ext>
+            </a:extLst>
+          </p:cNvPr>
+          <p:cNvSpPr txBox="1"/>
+          <p:nvPr/>
+        </p:nvSpPr>
+        <p:spPr>
+          <a:xfrm>
+            <a:off x="1461247" y="1219185"/>
+            <a:ext cx="1055097" cy="646331"/>
+          </a:xfrm>
+          <a:prstGeom prst="rect">
+            <a:avLst/>
+          </a:prstGeom>
+          <a:noFill/>
+        </p:spPr>
+        <p:txBody>
+          <a:bodyPr wrap="none" rtlCol="0">
+            <a:spAutoFit/>
+          </a:bodyPr>
+          <a:lstStyle/>
+          <a:p>
+            <a:r>
+              <a:rPr lang="fr-FR" dirty="0"/>
+              <a:t>Browser</a:t>
+            </a:r>
+          </a:p>
+          <a:p>
+            <a:r>
+              <a:rPr lang="fr-FR" dirty="0"/>
+              <a:t>(</a:t>
+            </a:r>
+            <a:r>
+              <a:rPr lang="fr-FR" dirty="0" err="1"/>
+              <a:t>Angular</a:t>
+            </a:r>
+            <a:r>
+              <a:rPr lang="fr-FR" dirty="0"/>
+              <a:t>)</a:t>
+            </a:r>
+          </a:p>
+        </p:txBody>
+      </p:sp>
+      <p:cxnSp>
+        <p:nvCxnSpPr>
+          <p:cNvPr id="14" name="Straight Arrow Connector 13">
+            <a:extLst>
+              <a:ext uri="{FF2B5EF4-FFF2-40B4-BE49-F238E27FC236}">
+                <a16:creationId xmlns:a16="http://schemas.microsoft.com/office/drawing/2014/main" id="{1C442EAB-0822-4009-A4DC-B6C58E73BF51}"/>
+              </a:ext>
+            </a:extLst>
+          </p:cNvPr>
+          <p:cNvCxnSpPr>
+            <a:cxnSpLocks/>
+          </p:cNvCxnSpPr>
+          <p:nvPr/>
+        </p:nvCxnSpPr>
+        <p:spPr>
+          <a:xfrm>
+            <a:off x="1954306" y="2290482"/>
+            <a:ext cx="6609050" cy="0"/>
+          </a:xfrm>
+          <a:prstGeom prst="straightConnector1">
+            <a:avLst/>
+          </a:prstGeom>
+          <a:ln w="76200">
+            <a:solidFill>
+              <a:schemeClr val="accent1"/>
+            </a:solidFill>
+            <a:tailEnd type="triangle"/>
+          </a:ln>
+        </p:spPr>
+        <p:style>
+          <a:lnRef idx="1">
+            <a:schemeClr val="accent1"/>
+          </a:lnRef>
+          <a:fillRef idx="0">
+            <a:schemeClr val="accent1"/>
+          </a:fillRef>
+          <a:effectRef idx="0">
+            <a:schemeClr val="accent1"/>
+          </a:effectRef>
+          <a:fontRef idx="minor">
+            <a:schemeClr val="tx1"/>
+          </a:fontRef>
+        </p:style>
+      </p:cxnSp>
+      <p:sp>
+        <p:nvSpPr>
+          <p:cNvPr id="17" name="TextBox 16">
+            <a:extLst>
+              <a:ext uri="{FF2B5EF4-FFF2-40B4-BE49-F238E27FC236}">
+                <a16:creationId xmlns:a16="http://schemas.microsoft.com/office/drawing/2014/main" id="{4F0C046B-D88A-4077-9A4B-FA1015423A9A}"/>
+              </a:ext>
+            </a:extLst>
+          </p:cNvPr>
+          <p:cNvSpPr txBox="1"/>
+          <p:nvPr/>
+        </p:nvSpPr>
+        <p:spPr>
+          <a:xfrm>
+            <a:off x="4144371" y="1891505"/>
+            <a:ext cx="2011705" cy="369332"/>
+          </a:xfrm>
+          <a:prstGeom prst="rect">
+            <a:avLst/>
+          </a:prstGeom>
+          <a:noFill/>
+        </p:spPr>
+        <p:txBody>
+          <a:bodyPr wrap="none" rtlCol="0">
+            <a:spAutoFit/>
+          </a:bodyPr>
+          <a:lstStyle/>
+          <a:p>
+            <a:r>
+              <a:rPr lang="fr-FR" dirty="0" err="1"/>
+              <a:t>authorize</a:t>
+            </a:r>
+            <a:r>
+              <a:rPr lang="fr-FR" dirty="0"/>
+              <a:t> </a:t>
+            </a:r>
+            <a:r>
+              <a:rPr lang="fr-FR" dirty="0" err="1"/>
+              <a:t>endpoing</a:t>
             </a:r>
             <a:endParaRPr lang="fr-FR" dirty="0"/>
           </a:p>
-          <a:p>
-            <a:r>
-              <a:rPr lang="fr-FR" dirty="0">
-                <a:hlinkClick r:id="rId4"/>
-              </a:rPr>
-              <a:t>https://semver.org/</a:t>
+        </p:txBody>
+      </p:sp>
+      <p:cxnSp>
+        <p:nvCxnSpPr>
+          <p:cNvPr id="19" name="Straight Arrow Connector 18">
+            <a:extLst>
+              <a:ext uri="{FF2B5EF4-FFF2-40B4-BE49-F238E27FC236}">
+                <a16:creationId xmlns:a16="http://schemas.microsoft.com/office/drawing/2014/main" id="{E81F8D79-7B16-4364-8AF2-FDDDE6AFD21C}"/>
+              </a:ext>
+            </a:extLst>
+          </p:cNvPr>
+          <p:cNvCxnSpPr/>
+          <p:nvPr/>
+        </p:nvCxnSpPr>
+        <p:spPr>
+          <a:xfrm flipH="1">
+            <a:off x="1954306" y="2783122"/>
+            <a:ext cx="6609050" cy="0"/>
+          </a:xfrm>
+          <a:prstGeom prst="straightConnector1">
+            <a:avLst/>
+          </a:prstGeom>
+          <a:ln w="76200">
+            <a:solidFill>
+              <a:schemeClr val="accent1"/>
+            </a:solidFill>
+            <a:tailEnd type="triangle"/>
+          </a:ln>
+        </p:spPr>
+        <p:style>
+          <a:lnRef idx="1">
+            <a:schemeClr val="accent1"/>
+          </a:lnRef>
+          <a:fillRef idx="0">
+            <a:schemeClr val="accent1"/>
+          </a:fillRef>
+          <a:effectRef idx="0">
+            <a:schemeClr val="accent1"/>
+          </a:effectRef>
+          <a:fontRef idx="minor">
+            <a:schemeClr val="tx1"/>
+          </a:fontRef>
+        </p:style>
+      </p:cxnSp>
+      <p:sp>
+        <p:nvSpPr>
+          <p:cNvPr id="20" name="TextBox 19">
+            <a:extLst>
+              <a:ext uri="{FF2B5EF4-FFF2-40B4-BE49-F238E27FC236}">
+                <a16:creationId xmlns:a16="http://schemas.microsoft.com/office/drawing/2014/main" id="{E8B0B795-D579-4D6F-8AC9-66A3016A7D59}"/>
+              </a:ext>
+            </a:extLst>
+          </p:cNvPr>
+          <p:cNvSpPr txBox="1"/>
+          <p:nvPr/>
+        </p:nvSpPr>
+        <p:spPr>
+          <a:xfrm>
+            <a:off x="4321993" y="2413790"/>
+            <a:ext cx="1798249" cy="369332"/>
+          </a:xfrm>
+          <a:prstGeom prst="rect">
+            <a:avLst/>
+          </a:prstGeom>
+          <a:noFill/>
+        </p:spPr>
+        <p:txBody>
+          <a:bodyPr wrap="none" rtlCol="0">
+            <a:spAutoFit/>
+          </a:bodyPr>
+          <a:lstStyle/>
+          <a:p>
+            <a:r>
+              <a:rPr lang="fr-FR" dirty="0"/>
+              <a:t>OK </a:t>
+            </a:r>
+            <a:r>
+              <a:rPr lang="fr-FR" dirty="0" err="1"/>
+              <a:t>With</a:t>
+            </a:r>
+            <a:r>
+              <a:rPr lang="fr-FR" dirty="0"/>
+              <a:t> </a:t>
+            </a:r>
+            <a:r>
+              <a:rPr lang="fr-FR" dirty="0" err="1"/>
+              <a:t>Redirect</a:t>
             </a:r>
             <a:endParaRPr lang="fr-FR" dirty="0"/>
           </a:p>
-          <a:p>
+        </p:txBody>
+      </p:sp>
+      <p:cxnSp>
+        <p:nvCxnSpPr>
+          <p:cNvPr id="22" name="Straight Arrow Connector 21">
+            <a:extLst>
+              <a:ext uri="{FF2B5EF4-FFF2-40B4-BE49-F238E27FC236}">
+                <a16:creationId xmlns:a16="http://schemas.microsoft.com/office/drawing/2014/main" id="{0C624C43-34BD-4655-818D-44B1A92C4E92}"/>
+              </a:ext>
+            </a:extLst>
+          </p:cNvPr>
+          <p:cNvCxnSpPr/>
+          <p:nvPr/>
+        </p:nvCxnSpPr>
+        <p:spPr>
+          <a:xfrm>
+            <a:off x="1896035" y="3397624"/>
+            <a:ext cx="3496236" cy="0"/>
+          </a:xfrm>
+          <a:prstGeom prst="straightConnector1">
+            <a:avLst/>
+          </a:prstGeom>
+          <a:ln w="76200">
+            <a:solidFill>
+              <a:schemeClr val="accent1"/>
+            </a:solidFill>
+            <a:tailEnd type="triangle"/>
+          </a:ln>
+        </p:spPr>
+        <p:style>
+          <a:lnRef idx="1">
+            <a:schemeClr val="accent1"/>
+          </a:lnRef>
+          <a:fillRef idx="0">
+            <a:schemeClr val="accent1"/>
+          </a:fillRef>
+          <a:effectRef idx="0">
+            <a:schemeClr val="accent1"/>
+          </a:effectRef>
+          <a:fontRef idx="minor">
+            <a:schemeClr val="tx1"/>
+          </a:fontRef>
+        </p:style>
+      </p:cxnSp>
+      <p:sp>
+        <p:nvSpPr>
+          <p:cNvPr id="23" name="TextBox 22">
+            <a:extLst>
+              <a:ext uri="{FF2B5EF4-FFF2-40B4-BE49-F238E27FC236}">
+                <a16:creationId xmlns:a16="http://schemas.microsoft.com/office/drawing/2014/main" id="{315346A8-7419-403F-9FFF-DD41908578EE}"/>
+              </a:ext>
+            </a:extLst>
+          </p:cNvPr>
+          <p:cNvSpPr txBox="1"/>
+          <p:nvPr/>
+        </p:nvSpPr>
+        <p:spPr>
+          <a:xfrm>
+            <a:off x="2734236" y="3028292"/>
+            <a:ext cx="1289520" cy="369332"/>
+          </a:xfrm>
+          <a:prstGeom prst="rect">
+            <a:avLst/>
+          </a:prstGeom>
+          <a:noFill/>
+        </p:spPr>
+        <p:txBody>
+          <a:bodyPr wrap="none" rtlCol="0">
+            <a:spAutoFit/>
+          </a:bodyPr>
+          <a:lstStyle/>
+          <a:p>
+            <a:r>
+              <a:rPr lang="fr-FR" dirty="0" err="1"/>
+              <a:t>redirect_uri</a:t>
+            </a:r>
+            <a:endParaRPr lang="fr-FR" dirty="0"/>
+          </a:p>
+        </p:txBody>
+      </p:sp>
+      <p:cxnSp>
+        <p:nvCxnSpPr>
+          <p:cNvPr id="25" name="Straight Arrow Connector 24">
+            <a:extLst>
+              <a:ext uri="{FF2B5EF4-FFF2-40B4-BE49-F238E27FC236}">
+                <a16:creationId xmlns:a16="http://schemas.microsoft.com/office/drawing/2014/main" id="{A5974FEE-11CC-4D18-902C-99E887FC9DCC}"/>
+              </a:ext>
+            </a:extLst>
+          </p:cNvPr>
+          <p:cNvCxnSpPr/>
+          <p:nvPr/>
+        </p:nvCxnSpPr>
+        <p:spPr>
+          <a:xfrm>
+            <a:off x="5392271" y="3612776"/>
+            <a:ext cx="3218329" cy="0"/>
+          </a:xfrm>
+          <a:prstGeom prst="straightConnector1">
+            <a:avLst/>
+          </a:prstGeom>
+          <a:ln w="76200">
+            <a:solidFill>
+              <a:schemeClr val="accent1"/>
+            </a:solidFill>
+            <a:tailEnd type="triangle"/>
+          </a:ln>
+        </p:spPr>
+        <p:style>
+          <a:lnRef idx="1">
+            <a:schemeClr val="accent1"/>
+          </a:lnRef>
+          <a:fillRef idx="0">
+            <a:schemeClr val="accent1"/>
+          </a:fillRef>
+          <a:effectRef idx="0">
+            <a:schemeClr val="accent1"/>
+          </a:effectRef>
+          <a:fontRef idx="minor">
+            <a:schemeClr val="tx1"/>
+          </a:fontRef>
+        </p:style>
+      </p:cxnSp>
+      <p:sp>
+        <p:nvSpPr>
+          <p:cNvPr id="26" name="TextBox 25">
+            <a:extLst>
+              <a:ext uri="{FF2B5EF4-FFF2-40B4-BE49-F238E27FC236}">
+                <a16:creationId xmlns:a16="http://schemas.microsoft.com/office/drawing/2014/main" id="{2ABD0B3E-3764-42BA-A153-205D75CDF813}"/>
+              </a:ext>
+            </a:extLst>
+          </p:cNvPr>
+          <p:cNvSpPr txBox="1"/>
+          <p:nvPr/>
+        </p:nvSpPr>
+        <p:spPr>
+          <a:xfrm>
+            <a:off x="6096000" y="3245224"/>
+            <a:ext cx="2200411" cy="369332"/>
+          </a:xfrm>
+          <a:prstGeom prst="rect">
+            <a:avLst/>
+          </a:prstGeom>
+          <a:noFill/>
+        </p:spPr>
+        <p:txBody>
+          <a:bodyPr wrap="none" rtlCol="0">
+            <a:spAutoFit/>
+          </a:bodyPr>
+          <a:lstStyle/>
+          <a:p>
+            <a:r>
+              <a:rPr lang="fr-FR" dirty="0" err="1"/>
+              <a:t>request</a:t>
+            </a:r>
             <a:r>
               <a:rPr lang="fr-FR" dirty="0"/>
-              <a:t>Googler « </a:t>
+              <a:t> </a:t>
             </a:r>
             <a:r>
               <a:rPr lang="fr-FR" dirty="0" err="1"/>
-              <a:t>figma</a:t>
+              <a:t>access_token</a:t>
+            </a:r>
+            <a:endParaRPr lang="fr-FR" dirty="0"/>
+          </a:p>
+        </p:txBody>
+      </p:sp>
+      <p:cxnSp>
+        <p:nvCxnSpPr>
+          <p:cNvPr id="28" name="Straight Arrow Connector 27">
+            <a:extLst>
+              <a:ext uri="{FF2B5EF4-FFF2-40B4-BE49-F238E27FC236}">
+                <a16:creationId xmlns:a16="http://schemas.microsoft.com/office/drawing/2014/main" id="{2858EA2A-A573-49A1-B13F-2AA3DCC85FD5}"/>
+              </a:ext>
+            </a:extLst>
+          </p:cNvPr>
+          <p:cNvCxnSpPr/>
+          <p:nvPr/>
+        </p:nvCxnSpPr>
+        <p:spPr>
+          <a:xfrm flipH="1">
+            <a:off x="5392271" y="4074459"/>
+            <a:ext cx="3218329" cy="0"/>
+          </a:xfrm>
+          <a:prstGeom prst="straightConnector1">
+            <a:avLst/>
+          </a:prstGeom>
+          <a:ln w="76200">
+            <a:solidFill>
+              <a:schemeClr val="accent1"/>
+            </a:solidFill>
+            <a:tailEnd type="triangle"/>
+          </a:ln>
+        </p:spPr>
+        <p:style>
+          <a:lnRef idx="1">
+            <a:schemeClr val="accent1"/>
+          </a:lnRef>
+          <a:fillRef idx="0">
+            <a:schemeClr val="accent1"/>
+          </a:fillRef>
+          <a:effectRef idx="0">
+            <a:schemeClr val="accent1"/>
+          </a:effectRef>
+          <a:fontRef idx="minor">
+            <a:schemeClr val="tx1"/>
+          </a:fontRef>
+        </p:style>
+      </p:cxnSp>
+      <p:sp>
+        <p:nvSpPr>
+          <p:cNvPr id="29" name="TextBox 28">
+            <a:extLst>
+              <a:ext uri="{FF2B5EF4-FFF2-40B4-BE49-F238E27FC236}">
+                <a16:creationId xmlns:a16="http://schemas.microsoft.com/office/drawing/2014/main" id="{B3A3C37C-C51F-4874-BCBC-135BFBDD9CA0}"/>
+              </a:ext>
+            </a:extLst>
+          </p:cNvPr>
+          <p:cNvSpPr txBox="1"/>
+          <p:nvPr/>
+        </p:nvSpPr>
+        <p:spPr>
+          <a:xfrm>
+            <a:off x="6303496" y="3736084"/>
+            <a:ext cx="1431739" cy="369332"/>
+          </a:xfrm>
+          <a:prstGeom prst="rect">
+            <a:avLst/>
+          </a:prstGeom>
+          <a:noFill/>
+        </p:spPr>
+        <p:txBody>
+          <a:bodyPr wrap="none" rtlCol="0">
+            <a:spAutoFit/>
+          </a:bodyPr>
+          <a:lstStyle/>
+          <a:p>
+            <a:r>
+              <a:rPr lang="fr-FR" dirty="0" err="1"/>
+              <a:t>access_token</a:t>
+            </a:r>
+            <a:endParaRPr lang="fr-FR" dirty="0"/>
+          </a:p>
+        </p:txBody>
+      </p:sp>
+      <p:cxnSp>
+        <p:nvCxnSpPr>
+          <p:cNvPr id="31" name="Straight Arrow Connector 30">
+            <a:extLst>
+              <a:ext uri="{FF2B5EF4-FFF2-40B4-BE49-F238E27FC236}">
+                <a16:creationId xmlns:a16="http://schemas.microsoft.com/office/drawing/2014/main" id="{5984E428-1640-46AA-A395-C203A9536B94}"/>
+              </a:ext>
+            </a:extLst>
+          </p:cNvPr>
+          <p:cNvCxnSpPr>
+            <a:cxnSpLocks/>
+          </p:cNvCxnSpPr>
+          <p:nvPr/>
+        </p:nvCxnSpPr>
+        <p:spPr>
+          <a:xfrm>
+            <a:off x="5428129" y="4625788"/>
+            <a:ext cx="5822577" cy="0"/>
+          </a:xfrm>
+          <a:prstGeom prst="straightConnector1">
+            <a:avLst/>
+          </a:prstGeom>
+          <a:ln w="76200">
+            <a:solidFill>
+              <a:schemeClr val="accent1"/>
+            </a:solidFill>
+            <a:tailEnd type="triangle"/>
+          </a:ln>
+        </p:spPr>
+        <p:style>
+          <a:lnRef idx="1">
+            <a:schemeClr val="accent1"/>
+          </a:lnRef>
+          <a:fillRef idx="0">
+            <a:schemeClr val="accent1"/>
+          </a:fillRef>
+          <a:effectRef idx="0">
+            <a:schemeClr val="accent1"/>
+          </a:effectRef>
+          <a:fontRef idx="minor">
+            <a:schemeClr val="tx1"/>
+          </a:fontRef>
+        </p:style>
+      </p:cxnSp>
+      <p:sp>
+        <p:nvSpPr>
+          <p:cNvPr id="34" name="TextBox 33">
+            <a:extLst>
+              <a:ext uri="{FF2B5EF4-FFF2-40B4-BE49-F238E27FC236}">
+                <a16:creationId xmlns:a16="http://schemas.microsoft.com/office/drawing/2014/main" id="{1BCE7F8B-47CB-4480-A461-A8D81092BEA6}"/>
+              </a:ext>
+            </a:extLst>
+          </p:cNvPr>
+          <p:cNvSpPr txBox="1"/>
+          <p:nvPr/>
+        </p:nvSpPr>
+        <p:spPr>
+          <a:xfrm>
+            <a:off x="7318378" y="4230002"/>
+            <a:ext cx="1356718" cy="369332"/>
+          </a:xfrm>
+          <a:prstGeom prst="rect">
+            <a:avLst/>
+          </a:prstGeom>
+          <a:noFill/>
+        </p:spPr>
+        <p:txBody>
+          <a:bodyPr wrap="none" rtlCol="0">
+            <a:spAutoFit/>
+          </a:bodyPr>
+          <a:lstStyle/>
+          <a:p>
+            <a:r>
+              <a:rPr lang="fr-FR" dirty="0" err="1"/>
+              <a:t>get</a:t>
             </a:r>
             <a:r>
               <a:rPr lang="fr-FR" dirty="0"/>
-              <a:t> » (maquette)</a:t>
-            </a:r>
-          </a:p>
-          <a:p>
-            <a:r>
-              <a:rPr lang="fr-FR" dirty="0">
-                <a:hlinkClick r:id="rId5"/>
-              </a:rPr>
-              <a:t>https://caniuse.com/?search=flex</a:t>
+              <a:t> user info</a:t>
+            </a:r>
+          </a:p>
+        </p:txBody>
+      </p:sp>
+      <p:cxnSp>
+        <p:nvCxnSpPr>
+          <p:cNvPr id="36" name="Straight Arrow Connector 35">
+            <a:extLst>
+              <a:ext uri="{FF2B5EF4-FFF2-40B4-BE49-F238E27FC236}">
+                <a16:creationId xmlns:a16="http://schemas.microsoft.com/office/drawing/2014/main" id="{13D24D14-77BB-4B01-BB57-C1289EC234D4}"/>
+              </a:ext>
+            </a:extLst>
+          </p:cNvPr>
+          <p:cNvCxnSpPr/>
+          <p:nvPr/>
+        </p:nvCxnSpPr>
+        <p:spPr>
+          <a:xfrm flipH="1">
+            <a:off x="5392271" y="5082988"/>
+            <a:ext cx="5858435" cy="0"/>
+          </a:xfrm>
+          <a:prstGeom prst="straightConnector1">
+            <a:avLst/>
+          </a:prstGeom>
+          <a:ln w="76200">
+            <a:solidFill>
+              <a:schemeClr val="accent1"/>
+            </a:solidFill>
+            <a:tailEnd type="triangle"/>
+          </a:ln>
+        </p:spPr>
+        <p:style>
+          <a:lnRef idx="1">
+            <a:schemeClr val="accent1"/>
+          </a:lnRef>
+          <a:fillRef idx="0">
+            <a:schemeClr val="accent1"/>
+          </a:fillRef>
+          <a:effectRef idx="0">
+            <a:schemeClr val="accent1"/>
+          </a:effectRef>
+          <a:fontRef idx="minor">
+            <a:schemeClr val="tx1"/>
+          </a:fontRef>
+        </p:style>
+      </p:cxnSp>
+      <p:cxnSp>
+        <p:nvCxnSpPr>
+          <p:cNvPr id="38" name="Straight Arrow Connector 37">
+            <a:extLst>
+              <a:ext uri="{FF2B5EF4-FFF2-40B4-BE49-F238E27FC236}">
+                <a16:creationId xmlns:a16="http://schemas.microsoft.com/office/drawing/2014/main" id="{AD6EB6A1-7343-4CD0-958A-96F9FA4ED80E}"/>
+              </a:ext>
+            </a:extLst>
+          </p:cNvPr>
+          <p:cNvCxnSpPr/>
+          <p:nvPr/>
+        </p:nvCxnSpPr>
+        <p:spPr>
+          <a:xfrm flipH="1">
+            <a:off x="1896035" y="5463988"/>
+            <a:ext cx="3446930" cy="0"/>
+          </a:xfrm>
+          <a:prstGeom prst="straightConnector1">
+            <a:avLst/>
+          </a:prstGeom>
+          <a:ln w="76200">
+            <a:solidFill>
+              <a:schemeClr val="accent1"/>
+            </a:solidFill>
+            <a:tailEnd type="triangle"/>
+          </a:ln>
+        </p:spPr>
+        <p:style>
+          <a:lnRef idx="1">
+            <a:schemeClr val="accent1"/>
+          </a:lnRef>
+          <a:fillRef idx="0">
+            <a:schemeClr val="accent1"/>
+          </a:fillRef>
+          <a:effectRef idx="0">
+            <a:schemeClr val="accent1"/>
+          </a:effectRef>
+          <a:fontRef idx="minor">
+            <a:schemeClr val="tx1"/>
+          </a:fontRef>
+        </p:style>
+      </p:cxnSp>
+      <p:sp>
+        <p:nvSpPr>
+          <p:cNvPr id="39" name="TextBox 38">
+            <a:extLst>
+              <a:ext uri="{FF2B5EF4-FFF2-40B4-BE49-F238E27FC236}">
+                <a16:creationId xmlns:a16="http://schemas.microsoft.com/office/drawing/2014/main" id="{52C9E72A-0B26-41E9-8A56-E3353910F201}"/>
+              </a:ext>
+            </a:extLst>
+          </p:cNvPr>
+          <p:cNvSpPr txBox="1"/>
+          <p:nvPr/>
+        </p:nvSpPr>
+        <p:spPr>
+          <a:xfrm>
+            <a:off x="2395352" y="5042646"/>
+            <a:ext cx="2599301" cy="369332"/>
+          </a:xfrm>
+          <a:prstGeom prst="rect">
+            <a:avLst/>
+          </a:prstGeom>
+          <a:noFill/>
+        </p:spPr>
+        <p:txBody>
+          <a:bodyPr wrap="none" rtlCol="0">
+            <a:spAutoFit/>
+          </a:bodyPr>
+          <a:lstStyle/>
+          <a:p>
+            <a:r>
+              <a:rPr lang="fr-FR" dirty="0" err="1"/>
+              <a:t>redirect</a:t>
+            </a:r>
+            <a:r>
+              <a:rPr lang="fr-FR" dirty="0"/>
+              <a:t> </a:t>
+            </a:r>
+            <a:r>
+              <a:rPr lang="fr-FR" dirty="0" err="1"/>
+              <a:t>afterLogoinRoute</a:t>
             </a:r>
             <a:endParaRPr lang="fr-FR" dirty="0"/>
           </a:p>
-          <a:p>
-            <a:r>
-              <a:rPr lang="fr-FR" dirty="0">
-                <a:hlinkClick r:id="rId6"/>
-              </a:rPr>
-              <a:t>https://css-tricks.com/snippets/css/a-guide-to-flexbox/</a:t>
+        </p:txBody>
+      </p:sp>
+      <p:cxnSp>
+        <p:nvCxnSpPr>
+          <p:cNvPr id="41" name="Straight Arrow Connector 40">
+            <a:extLst>
+              <a:ext uri="{FF2B5EF4-FFF2-40B4-BE49-F238E27FC236}">
+                <a16:creationId xmlns:a16="http://schemas.microsoft.com/office/drawing/2014/main" id="{A61E3710-6DB7-49FD-8037-0230A3DC4153}"/>
+              </a:ext>
+            </a:extLst>
+          </p:cNvPr>
+          <p:cNvCxnSpPr/>
+          <p:nvPr/>
+        </p:nvCxnSpPr>
+        <p:spPr>
+          <a:xfrm>
+            <a:off x="1925403" y="5894294"/>
+            <a:ext cx="3431011" cy="0"/>
+          </a:xfrm>
+          <a:prstGeom prst="straightConnector1">
+            <a:avLst/>
+          </a:prstGeom>
+          <a:ln w="76200">
+            <a:solidFill>
+              <a:schemeClr val="accent1"/>
+            </a:solidFill>
+            <a:tailEnd type="triangle"/>
+          </a:ln>
+        </p:spPr>
+        <p:style>
+          <a:lnRef idx="1">
+            <a:schemeClr val="accent1"/>
+          </a:lnRef>
+          <a:fillRef idx="0">
+            <a:schemeClr val="accent1"/>
+          </a:fillRef>
+          <a:effectRef idx="0">
+            <a:schemeClr val="accent1"/>
+          </a:effectRef>
+          <a:fontRef idx="minor">
+            <a:schemeClr val="tx1"/>
+          </a:fontRef>
+        </p:style>
+      </p:cxnSp>
+      <p:sp>
+        <p:nvSpPr>
+          <p:cNvPr id="42" name="TextBox 41">
+            <a:extLst>
+              <a:ext uri="{FF2B5EF4-FFF2-40B4-BE49-F238E27FC236}">
+                <a16:creationId xmlns:a16="http://schemas.microsoft.com/office/drawing/2014/main" id="{B3511D88-AF53-4F80-AE87-DB475DB505FA}"/>
+              </a:ext>
+            </a:extLst>
+          </p:cNvPr>
+          <p:cNvSpPr txBox="1"/>
+          <p:nvPr/>
+        </p:nvSpPr>
+        <p:spPr>
+          <a:xfrm>
+            <a:off x="2809408" y="5551392"/>
+            <a:ext cx="2042739" cy="369332"/>
+          </a:xfrm>
+          <a:prstGeom prst="rect">
+            <a:avLst/>
+          </a:prstGeom>
+          <a:noFill/>
+        </p:spPr>
+        <p:txBody>
+          <a:bodyPr wrap="none" rtlCol="0">
+            <a:spAutoFit/>
+          </a:bodyPr>
+          <a:lstStyle/>
+          <a:p>
+            <a:r>
+              <a:rPr lang="fr-FR" dirty="0" err="1"/>
+              <a:t>get</a:t>
+            </a:r>
+            <a:r>
+              <a:rPr lang="fr-FR" dirty="0"/>
+              <a:t> </a:t>
+            </a:r>
+            <a:r>
+              <a:rPr lang="fr-FR" dirty="0" err="1"/>
+              <a:t>afterLoginRoute</a:t>
             </a:r>
             <a:endParaRPr lang="fr-FR" dirty="0"/>
           </a:p>
-          <a:p>
-            <a:r>
-              <a:rPr lang="fr-FR" dirty="0">
-                <a:hlinkClick r:id="rId7"/>
-              </a:rPr>
-              <a:t>https://flexboxfroggy.com/#fr</a:t>
+        </p:txBody>
+      </p:sp>
+      <p:cxnSp>
+        <p:nvCxnSpPr>
+          <p:cNvPr id="44" name="Straight Arrow Connector 43">
+            <a:extLst>
+              <a:ext uri="{FF2B5EF4-FFF2-40B4-BE49-F238E27FC236}">
+                <a16:creationId xmlns:a16="http://schemas.microsoft.com/office/drawing/2014/main" id="{1C9AB80D-6DE7-4D57-B74C-CBD68D684911}"/>
+              </a:ext>
+            </a:extLst>
+          </p:cNvPr>
+          <p:cNvCxnSpPr/>
+          <p:nvPr/>
+        </p:nvCxnSpPr>
+        <p:spPr>
+          <a:xfrm flipH="1">
+            <a:off x="1889546" y="6297706"/>
+            <a:ext cx="3474090" cy="0"/>
+          </a:xfrm>
+          <a:prstGeom prst="straightConnector1">
+            <a:avLst/>
+          </a:prstGeom>
+          <a:ln w="76200">
+            <a:solidFill>
+              <a:schemeClr val="accent1"/>
+            </a:solidFill>
+            <a:tailEnd type="triangle"/>
+          </a:ln>
+        </p:spPr>
+        <p:style>
+          <a:lnRef idx="1">
+            <a:schemeClr val="accent1"/>
+          </a:lnRef>
+          <a:fillRef idx="0">
+            <a:schemeClr val="accent1"/>
+          </a:fillRef>
+          <a:effectRef idx="0">
+            <a:schemeClr val="accent1"/>
+          </a:effectRef>
+          <a:fontRef idx="minor">
+            <a:schemeClr val="tx1"/>
+          </a:fontRef>
+        </p:style>
+      </p:cxnSp>
+      <p:sp>
+        <p:nvSpPr>
+          <p:cNvPr id="45" name="TextBox 44">
+            <a:extLst>
+              <a:ext uri="{FF2B5EF4-FFF2-40B4-BE49-F238E27FC236}">
+                <a16:creationId xmlns:a16="http://schemas.microsoft.com/office/drawing/2014/main" id="{34926F0C-50D7-425A-AE3D-E784A738F255}"/>
+              </a:ext>
+            </a:extLst>
+          </p:cNvPr>
+          <p:cNvSpPr txBox="1"/>
+          <p:nvPr/>
+        </p:nvSpPr>
+        <p:spPr>
+          <a:xfrm>
+            <a:off x="2696610" y="5955268"/>
+            <a:ext cx="1691617" cy="369332"/>
+          </a:xfrm>
+          <a:prstGeom prst="rect">
+            <a:avLst/>
+          </a:prstGeom>
+          <a:noFill/>
+        </p:spPr>
+        <p:txBody>
+          <a:bodyPr wrap="none" rtlCol="0">
+            <a:spAutoFit/>
+          </a:bodyPr>
+          <a:lstStyle/>
+          <a:p>
+            <a:r>
+              <a:rPr lang="fr-FR" dirty="0" err="1"/>
+              <a:t>afterLoginRoute</a:t>
             </a:r>
             <a:endParaRPr lang="fr-FR" dirty="0"/>
           </a:p>
+        </p:txBody>
+      </p:sp>
+      <p:sp>
+        <p:nvSpPr>
+          <p:cNvPr id="46" name="TextBox 45">
+            <a:extLst>
+              <a:ext uri="{FF2B5EF4-FFF2-40B4-BE49-F238E27FC236}">
+                <a16:creationId xmlns:a16="http://schemas.microsoft.com/office/drawing/2014/main" id="{B743884C-9FA8-4701-90A8-B65013B04850}"/>
+              </a:ext>
+            </a:extLst>
+          </p:cNvPr>
+          <p:cNvSpPr txBox="1"/>
+          <p:nvPr/>
+        </p:nvSpPr>
+        <p:spPr>
+          <a:xfrm>
+            <a:off x="7446783" y="4754876"/>
+            <a:ext cx="3515578" cy="369332"/>
+          </a:xfrm>
+          <a:prstGeom prst="rect">
+            <a:avLst/>
+          </a:prstGeom>
+          <a:noFill/>
+        </p:spPr>
+        <p:txBody>
+          <a:bodyPr wrap="none" rtlCol="0">
+            <a:spAutoFit/>
+          </a:bodyPr>
+          <a:lstStyle/>
           <a:p>
             <a:r>
               <a:rPr lang="fr-FR" dirty="0"/>
-              <a:t>Google : </a:t>
-            </a:r>
-            <a:r>
-              <a:rPr lang="en-US" dirty="0"/>
-              <a:t>100 Things Every Designer Needs to Know About People pdf</a:t>
-            </a:r>
-            <a:endParaRPr lang="fr-FR" dirty="0"/>
-          </a:p>
-          <a:p>
-            <a:endParaRPr lang="fr-FR" dirty="0"/>
-          </a:p>
-          <a:p>
-            <a:endParaRPr lang="fr-FR" dirty="0"/>
-          </a:p>
-          <a:p>
-            <a:endParaRPr lang="fr-FR" dirty="0"/>
+              <a:t>user info (display </a:t>
+            </a:r>
+            <a:r>
+              <a:rPr lang="fr-FR" dirty="0" err="1"/>
+              <a:t>name</a:t>
+            </a:r>
+            <a:r>
+              <a:rPr lang="fr-FR" dirty="0"/>
+              <a:t>, email, etc.)</a:t>
+            </a:r>
           </a:p>
         </p:txBody>
       </p:sp>
     </p:spTree>
     <p:extLst>
       <p:ext uri="{BB962C8B-B14F-4D97-AF65-F5344CB8AC3E}">
-        <p14:creationId xmlns:p14="http://schemas.microsoft.com/office/powerpoint/2010/main" val="1470463700"/>
+        <p14:creationId xmlns:p14="http://schemas.microsoft.com/office/powerpoint/2010/main" val="4100080652"/>
+      </p:ext>
+    </p:extLst>
+  </p:cSld>
+  <p:clrMapOvr>
+    <a:masterClrMapping/>
+  </p:clrMapOvr>
+</p:sld>
+</file>
+
+<file path=ppt/slides/slide18.xml><?xml version="1.0" encoding="utf-8"?>
+<p:sld xmlns:a="http://schemas.openxmlformats.org/drawingml/2006/main" xmlns:r="http://schemas.openxmlformats.org/officeDocument/2006/relationships" xmlns:p="http://schemas.openxmlformats.org/presentationml/2006/main">
+  <p:cSld>
+    <p:spTree>
+      <p:nvGrpSpPr>
+        <p:cNvPr id="1" name=""/>
+        <p:cNvGrpSpPr/>
+        <p:nvPr/>
+      </p:nvGrpSpPr>
+      <p:grpSpPr>
+        <a:xfrm>
+          <a:off x="0" y="0"/>
+          <a:ext cx="0" cy="0"/>
+          <a:chOff x="0" y="0"/>
+          <a:chExt cx="0" cy="0"/>
+        </a:xfrm>
+      </p:grpSpPr>
+      <p:cxnSp>
+        <p:nvCxnSpPr>
+          <p:cNvPr id="5" name="Straight Arrow Connector 4">
+            <a:extLst>
+              <a:ext uri="{FF2B5EF4-FFF2-40B4-BE49-F238E27FC236}">
+                <a16:creationId xmlns:a16="http://schemas.microsoft.com/office/drawing/2014/main" id="{91AEA83F-6200-4FCC-A46D-8B4F98487096}"/>
+              </a:ext>
+            </a:extLst>
+          </p:cNvPr>
+          <p:cNvCxnSpPr/>
+          <p:nvPr/>
+        </p:nvCxnSpPr>
+        <p:spPr>
+          <a:xfrm>
+            <a:off x="493059" y="1358153"/>
+            <a:ext cx="11255188" cy="0"/>
+          </a:xfrm>
+          <a:prstGeom prst="straightConnector1">
+            <a:avLst/>
+          </a:prstGeom>
+          <a:ln w="76200">
+            <a:solidFill>
+              <a:schemeClr val="accent1"/>
+            </a:solidFill>
+            <a:tailEnd type="triangle"/>
+          </a:ln>
+        </p:spPr>
+        <p:style>
+          <a:lnRef idx="1">
+            <a:schemeClr val="accent1"/>
+          </a:lnRef>
+          <a:fillRef idx="0">
+            <a:schemeClr val="accent1"/>
+          </a:fillRef>
+          <a:effectRef idx="0">
+            <a:schemeClr val="accent1"/>
+          </a:effectRef>
+          <a:fontRef idx="minor">
+            <a:schemeClr val="tx1"/>
+          </a:fontRef>
+        </p:style>
+      </p:cxnSp>
+      <p:cxnSp>
+        <p:nvCxnSpPr>
+          <p:cNvPr id="7" name="Straight Connector 6">
+            <a:extLst>
+              <a:ext uri="{FF2B5EF4-FFF2-40B4-BE49-F238E27FC236}">
+                <a16:creationId xmlns:a16="http://schemas.microsoft.com/office/drawing/2014/main" id="{623B0CDE-EE7D-41DE-A5F9-B81572B2ECCB}"/>
+              </a:ext>
+            </a:extLst>
+          </p:cNvPr>
+          <p:cNvCxnSpPr/>
+          <p:nvPr/>
+        </p:nvCxnSpPr>
+        <p:spPr>
+          <a:xfrm>
+            <a:off x="1147482" y="1021976"/>
+            <a:ext cx="0" cy="712695"/>
+          </a:xfrm>
+          <a:prstGeom prst="line">
+            <a:avLst/>
+          </a:prstGeom>
+          <a:ln w="76200">
+            <a:solidFill>
+              <a:schemeClr val="accent1"/>
+            </a:solidFill>
+          </a:ln>
+        </p:spPr>
+        <p:style>
+          <a:lnRef idx="1">
+            <a:schemeClr val="accent1"/>
+          </a:lnRef>
+          <a:fillRef idx="0">
+            <a:schemeClr val="accent1"/>
+          </a:fillRef>
+          <a:effectRef idx="0">
+            <a:schemeClr val="accent1"/>
+          </a:effectRef>
+          <a:fontRef idx="minor">
+            <a:schemeClr val="tx1"/>
+          </a:fontRef>
+        </p:style>
+      </p:cxnSp>
+      <p:sp>
+        <p:nvSpPr>
+          <p:cNvPr id="8" name="Oval 7">
+            <a:extLst>
+              <a:ext uri="{FF2B5EF4-FFF2-40B4-BE49-F238E27FC236}">
+                <a16:creationId xmlns:a16="http://schemas.microsoft.com/office/drawing/2014/main" id="{43946721-B2C2-4A11-A778-E82C03589E40}"/>
+              </a:ext>
+            </a:extLst>
+          </p:cNvPr>
+          <p:cNvSpPr/>
+          <p:nvPr/>
+        </p:nvSpPr>
+        <p:spPr>
+          <a:xfrm>
+            <a:off x="2743200" y="1048871"/>
+            <a:ext cx="766482" cy="627528"/>
+          </a:xfrm>
+          <a:prstGeom prst="ellipse">
+            <a:avLst/>
+          </a:prstGeom>
+        </p:spPr>
+        <p:style>
+          <a:lnRef idx="2">
+            <a:schemeClr val="accent1">
+              <a:shade val="50000"/>
+            </a:schemeClr>
+          </a:lnRef>
+          <a:fillRef idx="1">
+            <a:schemeClr val="accent1"/>
+          </a:fillRef>
+          <a:effectRef idx="0">
+            <a:schemeClr val="accent1"/>
+          </a:effectRef>
+          <a:fontRef idx="minor">
+            <a:schemeClr val="lt1"/>
+          </a:fontRef>
+        </p:style>
+        <p:txBody>
+          <a:bodyPr rtlCol="0" anchor="ctr"/>
+          <a:lstStyle/>
+          <a:p>
+            <a:pPr algn="ctr"/>
+            <a:endParaRPr lang="fr-FR"/>
+          </a:p>
+        </p:txBody>
+      </p:sp>
+      <p:sp>
+        <p:nvSpPr>
+          <p:cNvPr id="9" name="Oval 8">
+            <a:extLst>
+              <a:ext uri="{FF2B5EF4-FFF2-40B4-BE49-F238E27FC236}">
+                <a16:creationId xmlns:a16="http://schemas.microsoft.com/office/drawing/2014/main" id="{3853C307-8280-4DCB-98CE-2F4DE1723C54}"/>
+              </a:ext>
+            </a:extLst>
+          </p:cNvPr>
+          <p:cNvSpPr/>
+          <p:nvPr/>
+        </p:nvSpPr>
+        <p:spPr>
+          <a:xfrm>
+            <a:off x="5768789" y="1021976"/>
+            <a:ext cx="766482" cy="627528"/>
+          </a:xfrm>
+          <a:prstGeom prst="ellipse">
+            <a:avLst/>
+          </a:prstGeom>
+        </p:spPr>
+        <p:style>
+          <a:lnRef idx="2">
+            <a:schemeClr val="accent1">
+              <a:shade val="50000"/>
+            </a:schemeClr>
+          </a:lnRef>
+          <a:fillRef idx="1">
+            <a:schemeClr val="accent1"/>
+          </a:fillRef>
+          <a:effectRef idx="0">
+            <a:schemeClr val="accent1"/>
+          </a:effectRef>
+          <a:fontRef idx="minor">
+            <a:schemeClr val="lt1"/>
+          </a:fontRef>
+        </p:style>
+        <p:txBody>
+          <a:bodyPr rtlCol="0" anchor="ctr"/>
+          <a:lstStyle/>
+          <a:p>
+            <a:pPr algn="ctr"/>
+            <a:endParaRPr lang="fr-FR"/>
+          </a:p>
+        </p:txBody>
+      </p:sp>
+      <p:sp>
+        <p:nvSpPr>
+          <p:cNvPr id="10" name="Oval 9">
+            <a:extLst>
+              <a:ext uri="{FF2B5EF4-FFF2-40B4-BE49-F238E27FC236}">
+                <a16:creationId xmlns:a16="http://schemas.microsoft.com/office/drawing/2014/main" id="{CB774402-D224-44E7-B228-E3ED5A2DF09D}"/>
+              </a:ext>
+            </a:extLst>
+          </p:cNvPr>
+          <p:cNvSpPr/>
+          <p:nvPr/>
+        </p:nvSpPr>
+        <p:spPr>
+          <a:xfrm>
+            <a:off x="6929719" y="1044389"/>
+            <a:ext cx="766482" cy="627528"/>
+          </a:xfrm>
+          <a:prstGeom prst="ellipse">
+            <a:avLst/>
+          </a:prstGeom>
+        </p:spPr>
+        <p:style>
+          <a:lnRef idx="2">
+            <a:schemeClr val="accent1">
+              <a:shade val="50000"/>
+            </a:schemeClr>
+          </a:lnRef>
+          <a:fillRef idx="1">
+            <a:schemeClr val="accent1"/>
+          </a:fillRef>
+          <a:effectRef idx="0">
+            <a:schemeClr val="accent1"/>
+          </a:effectRef>
+          <a:fontRef idx="minor">
+            <a:schemeClr val="lt1"/>
+          </a:fontRef>
+        </p:style>
+        <p:txBody>
+          <a:bodyPr rtlCol="0" anchor="ctr"/>
+          <a:lstStyle/>
+          <a:p>
+            <a:pPr algn="ctr"/>
+            <a:endParaRPr lang="fr-FR"/>
+          </a:p>
+        </p:txBody>
+      </p:sp>
+      <p:cxnSp>
+        <p:nvCxnSpPr>
+          <p:cNvPr id="12" name="Straight Connector 11">
+            <a:extLst>
+              <a:ext uri="{FF2B5EF4-FFF2-40B4-BE49-F238E27FC236}">
+                <a16:creationId xmlns:a16="http://schemas.microsoft.com/office/drawing/2014/main" id="{A4F50F6C-5E5A-4835-A095-F98274C6A429}"/>
+              </a:ext>
+            </a:extLst>
+          </p:cNvPr>
+          <p:cNvCxnSpPr/>
+          <p:nvPr/>
+        </p:nvCxnSpPr>
+        <p:spPr>
+          <a:xfrm>
+            <a:off x="8624047" y="959224"/>
+            <a:ext cx="0" cy="869576"/>
+          </a:xfrm>
+          <a:prstGeom prst="line">
+            <a:avLst/>
+          </a:prstGeom>
+          <a:ln w="76200">
+            <a:solidFill>
+              <a:schemeClr val="accent1"/>
+            </a:solidFill>
+          </a:ln>
+        </p:spPr>
+        <p:style>
+          <a:lnRef idx="1">
+            <a:schemeClr val="accent1"/>
+          </a:lnRef>
+          <a:fillRef idx="0">
+            <a:schemeClr val="accent1"/>
+          </a:fillRef>
+          <a:effectRef idx="0">
+            <a:schemeClr val="accent1"/>
+          </a:effectRef>
+          <a:fontRef idx="minor">
+            <a:schemeClr val="tx1"/>
+          </a:fontRef>
+        </p:style>
+      </p:cxnSp>
+      <p:cxnSp>
+        <p:nvCxnSpPr>
+          <p:cNvPr id="13" name="Straight Arrow Connector 12">
+            <a:extLst>
+              <a:ext uri="{FF2B5EF4-FFF2-40B4-BE49-F238E27FC236}">
+                <a16:creationId xmlns:a16="http://schemas.microsoft.com/office/drawing/2014/main" id="{3394963B-E45F-4F97-A292-A21A96A38255}"/>
+              </a:ext>
+            </a:extLst>
+          </p:cNvPr>
+          <p:cNvCxnSpPr/>
+          <p:nvPr/>
+        </p:nvCxnSpPr>
+        <p:spPr>
+          <a:xfrm>
+            <a:off x="475129" y="3056964"/>
+            <a:ext cx="11255188" cy="0"/>
+          </a:xfrm>
+          <a:prstGeom prst="straightConnector1">
+            <a:avLst/>
+          </a:prstGeom>
+          <a:ln w="76200">
+            <a:solidFill>
+              <a:schemeClr val="accent1"/>
+            </a:solidFill>
+            <a:tailEnd type="triangle"/>
+          </a:ln>
+        </p:spPr>
+        <p:style>
+          <a:lnRef idx="1">
+            <a:schemeClr val="accent1"/>
+          </a:lnRef>
+          <a:fillRef idx="0">
+            <a:schemeClr val="accent1"/>
+          </a:fillRef>
+          <a:effectRef idx="0">
+            <a:schemeClr val="accent1"/>
+          </a:effectRef>
+          <a:fontRef idx="minor">
+            <a:schemeClr val="tx1"/>
+          </a:fontRef>
+        </p:style>
+      </p:cxnSp>
+      <p:cxnSp>
+        <p:nvCxnSpPr>
+          <p:cNvPr id="14" name="Straight Connector 13">
+            <a:extLst>
+              <a:ext uri="{FF2B5EF4-FFF2-40B4-BE49-F238E27FC236}">
+                <a16:creationId xmlns:a16="http://schemas.microsoft.com/office/drawing/2014/main" id="{63736EF7-7D31-44F6-A93B-CDF6ED58EED4}"/>
+              </a:ext>
+            </a:extLst>
+          </p:cNvPr>
+          <p:cNvCxnSpPr/>
+          <p:nvPr/>
+        </p:nvCxnSpPr>
+        <p:spPr>
+          <a:xfrm>
+            <a:off x="1129552" y="2720787"/>
+            <a:ext cx="0" cy="712695"/>
+          </a:xfrm>
+          <a:prstGeom prst="line">
+            <a:avLst/>
+          </a:prstGeom>
+          <a:ln w="76200">
+            <a:solidFill>
+              <a:schemeClr val="accent1"/>
+            </a:solidFill>
+          </a:ln>
+        </p:spPr>
+        <p:style>
+          <a:lnRef idx="1">
+            <a:schemeClr val="accent1"/>
+          </a:lnRef>
+          <a:fillRef idx="0">
+            <a:schemeClr val="accent1"/>
+          </a:fillRef>
+          <a:effectRef idx="0">
+            <a:schemeClr val="accent1"/>
+          </a:effectRef>
+          <a:fontRef idx="minor">
+            <a:schemeClr val="tx1"/>
+          </a:fontRef>
+        </p:style>
+      </p:cxnSp>
+      <p:sp>
+        <p:nvSpPr>
+          <p:cNvPr id="15" name="Oval 14">
+            <a:extLst>
+              <a:ext uri="{FF2B5EF4-FFF2-40B4-BE49-F238E27FC236}">
+                <a16:creationId xmlns:a16="http://schemas.microsoft.com/office/drawing/2014/main" id="{00071EC9-365E-42B7-81DA-25B9E75C992F}"/>
+              </a:ext>
+            </a:extLst>
+          </p:cNvPr>
+          <p:cNvSpPr/>
+          <p:nvPr/>
+        </p:nvSpPr>
+        <p:spPr>
+          <a:xfrm>
+            <a:off x="2725270" y="2747682"/>
+            <a:ext cx="766482" cy="627528"/>
+          </a:xfrm>
+          <a:prstGeom prst="ellipse">
+            <a:avLst/>
+          </a:prstGeom>
+        </p:spPr>
+        <p:style>
+          <a:lnRef idx="2">
+            <a:schemeClr val="accent1">
+              <a:shade val="50000"/>
+            </a:schemeClr>
+          </a:lnRef>
+          <a:fillRef idx="1">
+            <a:schemeClr val="accent1"/>
+          </a:fillRef>
+          <a:effectRef idx="0">
+            <a:schemeClr val="accent1"/>
+          </a:effectRef>
+          <a:fontRef idx="minor">
+            <a:schemeClr val="lt1"/>
+          </a:fontRef>
+        </p:style>
+        <p:txBody>
+          <a:bodyPr rtlCol="0" anchor="ctr"/>
+          <a:lstStyle/>
+          <a:p>
+            <a:pPr algn="ctr"/>
+            <a:endParaRPr lang="fr-FR"/>
+          </a:p>
+        </p:txBody>
+      </p:sp>
+      <p:sp>
+        <p:nvSpPr>
+          <p:cNvPr id="16" name="Oval 15">
+            <a:extLst>
+              <a:ext uri="{FF2B5EF4-FFF2-40B4-BE49-F238E27FC236}">
+                <a16:creationId xmlns:a16="http://schemas.microsoft.com/office/drawing/2014/main" id="{C7897E98-0AA3-4DB8-9DB5-ABD509EAF085}"/>
+              </a:ext>
+            </a:extLst>
+          </p:cNvPr>
+          <p:cNvSpPr/>
+          <p:nvPr/>
+        </p:nvSpPr>
+        <p:spPr>
+          <a:xfrm>
+            <a:off x="5750859" y="2720787"/>
+            <a:ext cx="766482" cy="627528"/>
+          </a:xfrm>
+          <a:prstGeom prst="ellipse">
+            <a:avLst/>
+          </a:prstGeom>
+        </p:spPr>
+        <p:style>
+          <a:lnRef idx="2">
+            <a:schemeClr val="accent1">
+              <a:shade val="50000"/>
+            </a:schemeClr>
+          </a:lnRef>
+          <a:fillRef idx="1">
+            <a:schemeClr val="accent1"/>
+          </a:fillRef>
+          <a:effectRef idx="0">
+            <a:schemeClr val="accent1"/>
+          </a:effectRef>
+          <a:fontRef idx="minor">
+            <a:schemeClr val="lt1"/>
+          </a:fontRef>
+        </p:style>
+        <p:txBody>
+          <a:bodyPr rtlCol="0" anchor="ctr"/>
+          <a:lstStyle/>
+          <a:p>
+            <a:pPr algn="ctr"/>
+            <a:endParaRPr lang="fr-FR"/>
+          </a:p>
+        </p:txBody>
+      </p:sp>
+      <p:sp>
+        <p:nvSpPr>
+          <p:cNvPr id="17" name="Oval 16">
+            <a:extLst>
+              <a:ext uri="{FF2B5EF4-FFF2-40B4-BE49-F238E27FC236}">
+                <a16:creationId xmlns:a16="http://schemas.microsoft.com/office/drawing/2014/main" id="{0BEEE96E-9B27-4870-97B0-6D1962959FD6}"/>
+              </a:ext>
+            </a:extLst>
+          </p:cNvPr>
+          <p:cNvSpPr/>
+          <p:nvPr/>
+        </p:nvSpPr>
+        <p:spPr>
+          <a:xfrm>
+            <a:off x="6911789" y="2743200"/>
+            <a:ext cx="766482" cy="627528"/>
+          </a:xfrm>
+          <a:prstGeom prst="ellipse">
+            <a:avLst/>
+          </a:prstGeom>
+        </p:spPr>
+        <p:style>
+          <a:lnRef idx="2">
+            <a:schemeClr val="accent1">
+              <a:shade val="50000"/>
+            </a:schemeClr>
+          </a:lnRef>
+          <a:fillRef idx="1">
+            <a:schemeClr val="accent1"/>
+          </a:fillRef>
+          <a:effectRef idx="0">
+            <a:schemeClr val="accent1"/>
+          </a:effectRef>
+          <a:fontRef idx="minor">
+            <a:schemeClr val="lt1"/>
+          </a:fontRef>
+        </p:style>
+        <p:txBody>
+          <a:bodyPr rtlCol="0" anchor="ctr"/>
+          <a:lstStyle/>
+          <a:p>
+            <a:pPr algn="ctr"/>
+            <a:endParaRPr lang="fr-FR"/>
+          </a:p>
+        </p:txBody>
+      </p:sp>
+      <p:cxnSp>
+        <p:nvCxnSpPr>
+          <p:cNvPr id="18" name="Straight Connector 17">
+            <a:extLst>
+              <a:ext uri="{FF2B5EF4-FFF2-40B4-BE49-F238E27FC236}">
+                <a16:creationId xmlns:a16="http://schemas.microsoft.com/office/drawing/2014/main" id="{C8EB20EA-EB18-4DA5-9414-C6EF52C8655E}"/>
+              </a:ext>
+            </a:extLst>
+          </p:cNvPr>
+          <p:cNvCxnSpPr/>
+          <p:nvPr/>
+        </p:nvCxnSpPr>
+        <p:spPr>
+          <a:xfrm>
+            <a:off x="8606117" y="2658035"/>
+            <a:ext cx="0" cy="869576"/>
+          </a:xfrm>
+          <a:prstGeom prst="line">
+            <a:avLst/>
+          </a:prstGeom>
+          <a:ln w="76200">
+            <a:solidFill>
+              <a:schemeClr val="accent1"/>
+            </a:solidFill>
+          </a:ln>
+        </p:spPr>
+        <p:style>
+          <a:lnRef idx="1">
+            <a:schemeClr val="accent1"/>
+          </a:lnRef>
+          <a:fillRef idx="0">
+            <a:schemeClr val="accent1"/>
+          </a:fillRef>
+          <a:effectRef idx="0">
+            <a:schemeClr val="accent1"/>
+          </a:effectRef>
+          <a:fontRef idx="minor">
+            <a:schemeClr val="tx1"/>
+          </a:fontRef>
+        </p:style>
+      </p:cxnSp>
+      <p:sp>
+        <p:nvSpPr>
+          <p:cNvPr id="19" name="Oval 18">
+            <a:extLst>
+              <a:ext uri="{FF2B5EF4-FFF2-40B4-BE49-F238E27FC236}">
+                <a16:creationId xmlns:a16="http://schemas.microsoft.com/office/drawing/2014/main" id="{B426E003-F276-4F2A-9C5F-25D2AAF4B10D}"/>
+              </a:ext>
+            </a:extLst>
+          </p:cNvPr>
+          <p:cNvSpPr/>
+          <p:nvPr/>
+        </p:nvSpPr>
+        <p:spPr>
+          <a:xfrm>
+            <a:off x="777689" y="2743200"/>
+            <a:ext cx="766482" cy="627528"/>
+          </a:xfrm>
+          <a:prstGeom prst="ellipse">
+            <a:avLst/>
+          </a:prstGeom>
+        </p:spPr>
+        <p:style>
+          <a:lnRef idx="2">
+            <a:schemeClr val="accent1">
+              <a:shade val="50000"/>
+            </a:schemeClr>
+          </a:lnRef>
+          <a:fillRef idx="1">
+            <a:schemeClr val="accent1"/>
+          </a:fillRef>
+          <a:effectRef idx="0">
+            <a:schemeClr val="accent1"/>
+          </a:effectRef>
+          <a:fontRef idx="minor">
+            <a:schemeClr val="lt1"/>
+          </a:fontRef>
+        </p:style>
+        <p:txBody>
+          <a:bodyPr rtlCol="0" anchor="ctr"/>
+          <a:lstStyle/>
+          <a:p>
+            <a:pPr algn="ctr"/>
+            <a:endParaRPr lang="fr-FR"/>
+          </a:p>
+        </p:txBody>
+      </p:sp>
+    </p:spTree>
+    <p:extLst>
+      <p:ext uri="{BB962C8B-B14F-4D97-AF65-F5344CB8AC3E}">
+        <p14:creationId xmlns:p14="http://schemas.microsoft.com/office/powerpoint/2010/main" val="1776554709"/>
+      </p:ext>
+    </p:extLst>
+  </p:cSld>
+  <p:clrMapOvr>
+    <a:masterClrMapping/>
+  </p:clrMapOvr>
+</p:sld>
+</file>
+
+<file path=ppt/slides/slide19.xml><?xml version="1.0" encoding="utf-8"?>
+<p:sld xmlns:a="http://schemas.openxmlformats.org/drawingml/2006/main" xmlns:r="http://schemas.openxmlformats.org/officeDocument/2006/relationships" xmlns:p="http://schemas.openxmlformats.org/presentationml/2006/main">
+  <p:cSld>
+    <p:spTree>
+      <p:nvGrpSpPr>
+        <p:cNvPr id="1" name=""/>
+        <p:cNvGrpSpPr/>
+        <p:nvPr/>
+      </p:nvGrpSpPr>
+      <p:grpSpPr>
+        <a:xfrm>
+          <a:off x="0" y="0"/>
+          <a:ext cx="0" cy="0"/>
+          <a:chOff x="0" y="0"/>
+          <a:chExt cx="0" cy="0"/>
+        </a:xfrm>
+      </p:grpSpPr>
+      <p:sp>
+        <p:nvSpPr>
+          <p:cNvPr id="2" name="Rectangle 1">
+            <a:extLst>
+              <a:ext uri="{FF2B5EF4-FFF2-40B4-BE49-F238E27FC236}">
+                <a16:creationId xmlns:a16="http://schemas.microsoft.com/office/drawing/2014/main" id="{57B72ED9-221B-4218-9626-887A8CFE5159}"/>
+              </a:ext>
+            </a:extLst>
+          </p:cNvPr>
+          <p:cNvSpPr/>
+          <p:nvPr/>
+        </p:nvSpPr>
+        <p:spPr>
+          <a:xfrm>
+            <a:off x="968188" y="2532529"/>
+            <a:ext cx="2205318" cy="1694330"/>
+          </a:xfrm>
+          <a:prstGeom prst="rect">
+            <a:avLst/>
+          </a:prstGeom>
+        </p:spPr>
+        <p:style>
+          <a:lnRef idx="2">
+            <a:schemeClr val="accent1">
+              <a:shade val="50000"/>
+            </a:schemeClr>
+          </a:lnRef>
+          <a:fillRef idx="1">
+            <a:schemeClr val="accent1"/>
+          </a:fillRef>
+          <a:effectRef idx="0">
+            <a:schemeClr val="accent1"/>
+          </a:effectRef>
+          <a:fontRef idx="minor">
+            <a:schemeClr val="lt1"/>
+          </a:fontRef>
+        </p:style>
+        <p:txBody>
+          <a:bodyPr rtlCol="0" anchor="ctr"/>
+          <a:lstStyle/>
+          <a:p>
+            <a:pPr algn="ctr"/>
+            <a:r>
+              <a:rPr lang="fr-FR" dirty="0"/>
+              <a:t>chrome</a:t>
+            </a:r>
+          </a:p>
+        </p:txBody>
+      </p:sp>
+      <p:sp>
+        <p:nvSpPr>
+          <p:cNvPr id="3" name="Rectangle 2">
+            <a:extLst>
+              <a:ext uri="{FF2B5EF4-FFF2-40B4-BE49-F238E27FC236}">
+                <a16:creationId xmlns:a16="http://schemas.microsoft.com/office/drawing/2014/main" id="{A93DE89A-C35D-4062-BBDD-547B5E16DA1F}"/>
+              </a:ext>
+            </a:extLst>
+          </p:cNvPr>
+          <p:cNvSpPr/>
+          <p:nvPr/>
+        </p:nvSpPr>
+        <p:spPr>
+          <a:xfrm>
+            <a:off x="7485529" y="887505"/>
+            <a:ext cx="2205318" cy="1694330"/>
+          </a:xfrm>
+          <a:prstGeom prst="rect">
+            <a:avLst/>
+          </a:prstGeom>
+        </p:spPr>
+        <p:style>
+          <a:lnRef idx="2">
+            <a:schemeClr val="accent1">
+              <a:shade val="50000"/>
+            </a:schemeClr>
+          </a:lnRef>
+          <a:fillRef idx="1">
+            <a:schemeClr val="accent1"/>
+          </a:fillRef>
+          <a:effectRef idx="0">
+            <a:schemeClr val="accent1"/>
+          </a:effectRef>
+          <a:fontRef idx="minor">
+            <a:schemeClr val="lt1"/>
+          </a:fontRef>
+        </p:style>
+        <p:txBody>
+          <a:bodyPr rtlCol="0" anchor="ctr"/>
+          <a:lstStyle/>
+          <a:p>
+            <a:pPr algn="ctr"/>
+            <a:endParaRPr lang="fr-FR" dirty="0"/>
+          </a:p>
+        </p:txBody>
+      </p:sp>
+      <p:sp>
+        <p:nvSpPr>
+          <p:cNvPr id="4" name="Rectangle 3">
+            <a:extLst>
+              <a:ext uri="{FF2B5EF4-FFF2-40B4-BE49-F238E27FC236}">
+                <a16:creationId xmlns:a16="http://schemas.microsoft.com/office/drawing/2014/main" id="{AB7DC6C4-3560-43BD-AF25-A382DD1402B6}"/>
+              </a:ext>
+            </a:extLst>
+          </p:cNvPr>
+          <p:cNvSpPr/>
+          <p:nvPr/>
+        </p:nvSpPr>
+        <p:spPr>
+          <a:xfrm>
+            <a:off x="7817223" y="4397187"/>
+            <a:ext cx="2205318" cy="1694330"/>
+          </a:xfrm>
+          <a:prstGeom prst="rect">
+            <a:avLst/>
+          </a:prstGeom>
+        </p:spPr>
+        <p:style>
+          <a:lnRef idx="2">
+            <a:schemeClr val="accent1">
+              <a:shade val="50000"/>
+            </a:schemeClr>
+          </a:lnRef>
+          <a:fillRef idx="1">
+            <a:schemeClr val="accent1"/>
+          </a:fillRef>
+          <a:effectRef idx="0">
+            <a:schemeClr val="accent1"/>
+          </a:effectRef>
+          <a:fontRef idx="minor">
+            <a:schemeClr val="lt1"/>
+          </a:fontRef>
+        </p:style>
+        <p:txBody>
+          <a:bodyPr rtlCol="0" anchor="ctr"/>
+          <a:lstStyle/>
+          <a:p>
+            <a:pPr algn="ctr"/>
+            <a:endParaRPr lang="fr-FR"/>
+          </a:p>
+        </p:txBody>
+      </p:sp>
+      <p:sp>
+        <p:nvSpPr>
+          <p:cNvPr id="5" name="TextBox 4">
+            <a:extLst>
+              <a:ext uri="{FF2B5EF4-FFF2-40B4-BE49-F238E27FC236}">
+                <a16:creationId xmlns:a16="http://schemas.microsoft.com/office/drawing/2014/main" id="{619B6806-7814-41B0-A1B2-EF4FD20B892E}"/>
+              </a:ext>
+            </a:extLst>
+          </p:cNvPr>
+          <p:cNvSpPr txBox="1"/>
+          <p:nvPr/>
+        </p:nvSpPr>
+        <p:spPr>
+          <a:xfrm>
+            <a:off x="7431741" y="475129"/>
+            <a:ext cx="1557158" cy="369332"/>
+          </a:xfrm>
+          <a:prstGeom prst="rect">
+            <a:avLst/>
+          </a:prstGeom>
+          <a:noFill/>
+        </p:spPr>
+        <p:txBody>
+          <a:bodyPr wrap="none" rtlCol="0">
+            <a:spAutoFit/>
+          </a:bodyPr>
+          <a:lstStyle/>
+          <a:p>
+            <a:r>
+              <a:rPr lang="fr-FR" dirty="0"/>
+              <a:t>localhost:4200</a:t>
+            </a:r>
+          </a:p>
+        </p:txBody>
+      </p:sp>
+      <p:sp>
+        <p:nvSpPr>
+          <p:cNvPr id="6" name="TextBox 5">
+            <a:extLst>
+              <a:ext uri="{FF2B5EF4-FFF2-40B4-BE49-F238E27FC236}">
+                <a16:creationId xmlns:a16="http://schemas.microsoft.com/office/drawing/2014/main" id="{71280D5B-7404-4C43-B9AE-17571DA88A4B}"/>
+              </a:ext>
+            </a:extLst>
+          </p:cNvPr>
+          <p:cNvSpPr txBox="1"/>
+          <p:nvPr/>
+        </p:nvSpPr>
+        <p:spPr>
+          <a:xfrm>
+            <a:off x="7817223" y="3962400"/>
+            <a:ext cx="1557158" cy="369332"/>
+          </a:xfrm>
+          <a:prstGeom prst="rect">
+            <a:avLst/>
+          </a:prstGeom>
+          <a:noFill/>
+        </p:spPr>
+        <p:txBody>
+          <a:bodyPr wrap="none" rtlCol="0">
+            <a:spAutoFit/>
+          </a:bodyPr>
+          <a:lstStyle/>
+          <a:p>
+            <a:r>
+              <a:rPr lang="fr-FR" dirty="0"/>
+              <a:t>localhost:3000</a:t>
+            </a:r>
+          </a:p>
+        </p:txBody>
+      </p:sp>
+      <p:cxnSp>
+        <p:nvCxnSpPr>
+          <p:cNvPr id="8" name="Straight Arrow Connector 7">
+            <a:extLst>
+              <a:ext uri="{FF2B5EF4-FFF2-40B4-BE49-F238E27FC236}">
+                <a16:creationId xmlns:a16="http://schemas.microsoft.com/office/drawing/2014/main" id="{99B3FAF3-ED59-4894-BD61-6A79342ACC63}"/>
+              </a:ext>
+            </a:extLst>
+          </p:cNvPr>
+          <p:cNvCxnSpPr/>
+          <p:nvPr/>
+        </p:nvCxnSpPr>
+        <p:spPr>
+          <a:xfrm flipV="1">
+            <a:off x="3110753" y="1524000"/>
+            <a:ext cx="4374776" cy="1380565"/>
+          </a:xfrm>
+          <a:prstGeom prst="straightConnector1">
+            <a:avLst/>
+          </a:prstGeom>
+          <a:ln w="76200">
+            <a:solidFill>
+              <a:schemeClr val="accent1"/>
+            </a:solidFill>
+            <a:tailEnd type="triangle"/>
+          </a:ln>
+        </p:spPr>
+        <p:style>
+          <a:lnRef idx="1">
+            <a:schemeClr val="accent1"/>
+          </a:lnRef>
+          <a:fillRef idx="0">
+            <a:schemeClr val="accent1"/>
+          </a:fillRef>
+          <a:effectRef idx="0">
+            <a:schemeClr val="accent1"/>
+          </a:effectRef>
+          <a:fontRef idx="minor">
+            <a:schemeClr val="tx1"/>
+          </a:fontRef>
+        </p:style>
+      </p:cxnSp>
+      <p:cxnSp>
+        <p:nvCxnSpPr>
+          <p:cNvPr id="10" name="Straight Arrow Connector 9">
+            <a:extLst>
+              <a:ext uri="{FF2B5EF4-FFF2-40B4-BE49-F238E27FC236}">
+                <a16:creationId xmlns:a16="http://schemas.microsoft.com/office/drawing/2014/main" id="{08CA8761-A018-4802-ADC3-4EBDCD4C3F49}"/>
+              </a:ext>
+            </a:extLst>
+          </p:cNvPr>
+          <p:cNvCxnSpPr/>
+          <p:nvPr/>
+        </p:nvCxnSpPr>
+        <p:spPr>
+          <a:xfrm flipH="1">
+            <a:off x="3142130" y="2191871"/>
+            <a:ext cx="4419599" cy="1385047"/>
+          </a:xfrm>
+          <a:prstGeom prst="straightConnector1">
+            <a:avLst/>
+          </a:prstGeom>
+          <a:ln w="76200">
+            <a:solidFill>
+              <a:schemeClr val="accent1"/>
+            </a:solidFill>
+            <a:tailEnd type="triangle"/>
+          </a:ln>
+        </p:spPr>
+        <p:style>
+          <a:lnRef idx="1">
+            <a:schemeClr val="accent1"/>
+          </a:lnRef>
+          <a:fillRef idx="0">
+            <a:schemeClr val="accent1"/>
+          </a:fillRef>
+          <a:effectRef idx="0">
+            <a:schemeClr val="accent1"/>
+          </a:effectRef>
+          <a:fontRef idx="minor">
+            <a:schemeClr val="tx1"/>
+          </a:fontRef>
+        </p:style>
+      </p:cxnSp>
+      <p:sp>
+        <p:nvSpPr>
+          <p:cNvPr id="15" name="Rectangle 14">
+            <a:extLst>
+              <a:ext uri="{FF2B5EF4-FFF2-40B4-BE49-F238E27FC236}">
+                <a16:creationId xmlns:a16="http://schemas.microsoft.com/office/drawing/2014/main" id="{83631E31-1296-46E0-8560-A4396C41E243}"/>
+              </a:ext>
+            </a:extLst>
+          </p:cNvPr>
+          <p:cNvSpPr/>
+          <p:nvPr/>
+        </p:nvSpPr>
+        <p:spPr>
+          <a:xfrm>
+            <a:off x="2398059" y="3845859"/>
+            <a:ext cx="744071" cy="739588"/>
+          </a:xfrm>
+          <a:prstGeom prst="rect">
+            <a:avLst/>
+          </a:prstGeom>
+        </p:spPr>
+        <p:style>
+          <a:lnRef idx="2">
+            <a:schemeClr val="accent2">
+              <a:shade val="50000"/>
+            </a:schemeClr>
+          </a:lnRef>
+          <a:fillRef idx="1">
+            <a:schemeClr val="accent2"/>
+          </a:fillRef>
+          <a:effectRef idx="0">
+            <a:schemeClr val="accent2"/>
+          </a:effectRef>
+          <a:fontRef idx="minor">
+            <a:schemeClr val="lt1"/>
+          </a:fontRef>
+        </p:style>
+        <p:txBody>
+          <a:bodyPr rtlCol="0" anchor="ctr"/>
+          <a:lstStyle/>
+          <a:p>
+            <a:pPr algn="ctr"/>
+            <a:r>
+              <a:rPr lang="fr-FR" dirty="0"/>
+              <a:t>CORS</a:t>
+            </a:r>
+          </a:p>
+        </p:txBody>
+      </p:sp>
+      <p:cxnSp>
+        <p:nvCxnSpPr>
+          <p:cNvPr id="17" name="Straight Arrow Connector 16">
+            <a:extLst>
+              <a:ext uri="{FF2B5EF4-FFF2-40B4-BE49-F238E27FC236}">
+                <a16:creationId xmlns:a16="http://schemas.microsoft.com/office/drawing/2014/main" id="{7737C507-1CAC-44B8-A5B9-7AE86E71A848}"/>
+              </a:ext>
+            </a:extLst>
+          </p:cNvPr>
+          <p:cNvCxnSpPr/>
+          <p:nvPr/>
+        </p:nvCxnSpPr>
+        <p:spPr>
+          <a:xfrm flipV="1">
+            <a:off x="3236259" y="2420471"/>
+            <a:ext cx="4249270" cy="1591235"/>
+          </a:xfrm>
+          <a:prstGeom prst="straightConnector1">
+            <a:avLst/>
+          </a:prstGeom>
+          <a:ln w="76200">
+            <a:solidFill>
+              <a:schemeClr val="accent1"/>
+            </a:solidFill>
+            <a:tailEnd type="triangle"/>
+          </a:ln>
+        </p:spPr>
+        <p:style>
+          <a:lnRef idx="1">
+            <a:schemeClr val="accent1"/>
+          </a:lnRef>
+          <a:fillRef idx="0">
+            <a:schemeClr val="accent1"/>
+          </a:fillRef>
+          <a:effectRef idx="0">
+            <a:schemeClr val="accent1"/>
+          </a:effectRef>
+          <a:fontRef idx="minor">
+            <a:schemeClr val="tx1"/>
+          </a:fontRef>
+        </p:style>
+      </p:cxnSp>
+      <p:cxnSp>
+        <p:nvCxnSpPr>
+          <p:cNvPr id="19" name="Straight Arrow Connector 18">
+            <a:extLst>
+              <a:ext uri="{FF2B5EF4-FFF2-40B4-BE49-F238E27FC236}">
+                <a16:creationId xmlns:a16="http://schemas.microsoft.com/office/drawing/2014/main" id="{D3A68FFA-5582-47E4-A9EC-1A5589623792}"/>
+              </a:ext>
+            </a:extLst>
+          </p:cNvPr>
+          <p:cNvCxnSpPr>
+            <a:endCxn id="15" idx="3"/>
+          </p:cNvCxnSpPr>
+          <p:nvPr/>
+        </p:nvCxnSpPr>
+        <p:spPr>
+          <a:xfrm flipH="1">
+            <a:off x="3142130" y="2581835"/>
+            <a:ext cx="4482352" cy="1633818"/>
+          </a:xfrm>
+          <a:prstGeom prst="straightConnector1">
+            <a:avLst/>
+          </a:prstGeom>
+          <a:ln w="76200">
+            <a:solidFill>
+              <a:schemeClr val="accent1"/>
+            </a:solidFill>
+            <a:tailEnd type="triangle"/>
+          </a:ln>
+        </p:spPr>
+        <p:style>
+          <a:lnRef idx="1">
+            <a:schemeClr val="accent1"/>
+          </a:lnRef>
+          <a:fillRef idx="0">
+            <a:schemeClr val="accent1"/>
+          </a:fillRef>
+          <a:effectRef idx="0">
+            <a:schemeClr val="accent1"/>
+          </a:effectRef>
+          <a:fontRef idx="minor">
+            <a:schemeClr val="tx1"/>
+          </a:fontRef>
+        </p:style>
+      </p:cxnSp>
+      <p:cxnSp>
+        <p:nvCxnSpPr>
+          <p:cNvPr id="21" name="Straight Arrow Connector 20">
+            <a:extLst>
+              <a:ext uri="{FF2B5EF4-FFF2-40B4-BE49-F238E27FC236}">
+                <a16:creationId xmlns:a16="http://schemas.microsoft.com/office/drawing/2014/main" id="{129B7CA8-8400-4D63-971B-DB74A262E117}"/>
+              </a:ext>
+            </a:extLst>
+          </p:cNvPr>
+          <p:cNvCxnSpPr/>
+          <p:nvPr/>
+        </p:nvCxnSpPr>
+        <p:spPr>
+          <a:xfrm>
+            <a:off x="8041341" y="2624879"/>
+            <a:ext cx="92348" cy="1706853"/>
+          </a:xfrm>
+          <a:prstGeom prst="straightConnector1">
+            <a:avLst/>
+          </a:prstGeom>
+          <a:ln w="76200">
+            <a:solidFill>
+              <a:schemeClr val="accent1"/>
+            </a:solidFill>
+            <a:tailEnd type="triangle"/>
+          </a:ln>
+        </p:spPr>
+        <p:style>
+          <a:lnRef idx="1">
+            <a:schemeClr val="accent1"/>
+          </a:lnRef>
+          <a:fillRef idx="0">
+            <a:schemeClr val="accent1"/>
+          </a:fillRef>
+          <a:effectRef idx="0">
+            <a:schemeClr val="accent1"/>
+          </a:effectRef>
+          <a:fontRef idx="minor">
+            <a:schemeClr val="tx1"/>
+          </a:fontRef>
+        </p:style>
+      </p:cxnSp>
+      <p:cxnSp>
+        <p:nvCxnSpPr>
+          <p:cNvPr id="23" name="Straight Arrow Connector 22">
+            <a:extLst>
+              <a:ext uri="{FF2B5EF4-FFF2-40B4-BE49-F238E27FC236}">
+                <a16:creationId xmlns:a16="http://schemas.microsoft.com/office/drawing/2014/main" id="{3B31A942-72B9-4D70-A593-E4B4F5B00BD4}"/>
+              </a:ext>
+            </a:extLst>
+          </p:cNvPr>
+          <p:cNvCxnSpPr>
+            <a:stCxn id="6" idx="2"/>
+          </p:cNvCxnSpPr>
+          <p:nvPr/>
+        </p:nvCxnSpPr>
+        <p:spPr>
+          <a:xfrm flipH="1" flipV="1">
+            <a:off x="8435788" y="2559424"/>
+            <a:ext cx="160014" cy="1772308"/>
+          </a:xfrm>
+          <a:prstGeom prst="straightConnector1">
+            <a:avLst/>
+          </a:prstGeom>
+          <a:ln w="76200">
+            <a:solidFill>
+              <a:schemeClr val="accent1"/>
+            </a:solidFill>
+            <a:tailEnd type="triangle"/>
+          </a:ln>
+        </p:spPr>
+        <p:style>
+          <a:lnRef idx="1">
+            <a:schemeClr val="accent1"/>
+          </a:lnRef>
+          <a:fillRef idx="0">
+            <a:schemeClr val="accent1"/>
+          </a:fillRef>
+          <a:effectRef idx="0">
+            <a:schemeClr val="accent1"/>
+          </a:effectRef>
+          <a:fontRef idx="minor">
+            <a:schemeClr val="tx1"/>
+          </a:fontRef>
+        </p:style>
+      </p:cxnSp>
+    </p:spTree>
+    <p:extLst>
+      <p:ext uri="{BB962C8B-B14F-4D97-AF65-F5344CB8AC3E}">
+        <p14:creationId xmlns:p14="http://schemas.microsoft.com/office/powerpoint/2010/main" val="3842923328"/>
       </p:ext>
     </p:extLst>
   </p:cSld>
@@ -7980,6 +13615,2078 @@
     <p:extLst>
       <p:ext uri="{BB962C8B-B14F-4D97-AF65-F5344CB8AC3E}">
         <p14:creationId xmlns:p14="http://schemas.microsoft.com/office/powerpoint/2010/main" val="3259295471"/>
+      </p:ext>
+    </p:extLst>
+  </p:cSld>
+  <p:clrMapOvr>
+    <a:masterClrMapping/>
+  </p:clrMapOvr>
+</p:sld>
+</file>
+
+<file path=ppt/slides/slide20.xml><?xml version="1.0" encoding="utf-8"?>
+<p:sld xmlns:a="http://schemas.openxmlformats.org/drawingml/2006/main" xmlns:r="http://schemas.openxmlformats.org/officeDocument/2006/relationships" xmlns:p="http://schemas.openxmlformats.org/presentationml/2006/main">
+  <p:cSld>
+    <p:spTree>
+      <p:nvGrpSpPr>
+        <p:cNvPr id="1" name=""/>
+        <p:cNvGrpSpPr/>
+        <p:nvPr/>
+      </p:nvGrpSpPr>
+      <p:grpSpPr>
+        <a:xfrm>
+          <a:off x="0" y="0"/>
+          <a:ext cx="0" cy="0"/>
+          <a:chOff x="0" y="0"/>
+          <a:chExt cx="0" cy="0"/>
+        </a:xfrm>
+      </p:grpSpPr>
+      <p:sp>
+        <p:nvSpPr>
+          <p:cNvPr id="2" name="Title 1">
+            <a:extLst>
+              <a:ext uri="{FF2B5EF4-FFF2-40B4-BE49-F238E27FC236}">
+                <a16:creationId xmlns:a16="http://schemas.microsoft.com/office/drawing/2014/main" id="{6661F9D3-5421-4759-AE3B-8F1E02434A06}"/>
+              </a:ext>
+            </a:extLst>
+          </p:cNvPr>
+          <p:cNvSpPr>
+            <a:spLocks noGrp="1"/>
+          </p:cNvSpPr>
+          <p:nvPr>
+            <p:ph type="title"/>
+          </p:nvPr>
+        </p:nvSpPr>
+        <p:spPr/>
+        <p:txBody>
+          <a:bodyPr/>
+          <a:lstStyle/>
+          <a:p>
+            <a:r>
+              <a:rPr lang="fr-FR" dirty="0"/>
+              <a:t>Architecture globale</a:t>
+            </a:r>
+          </a:p>
+        </p:txBody>
+      </p:sp>
+      <p:sp>
+        <p:nvSpPr>
+          <p:cNvPr id="4" name="Footer Placeholder 3">
+            <a:extLst>
+              <a:ext uri="{FF2B5EF4-FFF2-40B4-BE49-F238E27FC236}">
+                <a16:creationId xmlns:a16="http://schemas.microsoft.com/office/drawing/2014/main" id="{321EE2D6-9989-42FE-BF79-BE2EEC0D4077}"/>
+              </a:ext>
+            </a:extLst>
+          </p:cNvPr>
+          <p:cNvSpPr>
+            <a:spLocks noGrp="1"/>
+          </p:cNvSpPr>
+          <p:nvPr>
+            <p:ph type="ftr" sz="quarter" idx="11"/>
+          </p:nvPr>
+        </p:nvSpPr>
+        <p:spPr/>
+        <p:txBody>
+          <a:bodyPr/>
+          <a:lstStyle/>
+          <a:p>
+            <a:r>
+              <a:rPr lang="fr-FR"/>
+              <a:t>@JLG Consulting</a:t>
+            </a:r>
+            <a:endParaRPr lang="fr-FR" dirty="0"/>
+          </a:p>
+        </p:txBody>
+      </p:sp>
+      <p:sp>
+        <p:nvSpPr>
+          <p:cNvPr id="5" name="Slide Number Placeholder 4">
+            <a:extLst>
+              <a:ext uri="{FF2B5EF4-FFF2-40B4-BE49-F238E27FC236}">
+                <a16:creationId xmlns:a16="http://schemas.microsoft.com/office/drawing/2014/main" id="{51F73A10-42A5-44BC-88A7-0C54DE7DA14D}"/>
+              </a:ext>
+            </a:extLst>
+          </p:cNvPr>
+          <p:cNvSpPr>
+            <a:spLocks noGrp="1"/>
+          </p:cNvSpPr>
+          <p:nvPr>
+            <p:ph type="sldNum" sz="quarter" idx="12"/>
+          </p:nvPr>
+        </p:nvSpPr>
+        <p:spPr/>
+        <p:txBody>
+          <a:bodyPr/>
+          <a:lstStyle/>
+          <a:p>
+            <a:fld id="{58C6F86D-B248-40EE-9D98-C59256F51133}" type="slidenum">
+              <a:rPr lang="fr-FR" smtClean="0"/>
+              <a:t>20</a:t>
+            </a:fld>
+            <a:endParaRPr lang="fr-FR" dirty="0"/>
+          </a:p>
+        </p:txBody>
+      </p:sp>
+      <p:sp>
+        <p:nvSpPr>
+          <p:cNvPr id="6" name="Rectangle 5">
+            <a:extLst>
+              <a:ext uri="{FF2B5EF4-FFF2-40B4-BE49-F238E27FC236}">
+                <a16:creationId xmlns:a16="http://schemas.microsoft.com/office/drawing/2014/main" id="{FA819B46-C0DE-443D-9D04-EF3860F9B7BE}"/>
+              </a:ext>
+            </a:extLst>
+          </p:cNvPr>
+          <p:cNvSpPr/>
+          <p:nvPr/>
+        </p:nvSpPr>
+        <p:spPr>
+          <a:xfrm>
+            <a:off x="2658325" y="3574757"/>
+            <a:ext cx="712490" cy="1872208"/>
+          </a:xfrm>
+          <a:prstGeom prst="rect">
+            <a:avLst/>
+          </a:prstGeom>
+        </p:spPr>
+        <p:style>
+          <a:lnRef idx="2">
+            <a:schemeClr val="accent1">
+              <a:shade val="50000"/>
+            </a:schemeClr>
+          </a:lnRef>
+          <a:fillRef idx="1">
+            <a:schemeClr val="accent1"/>
+          </a:fillRef>
+          <a:effectRef idx="0">
+            <a:schemeClr val="accent1"/>
+          </a:effectRef>
+          <a:fontRef idx="minor">
+            <a:schemeClr val="lt1"/>
+          </a:fontRef>
+        </p:style>
+        <p:txBody>
+          <a:bodyPr rtlCol="0" anchor="ctr"/>
+          <a:lstStyle/>
+          <a:p>
+            <a:pPr algn="ctr"/>
+            <a:r>
+              <a:rPr lang="fr-FR" dirty="0"/>
+              <a:t>Reverse proxy</a:t>
+            </a:r>
+          </a:p>
+        </p:txBody>
+      </p:sp>
+      <p:sp>
+        <p:nvSpPr>
+          <p:cNvPr id="11" name="TextBox 10">
+            <a:extLst>
+              <a:ext uri="{FF2B5EF4-FFF2-40B4-BE49-F238E27FC236}">
+                <a16:creationId xmlns:a16="http://schemas.microsoft.com/office/drawing/2014/main" id="{85C1270A-9D8E-4733-84D1-8B468A9A1792}"/>
+              </a:ext>
+            </a:extLst>
+          </p:cNvPr>
+          <p:cNvSpPr txBox="1"/>
+          <p:nvPr/>
+        </p:nvSpPr>
+        <p:spPr>
+          <a:xfrm>
+            <a:off x="1775521" y="5518974"/>
+            <a:ext cx="1981633" cy="646331"/>
+          </a:xfrm>
+          <a:prstGeom prst="rect">
+            <a:avLst/>
+          </a:prstGeom>
+          <a:noFill/>
+        </p:spPr>
+        <p:txBody>
+          <a:bodyPr wrap="none" rtlCol="0">
+            <a:spAutoFit/>
+          </a:bodyPr>
+          <a:lstStyle/>
+          <a:p>
+            <a:r>
+              <a:rPr lang="fr-FR" dirty="0"/>
+              <a:t>HTTPS </a:t>
+            </a:r>
+            <a:r>
+              <a:rPr lang="fr-FR" dirty="0" err="1"/>
+              <a:t>Termination</a:t>
+            </a:r>
+            <a:endParaRPr lang="fr-FR" dirty="0"/>
+          </a:p>
+          <a:p>
+            <a:r>
+              <a:rPr lang="fr-FR" dirty="0" err="1"/>
+              <a:t>Load</a:t>
+            </a:r>
+            <a:r>
+              <a:rPr lang="fr-FR" dirty="0"/>
+              <a:t> Balancing</a:t>
+            </a:r>
+          </a:p>
+        </p:txBody>
+      </p:sp>
+      <p:sp>
+        <p:nvSpPr>
+          <p:cNvPr id="12" name="Rectangle 11">
+            <a:extLst>
+              <a:ext uri="{FF2B5EF4-FFF2-40B4-BE49-F238E27FC236}">
+                <a16:creationId xmlns:a16="http://schemas.microsoft.com/office/drawing/2014/main" id="{68AA8225-77C6-4454-8EEE-B4A3D2085FDB}"/>
+              </a:ext>
+            </a:extLst>
+          </p:cNvPr>
+          <p:cNvSpPr/>
+          <p:nvPr/>
+        </p:nvSpPr>
+        <p:spPr>
+          <a:xfrm>
+            <a:off x="3719736" y="2566645"/>
+            <a:ext cx="5616624" cy="2088234"/>
+          </a:xfrm>
+          <a:prstGeom prst="rect">
+            <a:avLst/>
+          </a:prstGeom>
+          <a:noFill/>
+        </p:spPr>
+        <p:style>
+          <a:lnRef idx="2">
+            <a:schemeClr val="accent1">
+              <a:shade val="50000"/>
+            </a:schemeClr>
+          </a:lnRef>
+          <a:fillRef idx="1">
+            <a:schemeClr val="accent1"/>
+          </a:fillRef>
+          <a:effectRef idx="0">
+            <a:schemeClr val="accent1"/>
+          </a:effectRef>
+          <a:fontRef idx="minor">
+            <a:schemeClr val="lt1"/>
+          </a:fontRef>
+        </p:style>
+        <p:txBody>
+          <a:bodyPr rtlCol="0" anchor="ctr"/>
+          <a:lstStyle/>
+          <a:p>
+            <a:pPr algn="ctr"/>
+            <a:endParaRPr lang="fr-FR"/>
+          </a:p>
+        </p:txBody>
+      </p:sp>
+      <p:cxnSp>
+        <p:nvCxnSpPr>
+          <p:cNvPr id="14" name="Straight Arrow Connector 13">
+            <a:extLst>
+              <a:ext uri="{FF2B5EF4-FFF2-40B4-BE49-F238E27FC236}">
+                <a16:creationId xmlns:a16="http://schemas.microsoft.com/office/drawing/2014/main" id="{3C28FA9B-9C1E-4FF4-BCA5-5268CF623656}"/>
+              </a:ext>
+            </a:extLst>
+          </p:cNvPr>
+          <p:cNvCxnSpPr>
+            <a:cxnSpLocks/>
+            <a:stCxn id="6" idx="0"/>
+            <a:endCxn id="21" idx="1"/>
+          </p:cNvCxnSpPr>
+          <p:nvPr/>
+        </p:nvCxnSpPr>
+        <p:spPr>
+          <a:xfrm flipV="1">
+            <a:off x="3014570" y="3073009"/>
+            <a:ext cx="885186" cy="501749"/>
+          </a:xfrm>
+          <a:prstGeom prst="straightConnector1">
+            <a:avLst/>
+          </a:prstGeom>
+          <a:ln w="57150">
+            <a:solidFill>
+              <a:schemeClr val="accent1"/>
+            </a:solidFill>
+            <a:tailEnd type="triangle"/>
+          </a:ln>
+        </p:spPr>
+        <p:style>
+          <a:lnRef idx="1">
+            <a:schemeClr val="accent1"/>
+          </a:lnRef>
+          <a:fillRef idx="0">
+            <a:schemeClr val="accent1"/>
+          </a:fillRef>
+          <a:effectRef idx="0">
+            <a:schemeClr val="accent1"/>
+          </a:effectRef>
+          <a:fontRef idx="minor">
+            <a:schemeClr val="tx1"/>
+          </a:fontRef>
+        </p:style>
+      </p:cxnSp>
+      <p:sp>
+        <p:nvSpPr>
+          <p:cNvPr id="17" name="Rectangle 16">
+            <a:extLst>
+              <a:ext uri="{FF2B5EF4-FFF2-40B4-BE49-F238E27FC236}">
+                <a16:creationId xmlns:a16="http://schemas.microsoft.com/office/drawing/2014/main" id="{CFABBFF1-8BF9-41A5-AB96-7DD1887CF677}"/>
+              </a:ext>
+            </a:extLst>
+          </p:cNvPr>
+          <p:cNvSpPr/>
+          <p:nvPr/>
+        </p:nvSpPr>
+        <p:spPr>
+          <a:xfrm>
+            <a:off x="4943872" y="2782669"/>
+            <a:ext cx="936104" cy="576064"/>
+          </a:xfrm>
+          <a:prstGeom prst="rect">
+            <a:avLst/>
+          </a:prstGeom>
+        </p:spPr>
+        <p:style>
+          <a:lnRef idx="2">
+            <a:schemeClr val="accent1">
+              <a:shade val="50000"/>
+            </a:schemeClr>
+          </a:lnRef>
+          <a:fillRef idx="1">
+            <a:schemeClr val="accent1"/>
+          </a:fillRef>
+          <a:effectRef idx="0">
+            <a:schemeClr val="accent1"/>
+          </a:effectRef>
+          <a:fontRef idx="minor">
+            <a:schemeClr val="lt1"/>
+          </a:fontRef>
+        </p:style>
+        <p:txBody>
+          <a:bodyPr rtlCol="0" anchor="ctr"/>
+          <a:lstStyle/>
+          <a:p>
+            <a:pPr algn="ctr"/>
+            <a:r>
+              <a:rPr lang="fr-FR" dirty="0" err="1"/>
+              <a:t>AuthNZ</a:t>
+            </a:r>
+            <a:endParaRPr lang="fr-FR" dirty="0"/>
+          </a:p>
+        </p:txBody>
+      </p:sp>
+      <p:sp>
+        <p:nvSpPr>
+          <p:cNvPr id="18" name="Rectangle 17">
+            <a:extLst>
+              <a:ext uri="{FF2B5EF4-FFF2-40B4-BE49-F238E27FC236}">
+                <a16:creationId xmlns:a16="http://schemas.microsoft.com/office/drawing/2014/main" id="{CF63A684-9C26-490A-9A35-AE1E6D983B63}"/>
+              </a:ext>
+            </a:extLst>
+          </p:cNvPr>
+          <p:cNvSpPr/>
+          <p:nvPr/>
+        </p:nvSpPr>
+        <p:spPr>
+          <a:xfrm>
+            <a:off x="5951984" y="2782669"/>
+            <a:ext cx="936104" cy="576064"/>
+          </a:xfrm>
+          <a:prstGeom prst="rect">
+            <a:avLst/>
+          </a:prstGeom>
+        </p:spPr>
+        <p:style>
+          <a:lnRef idx="2">
+            <a:schemeClr val="accent1">
+              <a:shade val="50000"/>
+            </a:schemeClr>
+          </a:lnRef>
+          <a:fillRef idx="1">
+            <a:schemeClr val="accent1"/>
+          </a:fillRef>
+          <a:effectRef idx="0">
+            <a:schemeClr val="accent1"/>
+          </a:effectRef>
+          <a:fontRef idx="minor">
+            <a:schemeClr val="lt1"/>
+          </a:fontRef>
+        </p:style>
+        <p:txBody>
+          <a:bodyPr rtlCol="0" anchor="ctr"/>
+          <a:lstStyle/>
+          <a:p>
+            <a:pPr algn="ctr"/>
+            <a:r>
+              <a:rPr lang="fr-FR" dirty="0"/>
+              <a:t>Val/San</a:t>
+            </a:r>
+          </a:p>
+        </p:txBody>
+      </p:sp>
+      <p:sp>
+        <p:nvSpPr>
+          <p:cNvPr id="19" name="Rectangle 18">
+            <a:extLst>
+              <a:ext uri="{FF2B5EF4-FFF2-40B4-BE49-F238E27FC236}">
+                <a16:creationId xmlns:a16="http://schemas.microsoft.com/office/drawing/2014/main" id="{7C512F27-FAFB-4AB7-B0DE-CB966765E0F3}"/>
+              </a:ext>
+            </a:extLst>
+          </p:cNvPr>
+          <p:cNvSpPr/>
+          <p:nvPr/>
+        </p:nvSpPr>
+        <p:spPr>
+          <a:xfrm>
+            <a:off x="6960096" y="2782669"/>
+            <a:ext cx="2016224" cy="576064"/>
+          </a:xfrm>
+          <a:prstGeom prst="rect">
+            <a:avLst/>
+          </a:prstGeom>
+        </p:spPr>
+        <p:style>
+          <a:lnRef idx="2">
+            <a:schemeClr val="accent2">
+              <a:shade val="50000"/>
+            </a:schemeClr>
+          </a:lnRef>
+          <a:fillRef idx="1">
+            <a:schemeClr val="accent2"/>
+          </a:fillRef>
+          <a:effectRef idx="0">
+            <a:schemeClr val="accent2"/>
+          </a:effectRef>
+          <a:fontRef idx="minor">
+            <a:schemeClr val="lt1"/>
+          </a:fontRef>
+        </p:style>
+        <p:txBody>
+          <a:bodyPr rtlCol="0" anchor="ctr"/>
+          <a:lstStyle/>
+          <a:p>
+            <a:pPr algn="ctr"/>
+            <a:r>
+              <a:rPr lang="fr-FR" dirty="0"/>
+              <a:t>Métier</a:t>
+            </a:r>
+          </a:p>
+        </p:txBody>
+      </p:sp>
+      <p:sp>
+        <p:nvSpPr>
+          <p:cNvPr id="20" name="Rectangle 19">
+            <a:extLst>
+              <a:ext uri="{FF2B5EF4-FFF2-40B4-BE49-F238E27FC236}">
+                <a16:creationId xmlns:a16="http://schemas.microsoft.com/office/drawing/2014/main" id="{EE2BA8B5-781A-4E5D-9920-8416CEB9C168}"/>
+              </a:ext>
+            </a:extLst>
+          </p:cNvPr>
+          <p:cNvSpPr/>
+          <p:nvPr/>
+        </p:nvSpPr>
+        <p:spPr>
+          <a:xfrm>
+            <a:off x="3935760" y="3754776"/>
+            <a:ext cx="936104" cy="576064"/>
+          </a:xfrm>
+          <a:prstGeom prst="rect">
+            <a:avLst/>
+          </a:prstGeom>
+        </p:spPr>
+        <p:style>
+          <a:lnRef idx="2">
+            <a:schemeClr val="accent1">
+              <a:shade val="50000"/>
+            </a:schemeClr>
+          </a:lnRef>
+          <a:fillRef idx="1">
+            <a:schemeClr val="accent1"/>
+          </a:fillRef>
+          <a:effectRef idx="0">
+            <a:schemeClr val="accent1"/>
+          </a:effectRef>
+          <a:fontRef idx="minor">
+            <a:schemeClr val="lt1"/>
+          </a:fontRef>
+        </p:style>
+        <p:txBody>
+          <a:bodyPr rtlCol="0" anchor="ctr"/>
+          <a:lstStyle/>
+          <a:p>
+            <a:pPr algn="ctr"/>
+            <a:r>
+              <a:rPr lang="fr-FR" dirty="0"/>
+              <a:t>CORS</a:t>
+            </a:r>
+          </a:p>
+        </p:txBody>
+      </p:sp>
+      <p:sp>
+        <p:nvSpPr>
+          <p:cNvPr id="21" name="Rectangle 20">
+            <a:extLst>
+              <a:ext uri="{FF2B5EF4-FFF2-40B4-BE49-F238E27FC236}">
+                <a16:creationId xmlns:a16="http://schemas.microsoft.com/office/drawing/2014/main" id="{92554443-9C7A-4EF8-B041-74ECA1C1D647}"/>
+              </a:ext>
+            </a:extLst>
+          </p:cNvPr>
+          <p:cNvSpPr/>
+          <p:nvPr/>
+        </p:nvSpPr>
+        <p:spPr>
+          <a:xfrm>
+            <a:off x="3899756" y="2784976"/>
+            <a:ext cx="936104" cy="576064"/>
+          </a:xfrm>
+          <a:prstGeom prst="rect">
+            <a:avLst/>
+          </a:prstGeom>
+        </p:spPr>
+        <p:style>
+          <a:lnRef idx="2">
+            <a:schemeClr val="accent1">
+              <a:shade val="50000"/>
+            </a:schemeClr>
+          </a:lnRef>
+          <a:fillRef idx="1">
+            <a:schemeClr val="accent1"/>
+          </a:fillRef>
+          <a:effectRef idx="0">
+            <a:schemeClr val="accent1"/>
+          </a:effectRef>
+          <a:fontRef idx="minor">
+            <a:schemeClr val="lt1"/>
+          </a:fontRef>
+        </p:style>
+        <p:txBody>
+          <a:bodyPr rtlCol="0" anchor="ctr"/>
+          <a:lstStyle/>
+          <a:p>
+            <a:pPr algn="ctr"/>
+            <a:r>
+              <a:rPr lang="fr-FR" dirty="0"/>
+              <a:t>Monitoring</a:t>
+            </a:r>
+          </a:p>
+        </p:txBody>
+      </p:sp>
+      <p:sp>
+        <p:nvSpPr>
+          <p:cNvPr id="22" name="Rectangle 21">
+            <a:extLst>
+              <a:ext uri="{FF2B5EF4-FFF2-40B4-BE49-F238E27FC236}">
+                <a16:creationId xmlns:a16="http://schemas.microsoft.com/office/drawing/2014/main" id="{CB7ADD17-A7FD-4584-A593-D802A50BADCD}"/>
+              </a:ext>
+            </a:extLst>
+          </p:cNvPr>
+          <p:cNvSpPr/>
+          <p:nvPr/>
+        </p:nvSpPr>
+        <p:spPr>
+          <a:xfrm>
+            <a:off x="8133314" y="3836887"/>
+            <a:ext cx="936104" cy="576064"/>
+          </a:xfrm>
+          <a:prstGeom prst="rect">
+            <a:avLst/>
+          </a:prstGeom>
+        </p:spPr>
+        <p:style>
+          <a:lnRef idx="2">
+            <a:schemeClr val="accent1">
+              <a:shade val="50000"/>
+            </a:schemeClr>
+          </a:lnRef>
+          <a:fillRef idx="1">
+            <a:schemeClr val="accent1"/>
+          </a:fillRef>
+          <a:effectRef idx="0">
+            <a:schemeClr val="accent1"/>
+          </a:effectRef>
+          <a:fontRef idx="minor">
+            <a:schemeClr val="lt1"/>
+          </a:fontRef>
+        </p:style>
+        <p:txBody>
+          <a:bodyPr rtlCol="0" anchor="ctr"/>
+          <a:lstStyle/>
+          <a:p>
+            <a:pPr algn="ctr"/>
+            <a:r>
+              <a:rPr lang="fr-FR" dirty="0"/>
+              <a:t>Trace</a:t>
+            </a:r>
+          </a:p>
+        </p:txBody>
+      </p:sp>
+      <p:sp>
+        <p:nvSpPr>
+          <p:cNvPr id="23" name="Cylinder 22">
+            <a:extLst>
+              <a:ext uri="{FF2B5EF4-FFF2-40B4-BE49-F238E27FC236}">
+                <a16:creationId xmlns:a16="http://schemas.microsoft.com/office/drawing/2014/main" id="{8D1505BC-26FF-4C2D-9834-53C91B5DA536}"/>
+              </a:ext>
+            </a:extLst>
+          </p:cNvPr>
+          <p:cNvSpPr/>
+          <p:nvPr/>
+        </p:nvSpPr>
+        <p:spPr>
+          <a:xfrm>
+            <a:off x="7865181" y="5060204"/>
+            <a:ext cx="1512168" cy="1340051"/>
+          </a:xfrm>
+          <a:prstGeom prst="can">
+            <a:avLst/>
+          </a:prstGeom>
+        </p:spPr>
+        <p:style>
+          <a:lnRef idx="2">
+            <a:schemeClr val="accent3">
+              <a:shade val="50000"/>
+            </a:schemeClr>
+          </a:lnRef>
+          <a:fillRef idx="1">
+            <a:schemeClr val="accent3"/>
+          </a:fillRef>
+          <a:effectRef idx="0">
+            <a:schemeClr val="accent3"/>
+          </a:effectRef>
+          <a:fontRef idx="minor">
+            <a:schemeClr val="lt1"/>
+          </a:fontRef>
+        </p:style>
+        <p:txBody>
+          <a:bodyPr rtlCol="0" anchor="ctr"/>
+          <a:lstStyle/>
+          <a:p>
+            <a:pPr algn="ctr"/>
+            <a:r>
+              <a:rPr lang="fr-FR" dirty="0"/>
+              <a:t>Base métier</a:t>
+            </a:r>
+          </a:p>
+        </p:txBody>
+      </p:sp>
+      <p:cxnSp>
+        <p:nvCxnSpPr>
+          <p:cNvPr id="25" name="Straight Arrow Connector 24">
+            <a:extLst>
+              <a:ext uri="{FF2B5EF4-FFF2-40B4-BE49-F238E27FC236}">
+                <a16:creationId xmlns:a16="http://schemas.microsoft.com/office/drawing/2014/main" id="{152A4ABE-7B04-4F11-954E-3CF7FF17D71F}"/>
+              </a:ext>
+            </a:extLst>
+          </p:cNvPr>
+          <p:cNvCxnSpPr>
+            <a:stCxn id="21" idx="3"/>
+            <a:endCxn id="17" idx="1"/>
+          </p:cNvCxnSpPr>
+          <p:nvPr/>
+        </p:nvCxnSpPr>
+        <p:spPr>
+          <a:xfrm flipV="1">
+            <a:off x="4835860" y="3070702"/>
+            <a:ext cx="108012" cy="2307"/>
+          </a:xfrm>
+          <a:prstGeom prst="straightConnector1">
+            <a:avLst/>
+          </a:prstGeom>
+          <a:ln w="57150">
+            <a:solidFill>
+              <a:schemeClr val="accent1"/>
+            </a:solidFill>
+            <a:tailEnd type="triangle"/>
+          </a:ln>
+        </p:spPr>
+        <p:style>
+          <a:lnRef idx="1">
+            <a:schemeClr val="accent1"/>
+          </a:lnRef>
+          <a:fillRef idx="0">
+            <a:schemeClr val="accent1"/>
+          </a:fillRef>
+          <a:effectRef idx="0">
+            <a:schemeClr val="accent1"/>
+          </a:effectRef>
+          <a:fontRef idx="minor">
+            <a:schemeClr val="tx1"/>
+          </a:fontRef>
+        </p:style>
+      </p:cxnSp>
+      <p:cxnSp>
+        <p:nvCxnSpPr>
+          <p:cNvPr id="27" name="Straight Arrow Connector 26">
+            <a:extLst>
+              <a:ext uri="{FF2B5EF4-FFF2-40B4-BE49-F238E27FC236}">
+                <a16:creationId xmlns:a16="http://schemas.microsoft.com/office/drawing/2014/main" id="{A379AFF2-922C-4F42-B45B-1FA1EFA8FD17}"/>
+              </a:ext>
+            </a:extLst>
+          </p:cNvPr>
+          <p:cNvCxnSpPr>
+            <a:stCxn id="17" idx="3"/>
+            <a:endCxn id="18" idx="1"/>
+          </p:cNvCxnSpPr>
+          <p:nvPr/>
+        </p:nvCxnSpPr>
+        <p:spPr>
+          <a:xfrm>
+            <a:off x="5879976" y="3070701"/>
+            <a:ext cx="72008" cy="0"/>
+          </a:xfrm>
+          <a:prstGeom prst="straightConnector1">
+            <a:avLst/>
+          </a:prstGeom>
+          <a:ln w="57150">
+            <a:solidFill>
+              <a:schemeClr val="accent1"/>
+            </a:solidFill>
+            <a:tailEnd type="triangle"/>
+          </a:ln>
+        </p:spPr>
+        <p:style>
+          <a:lnRef idx="1">
+            <a:schemeClr val="accent1"/>
+          </a:lnRef>
+          <a:fillRef idx="0">
+            <a:schemeClr val="accent1"/>
+          </a:fillRef>
+          <a:effectRef idx="0">
+            <a:schemeClr val="accent1"/>
+          </a:effectRef>
+          <a:fontRef idx="minor">
+            <a:schemeClr val="tx1"/>
+          </a:fontRef>
+        </p:style>
+      </p:cxnSp>
+      <p:cxnSp>
+        <p:nvCxnSpPr>
+          <p:cNvPr id="29" name="Straight Arrow Connector 28">
+            <a:extLst>
+              <a:ext uri="{FF2B5EF4-FFF2-40B4-BE49-F238E27FC236}">
+                <a16:creationId xmlns:a16="http://schemas.microsoft.com/office/drawing/2014/main" id="{905554B2-046F-47FD-8E1F-CA8A80F86574}"/>
+              </a:ext>
+            </a:extLst>
+          </p:cNvPr>
+          <p:cNvCxnSpPr>
+            <a:cxnSpLocks/>
+            <a:stCxn id="18" idx="3"/>
+            <a:endCxn id="19" idx="1"/>
+          </p:cNvCxnSpPr>
+          <p:nvPr/>
+        </p:nvCxnSpPr>
+        <p:spPr>
+          <a:xfrm>
+            <a:off x="6888088" y="3070701"/>
+            <a:ext cx="72008" cy="0"/>
+          </a:xfrm>
+          <a:prstGeom prst="straightConnector1">
+            <a:avLst/>
+          </a:prstGeom>
+          <a:ln w="57150">
+            <a:solidFill>
+              <a:schemeClr val="accent1"/>
+            </a:solidFill>
+            <a:tailEnd type="triangle"/>
+          </a:ln>
+        </p:spPr>
+        <p:style>
+          <a:lnRef idx="1">
+            <a:schemeClr val="accent1"/>
+          </a:lnRef>
+          <a:fillRef idx="0">
+            <a:schemeClr val="accent1"/>
+          </a:fillRef>
+          <a:effectRef idx="0">
+            <a:schemeClr val="accent1"/>
+          </a:effectRef>
+          <a:fontRef idx="minor">
+            <a:schemeClr val="tx1"/>
+          </a:fontRef>
+        </p:style>
+      </p:cxnSp>
+      <p:cxnSp>
+        <p:nvCxnSpPr>
+          <p:cNvPr id="31" name="Straight Arrow Connector 30">
+            <a:extLst>
+              <a:ext uri="{FF2B5EF4-FFF2-40B4-BE49-F238E27FC236}">
+                <a16:creationId xmlns:a16="http://schemas.microsoft.com/office/drawing/2014/main" id="{377A098C-3683-41A3-B7C6-64A4CE2FD097}"/>
+              </a:ext>
+            </a:extLst>
+          </p:cNvPr>
+          <p:cNvCxnSpPr>
+            <a:cxnSpLocks/>
+            <a:stCxn id="19" idx="2"/>
+            <a:endCxn id="22" idx="0"/>
+          </p:cNvCxnSpPr>
+          <p:nvPr/>
+        </p:nvCxnSpPr>
+        <p:spPr>
+          <a:xfrm>
+            <a:off x="7968208" y="3358733"/>
+            <a:ext cx="633158" cy="478154"/>
+          </a:xfrm>
+          <a:prstGeom prst="straightConnector1">
+            <a:avLst/>
+          </a:prstGeom>
+          <a:ln w="57150">
+            <a:solidFill>
+              <a:schemeClr val="accent1"/>
+            </a:solidFill>
+            <a:headEnd type="triangle" w="med" len="med"/>
+            <a:tailEnd type="triangle" w="med" len="med"/>
+          </a:ln>
+        </p:spPr>
+        <p:style>
+          <a:lnRef idx="1">
+            <a:schemeClr val="accent1"/>
+          </a:lnRef>
+          <a:fillRef idx="0">
+            <a:schemeClr val="accent1"/>
+          </a:fillRef>
+          <a:effectRef idx="0">
+            <a:schemeClr val="accent1"/>
+          </a:effectRef>
+          <a:fontRef idx="minor">
+            <a:schemeClr val="tx1"/>
+          </a:fontRef>
+        </p:style>
+      </p:cxnSp>
+      <p:cxnSp>
+        <p:nvCxnSpPr>
+          <p:cNvPr id="35" name="Straight Arrow Connector 34">
+            <a:extLst>
+              <a:ext uri="{FF2B5EF4-FFF2-40B4-BE49-F238E27FC236}">
+                <a16:creationId xmlns:a16="http://schemas.microsoft.com/office/drawing/2014/main" id="{C9CC8A49-4600-42BD-B834-FBF32B348F7E}"/>
+              </a:ext>
+            </a:extLst>
+          </p:cNvPr>
+          <p:cNvCxnSpPr>
+            <a:cxnSpLocks/>
+            <a:stCxn id="22" idx="2"/>
+            <a:endCxn id="23" idx="1"/>
+          </p:cNvCxnSpPr>
+          <p:nvPr/>
+        </p:nvCxnSpPr>
+        <p:spPr>
+          <a:xfrm>
+            <a:off x="8601367" y="4412951"/>
+            <a:ext cx="19899" cy="647252"/>
+          </a:xfrm>
+          <a:prstGeom prst="straightConnector1">
+            <a:avLst/>
+          </a:prstGeom>
+          <a:ln w="57150">
+            <a:solidFill>
+              <a:schemeClr val="accent1"/>
+            </a:solidFill>
+            <a:headEnd type="triangle" w="med" len="med"/>
+            <a:tailEnd type="triangle" w="med" len="med"/>
+          </a:ln>
+        </p:spPr>
+        <p:style>
+          <a:lnRef idx="1">
+            <a:schemeClr val="accent1"/>
+          </a:lnRef>
+          <a:fillRef idx="0">
+            <a:schemeClr val="accent1"/>
+          </a:fillRef>
+          <a:effectRef idx="0">
+            <a:schemeClr val="accent1"/>
+          </a:effectRef>
+          <a:fontRef idx="minor">
+            <a:schemeClr val="tx1"/>
+          </a:fontRef>
+        </p:style>
+      </p:cxnSp>
+      <p:cxnSp>
+        <p:nvCxnSpPr>
+          <p:cNvPr id="37" name="Straight Arrow Connector 36">
+            <a:extLst>
+              <a:ext uri="{FF2B5EF4-FFF2-40B4-BE49-F238E27FC236}">
+                <a16:creationId xmlns:a16="http://schemas.microsoft.com/office/drawing/2014/main" id="{E2DCA9FC-85EC-42E8-8419-A33C27023279}"/>
+              </a:ext>
+            </a:extLst>
+          </p:cNvPr>
+          <p:cNvCxnSpPr>
+            <a:cxnSpLocks/>
+            <a:stCxn id="19" idx="2"/>
+            <a:endCxn id="46" idx="0"/>
+          </p:cNvCxnSpPr>
+          <p:nvPr/>
+        </p:nvCxnSpPr>
+        <p:spPr>
+          <a:xfrm flipH="1">
+            <a:off x="7277956" y="3358733"/>
+            <a:ext cx="690252" cy="482930"/>
+          </a:xfrm>
+          <a:prstGeom prst="straightConnector1">
+            <a:avLst/>
+          </a:prstGeom>
+          <a:ln w="57150">
+            <a:solidFill>
+              <a:schemeClr val="accent1"/>
+            </a:solidFill>
+            <a:tailEnd type="triangle"/>
+          </a:ln>
+        </p:spPr>
+        <p:style>
+          <a:lnRef idx="1">
+            <a:schemeClr val="accent1"/>
+          </a:lnRef>
+          <a:fillRef idx="0">
+            <a:schemeClr val="accent1"/>
+          </a:fillRef>
+          <a:effectRef idx="0">
+            <a:schemeClr val="accent1"/>
+          </a:effectRef>
+          <a:fontRef idx="minor">
+            <a:schemeClr val="tx1"/>
+          </a:fontRef>
+        </p:style>
+      </p:cxnSp>
+      <p:cxnSp>
+        <p:nvCxnSpPr>
+          <p:cNvPr id="39" name="Straight Arrow Connector 38">
+            <a:extLst>
+              <a:ext uri="{FF2B5EF4-FFF2-40B4-BE49-F238E27FC236}">
+                <a16:creationId xmlns:a16="http://schemas.microsoft.com/office/drawing/2014/main" id="{49E41DB2-D21F-4CCA-BD2C-90EDCFFEAE97}"/>
+              </a:ext>
+            </a:extLst>
+          </p:cNvPr>
+          <p:cNvCxnSpPr>
+            <a:cxnSpLocks/>
+            <a:stCxn id="20" idx="1"/>
+            <a:endCxn id="6" idx="3"/>
+          </p:cNvCxnSpPr>
+          <p:nvPr/>
+        </p:nvCxnSpPr>
+        <p:spPr>
+          <a:xfrm flipH="1">
+            <a:off x="3370816" y="4042809"/>
+            <a:ext cx="564945" cy="468053"/>
+          </a:xfrm>
+          <a:prstGeom prst="straightConnector1">
+            <a:avLst/>
+          </a:prstGeom>
+          <a:ln w="57150">
+            <a:solidFill>
+              <a:schemeClr val="accent1"/>
+            </a:solidFill>
+            <a:tailEnd type="triangle"/>
+          </a:ln>
+        </p:spPr>
+        <p:style>
+          <a:lnRef idx="1">
+            <a:schemeClr val="accent1"/>
+          </a:lnRef>
+          <a:fillRef idx="0">
+            <a:schemeClr val="accent1"/>
+          </a:fillRef>
+          <a:effectRef idx="0">
+            <a:schemeClr val="accent1"/>
+          </a:effectRef>
+          <a:fontRef idx="minor">
+            <a:schemeClr val="tx1"/>
+          </a:fontRef>
+        </p:style>
+      </p:cxnSp>
+      <p:sp>
+        <p:nvSpPr>
+          <p:cNvPr id="40" name="Cylinder 39">
+            <a:extLst>
+              <a:ext uri="{FF2B5EF4-FFF2-40B4-BE49-F238E27FC236}">
+                <a16:creationId xmlns:a16="http://schemas.microsoft.com/office/drawing/2014/main" id="{91FB11D1-06F5-41F2-8B72-A3BC6A7BA0FE}"/>
+              </a:ext>
+            </a:extLst>
+          </p:cNvPr>
+          <p:cNvSpPr/>
+          <p:nvPr/>
+        </p:nvSpPr>
+        <p:spPr>
+          <a:xfrm>
+            <a:off x="4550321" y="5158936"/>
+            <a:ext cx="899021" cy="792088"/>
+          </a:xfrm>
+          <a:prstGeom prst="can">
+            <a:avLst/>
+          </a:prstGeom>
+        </p:spPr>
+        <p:style>
+          <a:lnRef idx="2">
+            <a:schemeClr val="accent3">
+              <a:shade val="50000"/>
+            </a:schemeClr>
+          </a:lnRef>
+          <a:fillRef idx="1">
+            <a:schemeClr val="accent3"/>
+          </a:fillRef>
+          <a:effectRef idx="0">
+            <a:schemeClr val="accent3"/>
+          </a:effectRef>
+          <a:fontRef idx="minor">
+            <a:schemeClr val="lt1"/>
+          </a:fontRef>
+        </p:style>
+        <p:txBody>
+          <a:bodyPr rtlCol="0" anchor="ctr"/>
+          <a:lstStyle/>
+          <a:p>
+            <a:pPr algn="ctr"/>
+            <a:r>
+              <a:rPr lang="fr-FR" dirty="0"/>
+              <a:t>LDAP</a:t>
+            </a:r>
+          </a:p>
+        </p:txBody>
+      </p:sp>
+      <p:cxnSp>
+        <p:nvCxnSpPr>
+          <p:cNvPr id="42" name="Straight Arrow Connector 41">
+            <a:extLst>
+              <a:ext uri="{FF2B5EF4-FFF2-40B4-BE49-F238E27FC236}">
+                <a16:creationId xmlns:a16="http://schemas.microsoft.com/office/drawing/2014/main" id="{7C114BAD-7288-414B-8C45-25BB43FE13B8}"/>
+              </a:ext>
+            </a:extLst>
+          </p:cNvPr>
+          <p:cNvCxnSpPr>
+            <a:cxnSpLocks/>
+            <a:stCxn id="17" idx="2"/>
+            <a:endCxn id="40" idx="1"/>
+          </p:cNvCxnSpPr>
+          <p:nvPr/>
+        </p:nvCxnSpPr>
+        <p:spPr>
+          <a:xfrm flipH="1">
+            <a:off x="4999832" y="3358734"/>
+            <a:ext cx="412093" cy="1800203"/>
+          </a:xfrm>
+          <a:prstGeom prst="straightConnector1">
+            <a:avLst/>
+          </a:prstGeom>
+          <a:ln w="57150">
+            <a:solidFill>
+              <a:schemeClr val="accent1"/>
+            </a:solidFill>
+            <a:headEnd type="triangle" w="med" len="med"/>
+            <a:tailEnd type="triangle" w="med" len="med"/>
+          </a:ln>
+        </p:spPr>
+        <p:style>
+          <a:lnRef idx="1">
+            <a:schemeClr val="accent1"/>
+          </a:lnRef>
+          <a:fillRef idx="0">
+            <a:schemeClr val="accent1"/>
+          </a:fillRef>
+          <a:effectRef idx="0">
+            <a:schemeClr val="accent1"/>
+          </a:effectRef>
+          <a:fontRef idx="minor">
+            <a:schemeClr val="tx1"/>
+          </a:fontRef>
+        </p:style>
+      </p:cxnSp>
+      <p:sp>
+        <p:nvSpPr>
+          <p:cNvPr id="43" name="Cylinder 42">
+            <a:extLst>
+              <a:ext uri="{FF2B5EF4-FFF2-40B4-BE49-F238E27FC236}">
+                <a16:creationId xmlns:a16="http://schemas.microsoft.com/office/drawing/2014/main" id="{B2244779-957D-4DE7-BDE8-F5430B2E9DF1}"/>
+              </a:ext>
+            </a:extLst>
+          </p:cNvPr>
+          <p:cNvSpPr/>
+          <p:nvPr/>
+        </p:nvSpPr>
+        <p:spPr>
+          <a:xfrm>
+            <a:off x="5741214" y="5158936"/>
+            <a:ext cx="863558" cy="792088"/>
+          </a:xfrm>
+          <a:prstGeom prst="can">
+            <a:avLst/>
+          </a:prstGeom>
+        </p:spPr>
+        <p:style>
+          <a:lnRef idx="2">
+            <a:schemeClr val="accent3">
+              <a:shade val="50000"/>
+            </a:schemeClr>
+          </a:lnRef>
+          <a:fillRef idx="1">
+            <a:schemeClr val="accent3"/>
+          </a:fillRef>
+          <a:effectRef idx="0">
+            <a:schemeClr val="accent3"/>
+          </a:effectRef>
+          <a:fontRef idx="minor">
+            <a:schemeClr val="lt1"/>
+          </a:fontRef>
+        </p:style>
+        <p:txBody>
+          <a:bodyPr rtlCol="0" anchor="ctr"/>
+          <a:lstStyle/>
+          <a:p>
+            <a:pPr algn="ctr"/>
+            <a:r>
+              <a:rPr lang="fr-FR" dirty="0" err="1"/>
+              <a:t>Billing</a:t>
+            </a:r>
+            <a:endParaRPr lang="fr-FR" dirty="0"/>
+          </a:p>
+        </p:txBody>
+      </p:sp>
+      <p:cxnSp>
+        <p:nvCxnSpPr>
+          <p:cNvPr id="45" name="Straight Arrow Connector 44">
+            <a:extLst>
+              <a:ext uri="{FF2B5EF4-FFF2-40B4-BE49-F238E27FC236}">
+                <a16:creationId xmlns:a16="http://schemas.microsoft.com/office/drawing/2014/main" id="{7F0C43DD-1C4E-4F37-92DA-959F6F3AEDEC}"/>
+              </a:ext>
+            </a:extLst>
+          </p:cNvPr>
+          <p:cNvCxnSpPr>
+            <a:cxnSpLocks/>
+            <a:stCxn id="17" idx="2"/>
+            <a:endCxn id="43" idx="1"/>
+          </p:cNvCxnSpPr>
+          <p:nvPr/>
+        </p:nvCxnSpPr>
+        <p:spPr>
+          <a:xfrm>
+            <a:off x="5411925" y="3358734"/>
+            <a:ext cx="761069" cy="1800203"/>
+          </a:xfrm>
+          <a:prstGeom prst="straightConnector1">
+            <a:avLst/>
+          </a:prstGeom>
+          <a:ln w="57150">
+            <a:solidFill>
+              <a:schemeClr val="accent1"/>
+            </a:solidFill>
+            <a:headEnd type="triangle"/>
+            <a:tailEnd type="triangle"/>
+          </a:ln>
+        </p:spPr>
+        <p:style>
+          <a:lnRef idx="1">
+            <a:schemeClr val="accent1"/>
+          </a:lnRef>
+          <a:fillRef idx="0">
+            <a:schemeClr val="accent1"/>
+          </a:fillRef>
+          <a:effectRef idx="0">
+            <a:schemeClr val="accent1"/>
+          </a:effectRef>
+          <a:fontRef idx="minor">
+            <a:schemeClr val="tx1"/>
+          </a:fontRef>
+        </p:style>
+      </p:cxnSp>
+      <p:sp>
+        <p:nvSpPr>
+          <p:cNvPr id="46" name="Rectangle 45">
+            <a:extLst>
+              <a:ext uri="{FF2B5EF4-FFF2-40B4-BE49-F238E27FC236}">
+                <a16:creationId xmlns:a16="http://schemas.microsoft.com/office/drawing/2014/main" id="{6ECC5FD1-CF1F-4AD6-B11A-2E93714F83CC}"/>
+              </a:ext>
+            </a:extLst>
+          </p:cNvPr>
+          <p:cNvSpPr/>
+          <p:nvPr/>
+        </p:nvSpPr>
+        <p:spPr>
+          <a:xfrm>
+            <a:off x="6684597" y="3841663"/>
+            <a:ext cx="1186719" cy="571288"/>
+          </a:xfrm>
+          <a:prstGeom prst="rect">
+            <a:avLst/>
+          </a:prstGeom>
+        </p:spPr>
+        <p:style>
+          <a:lnRef idx="2">
+            <a:schemeClr val="accent1">
+              <a:shade val="50000"/>
+            </a:schemeClr>
+          </a:lnRef>
+          <a:fillRef idx="1">
+            <a:schemeClr val="accent1"/>
+          </a:fillRef>
+          <a:effectRef idx="0">
+            <a:schemeClr val="accent1"/>
+          </a:effectRef>
+          <a:fontRef idx="minor">
+            <a:schemeClr val="lt1"/>
+          </a:fontRef>
+        </p:style>
+        <p:txBody>
+          <a:bodyPr rtlCol="0" anchor="ctr"/>
+          <a:lstStyle/>
+          <a:p>
+            <a:pPr algn="ctr"/>
+            <a:r>
+              <a:rPr lang="fr-FR" dirty="0"/>
+              <a:t>Ticket</a:t>
+            </a:r>
+          </a:p>
+        </p:txBody>
+      </p:sp>
+      <p:cxnSp>
+        <p:nvCxnSpPr>
+          <p:cNvPr id="57" name="Straight Arrow Connector 56">
+            <a:extLst>
+              <a:ext uri="{FF2B5EF4-FFF2-40B4-BE49-F238E27FC236}">
+                <a16:creationId xmlns:a16="http://schemas.microsoft.com/office/drawing/2014/main" id="{0BAFD4B6-ABD4-44B6-9EA8-2BD75FB2D1C6}"/>
+              </a:ext>
+            </a:extLst>
+          </p:cNvPr>
+          <p:cNvCxnSpPr>
+            <a:cxnSpLocks/>
+            <a:stCxn id="46" idx="2"/>
+            <a:endCxn id="43" idx="1"/>
+          </p:cNvCxnSpPr>
+          <p:nvPr/>
+        </p:nvCxnSpPr>
+        <p:spPr>
+          <a:xfrm flipH="1">
+            <a:off x="6172994" y="4412952"/>
+            <a:ext cx="1104963" cy="745985"/>
+          </a:xfrm>
+          <a:prstGeom prst="straightConnector1">
+            <a:avLst/>
+          </a:prstGeom>
+          <a:ln w="57150">
+            <a:solidFill>
+              <a:schemeClr val="accent1"/>
+            </a:solidFill>
+            <a:tailEnd type="triangle"/>
+          </a:ln>
+        </p:spPr>
+        <p:style>
+          <a:lnRef idx="1">
+            <a:schemeClr val="accent1"/>
+          </a:lnRef>
+          <a:fillRef idx="0">
+            <a:schemeClr val="accent1"/>
+          </a:fillRef>
+          <a:effectRef idx="0">
+            <a:schemeClr val="accent1"/>
+          </a:effectRef>
+          <a:fontRef idx="minor">
+            <a:schemeClr val="tx1"/>
+          </a:fontRef>
+        </p:style>
+      </p:cxnSp>
+      <p:sp>
+        <p:nvSpPr>
+          <p:cNvPr id="62" name="Cylinder 61">
+            <a:extLst>
+              <a:ext uri="{FF2B5EF4-FFF2-40B4-BE49-F238E27FC236}">
+                <a16:creationId xmlns:a16="http://schemas.microsoft.com/office/drawing/2014/main" id="{EBF4BC97-DE9A-4662-83A9-44F16949E928}"/>
+              </a:ext>
+            </a:extLst>
+          </p:cNvPr>
+          <p:cNvSpPr/>
+          <p:nvPr/>
+        </p:nvSpPr>
+        <p:spPr>
+          <a:xfrm>
+            <a:off x="3970834" y="1527170"/>
+            <a:ext cx="792088" cy="695103"/>
+          </a:xfrm>
+          <a:prstGeom prst="can">
+            <a:avLst/>
+          </a:prstGeom>
+        </p:spPr>
+        <p:style>
+          <a:lnRef idx="2">
+            <a:schemeClr val="accent3">
+              <a:shade val="50000"/>
+            </a:schemeClr>
+          </a:lnRef>
+          <a:fillRef idx="1">
+            <a:schemeClr val="accent3"/>
+          </a:fillRef>
+          <a:effectRef idx="0">
+            <a:schemeClr val="accent3"/>
+          </a:effectRef>
+          <a:fontRef idx="minor">
+            <a:schemeClr val="lt1"/>
+          </a:fontRef>
+        </p:style>
+        <p:txBody>
+          <a:bodyPr rtlCol="0" anchor="ctr"/>
+          <a:lstStyle/>
+          <a:p>
+            <a:pPr algn="ctr"/>
+            <a:r>
+              <a:rPr lang="fr-FR" dirty="0"/>
+              <a:t>Logs</a:t>
+            </a:r>
+          </a:p>
+        </p:txBody>
+      </p:sp>
+      <p:cxnSp>
+        <p:nvCxnSpPr>
+          <p:cNvPr id="64" name="Straight Arrow Connector 63">
+            <a:extLst>
+              <a:ext uri="{FF2B5EF4-FFF2-40B4-BE49-F238E27FC236}">
+                <a16:creationId xmlns:a16="http://schemas.microsoft.com/office/drawing/2014/main" id="{5CFDFE20-9AC6-46FF-958D-AC2F6C4D5C7A}"/>
+              </a:ext>
+            </a:extLst>
+          </p:cNvPr>
+          <p:cNvCxnSpPr>
+            <a:cxnSpLocks/>
+            <a:stCxn id="21" idx="0"/>
+            <a:endCxn id="62" idx="3"/>
+          </p:cNvCxnSpPr>
+          <p:nvPr/>
+        </p:nvCxnSpPr>
+        <p:spPr>
+          <a:xfrm flipH="1" flipV="1">
+            <a:off x="4366878" y="2222272"/>
+            <a:ext cx="930" cy="562704"/>
+          </a:xfrm>
+          <a:prstGeom prst="straightConnector1">
+            <a:avLst/>
+          </a:prstGeom>
+          <a:ln w="57150">
+            <a:solidFill>
+              <a:schemeClr val="accent1"/>
+            </a:solidFill>
+            <a:tailEnd type="triangle"/>
+          </a:ln>
+        </p:spPr>
+        <p:style>
+          <a:lnRef idx="1">
+            <a:schemeClr val="accent1"/>
+          </a:lnRef>
+          <a:fillRef idx="0">
+            <a:schemeClr val="accent1"/>
+          </a:fillRef>
+          <a:effectRef idx="0">
+            <a:schemeClr val="accent1"/>
+          </a:effectRef>
+          <a:fontRef idx="minor">
+            <a:schemeClr val="tx1"/>
+          </a:fontRef>
+        </p:style>
+      </p:cxnSp>
+      <p:sp>
+        <p:nvSpPr>
+          <p:cNvPr id="78" name="Cylinder 77">
+            <a:extLst>
+              <a:ext uri="{FF2B5EF4-FFF2-40B4-BE49-F238E27FC236}">
+                <a16:creationId xmlns:a16="http://schemas.microsoft.com/office/drawing/2014/main" id="{D320E41B-FD3A-427A-9EDD-C3BEA20AFFFE}"/>
+              </a:ext>
+            </a:extLst>
+          </p:cNvPr>
+          <p:cNvSpPr/>
+          <p:nvPr/>
+        </p:nvSpPr>
+        <p:spPr>
+          <a:xfrm>
+            <a:off x="9685281" y="3606120"/>
+            <a:ext cx="792088" cy="972108"/>
+          </a:xfrm>
+          <a:prstGeom prst="can">
+            <a:avLst/>
+          </a:prstGeom>
+        </p:spPr>
+        <p:style>
+          <a:lnRef idx="2">
+            <a:schemeClr val="accent3">
+              <a:shade val="50000"/>
+            </a:schemeClr>
+          </a:lnRef>
+          <a:fillRef idx="1">
+            <a:schemeClr val="accent3"/>
+          </a:fillRef>
+          <a:effectRef idx="0">
+            <a:schemeClr val="accent3"/>
+          </a:effectRef>
+          <a:fontRef idx="minor">
+            <a:schemeClr val="lt1"/>
+          </a:fontRef>
+        </p:style>
+        <p:txBody>
+          <a:bodyPr rtlCol="0" anchor="ctr"/>
+          <a:lstStyle/>
+          <a:p>
+            <a:pPr algn="ctr"/>
+            <a:r>
+              <a:rPr lang="fr-FR" dirty="0"/>
+              <a:t>Trace</a:t>
+            </a:r>
+          </a:p>
+        </p:txBody>
+      </p:sp>
+      <p:cxnSp>
+        <p:nvCxnSpPr>
+          <p:cNvPr id="80" name="Straight Arrow Connector 79">
+            <a:extLst>
+              <a:ext uri="{FF2B5EF4-FFF2-40B4-BE49-F238E27FC236}">
+                <a16:creationId xmlns:a16="http://schemas.microsoft.com/office/drawing/2014/main" id="{DF1BD700-7685-4C47-9C90-A5FC9B0B7471}"/>
+              </a:ext>
+            </a:extLst>
+          </p:cNvPr>
+          <p:cNvCxnSpPr>
+            <a:stCxn id="22" idx="3"/>
+            <a:endCxn id="78" idx="2"/>
+          </p:cNvCxnSpPr>
+          <p:nvPr/>
+        </p:nvCxnSpPr>
+        <p:spPr>
+          <a:xfrm flipV="1">
+            <a:off x="9069419" y="4092175"/>
+            <a:ext cx="615863" cy="32745"/>
+          </a:xfrm>
+          <a:prstGeom prst="straightConnector1">
+            <a:avLst/>
+          </a:prstGeom>
+          <a:ln w="57150">
+            <a:solidFill>
+              <a:schemeClr val="accent1"/>
+            </a:solidFill>
+            <a:headEnd type="triangle"/>
+            <a:tailEnd type="triangle"/>
+          </a:ln>
+        </p:spPr>
+        <p:style>
+          <a:lnRef idx="1">
+            <a:schemeClr val="accent1"/>
+          </a:lnRef>
+          <a:fillRef idx="0">
+            <a:schemeClr val="accent1"/>
+          </a:fillRef>
+          <a:effectRef idx="0">
+            <a:schemeClr val="accent1"/>
+          </a:effectRef>
+          <a:fontRef idx="minor">
+            <a:schemeClr val="tx1"/>
+          </a:fontRef>
+        </p:style>
+      </p:cxnSp>
+      <p:sp>
+        <p:nvSpPr>
+          <p:cNvPr id="83" name="Rectangle 82">
+            <a:extLst>
+              <a:ext uri="{FF2B5EF4-FFF2-40B4-BE49-F238E27FC236}">
+                <a16:creationId xmlns:a16="http://schemas.microsoft.com/office/drawing/2014/main" id="{E60B1B7B-2D91-4073-8476-2FCF3A555AF5}"/>
+              </a:ext>
+            </a:extLst>
+          </p:cNvPr>
+          <p:cNvSpPr/>
+          <p:nvPr/>
+        </p:nvSpPr>
+        <p:spPr>
+          <a:xfrm>
+            <a:off x="1949365" y="3574758"/>
+            <a:ext cx="348921" cy="1872206"/>
+          </a:xfrm>
+          <a:prstGeom prst="rect">
+            <a:avLst/>
+          </a:prstGeom>
+        </p:spPr>
+        <p:style>
+          <a:lnRef idx="2">
+            <a:schemeClr val="accent1">
+              <a:shade val="50000"/>
+            </a:schemeClr>
+          </a:lnRef>
+          <a:fillRef idx="1">
+            <a:schemeClr val="accent1"/>
+          </a:fillRef>
+          <a:effectRef idx="0">
+            <a:schemeClr val="accent1"/>
+          </a:effectRef>
+          <a:fontRef idx="minor">
+            <a:schemeClr val="lt1"/>
+          </a:fontRef>
+        </p:style>
+        <p:txBody>
+          <a:bodyPr rtlCol="0" anchor="ctr"/>
+          <a:lstStyle/>
+          <a:p>
+            <a:pPr algn="ctr"/>
+            <a:r>
+              <a:rPr lang="fr-FR" dirty="0"/>
+              <a:t>DDOS</a:t>
+            </a:r>
+          </a:p>
+        </p:txBody>
+      </p:sp>
+      <p:cxnSp>
+        <p:nvCxnSpPr>
+          <p:cNvPr id="90" name="Straight Arrow Connector 89">
+            <a:extLst>
+              <a:ext uri="{FF2B5EF4-FFF2-40B4-BE49-F238E27FC236}">
+                <a16:creationId xmlns:a16="http://schemas.microsoft.com/office/drawing/2014/main" id="{5833F368-0EED-4E28-8AD8-F359732D6F7E}"/>
+              </a:ext>
+            </a:extLst>
+          </p:cNvPr>
+          <p:cNvCxnSpPr>
+            <a:cxnSpLocks/>
+            <a:endCxn id="83" idx="1"/>
+          </p:cNvCxnSpPr>
+          <p:nvPr/>
+        </p:nvCxnSpPr>
+        <p:spPr>
+          <a:xfrm>
+            <a:off x="1559496" y="4510861"/>
+            <a:ext cx="389868" cy="0"/>
+          </a:xfrm>
+          <a:prstGeom prst="straightConnector1">
+            <a:avLst/>
+          </a:prstGeom>
+          <a:ln w="57150">
+            <a:solidFill>
+              <a:schemeClr val="accent1"/>
+            </a:solidFill>
+            <a:headEnd type="triangle"/>
+            <a:tailEnd type="triangle"/>
+          </a:ln>
+        </p:spPr>
+        <p:style>
+          <a:lnRef idx="1">
+            <a:schemeClr val="accent1"/>
+          </a:lnRef>
+          <a:fillRef idx="0">
+            <a:schemeClr val="accent1"/>
+          </a:fillRef>
+          <a:effectRef idx="0">
+            <a:schemeClr val="accent1"/>
+          </a:effectRef>
+          <a:fontRef idx="minor">
+            <a:schemeClr val="tx1"/>
+          </a:fontRef>
+        </p:style>
+      </p:cxnSp>
+      <p:cxnSp>
+        <p:nvCxnSpPr>
+          <p:cNvPr id="91" name="Straight Arrow Connector 90">
+            <a:extLst>
+              <a:ext uri="{FF2B5EF4-FFF2-40B4-BE49-F238E27FC236}">
+                <a16:creationId xmlns:a16="http://schemas.microsoft.com/office/drawing/2014/main" id="{BC331E8E-0468-4931-824A-B091B14DA3F1}"/>
+              </a:ext>
+            </a:extLst>
+          </p:cNvPr>
+          <p:cNvCxnSpPr>
+            <a:cxnSpLocks/>
+            <a:stCxn id="83" idx="3"/>
+            <a:endCxn id="6" idx="1"/>
+          </p:cNvCxnSpPr>
+          <p:nvPr/>
+        </p:nvCxnSpPr>
+        <p:spPr>
+          <a:xfrm>
+            <a:off x="2298285" y="4510861"/>
+            <a:ext cx="360040" cy="0"/>
+          </a:xfrm>
+          <a:prstGeom prst="straightConnector1">
+            <a:avLst/>
+          </a:prstGeom>
+          <a:ln w="57150">
+            <a:solidFill>
+              <a:schemeClr val="accent1"/>
+            </a:solidFill>
+            <a:headEnd type="triangle"/>
+            <a:tailEnd type="triangle"/>
+          </a:ln>
+        </p:spPr>
+        <p:style>
+          <a:lnRef idx="1">
+            <a:schemeClr val="accent1"/>
+          </a:lnRef>
+          <a:fillRef idx="0">
+            <a:schemeClr val="accent1"/>
+          </a:fillRef>
+          <a:effectRef idx="0">
+            <a:schemeClr val="accent1"/>
+          </a:effectRef>
+          <a:fontRef idx="minor">
+            <a:schemeClr val="tx1"/>
+          </a:fontRef>
+        </p:style>
+      </p:cxnSp>
+      <p:cxnSp>
+        <p:nvCxnSpPr>
+          <p:cNvPr id="106" name="Straight Arrow Connector 105">
+            <a:extLst>
+              <a:ext uri="{FF2B5EF4-FFF2-40B4-BE49-F238E27FC236}">
+                <a16:creationId xmlns:a16="http://schemas.microsoft.com/office/drawing/2014/main" id="{0DB0E606-9F3D-4AA2-BBC8-F124B8C5A7A8}"/>
+              </a:ext>
+            </a:extLst>
+          </p:cNvPr>
+          <p:cNvCxnSpPr>
+            <a:cxnSpLocks/>
+            <a:stCxn id="19" idx="2"/>
+            <a:endCxn id="20" idx="3"/>
+          </p:cNvCxnSpPr>
+          <p:nvPr/>
+        </p:nvCxnSpPr>
+        <p:spPr>
+          <a:xfrm flipH="1">
+            <a:off x="4871864" y="3358734"/>
+            <a:ext cx="3096344" cy="684075"/>
+          </a:xfrm>
+          <a:prstGeom prst="straightConnector1">
+            <a:avLst/>
+          </a:prstGeom>
+          <a:ln w="57150">
+            <a:solidFill>
+              <a:schemeClr val="accent1"/>
+            </a:solidFill>
+            <a:tailEnd type="triangle"/>
+          </a:ln>
+        </p:spPr>
+        <p:style>
+          <a:lnRef idx="1">
+            <a:schemeClr val="accent1"/>
+          </a:lnRef>
+          <a:fillRef idx="0">
+            <a:schemeClr val="accent1"/>
+          </a:fillRef>
+          <a:effectRef idx="0">
+            <a:schemeClr val="accent1"/>
+          </a:effectRef>
+          <a:fontRef idx="minor">
+            <a:schemeClr val="tx1"/>
+          </a:fontRef>
+        </p:style>
+      </p:cxnSp>
+    </p:spTree>
+    <p:extLst>
+      <p:ext uri="{BB962C8B-B14F-4D97-AF65-F5344CB8AC3E}">
+        <p14:creationId xmlns:p14="http://schemas.microsoft.com/office/powerpoint/2010/main" val="3263325425"/>
+      </p:ext>
+    </p:extLst>
+  </p:cSld>
+  <p:clrMapOvr>
+    <a:masterClrMapping/>
+  </p:clrMapOvr>
+</p:sld>
+</file>
+
+<file path=ppt/slides/slide21.xml><?xml version="1.0" encoding="utf-8"?>
+<p:sld xmlns:a="http://schemas.openxmlformats.org/drawingml/2006/main" xmlns:r="http://schemas.openxmlformats.org/officeDocument/2006/relationships" xmlns:p="http://schemas.openxmlformats.org/presentationml/2006/main">
+  <p:cSld>
+    <p:spTree>
+      <p:nvGrpSpPr>
+        <p:cNvPr id="1" name=""/>
+        <p:cNvGrpSpPr/>
+        <p:nvPr/>
+      </p:nvGrpSpPr>
+      <p:grpSpPr>
+        <a:xfrm>
+          <a:off x="0" y="0"/>
+          <a:ext cx="0" cy="0"/>
+          <a:chOff x="0" y="0"/>
+          <a:chExt cx="0" cy="0"/>
+        </a:xfrm>
+      </p:grpSpPr>
+      <p:sp>
+        <p:nvSpPr>
+          <p:cNvPr id="2" name="Title 1">
+            <a:extLst>
+              <a:ext uri="{FF2B5EF4-FFF2-40B4-BE49-F238E27FC236}">
+                <a16:creationId xmlns:a16="http://schemas.microsoft.com/office/drawing/2014/main" id="{E41A38B6-5142-46C9-9FEF-AB9A7BAE2059}"/>
+              </a:ext>
+            </a:extLst>
+          </p:cNvPr>
+          <p:cNvSpPr>
+            <a:spLocks noGrp="1"/>
+          </p:cNvSpPr>
+          <p:nvPr>
+            <p:ph type="title"/>
+          </p:nvPr>
+        </p:nvSpPr>
+        <p:spPr/>
+        <p:txBody>
+          <a:bodyPr/>
+          <a:lstStyle/>
+          <a:p>
+            <a:r>
+              <a:rPr lang="fr-FR" dirty="0"/>
+              <a:t>Reverse proxy</a:t>
+            </a:r>
+          </a:p>
+        </p:txBody>
+      </p:sp>
+      <p:sp>
+        <p:nvSpPr>
+          <p:cNvPr id="3" name="Content Placeholder 2">
+            <a:extLst>
+              <a:ext uri="{FF2B5EF4-FFF2-40B4-BE49-F238E27FC236}">
+                <a16:creationId xmlns:a16="http://schemas.microsoft.com/office/drawing/2014/main" id="{19BE9F84-ECBB-42F1-9724-5E7AD9C08A22}"/>
+              </a:ext>
+            </a:extLst>
+          </p:cNvPr>
+          <p:cNvSpPr>
+            <a:spLocks noGrp="1"/>
+          </p:cNvSpPr>
+          <p:nvPr>
+            <p:ph idx="1"/>
+          </p:nvPr>
+        </p:nvSpPr>
+        <p:spPr/>
+        <p:txBody>
+          <a:bodyPr/>
+          <a:lstStyle/>
+          <a:p>
+            <a:r>
+              <a:rPr lang="fr-FR" dirty="0" err="1"/>
+              <a:t>nginx</a:t>
+            </a:r>
+            <a:endParaRPr lang="fr-FR" dirty="0"/>
+          </a:p>
+          <a:p>
+            <a:r>
+              <a:rPr lang="fr-FR" dirty="0"/>
+              <a:t>installer sur VPS</a:t>
+            </a:r>
+          </a:p>
+          <a:p>
+            <a:r>
+              <a:rPr lang="fr-FR" dirty="0"/>
+              <a:t>le mettre en </a:t>
+            </a:r>
+            <a:r>
+              <a:rPr lang="fr-FR" dirty="0" err="1"/>
+              <a:t>systemd</a:t>
+            </a:r>
+            <a:r>
+              <a:rPr lang="fr-FR" dirty="0"/>
+              <a:t> (daemon)</a:t>
+            </a:r>
+          </a:p>
+          <a:p>
+            <a:r>
+              <a:rPr lang="fr-FR" dirty="0"/>
+              <a:t>apprendre a le configurer</a:t>
+            </a:r>
+          </a:p>
+          <a:p>
+            <a:r>
+              <a:rPr lang="fr-FR" dirty="0"/>
+              <a:t>ajouter une conf proxy et https pour un serveur </a:t>
+            </a:r>
+            <a:r>
+              <a:rPr lang="fr-FR" dirty="0" err="1"/>
+              <a:t>node</a:t>
+            </a:r>
+            <a:r>
+              <a:rPr lang="fr-FR" dirty="0"/>
+              <a:t> sur la </a:t>
+            </a:r>
+            <a:r>
+              <a:rPr lang="fr-FR" dirty="0" err="1"/>
+              <a:t>meme</a:t>
+            </a:r>
+            <a:r>
+              <a:rPr lang="fr-FR" dirty="0"/>
+              <a:t> machine.</a:t>
+            </a:r>
+          </a:p>
+          <a:p>
+            <a:r>
+              <a:rPr lang="fr-FR" dirty="0"/>
+              <a:t>Firewall : bloquer les ports du serveur </a:t>
+            </a:r>
+            <a:r>
+              <a:rPr lang="fr-FR" dirty="0" err="1"/>
+              <a:t>node</a:t>
+            </a:r>
+            <a:r>
+              <a:rPr lang="fr-FR" dirty="0"/>
+              <a:t> depuis l’</a:t>
+            </a:r>
+            <a:r>
+              <a:rPr lang="fr-FR" dirty="0" err="1"/>
+              <a:t>exterieur</a:t>
+            </a:r>
+            <a:endParaRPr lang="fr-FR" dirty="0"/>
+          </a:p>
+          <a:p>
+            <a:r>
+              <a:rPr lang="fr-FR" dirty="0"/>
+              <a:t>Git sur linux : automatiser le </a:t>
+            </a:r>
+            <a:r>
+              <a:rPr lang="fr-FR" dirty="0" err="1"/>
+              <a:t>token</a:t>
+            </a:r>
+            <a:endParaRPr lang="fr-FR" dirty="0"/>
+          </a:p>
+          <a:p>
+            <a:endParaRPr lang="fr-FR" dirty="0"/>
+          </a:p>
+        </p:txBody>
+      </p:sp>
+    </p:spTree>
+    <p:extLst>
+      <p:ext uri="{BB962C8B-B14F-4D97-AF65-F5344CB8AC3E}">
+        <p14:creationId xmlns:p14="http://schemas.microsoft.com/office/powerpoint/2010/main" val="1356313764"/>
+      </p:ext>
+    </p:extLst>
+  </p:cSld>
+  <p:clrMapOvr>
+    <a:masterClrMapping/>
+  </p:clrMapOvr>
+</p:sld>
+</file>
+
+<file path=ppt/slides/slide22.xml><?xml version="1.0" encoding="utf-8"?>
+<p:sld xmlns:a="http://schemas.openxmlformats.org/drawingml/2006/main" xmlns:r="http://schemas.openxmlformats.org/officeDocument/2006/relationships" xmlns:p="http://schemas.openxmlformats.org/presentationml/2006/main">
+  <p:cSld>
+    <p:spTree>
+      <p:nvGrpSpPr>
+        <p:cNvPr id="1" name=""/>
+        <p:cNvGrpSpPr/>
+        <p:nvPr/>
+      </p:nvGrpSpPr>
+      <p:grpSpPr>
+        <a:xfrm>
+          <a:off x="0" y="0"/>
+          <a:ext cx="0" cy="0"/>
+          <a:chOff x="0" y="0"/>
+          <a:chExt cx="0" cy="0"/>
+        </a:xfrm>
+      </p:grpSpPr>
+      <p:sp>
+        <p:nvSpPr>
+          <p:cNvPr id="2" name="Title 1">
+            <a:extLst>
+              <a:ext uri="{FF2B5EF4-FFF2-40B4-BE49-F238E27FC236}">
+                <a16:creationId xmlns:a16="http://schemas.microsoft.com/office/drawing/2014/main" id="{C0560F65-F6F9-4B0B-A137-E5E737B6F5ED}"/>
+              </a:ext>
+            </a:extLst>
+          </p:cNvPr>
+          <p:cNvSpPr>
+            <a:spLocks noGrp="1"/>
+          </p:cNvSpPr>
+          <p:nvPr>
+            <p:ph type="title"/>
+          </p:nvPr>
+        </p:nvSpPr>
+        <p:spPr/>
+        <p:txBody>
+          <a:bodyPr/>
+          <a:lstStyle/>
+          <a:p>
+            <a:r>
+              <a:rPr lang="fr-FR" dirty="0"/>
+              <a:t>pm2</a:t>
+            </a:r>
+          </a:p>
+        </p:txBody>
+      </p:sp>
+      <p:sp>
+        <p:nvSpPr>
+          <p:cNvPr id="3" name="Content Placeholder 2">
+            <a:extLst>
+              <a:ext uri="{FF2B5EF4-FFF2-40B4-BE49-F238E27FC236}">
+                <a16:creationId xmlns:a16="http://schemas.microsoft.com/office/drawing/2014/main" id="{64E08002-30E4-4600-A5F3-C3B0E73C2B9A}"/>
+              </a:ext>
+            </a:extLst>
+          </p:cNvPr>
+          <p:cNvSpPr>
+            <a:spLocks noGrp="1"/>
+          </p:cNvSpPr>
+          <p:nvPr>
+            <p:ph idx="1"/>
+          </p:nvPr>
+        </p:nvSpPr>
+        <p:spPr/>
+        <p:txBody>
+          <a:bodyPr/>
+          <a:lstStyle/>
+          <a:p>
+            <a:r>
+              <a:rPr lang="fr-FR" dirty="0"/>
+              <a:t>pm2 restart ecosystem.config.js --</a:t>
+            </a:r>
+            <a:r>
+              <a:rPr lang="fr-FR" dirty="0" err="1"/>
+              <a:t>env</a:t>
+            </a:r>
+            <a:r>
+              <a:rPr lang="fr-FR" dirty="0"/>
+              <a:t> production</a:t>
+            </a:r>
+          </a:p>
+        </p:txBody>
+      </p:sp>
+    </p:spTree>
+    <p:extLst>
+      <p:ext uri="{BB962C8B-B14F-4D97-AF65-F5344CB8AC3E}">
+        <p14:creationId xmlns:p14="http://schemas.microsoft.com/office/powerpoint/2010/main" val="2734649358"/>
+      </p:ext>
+    </p:extLst>
+  </p:cSld>
+  <p:clrMapOvr>
+    <a:masterClrMapping/>
+  </p:clrMapOvr>
+</p:sld>
+</file>
+
+<file path=ppt/slides/slide23.xml><?xml version="1.0" encoding="utf-8"?>
+<p:sld xmlns:a="http://schemas.openxmlformats.org/drawingml/2006/main" xmlns:r="http://schemas.openxmlformats.org/officeDocument/2006/relationships" xmlns:p="http://schemas.openxmlformats.org/presentationml/2006/main">
+  <p:cSld>
+    <p:spTree>
+      <p:nvGrpSpPr>
+        <p:cNvPr id="1" name=""/>
+        <p:cNvGrpSpPr/>
+        <p:nvPr/>
+      </p:nvGrpSpPr>
+      <p:grpSpPr>
+        <a:xfrm>
+          <a:off x="0" y="0"/>
+          <a:ext cx="0" cy="0"/>
+          <a:chOff x="0" y="0"/>
+          <a:chExt cx="0" cy="0"/>
+        </a:xfrm>
+      </p:grpSpPr>
+      <p:sp>
+        <p:nvSpPr>
+          <p:cNvPr id="2" name="Title 1">
+            <a:extLst>
+              <a:ext uri="{FF2B5EF4-FFF2-40B4-BE49-F238E27FC236}">
+                <a16:creationId xmlns:a16="http://schemas.microsoft.com/office/drawing/2014/main" id="{02109A0C-AFFD-406D-90FA-C9E147A26F14}"/>
+              </a:ext>
+            </a:extLst>
+          </p:cNvPr>
+          <p:cNvSpPr>
+            <a:spLocks noGrp="1"/>
+          </p:cNvSpPr>
+          <p:nvPr>
+            <p:ph type="title"/>
+          </p:nvPr>
+        </p:nvSpPr>
+        <p:spPr/>
+        <p:txBody>
+          <a:bodyPr/>
+          <a:lstStyle/>
+          <a:p>
+            <a:r>
+              <a:rPr lang="fr-FR" dirty="0"/>
+              <a:t>Webographie</a:t>
+            </a:r>
+          </a:p>
+        </p:txBody>
+      </p:sp>
+      <p:sp>
+        <p:nvSpPr>
+          <p:cNvPr id="3" name="Content Placeholder 2">
+            <a:extLst>
+              <a:ext uri="{FF2B5EF4-FFF2-40B4-BE49-F238E27FC236}">
+                <a16:creationId xmlns:a16="http://schemas.microsoft.com/office/drawing/2014/main" id="{D338E908-3417-4D40-A13D-F91F51EBFCC6}"/>
+              </a:ext>
+            </a:extLst>
+          </p:cNvPr>
+          <p:cNvSpPr>
+            <a:spLocks noGrp="1"/>
+          </p:cNvSpPr>
+          <p:nvPr>
+            <p:ph idx="1"/>
+          </p:nvPr>
+        </p:nvSpPr>
+        <p:spPr/>
+        <p:txBody>
+          <a:bodyPr>
+            <a:normAutofit/>
+          </a:bodyPr>
+          <a:lstStyle/>
+          <a:p>
+            <a:r>
+              <a:rPr lang="fr-FR" dirty="0">
+                <a:hlinkClick r:id="rId2"/>
+              </a:rPr>
+              <a:t>https://refactoring.guru/refactoring</a:t>
+            </a:r>
+            <a:endParaRPr lang="fr-FR" dirty="0"/>
+          </a:p>
+          <a:p>
+            <a:r>
+              <a:rPr lang="fr-FR" dirty="0">
+                <a:hlinkClick r:id="rId3"/>
+              </a:rPr>
+              <a:t>https://www.conventionalcommits.org/en/v1.0.0/</a:t>
+            </a:r>
+            <a:endParaRPr lang="fr-FR" dirty="0"/>
+          </a:p>
+          <a:p>
+            <a:r>
+              <a:rPr lang="fr-FR" dirty="0">
+                <a:hlinkClick r:id="rId4"/>
+              </a:rPr>
+              <a:t>https://semver.org/</a:t>
+            </a:r>
+            <a:endParaRPr lang="fr-FR" dirty="0"/>
+          </a:p>
+          <a:p>
+            <a:r>
+              <a:rPr lang="fr-FR" dirty="0"/>
+              <a:t>Googler « </a:t>
+            </a:r>
+            <a:r>
+              <a:rPr lang="fr-FR" dirty="0" err="1"/>
+              <a:t>figma</a:t>
+            </a:r>
+            <a:r>
+              <a:rPr lang="fr-FR" dirty="0"/>
+              <a:t> » (maquette)</a:t>
+            </a:r>
+          </a:p>
+          <a:p>
+            <a:r>
+              <a:rPr lang="fr-FR" dirty="0">
+                <a:hlinkClick r:id="rId5"/>
+              </a:rPr>
+              <a:t>https://caniuse.com/?search=flex</a:t>
+            </a:r>
+            <a:endParaRPr lang="fr-FR" dirty="0"/>
+          </a:p>
+          <a:p>
+            <a:r>
+              <a:rPr lang="fr-FR" dirty="0">
+                <a:hlinkClick r:id="rId6"/>
+              </a:rPr>
+              <a:t>https://css-tricks.com/snippets/css/a-guide-to-flexbox/</a:t>
+            </a:r>
+            <a:endParaRPr lang="fr-FR" dirty="0"/>
+          </a:p>
+          <a:p>
+            <a:r>
+              <a:rPr lang="fr-FR" dirty="0">
+                <a:hlinkClick r:id="rId7"/>
+              </a:rPr>
+              <a:t>https://flexboxfroggy.com/#fr</a:t>
+            </a:r>
+            <a:endParaRPr lang="fr-FR" dirty="0"/>
+          </a:p>
+          <a:p>
+            <a:r>
+              <a:rPr lang="fr-FR" dirty="0"/>
+              <a:t>Google : </a:t>
+            </a:r>
+            <a:r>
+              <a:rPr lang="en-US" dirty="0"/>
+              <a:t>100 Things Every Designer Needs to Know About People pdf</a:t>
+            </a:r>
+            <a:endParaRPr lang="fr-FR" dirty="0"/>
+          </a:p>
+          <a:p>
+            <a:endParaRPr lang="fr-FR" dirty="0"/>
+          </a:p>
+          <a:p>
+            <a:endParaRPr lang="fr-FR" dirty="0"/>
+          </a:p>
+          <a:p>
+            <a:endParaRPr lang="fr-FR" dirty="0"/>
+          </a:p>
+        </p:txBody>
+      </p:sp>
+    </p:spTree>
+    <p:extLst>
+      <p:ext uri="{BB962C8B-B14F-4D97-AF65-F5344CB8AC3E}">
+        <p14:creationId xmlns:p14="http://schemas.microsoft.com/office/powerpoint/2010/main" val="1470463700"/>
       </p:ext>
     </p:extLst>
   </p:cSld>
@@ -9782,6 +17489,33 @@
             <a:r>
               <a:rPr lang="fr-FR" dirty="0"/>
               <a:t> Service</a:t>
+            </a:r>
+          </a:p>
+          <a:p>
+            <a:r>
+              <a:rPr lang="fr-FR" dirty="0"/>
+              <a:t>Typescript class </a:t>
+            </a:r>
+            <a:r>
+              <a:rPr lang="fr-FR" dirty="0" err="1"/>
+              <a:t>organizer</a:t>
+            </a:r>
+            <a:endParaRPr lang="fr-FR" dirty="0"/>
+          </a:p>
+          <a:p>
+            <a:r>
+              <a:rPr lang="fr-FR" dirty="0" err="1"/>
+              <a:t>Remote</a:t>
+            </a:r>
+            <a:r>
+              <a:rPr lang="fr-FR" dirty="0"/>
+              <a:t> SSH</a:t>
+            </a:r>
+          </a:p>
+          <a:p>
+            <a:r>
+              <a:rPr lang="fr-FR" dirty="0"/>
+              <a:t>Auto Rename Tag</a:t>
             </a:r>
           </a:p>
         </p:txBody>

--- a/notes.pptx
+++ b/notes.pptx
@@ -27,7 +27,9 @@
     <p:sldId id="999" r:id="rId21"/>
     <p:sldId id="1000" r:id="rId22"/>
     <p:sldId id="1001" r:id="rId23"/>
-    <p:sldId id="259" r:id="rId24"/>
+    <p:sldId id="1002" r:id="rId24"/>
+    <p:sldId id="1003" r:id="rId25"/>
+    <p:sldId id="259" r:id="rId26"/>
   </p:sldIdLst>
   <p:sldSz cx="12192000" cy="6858000"/>
   <p:notesSz cx="6858000" cy="9144000"/>
@@ -283,7 +285,7 @@
           <a:p>
             <a:fld id="{CAE47142-16B0-4769-BA42-4A01FDA2F14A}" type="datetimeFigureOut">
               <a:rPr lang="fr-FR" smtClean="0"/>
-              <a:t>09/09/2021</a:t>
+              <a:t>20/09/2021</a:t>
             </a:fld>
             <a:endParaRPr lang="fr-FR"/>
           </a:p>
@@ -483,7 +485,7 @@
           <a:p>
             <a:fld id="{CAE47142-16B0-4769-BA42-4A01FDA2F14A}" type="datetimeFigureOut">
               <a:rPr lang="fr-FR" smtClean="0"/>
-              <a:t>09/09/2021</a:t>
+              <a:t>20/09/2021</a:t>
             </a:fld>
             <a:endParaRPr lang="fr-FR"/>
           </a:p>
@@ -693,7 +695,7 @@
           <a:p>
             <a:fld id="{CAE47142-16B0-4769-BA42-4A01FDA2F14A}" type="datetimeFigureOut">
               <a:rPr lang="fr-FR" smtClean="0"/>
-              <a:t>09/09/2021</a:t>
+              <a:t>20/09/2021</a:t>
             </a:fld>
             <a:endParaRPr lang="fr-FR"/>
           </a:p>
@@ -893,7 +895,7 @@
           <a:p>
             <a:fld id="{CAE47142-16B0-4769-BA42-4A01FDA2F14A}" type="datetimeFigureOut">
               <a:rPr lang="fr-FR" smtClean="0"/>
-              <a:t>09/09/2021</a:t>
+              <a:t>20/09/2021</a:t>
             </a:fld>
             <a:endParaRPr lang="fr-FR"/>
           </a:p>
@@ -1169,7 +1171,7 @@
           <a:p>
             <a:fld id="{CAE47142-16B0-4769-BA42-4A01FDA2F14A}" type="datetimeFigureOut">
               <a:rPr lang="fr-FR" smtClean="0"/>
-              <a:t>09/09/2021</a:t>
+              <a:t>20/09/2021</a:t>
             </a:fld>
             <a:endParaRPr lang="fr-FR"/>
           </a:p>
@@ -1437,7 +1439,7 @@
           <a:p>
             <a:fld id="{CAE47142-16B0-4769-BA42-4A01FDA2F14A}" type="datetimeFigureOut">
               <a:rPr lang="fr-FR" smtClean="0"/>
-              <a:t>09/09/2021</a:t>
+              <a:t>20/09/2021</a:t>
             </a:fld>
             <a:endParaRPr lang="fr-FR"/>
           </a:p>
@@ -1852,7 +1854,7 @@
           <a:p>
             <a:fld id="{CAE47142-16B0-4769-BA42-4A01FDA2F14A}" type="datetimeFigureOut">
               <a:rPr lang="fr-FR" smtClean="0"/>
-              <a:t>09/09/2021</a:t>
+              <a:t>20/09/2021</a:t>
             </a:fld>
             <a:endParaRPr lang="fr-FR"/>
           </a:p>
@@ -1994,7 +1996,7 @@
           <a:p>
             <a:fld id="{CAE47142-16B0-4769-BA42-4A01FDA2F14A}" type="datetimeFigureOut">
               <a:rPr lang="fr-FR" smtClean="0"/>
-              <a:t>09/09/2021</a:t>
+              <a:t>20/09/2021</a:t>
             </a:fld>
             <a:endParaRPr lang="fr-FR"/>
           </a:p>
@@ -2107,7 +2109,7 @@
           <a:p>
             <a:fld id="{CAE47142-16B0-4769-BA42-4A01FDA2F14A}" type="datetimeFigureOut">
               <a:rPr lang="fr-FR" smtClean="0"/>
-              <a:t>09/09/2021</a:t>
+              <a:t>20/09/2021</a:t>
             </a:fld>
             <a:endParaRPr lang="fr-FR"/>
           </a:p>
@@ -2420,7 +2422,7 @@
           <a:p>
             <a:fld id="{CAE47142-16B0-4769-BA42-4A01FDA2F14A}" type="datetimeFigureOut">
               <a:rPr lang="fr-FR" smtClean="0"/>
-              <a:t>09/09/2021</a:t>
+              <a:t>20/09/2021</a:t>
             </a:fld>
             <a:endParaRPr lang="fr-FR"/>
           </a:p>
@@ -2709,7 +2711,7 @@
           <a:p>
             <a:fld id="{CAE47142-16B0-4769-BA42-4A01FDA2F14A}" type="datetimeFigureOut">
               <a:rPr lang="fr-FR" smtClean="0"/>
-              <a:t>09/09/2021</a:t>
+              <a:t>20/09/2021</a:t>
             </a:fld>
             <a:endParaRPr lang="fr-FR"/>
           </a:p>
@@ -2952,7 +2954,7 @@
           <a:p>
             <a:fld id="{CAE47142-16B0-4769-BA42-4A01FDA2F14A}" type="datetimeFigureOut">
               <a:rPr lang="fr-FR" smtClean="0"/>
-              <a:t>09/09/2021</a:t>
+              <a:t>20/09/2021</a:t>
             </a:fld>
             <a:endParaRPr lang="fr-FR"/>
           </a:p>
@@ -15548,7 +15550,7 @@
           <p:cNvPr id="2" name="Title 1">
             <a:extLst>
               <a:ext uri="{FF2B5EF4-FFF2-40B4-BE49-F238E27FC236}">
-                <a16:creationId xmlns:a16="http://schemas.microsoft.com/office/drawing/2014/main" id="{02109A0C-AFFD-406D-90FA-C9E147A26F14}"/>
+                <a16:creationId xmlns:a16="http://schemas.microsoft.com/office/drawing/2014/main" id="{2871A38F-0982-4857-A2FD-8B736075EA48}"/>
               </a:ext>
             </a:extLst>
           </p:cNvPr>
@@ -15566,7 +15568,7 @@
           <a:p>
             <a:r>
               <a:rPr lang="fr-FR" dirty="0"/>
-              <a:t>Webographie</a:t>
+              <a:t>git</a:t>
             </a:r>
           </a:p>
         </p:txBody>
@@ -15576,7 +15578,7 @@
           <p:cNvPr id="3" name="Content Placeholder 2">
             <a:extLst>
               <a:ext uri="{FF2B5EF4-FFF2-40B4-BE49-F238E27FC236}">
-                <a16:creationId xmlns:a16="http://schemas.microsoft.com/office/drawing/2014/main" id="{D338E908-3417-4D40-A13D-F91F51EBFCC6}"/>
+                <a16:creationId xmlns:a16="http://schemas.microsoft.com/office/drawing/2014/main" id="{10803DBD-5BF8-468F-861F-0C971137404C}"/>
               </a:ext>
             </a:extLst>
           </p:cNvPr>
@@ -15589,8 +15591,222 @@
         </p:nvSpPr>
         <p:spPr/>
         <p:txBody>
+          <a:bodyPr/>
+          <a:lstStyle/>
+          <a:p>
+            <a:r>
+              <a:rPr lang="fr-FR" dirty="0"/>
+              <a:t>Linux </a:t>
+            </a:r>
+            <a:r>
+              <a:rPr lang="fr-FR" dirty="0" err="1"/>
+              <a:t>memoriser</a:t>
+            </a:r>
+            <a:r>
+              <a:rPr lang="fr-FR" dirty="0"/>
+              <a:t> </a:t>
+            </a:r>
+            <a:r>
+              <a:rPr lang="fr-FR" dirty="0" err="1"/>
+              <a:t>credentials</a:t>
+            </a:r>
+            <a:endParaRPr lang="fr-FR" dirty="0"/>
+          </a:p>
+          <a:p>
+            <a:pPr lvl="1"/>
+            <a:r>
+              <a:rPr lang="fr-FR" dirty="0"/>
+              <a:t>git config --global </a:t>
+            </a:r>
+            <a:r>
+              <a:rPr lang="fr-FR" dirty="0" err="1"/>
+              <a:t>credential.helper</a:t>
+            </a:r>
+            <a:r>
+              <a:rPr lang="fr-FR" dirty="0"/>
+              <a:t> cache</a:t>
+            </a:r>
+          </a:p>
+          <a:p>
+            <a:pPr lvl="1"/>
+            <a:endParaRPr lang="fr-FR" dirty="0"/>
+          </a:p>
+          <a:p>
+            <a:pPr lvl="1"/>
+            <a:endParaRPr lang="fr-FR" dirty="0"/>
+          </a:p>
+        </p:txBody>
+      </p:sp>
+    </p:spTree>
+    <p:extLst>
+      <p:ext uri="{BB962C8B-B14F-4D97-AF65-F5344CB8AC3E}">
+        <p14:creationId xmlns:p14="http://schemas.microsoft.com/office/powerpoint/2010/main" val="3130164418"/>
+      </p:ext>
+    </p:extLst>
+  </p:cSld>
+  <p:clrMapOvr>
+    <a:masterClrMapping/>
+  </p:clrMapOvr>
+</p:sld>
+</file>
+
+<file path=ppt/slides/slide24.xml><?xml version="1.0" encoding="utf-8"?>
+<p:sld xmlns:a="http://schemas.openxmlformats.org/drawingml/2006/main" xmlns:r="http://schemas.openxmlformats.org/officeDocument/2006/relationships" xmlns:p="http://schemas.openxmlformats.org/presentationml/2006/main">
+  <p:cSld>
+    <p:spTree>
+      <p:nvGrpSpPr>
+        <p:cNvPr id="1" name=""/>
+        <p:cNvGrpSpPr/>
+        <p:nvPr/>
+      </p:nvGrpSpPr>
+      <p:grpSpPr>
+        <a:xfrm>
+          <a:off x="0" y="0"/>
+          <a:ext cx="0" cy="0"/>
+          <a:chOff x="0" y="0"/>
+          <a:chExt cx="0" cy="0"/>
+        </a:xfrm>
+      </p:grpSpPr>
+      <p:sp>
+        <p:nvSpPr>
+          <p:cNvPr id="2" name="Title 1">
+            <a:extLst>
+              <a:ext uri="{FF2B5EF4-FFF2-40B4-BE49-F238E27FC236}">
+                <a16:creationId xmlns:a16="http://schemas.microsoft.com/office/drawing/2014/main" id="{AB4EBF47-D6B3-4EC0-AE51-91C96A3B7D55}"/>
+              </a:ext>
+            </a:extLst>
+          </p:cNvPr>
+          <p:cNvSpPr>
+            <a:spLocks noGrp="1"/>
+          </p:cNvSpPr>
+          <p:nvPr>
+            <p:ph type="title"/>
+          </p:nvPr>
+        </p:nvSpPr>
+        <p:spPr/>
+        <p:txBody>
+          <a:bodyPr/>
+          <a:lstStyle/>
+          <a:p>
+            <a:r>
+              <a:rPr lang="fr-FR" dirty="0"/>
+              <a:t>Ergonomie de site web</a:t>
+            </a:r>
+          </a:p>
+        </p:txBody>
+      </p:sp>
+      <p:sp>
+        <p:nvSpPr>
+          <p:cNvPr id="3" name="Content Placeholder 2">
+            <a:extLst>
+              <a:ext uri="{FF2B5EF4-FFF2-40B4-BE49-F238E27FC236}">
+                <a16:creationId xmlns:a16="http://schemas.microsoft.com/office/drawing/2014/main" id="{F38E3A1C-A407-443B-BBBF-D3C5B2E07972}"/>
+              </a:ext>
+            </a:extLst>
+          </p:cNvPr>
+          <p:cNvSpPr>
+            <a:spLocks noGrp="1"/>
+          </p:cNvSpPr>
+          <p:nvPr>
+            <p:ph idx="1"/>
+          </p:nvPr>
+        </p:nvSpPr>
+        <p:spPr/>
+        <p:txBody>
+          <a:bodyPr/>
+          <a:lstStyle/>
+          <a:p>
+            <a:r>
+              <a:rPr lang="fr-FR" dirty="0">
+                <a:hlinkClick r:id="rId2"/>
+              </a:rPr>
+              <a:t>https://jlg-consulting.com/orsys/IHM/</a:t>
+            </a:r>
+            <a:endParaRPr lang="fr-FR" dirty="0"/>
+          </a:p>
+          <a:p>
+            <a:endParaRPr lang="fr-FR" dirty="0"/>
+          </a:p>
+        </p:txBody>
+      </p:sp>
+    </p:spTree>
+    <p:extLst>
+      <p:ext uri="{BB962C8B-B14F-4D97-AF65-F5344CB8AC3E}">
+        <p14:creationId xmlns:p14="http://schemas.microsoft.com/office/powerpoint/2010/main" val="3601521997"/>
+      </p:ext>
+    </p:extLst>
+  </p:cSld>
+  <p:clrMapOvr>
+    <a:masterClrMapping/>
+  </p:clrMapOvr>
+</p:sld>
+</file>
+
+<file path=ppt/slides/slide25.xml><?xml version="1.0" encoding="utf-8"?>
+<p:sld xmlns:a="http://schemas.openxmlformats.org/drawingml/2006/main" xmlns:r="http://schemas.openxmlformats.org/officeDocument/2006/relationships" xmlns:p="http://schemas.openxmlformats.org/presentationml/2006/main">
+  <p:cSld>
+    <p:spTree>
+      <p:nvGrpSpPr>
+        <p:cNvPr id="1" name=""/>
+        <p:cNvGrpSpPr/>
+        <p:nvPr/>
+      </p:nvGrpSpPr>
+      <p:grpSpPr>
+        <a:xfrm>
+          <a:off x="0" y="0"/>
+          <a:ext cx="0" cy="0"/>
+          <a:chOff x="0" y="0"/>
+          <a:chExt cx="0" cy="0"/>
+        </a:xfrm>
+      </p:grpSpPr>
+      <p:sp>
+        <p:nvSpPr>
+          <p:cNvPr id="2" name="Title 1">
+            <a:extLst>
+              <a:ext uri="{FF2B5EF4-FFF2-40B4-BE49-F238E27FC236}">
+                <a16:creationId xmlns:a16="http://schemas.microsoft.com/office/drawing/2014/main" id="{02109A0C-AFFD-406D-90FA-C9E147A26F14}"/>
+              </a:ext>
+            </a:extLst>
+          </p:cNvPr>
+          <p:cNvSpPr>
+            <a:spLocks noGrp="1"/>
+          </p:cNvSpPr>
+          <p:nvPr>
+            <p:ph type="title"/>
+          </p:nvPr>
+        </p:nvSpPr>
+        <p:spPr/>
+        <p:txBody>
+          <a:bodyPr/>
+          <a:lstStyle/>
+          <a:p>
+            <a:r>
+              <a:rPr lang="fr-FR" dirty="0"/>
+              <a:t>Webographie</a:t>
+            </a:r>
+          </a:p>
+        </p:txBody>
+      </p:sp>
+      <p:sp>
+        <p:nvSpPr>
+          <p:cNvPr id="3" name="Content Placeholder 2">
+            <a:extLst>
+              <a:ext uri="{FF2B5EF4-FFF2-40B4-BE49-F238E27FC236}">
+                <a16:creationId xmlns:a16="http://schemas.microsoft.com/office/drawing/2014/main" id="{D338E908-3417-4D40-A13D-F91F51EBFCC6}"/>
+              </a:ext>
+            </a:extLst>
+          </p:cNvPr>
+          <p:cNvSpPr>
+            <a:spLocks noGrp="1"/>
+          </p:cNvSpPr>
+          <p:nvPr>
+            <p:ph idx="1"/>
+          </p:nvPr>
+        </p:nvSpPr>
+        <p:spPr/>
+        <p:txBody>
           <a:bodyPr>
-            <a:normAutofit/>
+            <a:normAutofit lnSpcReduction="10000"/>
           </a:bodyPr>
           <a:lstStyle/>
           <a:p>
@@ -15669,6 +15885,16 @@
             <a:r>
               <a:rPr lang="en-US" dirty="0"/>
               <a:t>100 Things Every Designer Needs to Know About People pdf</a:t>
+            </a:r>
+          </a:p>
+          <a:p>
+            <a:r>
+              <a:rPr lang="en-US" dirty="0"/>
+              <a:t>Steve Krug (don’t make </a:t>
+            </a:r>
+            <a:r>
+              <a:rPr lang="en-US"/>
+              <a:t>me think)</a:t>
             </a:r>
             <a:endParaRPr lang="fr-FR" dirty="0"/>
           </a:p>
@@ -17436,7 +17662,9 @@
         </p:nvSpPr>
         <p:spPr/>
         <p:txBody>
-          <a:bodyPr/>
+          <a:bodyPr>
+            <a:normAutofit lnSpcReduction="10000"/>
+          </a:bodyPr>
           <a:lstStyle/>
           <a:p>
             <a:r>
@@ -17516,6 +17744,12 @@
             <a:r>
               <a:rPr lang="fr-FR" dirty="0"/>
               <a:t>Auto Rename Tag</a:t>
+            </a:r>
+          </a:p>
+          <a:p>
+            <a:r>
+              <a:rPr lang="fr-FR" dirty="0"/>
+              <a:t>Nginx Configuration</a:t>
             </a:r>
           </a:p>
         </p:txBody>

--- a/notes.pptx
+++ b/notes.pptx
@@ -29,7 +29,8 @@
     <p:sldId id="1001" r:id="rId23"/>
     <p:sldId id="1002" r:id="rId24"/>
     <p:sldId id="1003" r:id="rId25"/>
-    <p:sldId id="259" r:id="rId26"/>
+    <p:sldId id="1004" r:id="rId26"/>
+    <p:sldId id="259" r:id="rId27"/>
   </p:sldIdLst>
   <p:sldSz cx="12192000" cy="6858000"/>
   <p:notesSz cx="6858000" cy="9144000"/>
@@ -285,7 +286,7 @@
           <a:p>
             <a:fld id="{CAE47142-16B0-4769-BA42-4A01FDA2F14A}" type="datetimeFigureOut">
               <a:rPr lang="fr-FR" smtClean="0"/>
-              <a:t>20/09/2021</a:t>
+              <a:t>18/10/2021</a:t>
             </a:fld>
             <a:endParaRPr lang="fr-FR"/>
           </a:p>
@@ -485,7 +486,7 @@
           <a:p>
             <a:fld id="{CAE47142-16B0-4769-BA42-4A01FDA2F14A}" type="datetimeFigureOut">
               <a:rPr lang="fr-FR" smtClean="0"/>
-              <a:t>20/09/2021</a:t>
+              <a:t>18/10/2021</a:t>
             </a:fld>
             <a:endParaRPr lang="fr-FR"/>
           </a:p>
@@ -695,7 +696,7 @@
           <a:p>
             <a:fld id="{CAE47142-16B0-4769-BA42-4A01FDA2F14A}" type="datetimeFigureOut">
               <a:rPr lang="fr-FR" smtClean="0"/>
-              <a:t>20/09/2021</a:t>
+              <a:t>18/10/2021</a:t>
             </a:fld>
             <a:endParaRPr lang="fr-FR"/>
           </a:p>
@@ -895,7 +896,7 @@
           <a:p>
             <a:fld id="{CAE47142-16B0-4769-BA42-4A01FDA2F14A}" type="datetimeFigureOut">
               <a:rPr lang="fr-FR" smtClean="0"/>
-              <a:t>20/09/2021</a:t>
+              <a:t>18/10/2021</a:t>
             </a:fld>
             <a:endParaRPr lang="fr-FR"/>
           </a:p>
@@ -1171,7 +1172,7 @@
           <a:p>
             <a:fld id="{CAE47142-16B0-4769-BA42-4A01FDA2F14A}" type="datetimeFigureOut">
               <a:rPr lang="fr-FR" smtClean="0"/>
-              <a:t>20/09/2021</a:t>
+              <a:t>18/10/2021</a:t>
             </a:fld>
             <a:endParaRPr lang="fr-FR"/>
           </a:p>
@@ -1439,7 +1440,7 @@
           <a:p>
             <a:fld id="{CAE47142-16B0-4769-BA42-4A01FDA2F14A}" type="datetimeFigureOut">
               <a:rPr lang="fr-FR" smtClean="0"/>
-              <a:t>20/09/2021</a:t>
+              <a:t>18/10/2021</a:t>
             </a:fld>
             <a:endParaRPr lang="fr-FR"/>
           </a:p>
@@ -1854,7 +1855,7 @@
           <a:p>
             <a:fld id="{CAE47142-16B0-4769-BA42-4A01FDA2F14A}" type="datetimeFigureOut">
               <a:rPr lang="fr-FR" smtClean="0"/>
-              <a:t>20/09/2021</a:t>
+              <a:t>18/10/2021</a:t>
             </a:fld>
             <a:endParaRPr lang="fr-FR"/>
           </a:p>
@@ -1996,7 +1997,7 @@
           <a:p>
             <a:fld id="{CAE47142-16B0-4769-BA42-4A01FDA2F14A}" type="datetimeFigureOut">
               <a:rPr lang="fr-FR" smtClean="0"/>
-              <a:t>20/09/2021</a:t>
+              <a:t>18/10/2021</a:t>
             </a:fld>
             <a:endParaRPr lang="fr-FR"/>
           </a:p>
@@ -2109,7 +2110,7 @@
           <a:p>
             <a:fld id="{CAE47142-16B0-4769-BA42-4A01FDA2F14A}" type="datetimeFigureOut">
               <a:rPr lang="fr-FR" smtClean="0"/>
-              <a:t>20/09/2021</a:t>
+              <a:t>18/10/2021</a:t>
             </a:fld>
             <a:endParaRPr lang="fr-FR"/>
           </a:p>
@@ -2422,7 +2423,7 @@
           <a:p>
             <a:fld id="{CAE47142-16B0-4769-BA42-4A01FDA2F14A}" type="datetimeFigureOut">
               <a:rPr lang="fr-FR" smtClean="0"/>
-              <a:t>20/09/2021</a:t>
+              <a:t>18/10/2021</a:t>
             </a:fld>
             <a:endParaRPr lang="fr-FR"/>
           </a:p>
@@ -2711,7 +2712,7 @@
           <a:p>
             <a:fld id="{CAE47142-16B0-4769-BA42-4A01FDA2F14A}" type="datetimeFigureOut">
               <a:rPr lang="fr-FR" smtClean="0"/>
-              <a:t>20/09/2021</a:t>
+              <a:t>18/10/2021</a:t>
             </a:fld>
             <a:endParaRPr lang="fr-FR"/>
           </a:p>
@@ -2954,7 +2955,7 @@
           <a:p>
             <a:fld id="{CAE47142-16B0-4769-BA42-4A01FDA2F14A}" type="datetimeFigureOut">
               <a:rPr lang="fr-FR" smtClean="0"/>
-              <a:t>20/09/2021</a:t>
+              <a:t>18/10/2021</a:t>
             </a:fld>
             <a:endParaRPr lang="fr-FR"/>
           </a:p>
@@ -15764,6 +15765,211 @@
           <p:cNvPr id="2" name="Title 1">
             <a:extLst>
               <a:ext uri="{FF2B5EF4-FFF2-40B4-BE49-F238E27FC236}">
+                <a16:creationId xmlns:a16="http://schemas.microsoft.com/office/drawing/2014/main" id="{F2AFB15A-B7B0-457D-B044-5F9F115EF431}"/>
+              </a:ext>
+            </a:extLst>
+          </p:cNvPr>
+          <p:cNvSpPr>
+            <a:spLocks noGrp="1"/>
+          </p:cNvSpPr>
+          <p:nvPr>
+            <p:ph type="title"/>
+          </p:nvPr>
+        </p:nvSpPr>
+        <p:spPr/>
+        <p:txBody>
+          <a:bodyPr/>
+          <a:lstStyle/>
+          <a:p>
+            <a:r>
+              <a:rPr lang="fr-FR" dirty="0"/>
+              <a:t>CI</a:t>
+            </a:r>
+          </a:p>
+        </p:txBody>
+      </p:sp>
+      <p:sp>
+        <p:nvSpPr>
+          <p:cNvPr id="4" name="Rectangle 3">
+            <a:extLst>
+              <a:ext uri="{FF2B5EF4-FFF2-40B4-BE49-F238E27FC236}">
+                <a16:creationId xmlns:a16="http://schemas.microsoft.com/office/drawing/2014/main" id="{2A23DC8C-E193-46F3-8385-6DE468176610}"/>
+              </a:ext>
+            </a:extLst>
+          </p:cNvPr>
+          <p:cNvSpPr/>
+          <p:nvPr/>
+        </p:nvSpPr>
+        <p:spPr>
+          <a:xfrm>
+            <a:off x="439271" y="3030071"/>
+            <a:ext cx="1636058" cy="1325563"/>
+          </a:xfrm>
+          <a:prstGeom prst="rect">
+            <a:avLst/>
+          </a:prstGeom>
+        </p:spPr>
+        <p:style>
+          <a:lnRef idx="2">
+            <a:schemeClr val="accent1">
+              <a:shade val="50000"/>
+            </a:schemeClr>
+          </a:lnRef>
+          <a:fillRef idx="1">
+            <a:schemeClr val="accent1"/>
+          </a:fillRef>
+          <a:effectRef idx="0">
+            <a:schemeClr val="accent1"/>
+          </a:effectRef>
+          <a:fontRef idx="minor">
+            <a:schemeClr val="lt1"/>
+          </a:fontRef>
+        </p:style>
+        <p:txBody>
+          <a:bodyPr rtlCol="0" anchor="ctr"/>
+          <a:lstStyle/>
+          <a:p>
+            <a:pPr algn="ctr"/>
+            <a:r>
+              <a:rPr lang="fr-FR" dirty="0"/>
+              <a:t>Dev</a:t>
+            </a:r>
+          </a:p>
+        </p:txBody>
+      </p:sp>
+      <p:sp>
+        <p:nvSpPr>
+          <p:cNvPr id="5" name="Rectangle 4">
+            <a:extLst>
+              <a:ext uri="{FF2B5EF4-FFF2-40B4-BE49-F238E27FC236}">
+                <a16:creationId xmlns:a16="http://schemas.microsoft.com/office/drawing/2014/main" id="{51BCD0A5-F53E-4089-925B-A08263DA6BAD}"/>
+              </a:ext>
+            </a:extLst>
+          </p:cNvPr>
+          <p:cNvSpPr/>
+          <p:nvPr/>
+        </p:nvSpPr>
+        <p:spPr>
+          <a:xfrm>
+            <a:off x="2976282" y="3231776"/>
+            <a:ext cx="1698812" cy="811306"/>
+          </a:xfrm>
+          <a:prstGeom prst="rect">
+            <a:avLst/>
+          </a:prstGeom>
+        </p:spPr>
+        <p:style>
+          <a:lnRef idx="2">
+            <a:schemeClr val="accent1">
+              <a:shade val="50000"/>
+            </a:schemeClr>
+          </a:lnRef>
+          <a:fillRef idx="1">
+            <a:schemeClr val="accent1"/>
+          </a:fillRef>
+          <a:effectRef idx="0">
+            <a:schemeClr val="accent1"/>
+          </a:effectRef>
+          <a:fontRef idx="minor">
+            <a:schemeClr val="lt1"/>
+          </a:fontRef>
+        </p:style>
+        <p:txBody>
+          <a:bodyPr rtlCol="0" anchor="ctr"/>
+          <a:lstStyle/>
+          <a:p>
+            <a:pPr algn="ctr"/>
+            <a:r>
+              <a:rPr lang="fr-FR" dirty="0"/>
+              <a:t>Lint</a:t>
+            </a:r>
+          </a:p>
+        </p:txBody>
+      </p:sp>
+      <p:sp>
+        <p:nvSpPr>
+          <p:cNvPr id="6" name="Rectangle 5">
+            <a:extLst>
+              <a:ext uri="{FF2B5EF4-FFF2-40B4-BE49-F238E27FC236}">
+                <a16:creationId xmlns:a16="http://schemas.microsoft.com/office/drawing/2014/main" id="{CAEE0A73-8C10-44F6-BA08-B0D898224C52}"/>
+              </a:ext>
+            </a:extLst>
+          </p:cNvPr>
+          <p:cNvSpPr/>
+          <p:nvPr/>
+        </p:nvSpPr>
+        <p:spPr>
+          <a:xfrm>
+            <a:off x="5246594" y="3231776"/>
+            <a:ext cx="1698812" cy="811306"/>
+          </a:xfrm>
+          <a:prstGeom prst="rect">
+            <a:avLst/>
+          </a:prstGeom>
+        </p:spPr>
+        <p:style>
+          <a:lnRef idx="2">
+            <a:schemeClr val="accent1">
+              <a:shade val="50000"/>
+            </a:schemeClr>
+          </a:lnRef>
+          <a:fillRef idx="1">
+            <a:schemeClr val="accent1"/>
+          </a:fillRef>
+          <a:effectRef idx="0">
+            <a:schemeClr val="accent1"/>
+          </a:effectRef>
+          <a:fontRef idx="minor">
+            <a:schemeClr val="lt1"/>
+          </a:fontRef>
+        </p:style>
+        <p:txBody>
+          <a:bodyPr rtlCol="0" anchor="ctr"/>
+          <a:lstStyle/>
+          <a:p>
+            <a:pPr algn="ctr"/>
+            <a:r>
+              <a:rPr lang="fr-FR" dirty="0"/>
+              <a:t>Test unitaire</a:t>
+            </a:r>
+          </a:p>
+        </p:txBody>
+      </p:sp>
+    </p:spTree>
+    <p:extLst>
+      <p:ext uri="{BB962C8B-B14F-4D97-AF65-F5344CB8AC3E}">
+        <p14:creationId xmlns:p14="http://schemas.microsoft.com/office/powerpoint/2010/main" val="957834950"/>
+      </p:ext>
+    </p:extLst>
+  </p:cSld>
+  <p:clrMapOvr>
+    <a:masterClrMapping/>
+  </p:clrMapOvr>
+</p:sld>
+</file>
+
+<file path=ppt/slides/slide26.xml><?xml version="1.0" encoding="utf-8"?>
+<p:sld xmlns:a="http://schemas.openxmlformats.org/drawingml/2006/main" xmlns:r="http://schemas.openxmlformats.org/officeDocument/2006/relationships" xmlns:p="http://schemas.openxmlformats.org/presentationml/2006/main">
+  <p:cSld>
+    <p:spTree>
+      <p:nvGrpSpPr>
+        <p:cNvPr id="1" name=""/>
+        <p:cNvGrpSpPr/>
+        <p:nvPr/>
+      </p:nvGrpSpPr>
+      <p:grpSpPr>
+        <a:xfrm>
+          <a:off x="0" y="0"/>
+          <a:ext cx="0" cy="0"/>
+          <a:chOff x="0" y="0"/>
+          <a:chExt cx="0" cy="0"/>
+        </a:xfrm>
+      </p:grpSpPr>
+      <p:sp>
+        <p:nvSpPr>
+          <p:cNvPr id="2" name="Title 1">
+            <a:extLst>
+              <a:ext uri="{FF2B5EF4-FFF2-40B4-BE49-F238E27FC236}">
                 <a16:creationId xmlns:a16="http://schemas.microsoft.com/office/drawing/2014/main" id="{02109A0C-AFFD-406D-90FA-C9E147A26F14}"/>
               </a:ext>
             </a:extLst>
@@ -17663,7 +17869,7 @@
         <p:spPr/>
         <p:txBody>
           <a:bodyPr>
-            <a:normAutofit lnSpcReduction="10000"/>
+            <a:normAutofit fontScale="92500" lnSpcReduction="20000"/>
           </a:bodyPr>
           <a:lstStyle/>
           <a:p>
@@ -17751,6 +17957,13 @@
               <a:rPr lang="fr-FR" dirty="0"/>
               <a:t>Nginx Configuration</a:t>
             </a:r>
+          </a:p>
+          <a:p>
+            <a:r>
+              <a:rPr lang="fr-FR" dirty="0" err="1"/>
+              <a:t>Surround</a:t>
+            </a:r>
+            <a:endParaRPr lang="fr-FR" dirty="0"/>
           </a:p>
         </p:txBody>
       </p:sp>

--- a/notes.pptx
+++ b/notes.pptx
@@ -30,7 +30,10 @@
     <p:sldId id="1002" r:id="rId24"/>
     <p:sldId id="1003" r:id="rId25"/>
     <p:sldId id="1004" r:id="rId26"/>
-    <p:sldId id="259" r:id="rId27"/>
+    <p:sldId id="1005" r:id="rId27"/>
+    <p:sldId id="1006" r:id="rId28"/>
+    <p:sldId id="1007" r:id="rId29"/>
+    <p:sldId id="259" r:id="rId30"/>
   </p:sldIdLst>
   <p:sldSz cx="12192000" cy="6858000"/>
   <p:notesSz cx="6858000" cy="9144000"/>
@@ -286,7 +289,7 @@
           <a:p>
             <a:fld id="{CAE47142-16B0-4769-BA42-4A01FDA2F14A}" type="datetimeFigureOut">
               <a:rPr lang="fr-FR" smtClean="0"/>
-              <a:t>18/10/2021</a:t>
+              <a:t>04/01/2022</a:t>
             </a:fld>
             <a:endParaRPr lang="fr-FR"/>
           </a:p>
@@ -486,7 +489,7 @@
           <a:p>
             <a:fld id="{CAE47142-16B0-4769-BA42-4A01FDA2F14A}" type="datetimeFigureOut">
               <a:rPr lang="fr-FR" smtClean="0"/>
-              <a:t>18/10/2021</a:t>
+              <a:t>04/01/2022</a:t>
             </a:fld>
             <a:endParaRPr lang="fr-FR"/>
           </a:p>
@@ -696,7 +699,7 @@
           <a:p>
             <a:fld id="{CAE47142-16B0-4769-BA42-4A01FDA2F14A}" type="datetimeFigureOut">
               <a:rPr lang="fr-FR" smtClean="0"/>
-              <a:t>18/10/2021</a:t>
+              <a:t>04/01/2022</a:t>
             </a:fld>
             <a:endParaRPr lang="fr-FR"/>
           </a:p>
@@ -896,7 +899,7 @@
           <a:p>
             <a:fld id="{CAE47142-16B0-4769-BA42-4A01FDA2F14A}" type="datetimeFigureOut">
               <a:rPr lang="fr-FR" smtClean="0"/>
-              <a:t>18/10/2021</a:t>
+              <a:t>04/01/2022</a:t>
             </a:fld>
             <a:endParaRPr lang="fr-FR"/>
           </a:p>
@@ -1172,7 +1175,7 @@
           <a:p>
             <a:fld id="{CAE47142-16B0-4769-BA42-4A01FDA2F14A}" type="datetimeFigureOut">
               <a:rPr lang="fr-FR" smtClean="0"/>
-              <a:t>18/10/2021</a:t>
+              <a:t>04/01/2022</a:t>
             </a:fld>
             <a:endParaRPr lang="fr-FR"/>
           </a:p>
@@ -1440,7 +1443,7 @@
           <a:p>
             <a:fld id="{CAE47142-16B0-4769-BA42-4A01FDA2F14A}" type="datetimeFigureOut">
               <a:rPr lang="fr-FR" smtClean="0"/>
-              <a:t>18/10/2021</a:t>
+              <a:t>04/01/2022</a:t>
             </a:fld>
             <a:endParaRPr lang="fr-FR"/>
           </a:p>
@@ -1855,7 +1858,7 @@
           <a:p>
             <a:fld id="{CAE47142-16B0-4769-BA42-4A01FDA2F14A}" type="datetimeFigureOut">
               <a:rPr lang="fr-FR" smtClean="0"/>
-              <a:t>18/10/2021</a:t>
+              <a:t>04/01/2022</a:t>
             </a:fld>
             <a:endParaRPr lang="fr-FR"/>
           </a:p>
@@ -1997,7 +2000,7 @@
           <a:p>
             <a:fld id="{CAE47142-16B0-4769-BA42-4A01FDA2F14A}" type="datetimeFigureOut">
               <a:rPr lang="fr-FR" smtClean="0"/>
-              <a:t>18/10/2021</a:t>
+              <a:t>04/01/2022</a:t>
             </a:fld>
             <a:endParaRPr lang="fr-FR"/>
           </a:p>
@@ -2110,7 +2113,7 @@
           <a:p>
             <a:fld id="{CAE47142-16B0-4769-BA42-4A01FDA2F14A}" type="datetimeFigureOut">
               <a:rPr lang="fr-FR" smtClean="0"/>
-              <a:t>18/10/2021</a:t>
+              <a:t>04/01/2022</a:t>
             </a:fld>
             <a:endParaRPr lang="fr-FR"/>
           </a:p>
@@ -2423,7 +2426,7 @@
           <a:p>
             <a:fld id="{CAE47142-16B0-4769-BA42-4A01FDA2F14A}" type="datetimeFigureOut">
               <a:rPr lang="fr-FR" smtClean="0"/>
-              <a:t>18/10/2021</a:t>
+              <a:t>04/01/2022</a:t>
             </a:fld>
             <a:endParaRPr lang="fr-FR"/>
           </a:p>
@@ -2712,7 +2715,7 @@
           <a:p>
             <a:fld id="{CAE47142-16B0-4769-BA42-4A01FDA2F14A}" type="datetimeFigureOut">
               <a:rPr lang="fr-FR" smtClean="0"/>
-              <a:t>18/10/2021</a:t>
+              <a:t>04/01/2022</a:t>
             </a:fld>
             <a:endParaRPr lang="fr-FR"/>
           </a:p>
@@ -2955,7 +2958,7 @@
           <a:p>
             <a:fld id="{CAE47142-16B0-4769-BA42-4A01FDA2F14A}" type="datetimeFigureOut">
               <a:rPr lang="fr-FR" smtClean="0"/>
-              <a:t>18/10/2021</a:t>
+              <a:t>04/01/2022</a:t>
             </a:fld>
             <a:endParaRPr lang="fr-FR"/>
           </a:p>
@@ -15970,6 +15973,2211 @@
           <p:cNvPr id="2" name="Title 1">
             <a:extLst>
               <a:ext uri="{FF2B5EF4-FFF2-40B4-BE49-F238E27FC236}">
+                <a16:creationId xmlns:a16="http://schemas.microsoft.com/office/drawing/2014/main" id="{34B82C23-F2F5-47C2-83E4-1B8120ABEFA7}"/>
+              </a:ext>
+            </a:extLst>
+          </p:cNvPr>
+          <p:cNvSpPr>
+            <a:spLocks noGrp="1"/>
+          </p:cNvSpPr>
+          <p:nvPr>
+            <p:ph type="title"/>
+          </p:nvPr>
+        </p:nvSpPr>
+        <p:spPr/>
+        <p:txBody>
+          <a:bodyPr/>
+          <a:lstStyle/>
+          <a:p>
+            <a:r>
+              <a:rPr lang="fr-FR" dirty="0"/>
+              <a:t>librairie</a:t>
+            </a:r>
+          </a:p>
+        </p:txBody>
+      </p:sp>
+      <p:cxnSp>
+        <p:nvCxnSpPr>
+          <p:cNvPr id="5" name="Straight Arrow Connector 4">
+            <a:extLst>
+              <a:ext uri="{FF2B5EF4-FFF2-40B4-BE49-F238E27FC236}">
+                <a16:creationId xmlns:a16="http://schemas.microsoft.com/office/drawing/2014/main" id="{DAE3CC0A-6625-403A-8F29-6890A8902207}"/>
+              </a:ext>
+            </a:extLst>
+          </p:cNvPr>
+          <p:cNvCxnSpPr/>
+          <p:nvPr/>
+        </p:nvCxnSpPr>
+        <p:spPr>
+          <a:xfrm flipV="1">
+            <a:off x="1246094" y="1775012"/>
+            <a:ext cx="0" cy="4208929"/>
+          </a:xfrm>
+          <a:prstGeom prst="straightConnector1">
+            <a:avLst/>
+          </a:prstGeom>
+          <a:ln w="76200">
+            <a:solidFill>
+              <a:schemeClr val="accent1"/>
+            </a:solidFill>
+            <a:tailEnd type="triangle"/>
+          </a:ln>
+        </p:spPr>
+        <p:style>
+          <a:lnRef idx="1">
+            <a:schemeClr val="accent1"/>
+          </a:lnRef>
+          <a:fillRef idx="0">
+            <a:schemeClr val="accent1"/>
+          </a:fillRef>
+          <a:effectRef idx="0">
+            <a:schemeClr val="accent1"/>
+          </a:effectRef>
+          <a:fontRef idx="minor">
+            <a:schemeClr val="tx1"/>
+          </a:fontRef>
+        </p:style>
+      </p:cxnSp>
+      <p:cxnSp>
+        <p:nvCxnSpPr>
+          <p:cNvPr id="7" name="Straight Arrow Connector 6">
+            <a:extLst>
+              <a:ext uri="{FF2B5EF4-FFF2-40B4-BE49-F238E27FC236}">
+                <a16:creationId xmlns:a16="http://schemas.microsoft.com/office/drawing/2014/main" id="{DF0D8D53-B484-401F-A781-0E7C5A7B390E}"/>
+              </a:ext>
+            </a:extLst>
+          </p:cNvPr>
+          <p:cNvCxnSpPr/>
+          <p:nvPr/>
+        </p:nvCxnSpPr>
+        <p:spPr>
+          <a:xfrm>
+            <a:off x="753035" y="5540188"/>
+            <a:ext cx="9094694" cy="0"/>
+          </a:xfrm>
+          <a:prstGeom prst="straightConnector1">
+            <a:avLst/>
+          </a:prstGeom>
+          <a:ln w="76200">
+            <a:solidFill>
+              <a:schemeClr val="accent1"/>
+            </a:solidFill>
+            <a:tailEnd type="triangle"/>
+          </a:ln>
+        </p:spPr>
+        <p:style>
+          <a:lnRef idx="1">
+            <a:schemeClr val="accent1"/>
+          </a:lnRef>
+          <a:fillRef idx="0">
+            <a:schemeClr val="accent1"/>
+          </a:fillRef>
+          <a:effectRef idx="0">
+            <a:schemeClr val="accent1"/>
+          </a:effectRef>
+          <a:fontRef idx="minor">
+            <a:schemeClr val="tx1"/>
+          </a:fontRef>
+        </p:style>
+      </p:cxnSp>
+      <p:sp>
+        <p:nvSpPr>
+          <p:cNvPr id="8" name="TextBox 7">
+            <a:extLst>
+              <a:ext uri="{FF2B5EF4-FFF2-40B4-BE49-F238E27FC236}">
+                <a16:creationId xmlns:a16="http://schemas.microsoft.com/office/drawing/2014/main" id="{A2F15CCE-4E0E-46AC-9EF5-7282043E2B33}"/>
+              </a:ext>
+            </a:extLst>
+          </p:cNvPr>
+          <p:cNvSpPr txBox="1"/>
+          <p:nvPr/>
+        </p:nvSpPr>
+        <p:spPr>
+          <a:xfrm>
+            <a:off x="8892988" y="5903259"/>
+            <a:ext cx="769313" cy="369332"/>
+          </a:xfrm>
+          <a:prstGeom prst="rect">
+            <a:avLst/>
+          </a:prstGeom>
+          <a:noFill/>
+        </p:spPr>
+        <p:txBody>
+          <a:bodyPr wrap="none" rtlCol="0">
+            <a:spAutoFit/>
+          </a:bodyPr>
+          <a:lstStyle/>
+          <a:p>
+            <a:r>
+              <a:rPr lang="fr-FR" dirty="0"/>
+              <a:t>temps</a:t>
+            </a:r>
+          </a:p>
+        </p:txBody>
+      </p:sp>
+      <p:sp>
+        <p:nvSpPr>
+          <p:cNvPr id="9" name="TextBox 8">
+            <a:extLst>
+              <a:ext uri="{FF2B5EF4-FFF2-40B4-BE49-F238E27FC236}">
+                <a16:creationId xmlns:a16="http://schemas.microsoft.com/office/drawing/2014/main" id="{7DBD21A9-110F-4B6C-A189-CD631A13C521}"/>
+              </a:ext>
+            </a:extLst>
+          </p:cNvPr>
+          <p:cNvSpPr txBox="1"/>
+          <p:nvPr/>
+        </p:nvSpPr>
+        <p:spPr>
+          <a:xfrm>
+            <a:off x="340659" y="1492624"/>
+            <a:ext cx="1334276" cy="369332"/>
+          </a:xfrm>
+          <a:prstGeom prst="rect">
+            <a:avLst/>
+          </a:prstGeom>
+          <a:noFill/>
+        </p:spPr>
+        <p:txBody>
+          <a:bodyPr wrap="none" rtlCol="0">
+            <a:spAutoFit/>
+          </a:bodyPr>
+          <a:lstStyle/>
+          <a:p>
+            <a:r>
+              <a:rPr lang="fr-FR" dirty="0"/>
+              <a:t>avancement</a:t>
+            </a:r>
+          </a:p>
+        </p:txBody>
+      </p:sp>
+      <p:cxnSp>
+        <p:nvCxnSpPr>
+          <p:cNvPr id="11" name="Straight Connector 10">
+            <a:extLst>
+              <a:ext uri="{FF2B5EF4-FFF2-40B4-BE49-F238E27FC236}">
+                <a16:creationId xmlns:a16="http://schemas.microsoft.com/office/drawing/2014/main" id="{1BAAC1CB-0433-4B5E-B5C2-8D4AA7755790}"/>
+              </a:ext>
+            </a:extLst>
+          </p:cNvPr>
+          <p:cNvCxnSpPr>
+            <a:cxnSpLocks/>
+          </p:cNvCxnSpPr>
+          <p:nvPr/>
+        </p:nvCxnSpPr>
+        <p:spPr>
+          <a:xfrm flipV="1">
+            <a:off x="1246094" y="3944471"/>
+            <a:ext cx="690282" cy="1546412"/>
+          </a:xfrm>
+          <a:prstGeom prst="line">
+            <a:avLst/>
+          </a:prstGeom>
+          <a:ln w="76200">
+            <a:solidFill>
+              <a:schemeClr val="accent1"/>
+            </a:solidFill>
+          </a:ln>
+        </p:spPr>
+        <p:style>
+          <a:lnRef idx="1">
+            <a:schemeClr val="accent1"/>
+          </a:lnRef>
+          <a:fillRef idx="0">
+            <a:schemeClr val="accent1"/>
+          </a:fillRef>
+          <a:effectRef idx="0">
+            <a:schemeClr val="accent1"/>
+          </a:effectRef>
+          <a:fontRef idx="minor">
+            <a:schemeClr val="tx1"/>
+          </a:fontRef>
+        </p:style>
+      </p:cxnSp>
+      <p:cxnSp>
+        <p:nvCxnSpPr>
+          <p:cNvPr id="15" name="Straight Connector 14">
+            <a:extLst>
+              <a:ext uri="{FF2B5EF4-FFF2-40B4-BE49-F238E27FC236}">
+                <a16:creationId xmlns:a16="http://schemas.microsoft.com/office/drawing/2014/main" id="{27B0DD1C-9A45-437F-AFD5-981917B5DAF6}"/>
+              </a:ext>
+            </a:extLst>
+          </p:cNvPr>
+          <p:cNvCxnSpPr>
+            <a:cxnSpLocks/>
+          </p:cNvCxnSpPr>
+          <p:nvPr/>
+        </p:nvCxnSpPr>
+        <p:spPr>
+          <a:xfrm flipV="1">
+            <a:off x="1911724" y="2690762"/>
+            <a:ext cx="8162365" cy="1253708"/>
+          </a:xfrm>
+          <a:prstGeom prst="line">
+            <a:avLst/>
+          </a:prstGeom>
+          <a:ln w="76200">
+            <a:solidFill>
+              <a:schemeClr val="accent1"/>
+            </a:solidFill>
+          </a:ln>
+        </p:spPr>
+        <p:style>
+          <a:lnRef idx="1">
+            <a:schemeClr val="accent1"/>
+          </a:lnRef>
+          <a:fillRef idx="0">
+            <a:schemeClr val="accent1"/>
+          </a:fillRef>
+          <a:effectRef idx="0">
+            <a:schemeClr val="accent1"/>
+          </a:effectRef>
+          <a:fontRef idx="minor">
+            <a:schemeClr val="tx1"/>
+          </a:fontRef>
+        </p:style>
+      </p:cxnSp>
+      <p:cxnSp>
+        <p:nvCxnSpPr>
+          <p:cNvPr id="20" name="Straight Connector 19">
+            <a:extLst>
+              <a:ext uri="{FF2B5EF4-FFF2-40B4-BE49-F238E27FC236}">
+                <a16:creationId xmlns:a16="http://schemas.microsoft.com/office/drawing/2014/main" id="{DD9B9498-3079-4FD2-8546-7B31D1AF0348}"/>
+              </a:ext>
+            </a:extLst>
+          </p:cNvPr>
+          <p:cNvCxnSpPr>
+            <a:cxnSpLocks/>
+          </p:cNvCxnSpPr>
+          <p:nvPr/>
+        </p:nvCxnSpPr>
+        <p:spPr>
+          <a:xfrm flipV="1">
+            <a:off x="1246093" y="2169459"/>
+            <a:ext cx="4746813" cy="3370729"/>
+          </a:xfrm>
+          <a:prstGeom prst="line">
+            <a:avLst/>
+          </a:prstGeom>
+          <a:ln w="76200">
+            <a:solidFill>
+              <a:schemeClr val="accent1"/>
+            </a:solidFill>
+          </a:ln>
+        </p:spPr>
+        <p:style>
+          <a:lnRef idx="1">
+            <a:schemeClr val="accent1"/>
+          </a:lnRef>
+          <a:fillRef idx="0">
+            <a:schemeClr val="accent1"/>
+          </a:fillRef>
+          <a:effectRef idx="0">
+            <a:schemeClr val="accent1"/>
+          </a:effectRef>
+          <a:fontRef idx="minor">
+            <a:schemeClr val="tx1"/>
+          </a:fontRef>
+        </p:style>
+      </p:cxnSp>
+      <p:cxnSp>
+        <p:nvCxnSpPr>
+          <p:cNvPr id="22" name="Straight Connector 21">
+            <a:extLst>
+              <a:ext uri="{FF2B5EF4-FFF2-40B4-BE49-F238E27FC236}">
+                <a16:creationId xmlns:a16="http://schemas.microsoft.com/office/drawing/2014/main" id="{3E3086E6-679C-404F-BAA6-8F45708EFDE9}"/>
+              </a:ext>
+            </a:extLst>
+          </p:cNvPr>
+          <p:cNvCxnSpPr>
+            <a:cxnSpLocks/>
+          </p:cNvCxnSpPr>
+          <p:nvPr/>
+        </p:nvCxnSpPr>
+        <p:spPr>
+          <a:xfrm flipV="1">
+            <a:off x="1178858" y="2447363"/>
+            <a:ext cx="7938248" cy="98614"/>
+          </a:xfrm>
+          <a:prstGeom prst="line">
+            <a:avLst/>
+          </a:prstGeom>
+          <a:ln w="76200">
+            <a:solidFill>
+              <a:schemeClr val="accent1"/>
+            </a:solidFill>
+          </a:ln>
+        </p:spPr>
+        <p:style>
+          <a:lnRef idx="1">
+            <a:schemeClr val="accent1"/>
+          </a:lnRef>
+          <a:fillRef idx="0">
+            <a:schemeClr val="accent1"/>
+          </a:fillRef>
+          <a:effectRef idx="0">
+            <a:schemeClr val="accent1"/>
+          </a:effectRef>
+          <a:fontRef idx="minor">
+            <a:schemeClr val="tx1"/>
+          </a:fontRef>
+        </p:style>
+      </p:cxnSp>
+      <p:cxnSp>
+        <p:nvCxnSpPr>
+          <p:cNvPr id="29" name="Straight Connector 28">
+            <a:extLst>
+              <a:ext uri="{FF2B5EF4-FFF2-40B4-BE49-F238E27FC236}">
+                <a16:creationId xmlns:a16="http://schemas.microsoft.com/office/drawing/2014/main" id="{DF77781D-E932-49A6-BDAD-9899E121442A}"/>
+              </a:ext>
+            </a:extLst>
+          </p:cNvPr>
+          <p:cNvCxnSpPr>
+            <a:cxnSpLocks/>
+          </p:cNvCxnSpPr>
+          <p:nvPr/>
+        </p:nvCxnSpPr>
+        <p:spPr>
+          <a:xfrm flipV="1">
+            <a:off x="1313331" y="4029635"/>
+            <a:ext cx="654422" cy="1281954"/>
+          </a:xfrm>
+          <a:prstGeom prst="line">
+            <a:avLst/>
+          </a:prstGeom>
+          <a:ln w="76200">
+            <a:solidFill>
+              <a:srgbClr val="FFC000"/>
+            </a:solidFill>
+          </a:ln>
+        </p:spPr>
+        <p:style>
+          <a:lnRef idx="1">
+            <a:schemeClr val="accent1"/>
+          </a:lnRef>
+          <a:fillRef idx="0">
+            <a:schemeClr val="accent1"/>
+          </a:fillRef>
+          <a:effectRef idx="0">
+            <a:schemeClr val="accent1"/>
+          </a:effectRef>
+          <a:fontRef idx="minor">
+            <a:schemeClr val="tx1"/>
+          </a:fontRef>
+        </p:style>
+      </p:cxnSp>
+      <p:cxnSp>
+        <p:nvCxnSpPr>
+          <p:cNvPr id="31" name="Straight Connector 30">
+            <a:extLst>
+              <a:ext uri="{FF2B5EF4-FFF2-40B4-BE49-F238E27FC236}">
+                <a16:creationId xmlns:a16="http://schemas.microsoft.com/office/drawing/2014/main" id="{345F629F-8D49-4A82-8BFA-C10685F4F58C}"/>
+              </a:ext>
+            </a:extLst>
+          </p:cNvPr>
+          <p:cNvCxnSpPr>
+            <a:cxnSpLocks/>
+          </p:cNvCxnSpPr>
+          <p:nvPr/>
+        </p:nvCxnSpPr>
+        <p:spPr>
+          <a:xfrm flipV="1">
+            <a:off x="3931024" y="2147046"/>
+            <a:ext cx="1963270" cy="1452284"/>
+          </a:xfrm>
+          <a:prstGeom prst="line">
+            <a:avLst/>
+          </a:prstGeom>
+          <a:ln w="76200">
+            <a:solidFill>
+              <a:srgbClr val="FFC000"/>
+            </a:solidFill>
+          </a:ln>
+        </p:spPr>
+        <p:style>
+          <a:lnRef idx="1">
+            <a:schemeClr val="accent1"/>
+          </a:lnRef>
+          <a:fillRef idx="0">
+            <a:schemeClr val="accent1"/>
+          </a:fillRef>
+          <a:effectRef idx="0">
+            <a:schemeClr val="accent1"/>
+          </a:effectRef>
+          <a:fontRef idx="minor">
+            <a:schemeClr val="tx1"/>
+          </a:fontRef>
+        </p:style>
+      </p:cxnSp>
+      <p:cxnSp>
+        <p:nvCxnSpPr>
+          <p:cNvPr id="32" name="Straight Connector 31">
+            <a:extLst>
+              <a:ext uri="{FF2B5EF4-FFF2-40B4-BE49-F238E27FC236}">
+                <a16:creationId xmlns:a16="http://schemas.microsoft.com/office/drawing/2014/main" id="{2B20FFDB-B05C-4764-8CDB-A8C99F3914F8}"/>
+              </a:ext>
+            </a:extLst>
+          </p:cNvPr>
+          <p:cNvCxnSpPr>
+            <a:cxnSpLocks/>
+          </p:cNvCxnSpPr>
+          <p:nvPr/>
+        </p:nvCxnSpPr>
+        <p:spPr>
+          <a:xfrm flipV="1">
+            <a:off x="1967753" y="3666565"/>
+            <a:ext cx="1963271" cy="354104"/>
+          </a:xfrm>
+          <a:prstGeom prst="line">
+            <a:avLst/>
+          </a:prstGeom>
+          <a:ln w="76200">
+            <a:solidFill>
+              <a:srgbClr val="FFC000"/>
+            </a:solidFill>
+          </a:ln>
+        </p:spPr>
+        <p:style>
+          <a:lnRef idx="1">
+            <a:schemeClr val="accent1"/>
+          </a:lnRef>
+          <a:fillRef idx="0">
+            <a:schemeClr val="accent1"/>
+          </a:fillRef>
+          <a:effectRef idx="0">
+            <a:schemeClr val="accent1"/>
+          </a:effectRef>
+          <a:fontRef idx="minor">
+            <a:schemeClr val="tx1"/>
+          </a:fontRef>
+        </p:style>
+      </p:cxnSp>
+    </p:spTree>
+    <p:extLst>
+      <p:ext uri="{BB962C8B-B14F-4D97-AF65-F5344CB8AC3E}">
+        <p14:creationId xmlns:p14="http://schemas.microsoft.com/office/powerpoint/2010/main" val="3570674537"/>
+      </p:ext>
+    </p:extLst>
+  </p:cSld>
+  <p:clrMapOvr>
+    <a:masterClrMapping/>
+  </p:clrMapOvr>
+</p:sld>
+</file>
+
+<file path=ppt/slides/slide27.xml><?xml version="1.0" encoding="utf-8"?>
+<p:sld xmlns:a="http://schemas.openxmlformats.org/drawingml/2006/main" xmlns:r="http://schemas.openxmlformats.org/officeDocument/2006/relationships" xmlns:p="http://schemas.openxmlformats.org/presentationml/2006/main">
+  <p:cSld>
+    <p:spTree>
+      <p:nvGrpSpPr>
+        <p:cNvPr id="1" name=""/>
+        <p:cNvGrpSpPr/>
+        <p:nvPr/>
+      </p:nvGrpSpPr>
+      <p:grpSpPr>
+        <a:xfrm>
+          <a:off x="0" y="0"/>
+          <a:ext cx="0" cy="0"/>
+          <a:chOff x="0" y="0"/>
+          <a:chExt cx="0" cy="0"/>
+        </a:xfrm>
+      </p:grpSpPr>
+      <p:sp>
+        <p:nvSpPr>
+          <p:cNvPr id="4" name="Rectangle 3">
+            <a:extLst>
+              <a:ext uri="{FF2B5EF4-FFF2-40B4-BE49-F238E27FC236}">
+                <a16:creationId xmlns:a16="http://schemas.microsoft.com/office/drawing/2014/main" id="{12469E36-37ED-458A-ABCE-1FC9ECD689EE}"/>
+              </a:ext>
+            </a:extLst>
+          </p:cNvPr>
+          <p:cNvSpPr/>
+          <p:nvPr/>
+        </p:nvSpPr>
+        <p:spPr>
+          <a:xfrm>
+            <a:off x="3536574" y="1085857"/>
+            <a:ext cx="2810439" cy="2028261"/>
+          </a:xfrm>
+          <a:prstGeom prst="rect">
+            <a:avLst/>
+          </a:prstGeom>
+        </p:spPr>
+        <p:style>
+          <a:lnRef idx="2">
+            <a:schemeClr val="accent5">
+              <a:shade val="50000"/>
+            </a:schemeClr>
+          </a:lnRef>
+          <a:fillRef idx="1">
+            <a:schemeClr val="accent5"/>
+          </a:fillRef>
+          <a:effectRef idx="0">
+            <a:schemeClr val="accent5"/>
+          </a:effectRef>
+          <a:fontRef idx="minor">
+            <a:schemeClr val="lt1"/>
+          </a:fontRef>
+        </p:style>
+        <p:txBody>
+          <a:bodyPr rtlCol="0" anchor="ctr"/>
+          <a:lstStyle/>
+          <a:p>
+            <a:pPr algn="ctr"/>
+            <a:r>
+              <a:rPr lang="fr-FR" dirty="0" err="1"/>
+              <a:t>nginx</a:t>
+            </a:r>
+            <a:endParaRPr lang="fr-FR" dirty="0"/>
+          </a:p>
+        </p:txBody>
+      </p:sp>
+      <p:sp>
+        <p:nvSpPr>
+          <p:cNvPr id="5" name="Rectangle 4">
+            <a:extLst>
+              <a:ext uri="{FF2B5EF4-FFF2-40B4-BE49-F238E27FC236}">
+                <a16:creationId xmlns:a16="http://schemas.microsoft.com/office/drawing/2014/main" id="{AFD4280A-C99A-436B-8B8B-EAD88947BAE6}"/>
+              </a:ext>
+            </a:extLst>
+          </p:cNvPr>
+          <p:cNvSpPr/>
+          <p:nvPr/>
+        </p:nvSpPr>
+        <p:spPr>
+          <a:xfrm>
+            <a:off x="1479208" y="631583"/>
+            <a:ext cx="1735789" cy="793810"/>
+          </a:xfrm>
+          <a:prstGeom prst="rect">
+            <a:avLst/>
+          </a:prstGeom>
+        </p:spPr>
+        <p:style>
+          <a:lnRef idx="2">
+            <a:schemeClr val="accent6">
+              <a:shade val="50000"/>
+            </a:schemeClr>
+          </a:lnRef>
+          <a:fillRef idx="1">
+            <a:schemeClr val="accent6"/>
+          </a:fillRef>
+          <a:effectRef idx="0">
+            <a:schemeClr val="accent6"/>
+          </a:effectRef>
+          <a:fontRef idx="minor">
+            <a:schemeClr val="lt1"/>
+          </a:fontRef>
+        </p:style>
+        <p:txBody>
+          <a:bodyPr rtlCol="0" anchor="ctr"/>
+          <a:lstStyle/>
+          <a:p>
+            <a:pPr algn="ctr"/>
+            <a:r>
+              <a:rPr lang="fr-FR" dirty="0" err="1"/>
+              <a:t>ufw</a:t>
+            </a:r>
+            <a:r>
+              <a:rPr lang="fr-FR" dirty="0"/>
+              <a:t> - </a:t>
+            </a:r>
+            <a:r>
+              <a:rPr lang="fr-FR" dirty="0" err="1"/>
+              <a:t>iptables</a:t>
+            </a:r>
+            <a:endParaRPr lang="fr-FR" dirty="0"/>
+          </a:p>
+          <a:p>
+            <a:pPr algn="ctr"/>
+            <a:r>
+              <a:rPr lang="fr-FR" dirty="0"/>
+              <a:t>(Firewall)</a:t>
+            </a:r>
+          </a:p>
+        </p:txBody>
+      </p:sp>
+      <p:sp>
+        <p:nvSpPr>
+          <p:cNvPr id="6" name="Rectangle 5">
+            <a:extLst>
+              <a:ext uri="{FF2B5EF4-FFF2-40B4-BE49-F238E27FC236}">
+                <a16:creationId xmlns:a16="http://schemas.microsoft.com/office/drawing/2014/main" id="{AE5F1B14-41FE-46A6-AED0-0B03DA413A42}"/>
+              </a:ext>
+            </a:extLst>
+          </p:cNvPr>
+          <p:cNvSpPr/>
+          <p:nvPr/>
+        </p:nvSpPr>
+        <p:spPr>
+          <a:xfrm>
+            <a:off x="8209430" y="4630271"/>
+            <a:ext cx="1994647" cy="1429871"/>
+          </a:xfrm>
+          <a:prstGeom prst="rect">
+            <a:avLst/>
+          </a:prstGeom>
+        </p:spPr>
+        <p:style>
+          <a:lnRef idx="2">
+            <a:schemeClr val="accent3">
+              <a:shade val="50000"/>
+            </a:schemeClr>
+          </a:lnRef>
+          <a:fillRef idx="1">
+            <a:schemeClr val="accent3"/>
+          </a:fillRef>
+          <a:effectRef idx="0">
+            <a:schemeClr val="accent3"/>
+          </a:effectRef>
+          <a:fontRef idx="minor">
+            <a:schemeClr val="lt1"/>
+          </a:fontRef>
+        </p:style>
+        <p:txBody>
+          <a:bodyPr rtlCol="0" anchor="ctr"/>
+          <a:lstStyle/>
+          <a:p>
+            <a:pPr algn="ctr"/>
+            <a:r>
+              <a:rPr lang="fr-FR" dirty="0" err="1"/>
+              <a:t>certbot</a:t>
+            </a:r>
+            <a:endParaRPr lang="fr-FR" dirty="0"/>
+          </a:p>
+        </p:txBody>
+      </p:sp>
+      <p:sp>
+        <p:nvSpPr>
+          <p:cNvPr id="7" name="Rectangle 6">
+            <a:extLst>
+              <a:ext uri="{FF2B5EF4-FFF2-40B4-BE49-F238E27FC236}">
+                <a16:creationId xmlns:a16="http://schemas.microsoft.com/office/drawing/2014/main" id="{4832422D-758A-41F8-A3BA-C22C0E4B6AA4}"/>
+              </a:ext>
+            </a:extLst>
+          </p:cNvPr>
+          <p:cNvSpPr/>
+          <p:nvPr/>
+        </p:nvSpPr>
+        <p:spPr>
+          <a:xfrm>
+            <a:off x="449359" y="1783981"/>
+            <a:ext cx="1351426" cy="632013"/>
+          </a:xfrm>
+          <a:prstGeom prst="rect">
+            <a:avLst/>
+          </a:prstGeom>
+        </p:spPr>
+        <p:style>
+          <a:lnRef idx="2">
+            <a:schemeClr val="dk1">
+              <a:shade val="50000"/>
+            </a:schemeClr>
+          </a:lnRef>
+          <a:fillRef idx="1">
+            <a:schemeClr val="dk1"/>
+          </a:fillRef>
+          <a:effectRef idx="0">
+            <a:schemeClr val="dk1"/>
+          </a:effectRef>
+          <a:fontRef idx="minor">
+            <a:schemeClr val="lt1"/>
+          </a:fontRef>
+        </p:style>
+        <p:txBody>
+          <a:bodyPr rtlCol="0" anchor="ctr"/>
+          <a:lstStyle/>
+          <a:p>
+            <a:pPr algn="ctr"/>
+            <a:r>
+              <a:rPr lang="fr-FR" dirty="0" err="1"/>
+              <a:t>systemd</a:t>
+            </a:r>
+            <a:endParaRPr lang="fr-FR" dirty="0"/>
+          </a:p>
+          <a:p>
+            <a:pPr algn="ctr"/>
+            <a:r>
+              <a:rPr lang="fr-FR" dirty="0"/>
+              <a:t>(</a:t>
+            </a:r>
+            <a:r>
+              <a:rPr lang="fr-FR" dirty="0" err="1"/>
+              <a:t>systemctl</a:t>
+            </a:r>
+            <a:r>
+              <a:rPr lang="fr-FR" dirty="0"/>
+              <a:t>)</a:t>
+            </a:r>
+          </a:p>
+        </p:txBody>
+      </p:sp>
+      <p:sp>
+        <p:nvSpPr>
+          <p:cNvPr id="8" name="Rectangle 7">
+            <a:extLst>
+              <a:ext uri="{FF2B5EF4-FFF2-40B4-BE49-F238E27FC236}">
+                <a16:creationId xmlns:a16="http://schemas.microsoft.com/office/drawing/2014/main" id="{8ACE2AC2-A982-4518-8945-B4BA05F96399}"/>
+              </a:ext>
+            </a:extLst>
+          </p:cNvPr>
+          <p:cNvSpPr/>
+          <p:nvPr/>
+        </p:nvSpPr>
+        <p:spPr>
+          <a:xfrm>
+            <a:off x="661147" y="5103159"/>
+            <a:ext cx="927850" cy="564775"/>
+          </a:xfrm>
+          <a:prstGeom prst="rect">
+            <a:avLst/>
+          </a:prstGeom>
+        </p:spPr>
+        <p:style>
+          <a:lnRef idx="2">
+            <a:schemeClr val="accent2">
+              <a:shade val="50000"/>
+            </a:schemeClr>
+          </a:lnRef>
+          <a:fillRef idx="1">
+            <a:schemeClr val="accent2"/>
+          </a:fillRef>
+          <a:effectRef idx="0">
+            <a:schemeClr val="accent2"/>
+          </a:effectRef>
+          <a:fontRef idx="minor">
+            <a:schemeClr val="lt1"/>
+          </a:fontRef>
+        </p:style>
+        <p:txBody>
+          <a:bodyPr rtlCol="0" anchor="ctr"/>
+          <a:lstStyle/>
+          <a:p>
+            <a:pPr algn="ctr"/>
+            <a:r>
+              <a:rPr lang="fr-FR" dirty="0" err="1"/>
+              <a:t>crontab</a:t>
+            </a:r>
+            <a:endParaRPr lang="fr-FR" dirty="0"/>
+          </a:p>
+        </p:txBody>
+      </p:sp>
+      <p:cxnSp>
+        <p:nvCxnSpPr>
+          <p:cNvPr id="10" name="Straight Arrow Connector 9">
+            <a:extLst>
+              <a:ext uri="{FF2B5EF4-FFF2-40B4-BE49-F238E27FC236}">
+                <a16:creationId xmlns:a16="http://schemas.microsoft.com/office/drawing/2014/main" id="{53ACA18C-0972-4D2F-8481-AA2458DBB1DA}"/>
+              </a:ext>
+            </a:extLst>
+          </p:cNvPr>
+          <p:cNvCxnSpPr>
+            <a:cxnSpLocks/>
+            <a:stCxn id="7" idx="3"/>
+            <a:endCxn id="4" idx="1"/>
+          </p:cNvCxnSpPr>
+          <p:nvPr/>
+        </p:nvCxnSpPr>
+        <p:spPr>
+          <a:xfrm>
+            <a:off x="1800785" y="2099988"/>
+            <a:ext cx="1735789" cy="0"/>
+          </a:xfrm>
+          <a:prstGeom prst="straightConnector1">
+            <a:avLst/>
+          </a:prstGeom>
+          <a:ln w="76200">
+            <a:solidFill>
+              <a:schemeClr val="accent1"/>
+            </a:solidFill>
+            <a:tailEnd type="triangle"/>
+          </a:ln>
+        </p:spPr>
+        <p:style>
+          <a:lnRef idx="1">
+            <a:schemeClr val="accent1"/>
+          </a:lnRef>
+          <a:fillRef idx="0">
+            <a:schemeClr val="accent1"/>
+          </a:fillRef>
+          <a:effectRef idx="0">
+            <a:schemeClr val="accent1"/>
+          </a:effectRef>
+          <a:fontRef idx="minor">
+            <a:schemeClr val="tx1"/>
+          </a:fontRef>
+        </p:style>
+      </p:cxnSp>
+      <p:cxnSp>
+        <p:nvCxnSpPr>
+          <p:cNvPr id="12" name="Straight Arrow Connector 11">
+            <a:extLst>
+              <a:ext uri="{FF2B5EF4-FFF2-40B4-BE49-F238E27FC236}">
+                <a16:creationId xmlns:a16="http://schemas.microsoft.com/office/drawing/2014/main" id="{069D0BEF-8C06-4FCB-9294-0606C4A77B3C}"/>
+              </a:ext>
+            </a:extLst>
+          </p:cNvPr>
+          <p:cNvCxnSpPr>
+            <a:cxnSpLocks/>
+            <a:stCxn id="7" idx="2"/>
+            <a:endCxn id="8" idx="0"/>
+          </p:cNvCxnSpPr>
+          <p:nvPr/>
+        </p:nvCxnSpPr>
+        <p:spPr>
+          <a:xfrm>
+            <a:off x="1125072" y="2415994"/>
+            <a:ext cx="0" cy="2687165"/>
+          </a:xfrm>
+          <a:prstGeom prst="straightConnector1">
+            <a:avLst/>
+          </a:prstGeom>
+          <a:ln w="76200">
+            <a:solidFill>
+              <a:schemeClr val="accent1"/>
+            </a:solidFill>
+            <a:tailEnd type="triangle"/>
+          </a:ln>
+        </p:spPr>
+        <p:style>
+          <a:lnRef idx="1">
+            <a:schemeClr val="accent1"/>
+          </a:lnRef>
+          <a:fillRef idx="0">
+            <a:schemeClr val="accent1"/>
+          </a:fillRef>
+          <a:effectRef idx="0">
+            <a:schemeClr val="accent1"/>
+          </a:effectRef>
+          <a:fontRef idx="minor">
+            <a:schemeClr val="tx1"/>
+          </a:fontRef>
+        </p:style>
+      </p:cxnSp>
+      <p:cxnSp>
+        <p:nvCxnSpPr>
+          <p:cNvPr id="14" name="Straight Arrow Connector 13">
+            <a:extLst>
+              <a:ext uri="{FF2B5EF4-FFF2-40B4-BE49-F238E27FC236}">
+                <a16:creationId xmlns:a16="http://schemas.microsoft.com/office/drawing/2014/main" id="{17AD6FDC-3361-42E7-9EC0-55B99E51A1B9}"/>
+              </a:ext>
+            </a:extLst>
+          </p:cNvPr>
+          <p:cNvCxnSpPr>
+            <a:cxnSpLocks/>
+            <a:stCxn id="8" idx="3"/>
+            <a:endCxn id="6" idx="1"/>
+          </p:cNvCxnSpPr>
+          <p:nvPr/>
+        </p:nvCxnSpPr>
+        <p:spPr>
+          <a:xfrm flipV="1">
+            <a:off x="1588997" y="5345207"/>
+            <a:ext cx="6620433" cy="40340"/>
+          </a:xfrm>
+          <a:prstGeom prst="straightConnector1">
+            <a:avLst/>
+          </a:prstGeom>
+          <a:ln w="76200">
+            <a:solidFill>
+              <a:schemeClr val="accent1"/>
+            </a:solidFill>
+            <a:tailEnd type="triangle"/>
+          </a:ln>
+        </p:spPr>
+        <p:style>
+          <a:lnRef idx="1">
+            <a:schemeClr val="accent1"/>
+          </a:lnRef>
+          <a:fillRef idx="0">
+            <a:schemeClr val="accent1"/>
+          </a:fillRef>
+          <a:effectRef idx="0">
+            <a:schemeClr val="accent1"/>
+          </a:effectRef>
+          <a:fontRef idx="minor">
+            <a:schemeClr val="tx1"/>
+          </a:fontRef>
+        </p:style>
+      </p:cxnSp>
+      <p:cxnSp>
+        <p:nvCxnSpPr>
+          <p:cNvPr id="17" name="Straight Arrow Connector 16">
+            <a:extLst>
+              <a:ext uri="{FF2B5EF4-FFF2-40B4-BE49-F238E27FC236}">
+                <a16:creationId xmlns:a16="http://schemas.microsoft.com/office/drawing/2014/main" id="{53FB01E7-11DC-4DEA-A8FD-AFB1E5BD7CC8}"/>
+              </a:ext>
+            </a:extLst>
+          </p:cNvPr>
+          <p:cNvCxnSpPr>
+            <a:cxnSpLocks/>
+            <a:stCxn id="6" idx="0"/>
+            <a:endCxn id="81" idx="2"/>
+          </p:cNvCxnSpPr>
+          <p:nvPr/>
+        </p:nvCxnSpPr>
+        <p:spPr>
+          <a:xfrm flipH="1" flipV="1">
+            <a:off x="9206753" y="2483269"/>
+            <a:ext cx="1" cy="2147002"/>
+          </a:xfrm>
+          <a:prstGeom prst="straightConnector1">
+            <a:avLst/>
+          </a:prstGeom>
+          <a:ln w="76200">
+            <a:solidFill>
+              <a:schemeClr val="accent1"/>
+            </a:solidFill>
+            <a:tailEnd type="triangle"/>
+          </a:ln>
+        </p:spPr>
+        <p:style>
+          <a:lnRef idx="1">
+            <a:schemeClr val="accent1"/>
+          </a:lnRef>
+          <a:fillRef idx="0">
+            <a:schemeClr val="accent1"/>
+          </a:fillRef>
+          <a:effectRef idx="0">
+            <a:schemeClr val="accent1"/>
+          </a:effectRef>
+          <a:fontRef idx="minor">
+            <a:schemeClr val="tx1"/>
+          </a:fontRef>
+        </p:style>
+      </p:cxnSp>
+      <p:cxnSp>
+        <p:nvCxnSpPr>
+          <p:cNvPr id="21" name="Straight Arrow Connector 20">
+            <a:extLst>
+              <a:ext uri="{FF2B5EF4-FFF2-40B4-BE49-F238E27FC236}">
+                <a16:creationId xmlns:a16="http://schemas.microsoft.com/office/drawing/2014/main" id="{DF7FFC9C-6F35-4449-A085-47D71D823B1E}"/>
+              </a:ext>
+            </a:extLst>
+          </p:cNvPr>
+          <p:cNvCxnSpPr>
+            <a:cxnSpLocks/>
+            <a:stCxn id="81" idx="1"/>
+            <a:endCxn id="4" idx="3"/>
+          </p:cNvCxnSpPr>
+          <p:nvPr/>
+        </p:nvCxnSpPr>
+        <p:spPr>
+          <a:xfrm flipH="1" flipV="1">
+            <a:off x="6347013" y="2099988"/>
+            <a:ext cx="2223771" cy="15708"/>
+          </a:xfrm>
+          <a:prstGeom prst="straightConnector1">
+            <a:avLst/>
+          </a:prstGeom>
+          <a:ln w="76200">
+            <a:solidFill>
+              <a:schemeClr val="accent1"/>
+            </a:solidFill>
+            <a:tailEnd type="triangle"/>
+          </a:ln>
+        </p:spPr>
+        <p:style>
+          <a:lnRef idx="1">
+            <a:schemeClr val="accent1"/>
+          </a:lnRef>
+          <a:fillRef idx="0">
+            <a:schemeClr val="accent1"/>
+          </a:fillRef>
+          <a:effectRef idx="0">
+            <a:schemeClr val="accent1"/>
+          </a:effectRef>
+          <a:fontRef idx="minor">
+            <a:schemeClr val="tx1"/>
+          </a:fontRef>
+        </p:style>
+      </p:cxnSp>
+      <p:cxnSp>
+        <p:nvCxnSpPr>
+          <p:cNvPr id="25" name="Straight Arrow Connector 24">
+            <a:extLst>
+              <a:ext uri="{FF2B5EF4-FFF2-40B4-BE49-F238E27FC236}">
+                <a16:creationId xmlns:a16="http://schemas.microsoft.com/office/drawing/2014/main" id="{87E73063-6A6A-431B-A31C-DF61C9F89C74}"/>
+              </a:ext>
+            </a:extLst>
+          </p:cNvPr>
+          <p:cNvCxnSpPr>
+            <a:cxnSpLocks/>
+            <a:stCxn id="87" idx="0"/>
+            <a:endCxn id="4" idx="2"/>
+          </p:cNvCxnSpPr>
+          <p:nvPr/>
+        </p:nvCxnSpPr>
+        <p:spPr>
+          <a:xfrm flipV="1">
+            <a:off x="4941793" y="3114118"/>
+            <a:ext cx="1" cy="774344"/>
+          </a:xfrm>
+          <a:prstGeom prst="straightConnector1">
+            <a:avLst/>
+          </a:prstGeom>
+          <a:ln w="76200">
+            <a:solidFill>
+              <a:schemeClr val="accent1"/>
+            </a:solidFill>
+            <a:tailEnd type="triangle"/>
+          </a:ln>
+        </p:spPr>
+        <p:style>
+          <a:lnRef idx="1">
+            <a:schemeClr val="accent1"/>
+          </a:lnRef>
+          <a:fillRef idx="0">
+            <a:schemeClr val="accent1"/>
+          </a:fillRef>
+          <a:effectRef idx="0">
+            <a:schemeClr val="accent1"/>
+          </a:effectRef>
+          <a:fontRef idx="minor">
+            <a:schemeClr val="tx1"/>
+          </a:fontRef>
+        </p:style>
+      </p:cxnSp>
+      <p:sp>
+        <p:nvSpPr>
+          <p:cNvPr id="78" name="TextBox 77">
+            <a:extLst>
+              <a:ext uri="{FF2B5EF4-FFF2-40B4-BE49-F238E27FC236}">
+                <a16:creationId xmlns:a16="http://schemas.microsoft.com/office/drawing/2014/main" id="{0BE0093D-B2E4-415D-B12A-B706B14A12CA}"/>
+              </a:ext>
+            </a:extLst>
+          </p:cNvPr>
+          <p:cNvSpPr txBox="1"/>
+          <p:nvPr/>
+        </p:nvSpPr>
+        <p:spPr>
+          <a:xfrm>
+            <a:off x="340659" y="5788959"/>
+            <a:ext cx="2277098" cy="369332"/>
+          </a:xfrm>
+          <a:prstGeom prst="rect">
+            <a:avLst/>
+          </a:prstGeom>
+          <a:noFill/>
+        </p:spPr>
+        <p:txBody>
+          <a:bodyPr wrap="none" rtlCol="0">
+            <a:spAutoFit/>
+          </a:bodyPr>
+          <a:lstStyle/>
+          <a:p>
+            <a:r>
+              <a:rPr lang="fr-FR" dirty="0"/>
+              <a:t>run </a:t>
+            </a:r>
+            <a:r>
+              <a:rPr lang="fr-FR" dirty="0" err="1"/>
+              <a:t>certbot</a:t>
+            </a:r>
+            <a:r>
+              <a:rPr lang="fr-FR" dirty="0"/>
+              <a:t> 2x per </a:t>
+            </a:r>
+            <a:r>
+              <a:rPr lang="fr-FR" dirty="0" err="1"/>
+              <a:t>day</a:t>
+            </a:r>
+            <a:endParaRPr lang="fr-FR" dirty="0"/>
+          </a:p>
+        </p:txBody>
+      </p:sp>
+      <p:sp>
+        <p:nvSpPr>
+          <p:cNvPr id="79" name="TextBox 78">
+            <a:extLst>
+              <a:ext uri="{FF2B5EF4-FFF2-40B4-BE49-F238E27FC236}">
+                <a16:creationId xmlns:a16="http://schemas.microsoft.com/office/drawing/2014/main" id="{F376B8AC-D1AD-4CEB-ADBD-DFDA9DFF7FF8}"/>
+              </a:ext>
+            </a:extLst>
+          </p:cNvPr>
+          <p:cNvSpPr txBox="1"/>
+          <p:nvPr/>
+        </p:nvSpPr>
+        <p:spPr>
+          <a:xfrm>
+            <a:off x="6732493" y="6100483"/>
+            <a:ext cx="4547207" cy="369332"/>
+          </a:xfrm>
+          <a:prstGeom prst="rect">
+            <a:avLst/>
+          </a:prstGeom>
+          <a:noFill/>
+        </p:spPr>
+        <p:txBody>
+          <a:bodyPr wrap="none" rtlCol="0">
+            <a:spAutoFit/>
+          </a:bodyPr>
+          <a:lstStyle/>
+          <a:p>
+            <a:r>
+              <a:rPr lang="fr-FR" dirty="0" err="1"/>
+              <a:t>cerbot</a:t>
+            </a:r>
+            <a:r>
+              <a:rPr lang="fr-FR" dirty="0"/>
+              <a:t> </a:t>
+            </a:r>
+            <a:r>
+              <a:rPr lang="fr-FR" dirty="0" err="1"/>
+              <a:t>create</a:t>
+            </a:r>
+            <a:r>
+              <a:rPr lang="fr-FR" dirty="0"/>
+              <a:t> and </a:t>
+            </a:r>
+            <a:r>
+              <a:rPr lang="fr-FR" dirty="0" err="1"/>
+              <a:t>renew</a:t>
+            </a:r>
+            <a:r>
+              <a:rPr lang="fr-FR" dirty="0"/>
+              <a:t> </a:t>
+            </a:r>
+            <a:r>
+              <a:rPr lang="fr-FR" dirty="0" err="1"/>
+              <a:t>certificates</a:t>
+            </a:r>
+            <a:r>
+              <a:rPr lang="fr-FR" dirty="0"/>
+              <a:t> for HTTPS</a:t>
+            </a:r>
+          </a:p>
+        </p:txBody>
+      </p:sp>
+      <p:sp>
+        <p:nvSpPr>
+          <p:cNvPr id="81" name="Flowchart: Document 80">
+            <a:extLst>
+              <a:ext uri="{FF2B5EF4-FFF2-40B4-BE49-F238E27FC236}">
+                <a16:creationId xmlns:a16="http://schemas.microsoft.com/office/drawing/2014/main" id="{2D578313-E57B-411C-BEA8-A8A3AF1F95FB}"/>
+              </a:ext>
+            </a:extLst>
+          </p:cNvPr>
+          <p:cNvSpPr/>
+          <p:nvPr/>
+        </p:nvSpPr>
+        <p:spPr>
+          <a:xfrm>
+            <a:off x="8570784" y="1692116"/>
+            <a:ext cx="1271937" cy="847160"/>
+          </a:xfrm>
+          <a:prstGeom prst="flowChartDocument">
+            <a:avLst/>
+          </a:prstGeom>
+        </p:spPr>
+        <p:style>
+          <a:lnRef idx="2">
+            <a:schemeClr val="accent1"/>
+          </a:lnRef>
+          <a:fillRef idx="1">
+            <a:schemeClr val="lt1"/>
+          </a:fillRef>
+          <a:effectRef idx="0">
+            <a:schemeClr val="accent1"/>
+          </a:effectRef>
+          <a:fontRef idx="minor">
+            <a:schemeClr val="dk1"/>
+          </a:fontRef>
+        </p:style>
+        <p:txBody>
+          <a:bodyPr rtlCol="0" anchor="ctr"/>
+          <a:lstStyle/>
+          <a:p>
+            <a:pPr algn="ctr"/>
+            <a:r>
+              <a:rPr lang="fr-FR" dirty="0"/>
+              <a:t>Certificates</a:t>
+            </a:r>
+          </a:p>
+        </p:txBody>
+      </p:sp>
+      <p:sp>
+        <p:nvSpPr>
+          <p:cNvPr id="87" name="Flowchart: Document 86">
+            <a:extLst>
+              <a:ext uri="{FF2B5EF4-FFF2-40B4-BE49-F238E27FC236}">
+                <a16:creationId xmlns:a16="http://schemas.microsoft.com/office/drawing/2014/main" id="{D0E7EC7E-629E-4814-B651-01BA99A4A601}"/>
+              </a:ext>
+            </a:extLst>
+          </p:cNvPr>
+          <p:cNvSpPr/>
+          <p:nvPr/>
+        </p:nvSpPr>
+        <p:spPr>
+          <a:xfrm>
+            <a:off x="4103593" y="3888462"/>
+            <a:ext cx="1676400" cy="782150"/>
+          </a:xfrm>
+          <a:prstGeom prst="flowChartDocument">
+            <a:avLst/>
+          </a:prstGeom>
+        </p:spPr>
+        <p:style>
+          <a:lnRef idx="2">
+            <a:schemeClr val="accent1"/>
+          </a:lnRef>
+          <a:fillRef idx="1">
+            <a:schemeClr val="lt1"/>
+          </a:fillRef>
+          <a:effectRef idx="0">
+            <a:schemeClr val="accent1"/>
+          </a:effectRef>
+          <a:fontRef idx="minor">
+            <a:schemeClr val="dk1"/>
+          </a:fontRef>
+        </p:style>
+        <p:txBody>
+          <a:bodyPr rtlCol="0" anchor="ctr"/>
+          <a:lstStyle/>
+          <a:p>
+            <a:pPr algn="ctr"/>
+            <a:r>
+              <a:rPr lang="fr-FR" dirty="0" err="1"/>
+              <a:t>nginx.conf</a:t>
+            </a:r>
+            <a:endParaRPr lang="fr-FR" dirty="0"/>
+          </a:p>
+          <a:p>
+            <a:pPr algn="ctr"/>
+            <a:r>
+              <a:rPr lang="fr-FR" dirty="0"/>
+              <a:t>(site-</a:t>
+            </a:r>
+            <a:r>
+              <a:rPr lang="fr-FR" dirty="0" err="1"/>
+              <a:t>enabled</a:t>
+            </a:r>
+            <a:r>
+              <a:rPr lang="fr-FR" dirty="0"/>
+              <a:t>)</a:t>
+            </a:r>
+          </a:p>
+        </p:txBody>
+      </p:sp>
+      <p:sp>
+        <p:nvSpPr>
+          <p:cNvPr id="90" name="TextBox 89">
+            <a:extLst>
+              <a:ext uri="{FF2B5EF4-FFF2-40B4-BE49-F238E27FC236}">
+                <a16:creationId xmlns:a16="http://schemas.microsoft.com/office/drawing/2014/main" id="{83A4A520-2E50-488E-86B5-0B703BF3987A}"/>
+              </a:ext>
+            </a:extLst>
+          </p:cNvPr>
+          <p:cNvSpPr txBox="1"/>
+          <p:nvPr/>
+        </p:nvSpPr>
+        <p:spPr>
+          <a:xfrm>
+            <a:off x="3459380" y="682445"/>
+            <a:ext cx="3139642" cy="369332"/>
+          </a:xfrm>
+          <a:prstGeom prst="rect">
+            <a:avLst/>
+          </a:prstGeom>
+          <a:noFill/>
+        </p:spPr>
+        <p:txBody>
+          <a:bodyPr wrap="none" rtlCol="0">
+            <a:spAutoFit/>
+          </a:bodyPr>
+          <a:lstStyle/>
+          <a:p>
+            <a:r>
+              <a:rPr lang="fr-FR" dirty="0"/>
+              <a:t>reverse proxy (port 80 and 443)</a:t>
+            </a:r>
+          </a:p>
+        </p:txBody>
+      </p:sp>
+      <p:cxnSp>
+        <p:nvCxnSpPr>
+          <p:cNvPr id="97" name="Connector: Elbow 96">
+            <a:extLst>
+              <a:ext uri="{FF2B5EF4-FFF2-40B4-BE49-F238E27FC236}">
+                <a16:creationId xmlns:a16="http://schemas.microsoft.com/office/drawing/2014/main" id="{8778D70A-AC12-4FDF-86CC-7F6495D8F352}"/>
+              </a:ext>
+            </a:extLst>
+          </p:cNvPr>
+          <p:cNvCxnSpPr>
+            <a:cxnSpLocks/>
+            <a:stCxn id="6" idx="0"/>
+            <a:endCxn id="87" idx="3"/>
+          </p:cNvCxnSpPr>
+          <p:nvPr/>
+        </p:nvCxnSpPr>
+        <p:spPr>
+          <a:xfrm rot="16200000" flipV="1">
+            <a:off x="7318007" y="2741523"/>
+            <a:ext cx="350734" cy="3426761"/>
+          </a:xfrm>
+          <a:prstGeom prst="bentConnector2">
+            <a:avLst/>
+          </a:prstGeom>
+          <a:ln w="76200">
+            <a:solidFill>
+              <a:schemeClr val="accent1"/>
+            </a:solidFill>
+            <a:tailEnd type="triangle"/>
+          </a:ln>
+        </p:spPr>
+        <p:style>
+          <a:lnRef idx="1">
+            <a:schemeClr val="accent1"/>
+          </a:lnRef>
+          <a:fillRef idx="0">
+            <a:schemeClr val="accent1"/>
+          </a:fillRef>
+          <a:effectRef idx="0">
+            <a:schemeClr val="accent1"/>
+          </a:effectRef>
+          <a:fontRef idx="minor">
+            <a:schemeClr val="tx1"/>
+          </a:fontRef>
+        </p:style>
+      </p:cxnSp>
+    </p:spTree>
+    <p:extLst>
+      <p:ext uri="{BB962C8B-B14F-4D97-AF65-F5344CB8AC3E}">
+        <p14:creationId xmlns:p14="http://schemas.microsoft.com/office/powerpoint/2010/main" val="2197300764"/>
+      </p:ext>
+    </p:extLst>
+  </p:cSld>
+  <p:clrMapOvr>
+    <a:masterClrMapping/>
+  </p:clrMapOvr>
+</p:sld>
+</file>
+
+<file path=ppt/slides/slide28.xml><?xml version="1.0" encoding="utf-8"?>
+<p:sld xmlns:a="http://schemas.openxmlformats.org/drawingml/2006/main" xmlns:r="http://schemas.openxmlformats.org/officeDocument/2006/relationships" xmlns:p="http://schemas.openxmlformats.org/presentationml/2006/main">
+  <p:cSld>
+    <p:spTree>
+      <p:nvGrpSpPr>
+        <p:cNvPr id="1" name=""/>
+        <p:cNvGrpSpPr/>
+        <p:nvPr/>
+      </p:nvGrpSpPr>
+      <p:grpSpPr>
+        <a:xfrm>
+          <a:off x="0" y="0"/>
+          <a:ext cx="0" cy="0"/>
+          <a:chOff x="0" y="0"/>
+          <a:chExt cx="0" cy="0"/>
+        </a:xfrm>
+      </p:grpSpPr>
+      <p:sp>
+        <p:nvSpPr>
+          <p:cNvPr id="5" name="Flowchart: Magnetic Disk 4">
+            <a:extLst>
+              <a:ext uri="{FF2B5EF4-FFF2-40B4-BE49-F238E27FC236}">
+                <a16:creationId xmlns:a16="http://schemas.microsoft.com/office/drawing/2014/main" id="{894C7DCD-CA65-43D7-9496-1E205BBFC50E}"/>
+              </a:ext>
+            </a:extLst>
+          </p:cNvPr>
+          <p:cNvSpPr/>
+          <p:nvPr/>
+        </p:nvSpPr>
+        <p:spPr>
+          <a:xfrm>
+            <a:off x="9220198" y="1973381"/>
+            <a:ext cx="2142564" cy="1779494"/>
+          </a:xfrm>
+          <a:prstGeom prst="flowChartMagneticDisk">
+            <a:avLst/>
+          </a:prstGeom>
+        </p:spPr>
+        <p:style>
+          <a:lnRef idx="2">
+            <a:schemeClr val="accent4">
+              <a:shade val="50000"/>
+            </a:schemeClr>
+          </a:lnRef>
+          <a:fillRef idx="1">
+            <a:schemeClr val="accent4"/>
+          </a:fillRef>
+          <a:effectRef idx="0">
+            <a:schemeClr val="accent4"/>
+          </a:effectRef>
+          <a:fontRef idx="minor">
+            <a:schemeClr val="lt1"/>
+          </a:fontRef>
+        </p:style>
+        <p:txBody>
+          <a:bodyPr rtlCol="0" anchor="ctr"/>
+          <a:lstStyle/>
+          <a:p>
+            <a:pPr algn="ctr"/>
+            <a:r>
+              <a:rPr lang="fr-FR" dirty="0"/>
+              <a:t>MongoDB</a:t>
+            </a:r>
+          </a:p>
+        </p:txBody>
+      </p:sp>
+      <p:sp>
+        <p:nvSpPr>
+          <p:cNvPr id="6" name="Rectangle 5">
+            <a:extLst>
+              <a:ext uri="{FF2B5EF4-FFF2-40B4-BE49-F238E27FC236}">
+                <a16:creationId xmlns:a16="http://schemas.microsoft.com/office/drawing/2014/main" id="{9C747266-8DDC-4989-BCF3-D49803BC5A23}"/>
+              </a:ext>
+            </a:extLst>
+          </p:cNvPr>
+          <p:cNvSpPr/>
+          <p:nvPr/>
+        </p:nvSpPr>
+        <p:spPr>
+          <a:xfrm>
+            <a:off x="5384989" y="5963765"/>
+            <a:ext cx="1703292" cy="596162"/>
+          </a:xfrm>
+          <a:prstGeom prst="rect">
+            <a:avLst/>
+          </a:prstGeom>
+        </p:spPr>
+        <p:style>
+          <a:lnRef idx="2">
+            <a:schemeClr val="accent2">
+              <a:shade val="50000"/>
+            </a:schemeClr>
+          </a:lnRef>
+          <a:fillRef idx="1">
+            <a:schemeClr val="accent2"/>
+          </a:fillRef>
+          <a:effectRef idx="0">
+            <a:schemeClr val="accent2"/>
+          </a:effectRef>
+          <a:fontRef idx="minor">
+            <a:schemeClr val="lt1"/>
+          </a:fontRef>
+        </p:style>
+        <p:txBody>
+          <a:bodyPr rtlCol="0" anchor="ctr"/>
+          <a:lstStyle/>
+          <a:p>
+            <a:pPr algn="ctr"/>
+            <a:r>
+              <a:rPr lang="fr-FR" dirty="0"/>
+              <a:t>pm2</a:t>
+            </a:r>
+          </a:p>
+        </p:txBody>
+      </p:sp>
+      <p:sp>
+        <p:nvSpPr>
+          <p:cNvPr id="7" name="Rectangle 6">
+            <a:extLst>
+              <a:ext uri="{FF2B5EF4-FFF2-40B4-BE49-F238E27FC236}">
+                <a16:creationId xmlns:a16="http://schemas.microsoft.com/office/drawing/2014/main" id="{BF56A15A-23DA-45CC-8EC9-16801700B449}"/>
+              </a:ext>
+            </a:extLst>
+          </p:cNvPr>
+          <p:cNvSpPr/>
+          <p:nvPr/>
+        </p:nvSpPr>
+        <p:spPr>
+          <a:xfrm>
+            <a:off x="9421903" y="5813611"/>
+            <a:ext cx="1739153" cy="896471"/>
+          </a:xfrm>
+          <a:prstGeom prst="rect">
+            <a:avLst/>
+          </a:prstGeom>
+        </p:spPr>
+        <p:style>
+          <a:lnRef idx="2">
+            <a:schemeClr val="dk1">
+              <a:shade val="50000"/>
+            </a:schemeClr>
+          </a:lnRef>
+          <a:fillRef idx="1">
+            <a:schemeClr val="dk1"/>
+          </a:fillRef>
+          <a:effectRef idx="0">
+            <a:schemeClr val="dk1"/>
+          </a:effectRef>
+          <a:fontRef idx="minor">
+            <a:schemeClr val="lt1"/>
+          </a:fontRef>
+        </p:style>
+        <p:txBody>
+          <a:bodyPr rtlCol="0" anchor="ctr"/>
+          <a:lstStyle/>
+          <a:p>
+            <a:pPr algn="ctr"/>
+            <a:r>
+              <a:rPr lang="fr-FR" dirty="0" err="1"/>
+              <a:t>systemd</a:t>
+            </a:r>
+            <a:endParaRPr lang="fr-FR" dirty="0"/>
+          </a:p>
+        </p:txBody>
+      </p:sp>
+      <p:cxnSp>
+        <p:nvCxnSpPr>
+          <p:cNvPr id="9" name="Straight Arrow Connector 8">
+            <a:extLst>
+              <a:ext uri="{FF2B5EF4-FFF2-40B4-BE49-F238E27FC236}">
+                <a16:creationId xmlns:a16="http://schemas.microsoft.com/office/drawing/2014/main" id="{668ECAC0-9AE9-431A-9D4B-1A21A92727C5}"/>
+              </a:ext>
+            </a:extLst>
+          </p:cNvPr>
+          <p:cNvCxnSpPr>
+            <a:cxnSpLocks/>
+            <a:stCxn id="6" idx="0"/>
+            <a:endCxn id="23" idx="2"/>
+          </p:cNvCxnSpPr>
+          <p:nvPr/>
+        </p:nvCxnSpPr>
+        <p:spPr>
+          <a:xfrm flipV="1">
+            <a:off x="6236635" y="4143954"/>
+            <a:ext cx="0" cy="1819811"/>
+          </a:xfrm>
+          <a:prstGeom prst="straightConnector1">
+            <a:avLst/>
+          </a:prstGeom>
+          <a:ln w="76200">
+            <a:solidFill>
+              <a:schemeClr val="accent1"/>
+            </a:solidFill>
+            <a:tailEnd type="triangle"/>
+          </a:ln>
+        </p:spPr>
+        <p:style>
+          <a:lnRef idx="1">
+            <a:schemeClr val="accent1"/>
+          </a:lnRef>
+          <a:fillRef idx="0">
+            <a:schemeClr val="accent1"/>
+          </a:fillRef>
+          <a:effectRef idx="0">
+            <a:schemeClr val="accent1"/>
+          </a:effectRef>
+          <a:fontRef idx="minor">
+            <a:schemeClr val="tx1"/>
+          </a:fontRef>
+        </p:style>
+      </p:cxnSp>
+      <p:cxnSp>
+        <p:nvCxnSpPr>
+          <p:cNvPr id="12" name="Straight Arrow Connector 11">
+            <a:extLst>
+              <a:ext uri="{FF2B5EF4-FFF2-40B4-BE49-F238E27FC236}">
+                <a16:creationId xmlns:a16="http://schemas.microsoft.com/office/drawing/2014/main" id="{745E295B-D555-40FF-A1F1-6502BEACB5E5}"/>
+              </a:ext>
+            </a:extLst>
+          </p:cNvPr>
+          <p:cNvCxnSpPr>
+            <a:stCxn id="7" idx="0"/>
+            <a:endCxn id="5" idx="3"/>
+          </p:cNvCxnSpPr>
+          <p:nvPr/>
+        </p:nvCxnSpPr>
+        <p:spPr>
+          <a:xfrm flipV="1">
+            <a:off x="10291480" y="3752875"/>
+            <a:ext cx="0" cy="2060736"/>
+          </a:xfrm>
+          <a:prstGeom prst="straightConnector1">
+            <a:avLst/>
+          </a:prstGeom>
+          <a:ln w="76200">
+            <a:solidFill>
+              <a:schemeClr val="accent1"/>
+            </a:solidFill>
+            <a:tailEnd type="triangle"/>
+          </a:ln>
+        </p:spPr>
+        <p:style>
+          <a:lnRef idx="1">
+            <a:schemeClr val="accent1"/>
+          </a:lnRef>
+          <a:fillRef idx="0">
+            <a:schemeClr val="accent1"/>
+          </a:fillRef>
+          <a:effectRef idx="0">
+            <a:schemeClr val="accent1"/>
+          </a:effectRef>
+          <a:fontRef idx="minor">
+            <a:schemeClr val="tx1"/>
+          </a:fontRef>
+        </p:style>
+      </p:cxnSp>
+      <p:cxnSp>
+        <p:nvCxnSpPr>
+          <p:cNvPr id="15" name="Straight Arrow Connector 14">
+            <a:extLst>
+              <a:ext uri="{FF2B5EF4-FFF2-40B4-BE49-F238E27FC236}">
+                <a16:creationId xmlns:a16="http://schemas.microsoft.com/office/drawing/2014/main" id="{29CF5C16-082D-4EEC-B22A-DB88422AB4B3}"/>
+              </a:ext>
+            </a:extLst>
+          </p:cNvPr>
+          <p:cNvCxnSpPr>
+            <a:cxnSpLocks/>
+            <a:stCxn id="7" idx="1"/>
+            <a:endCxn id="6" idx="3"/>
+          </p:cNvCxnSpPr>
+          <p:nvPr/>
+        </p:nvCxnSpPr>
+        <p:spPr>
+          <a:xfrm flipH="1" flipV="1">
+            <a:off x="7088281" y="6261846"/>
+            <a:ext cx="2333622" cy="1"/>
+          </a:xfrm>
+          <a:prstGeom prst="straightConnector1">
+            <a:avLst/>
+          </a:prstGeom>
+          <a:ln w="76200">
+            <a:solidFill>
+              <a:schemeClr val="accent1"/>
+            </a:solidFill>
+            <a:tailEnd type="triangle"/>
+          </a:ln>
+        </p:spPr>
+        <p:style>
+          <a:lnRef idx="1">
+            <a:schemeClr val="accent1"/>
+          </a:lnRef>
+          <a:fillRef idx="0">
+            <a:schemeClr val="accent1"/>
+          </a:fillRef>
+          <a:effectRef idx="0">
+            <a:schemeClr val="accent1"/>
+          </a:effectRef>
+          <a:fontRef idx="minor">
+            <a:schemeClr val="tx1"/>
+          </a:fontRef>
+        </p:style>
+      </p:cxnSp>
+      <p:sp>
+        <p:nvSpPr>
+          <p:cNvPr id="23" name="Rectangle 22">
+            <a:extLst>
+              <a:ext uri="{FF2B5EF4-FFF2-40B4-BE49-F238E27FC236}">
+                <a16:creationId xmlns:a16="http://schemas.microsoft.com/office/drawing/2014/main" id="{B5587BEE-1C2F-42E7-93A2-706FD8FD8913}"/>
+              </a:ext>
+            </a:extLst>
+          </p:cNvPr>
+          <p:cNvSpPr/>
+          <p:nvPr/>
+        </p:nvSpPr>
+        <p:spPr>
+          <a:xfrm>
+            <a:off x="4764745" y="1582302"/>
+            <a:ext cx="2943779" cy="2561652"/>
+          </a:xfrm>
+          <a:prstGeom prst="rect">
+            <a:avLst/>
+          </a:prstGeom>
+        </p:spPr>
+        <p:style>
+          <a:lnRef idx="2">
+            <a:schemeClr val="accent1">
+              <a:shade val="50000"/>
+            </a:schemeClr>
+          </a:lnRef>
+          <a:fillRef idx="1">
+            <a:schemeClr val="accent1"/>
+          </a:fillRef>
+          <a:effectRef idx="0">
+            <a:schemeClr val="accent1"/>
+          </a:effectRef>
+          <a:fontRef idx="minor">
+            <a:schemeClr val="lt1"/>
+          </a:fontRef>
+        </p:style>
+        <p:txBody>
+          <a:bodyPr rtlCol="0" anchor="ctr"/>
+          <a:lstStyle/>
+          <a:p>
+            <a:pPr algn="ctr"/>
+            <a:r>
+              <a:rPr lang="fr-FR" dirty="0" err="1"/>
+              <a:t>Back-End</a:t>
+            </a:r>
+            <a:r>
+              <a:rPr lang="fr-FR" dirty="0"/>
+              <a:t> app</a:t>
+            </a:r>
+          </a:p>
+        </p:txBody>
+      </p:sp>
+      <p:cxnSp>
+        <p:nvCxnSpPr>
+          <p:cNvPr id="28" name="Straight Arrow Connector 27">
+            <a:extLst>
+              <a:ext uri="{FF2B5EF4-FFF2-40B4-BE49-F238E27FC236}">
+                <a16:creationId xmlns:a16="http://schemas.microsoft.com/office/drawing/2014/main" id="{73742A58-EF88-41DA-ADB3-684BFBAA17A6}"/>
+              </a:ext>
+            </a:extLst>
+          </p:cNvPr>
+          <p:cNvCxnSpPr>
+            <a:cxnSpLocks/>
+            <a:stCxn id="23" idx="3"/>
+            <a:endCxn id="5" idx="2"/>
+          </p:cNvCxnSpPr>
+          <p:nvPr/>
+        </p:nvCxnSpPr>
+        <p:spPr>
+          <a:xfrm>
+            <a:off x="7708524" y="2863128"/>
+            <a:ext cx="1511674" cy="0"/>
+          </a:xfrm>
+          <a:prstGeom prst="straightConnector1">
+            <a:avLst/>
+          </a:prstGeom>
+          <a:ln w="76200">
+            <a:solidFill>
+              <a:schemeClr val="accent1"/>
+            </a:solidFill>
+            <a:tailEnd type="triangle"/>
+          </a:ln>
+        </p:spPr>
+        <p:style>
+          <a:lnRef idx="1">
+            <a:schemeClr val="accent1"/>
+          </a:lnRef>
+          <a:fillRef idx="0">
+            <a:schemeClr val="accent1"/>
+          </a:fillRef>
+          <a:effectRef idx="0">
+            <a:schemeClr val="accent1"/>
+          </a:effectRef>
+          <a:fontRef idx="minor">
+            <a:schemeClr val="tx1"/>
+          </a:fontRef>
+        </p:style>
+      </p:cxnSp>
+      <p:sp>
+        <p:nvSpPr>
+          <p:cNvPr id="31" name="Rectangle 30">
+            <a:extLst>
+              <a:ext uri="{FF2B5EF4-FFF2-40B4-BE49-F238E27FC236}">
+                <a16:creationId xmlns:a16="http://schemas.microsoft.com/office/drawing/2014/main" id="{EC3D0EBB-65C1-4010-A218-E7E73FA189FF}"/>
+              </a:ext>
+            </a:extLst>
+          </p:cNvPr>
+          <p:cNvSpPr/>
+          <p:nvPr/>
+        </p:nvSpPr>
+        <p:spPr>
+          <a:xfrm>
+            <a:off x="5896254" y="3395404"/>
+            <a:ext cx="1661272" cy="591674"/>
+          </a:xfrm>
+          <a:prstGeom prst="rect">
+            <a:avLst/>
+          </a:prstGeom>
+        </p:spPr>
+        <p:style>
+          <a:lnRef idx="2">
+            <a:schemeClr val="accent6">
+              <a:shade val="50000"/>
+            </a:schemeClr>
+          </a:lnRef>
+          <a:fillRef idx="1">
+            <a:schemeClr val="accent6"/>
+          </a:fillRef>
+          <a:effectRef idx="0">
+            <a:schemeClr val="accent6"/>
+          </a:effectRef>
+          <a:fontRef idx="minor">
+            <a:schemeClr val="lt1"/>
+          </a:fontRef>
+        </p:style>
+        <p:txBody>
+          <a:bodyPr rtlCol="0" anchor="ctr"/>
+          <a:lstStyle/>
+          <a:p>
+            <a:pPr algn="ctr"/>
+            <a:r>
+              <a:rPr lang="fr-FR" dirty="0" err="1"/>
+              <a:t>Front-End</a:t>
+            </a:r>
+            <a:r>
+              <a:rPr lang="fr-FR" dirty="0"/>
+              <a:t> app</a:t>
+            </a:r>
+          </a:p>
+        </p:txBody>
+      </p:sp>
+      <p:sp>
+        <p:nvSpPr>
+          <p:cNvPr id="58" name="Rectangle 57">
+            <a:extLst>
+              <a:ext uri="{FF2B5EF4-FFF2-40B4-BE49-F238E27FC236}">
+                <a16:creationId xmlns:a16="http://schemas.microsoft.com/office/drawing/2014/main" id="{3CBA141C-9788-4130-B92C-74FE92D9BAC9}"/>
+              </a:ext>
+            </a:extLst>
+          </p:cNvPr>
+          <p:cNvSpPr/>
+          <p:nvPr/>
+        </p:nvSpPr>
+        <p:spPr>
+          <a:xfrm>
+            <a:off x="1939742" y="2343180"/>
+            <a:ext cx="1471889" cy="1039896"/>
+          </a:xfrm>
+          <a:prstGeom prst="rect">
+            <a:avLst/>
+          </a:prstGeom>
+        </p:spPr>
+        <p:style>
+          <a:lnRef idx="2">
+            <a:schemeClr val="accent1"/>
+          </a:lnRef>
+          <a:fillRef idx="1">
+            <a:schemeClr val="lt1"/>
+          </a:fillRef>
+          <a:effectRef idx="0">
+            <a:schemeClr val="accent1"/>
+          </a:effectRef>
+          <a:fontRef idx="minor">
+            <a:schemeClr val="dk1"/>
+          </a:fontRef>
+        </p:style>
+        <p:txBody>
+          <a:bodyPr rtlCol="0" anchor="ctr"/>
+          <a:lstStyle/>
+          <a:p>
+            <a:pPr algn="ctr"/>
+            <a:r>
+              <a:rPr lang="fr-FR" dirty="0" err="1"/>
+              <a:t>nginx</a:t>
+            </a:r>
+            <a:endParaRPr lang="fr-FR" dirty="0"/>
+          </a:p>
+        </p:txBody>
+      </p:sp>
+      <p:cxnSp>
+        <p:nvCxnSpPr>
+          <p:cNvPr id="60" name="Straight Arrow Connector 59">
+            <a:extLst>
+              <a:ext uri="{FF2B5EF4-FFF2-40B4-BE49-F238E27FC236}">
+                <a16:creationId xmlns:a16="http://schemas.microsoft.com/office/drawing/2014/main" id="{E44A3624-8EE8-4875-8A2F-3EFDD1A70E29}"/>
+              </a:ext>
+            </a:extLst>
+          </p:cNvPr>
+          <p:cNvCxnSpPr>
+            <a:cxnSpLocks/>
+            <a:endCxn id="58" idx="1"/>
+          </p:cNvCxnSpPr>
+          <p:nvPr/>
+        </p:nvCxnSpPr>
+        <p:spPr>
+          <a:xfrm>
+            <a:off x="457199" y="2863128"/>
+            <a:ext cx="1482543" cy="0"/>
+          </a:xfrm>
+          <a:prstGeom prst="straightConnector1">
+            <a:avLst/>
+          </a:prstGeom>
+          <a:ln w="76200">
+            <a:solidFill>
+              <a:schemeClr val="accent1"/>
+            </a:solidFill>
+            <a:tailEnd type="triangle"/>
+          </a:ln>
+        </p:spPr>
+        <p:style>
+          <a:lnRef idx="1">
+            <a:schemeClr val="accent1"/>
+          </a:lnRef>
+          <a:fillRef idx="0">
+            <a:schemeClr val="accent1"/>
+          </a:fillRef>
+          <a:effectRef idx="0">
+            <a:schemeClr val="accent1"/>
+          </a:effectRef>
+          <a:fontRef idx="minor">
+            <a:schemeClr val="tx1"/>
+          </a:fontRef>
+        </p:style>
+      </p:cxnSp>
+      <p:cxnSp>
+        <p:nvCxnSpPr>
+          <p:cNvPr id="63" name="Straight Arrow Connector 62">
+            <a:extLst>
+              <a:ext uri="{FF2B5EF4-FFF2-40B4-BE49-F238E27FC236}">
+                <a16:creationId xmlns:a16="http://schemas.microsoft.com/office/drawing/2014/main" id="{5F5EDCC0-700B-42D9-B864-26D66EF4CFD9}"/>
+              </a:ext>
+            </a:extLst>
+          </p:cNvPr>
+          <p:cNvCxnSpPr>
+            <a:stCxn id="58" idx="3"/>
+            <a:endCxn id="23" idx="1"/>
+          </p:cNvCxnSpPr>
+          <p:nvPr/>
+        </p:nvCxnSpPr>
+        <p:spPr>
+          <a:xfrm>
+            <a:off x="3411631" y="2863128"/>
+            <a:ext cx="1353114" cy="0"/>
+          </a:xfrm>
+          <a:prstGeom prst="straightConnector1">
+            <a:avLst/>
+          </a:prstGeom>
+          <a:ln w="76200">
+            <a:solidFill>
+              <a:schemeClr val="accent1"/>
+            </a:solidFill>
+            <a:tailEnd type="triangle"/>
+          </a:ln>
+        </p:spPr>
+        <p:style>
+          <a:lnRef idx="1">
+            <a:schemeClr val="accent1"/>
+          </a:lnRef>
+          <a:fillRef idx="0">
+            <a:schemeClr val="accent1"/>
+          </a:fillRef>
+          <a:effectRef idx="0">
+            <a:schemeClr val="accent1"/>
+          </a:effectRef>
+          <a:fontRef idx="minor">
+            <a:schemeClr val="tx1"/>
+          </a:fontRef>
+        </p:style>
+      </p:cxnSp>
+      <p:sp>
+        <p:nvSpPr>
+          <p:cNvPr id="64" name="Rectangle 63">
+            <a:extLst>
+              <a:ext uri="{FF2B5EF4-FFF2-40B4-BE49-F238E27FC236}">
+                <a16:creationId xmlns:a16="http://schemas.microsoft.com/office/drawing/2014/main" id="{8D764B02-45AB-4DA4-AB07-242FA0F444BF}"/>
+              </a:ext>
+            </a:extLst>
+          </p:cNvPr>
+          <p:cNvSpPr/>
+          <p:nvPr/>
+        </p:nvSpPr>
+        <p:spPr>
+          <a:xfrm>
+            <a:off x="5635158" y="428083"/>
+            <a:ext cx="1202953" cy="596163"/>
+          </a:xfrm>
+          <a:prstGeom prst="rect">
+            <a:avLst/>
+          </a:prstGeom>
+        </p:spPr>
+        <p:style>
+          <a:lnRef idx="2">
+            <a:schemeClr val="accent2">
+              <a:shade val="50000"/>
+            </a:schemeClr>
+          </a:lnRef>
+          <a:fillRef idx="1">
+            <a:schemeClr val="accent2"/>
+          </a:fillRef>
+          <a:effectRef idx="0">
+            <a:schemeClr val="accent2"/>
+          </a:effectRef>
+          <a:fontRef idx="minor">
+            <a:schemeClr val="lt1"/>
+          </a:fontRef>
+        </p:style>
+        <p:txBody>
+          <a:bodyPr rtlCol="0" anchor="ctr"/>
+          <a:lstStyle/>
+          <a:p>
+            <a:pPr algn="ctr"/>
+            <a:r>
+              <a:rPr lang="fr-FR" dirty="0" err="1"/>
+              <a:t>npm</a:t>
+            </a:r>
+            <a:r>
+              <a:rPr lang="fr-FR" dirty="0"/>
+              <a:t>/</a:t>
+            </a:r>
+            <a:r>
+              <a:rPr lang="fr-FR" dirty="0" err="1"/>
+              <a:t>node</a:t>
+            </a:r>
+            <a:endParaRPr lang="fr-FR" dirty="0"/>
+          </a:p>
+        </p:txBody>
+      </p:sp>
+      <p:cxnSp>
+        <p:nvCxnSpPr>
+          <p:cNvPr id="72" name="Straight Arrow Connector 71">
+            <a:extLst>
+              <a:ext uri="{FF2B5EF4-FFF2-40B4-BE49-F238E27FC236}">
+                <a16:creationId xmlns:a16="http://schemas.microsoft.com/office/drawing/2014/main" id="{E09683CD-E06F-4F1C-8F74-DF253686A6CD}"/>
+              </a:ext>
+            </a:extLst>
+          </p:cNvPr>
+          <p:cNvCxnSpPr>
+            <a:cxnSpLocks/>
+            <a:stCxn id="64" idx="2"/>
+            <a:endCxn id="23" idx="0"/>
+          </p:cNvCxnSpPr>
+          <p:nvPr/>
+        </p:nvCxnSpPr>
+        <p:spPr>
+          <a:xfrm>
+            <a:off x="6236635" y="1024246"/>
+            <a:ext cx="0" cy="558056"/>
+          </a:xfrm>
+          <a:prstGeom prst="straightConnector1">
+            <a:avLst/>
+          </a:prstGeom>
+          <a:ln w="76200">
+            <a:solidFill>
+              <a:schemeClr val="accent1"/>
+            </a:solidFill>
+            <a:tailEnd type="triangle"/>
+          </a:ln>
+        </p:spPr>
+        <p:style>
+          <a:lnRef idx="1">
+            <a:schemeClr val="accent1"/>
+          </a:lnRef>
+          <a:fillRef idx="0">
+            <a:schemeClr val="accent1"/>
+          </a:fillRef>
+          <a:effectRef idx="0">
+            <a:schemeClr val="accent1"/>
+          </a:effectRef>
+          <a:fontRef idx="minor">
+            <a:schemeClr val="tx1"/>
+          </a:fontRef>
+        </p:style>
+      </p:cxnSp>
+      <p:sp>
+        <p:nvSpPr>
+          <p:cNvPr id="74" name="Rectangle 73">
+            <a:extLst>
+              <a:ext uri="{FF2B5EF4-FFF2-40B4-BE49-F238E27FC236}">
+                <a16:creationId xmlns:a16="http://schemas.microsoft.com/office/drawing/2014/main" id="{7E74B075-CA77-4668-8B1F-5DDCDD132C08}"/>
+              </a:ext>
+            </a:extLst>
+          </p:cNvPr>
+          <p:cNvSpPr/>
+          <p:nvPr/>
+        </p:nvSpPr>
+        <p:spPr>
+          <a:xfrm>
+            <a:off x="4135530" y="428084"/>
+            <a:ext cx="885265" cy="596163"/>
+          </a:xfrm>
+          <a:prstGeom prst="rect">
+            <a:avLst/>
+          </a:prstGeom>
+        </p:spPr>
+        <p:style>
+          <a:lnRef idx="2">
+            <a:schemeClr val="accent3">
+              <a:shade val="50000"/>
+            </a:schemeClr>
+          </a:lnRef>
+          <a:fillRef idx="1">
+            <a:schemeClr val="accent3"/>
+          </a:fillRef>
+          <a:effectRef idx="0">
+            <a:schemeClr val="accent3"/>
+          </a:effectRef>
+          <a:fontRef idx="minor">
+            <a:schemeClr val="lt1"/>
+          </a:fontRef>
+        </p:style>
+        <p:txBody>
+          <a:bodyPr rtlCol="0" anchor="ctr"/>
+          <a:lstStyle/>
+          <a:p>
+            <a:pPr algn="ctr"/>
+            <a:r>
+              <a:rPr lang="fr-FR" dirty="0"/>
+              <a:t>git</a:t>
+            </a:r>
+          </a:p>
+        </p:txBody>
+      </p:sp>
+      <p:cxnSp>
+        <p:nvCxnSpPr>
+          <p:cNvPr id="76" name="Straight Arrow Connector 75">
+            <a:extLst>
+              <a:ext uri="{FF2B5EF4-FFF2-40B4-BE49-F238E27FC236}">
+                <a16:creationId xmlns:a16="http://schemas.microsoft.com/office/drawing/2014/main" id="{7D42254C-ECD6-443E-A960-7026E89824B9}"/>
+              </a:ext>
+            </a:extLst>
+          </p:cNvPr>
+          <p:cNvCxnSpPr>
+            <a:cxnSpLocks/>
+            <a:stCxn id="74" idx="3"/>
+            <a:endCxn id="64" idx="1"/>
+          </p:cNvCxnSpPr>
+          <p:nvPr/>
+        </p:nvCxnSpPr>
+        <p:spPr>
+          <a:xfrm flipV="1">
+            <a:off x="5020795" y="726165"/>
+            <a:ext cx="614363" cy="1"/>
+          </a:xfrm>
+          <a:prstGeom prst="straightConnector1">
+            <a:avLst/>
+          </a:prstGeom>
+          <a:ln w="76200">
+            <a:solidFill>
+              <a:schemeClr val="accent1"/>
+            </a:solidFill>
+            <a:tailEnd type="triangle"/>
+          </a:ln>
+        </p:spPr>
+        <p:style>
+          <a:lnRef idx="1">
+            <a:schemeClr val="accent1"/>
+          </a:lnRef>
+          <a:fillRef idx="0">
+            <a:schemeClr val="accent1"/>
+          </a:fillRef>
+          <a:effectRef idx="0">
+            <a:schemeClr val="accent1"/>
+          </a:effectRef>
+          <a:fontRef idx="minor">
+            <a:schemeClr val="tx1"/>
+          </a:fontRef>
+        </p:style>
+      </p:cxnSp>
+    </p:spTree>
+    <p:extLst>
+      <p:ext uri="{BB962C8B-B14F-4D97-AF65-F5344CB8AC3E}">
+        <p14:creationId xmlns:p14="http://schemas.microsoft.com/office/powerpoint/2010/main" val="2866524294"/>
+      </p:ext>
+    </p:extLst>
+  </p:cSld>
+  <p:clrMapOvr>
+    <a:masterClrMapping/>
+  </p:clrMapOvr>
+</p:sld>
+</file>
+
+<file path=ppt/slides/slide29.xml><?xml version="1.0" encoding="utf-8"?>
+<p:sld xmlns:a="http://schemas.openxmlformats.org/drawingml/2006/main" xmlns:r="http://schemas.openxmlformats.org/officeDocument/2006/relationships" xmlns:p="http://schemas.openxmlformats.org/presentationml/2006/main">
+  <p:cSld>
+    <p:spTree>
+      <p:nvGrpSpPr>
+        <p:cNvPr id="1" name=""/>
+        <p:cNvGrpSpPr/>
+        <p:nvPr/>
+      </p:nvGrpSpPr>
+      <p:grpSpPr>
+        <a:xfrm>
+          <a:off x="0" y="0"/>
+          <a:ext cx="0" cy="0"/>
+          <a:chOff x="0" y="0"/>
+          <a:chExt cx="0" cy="0"/>
+        </a:xfrm>
+      </p:grpSpPr>
+      <p:sp>
+        <p:nvSpPr>
+          <p:cNvPr id="2" name="Title 1">
+            <a:extLst>
+              <a:ext uri="{FF2B5EF4-FFF2-40B4-BE49-F238E27FC236}">
                 <a16:creationId xmlns:a16="http://schemas.microsoft.com/office/drawing/2014/main" id="{02109A0C-AFFD-406D-90FA-C9E147A26F14}"/>
               </a:ext>
             </a:extLst>

--- a/notes.pptx
+++ b/notes.pptx
@@ -34,6 +34,7 @@
     <p:sldId id="1006" r:id="rId28"/>
     <p:sldId id="1007" r:id="rId29"/>
     <p:sldId id="259" r:id="rId30"/>
+    <p:sldId id="1008" r:id="rId31"/>
   </p:sldIdLst>
   <p:sldSz cx="12192000" cy="6858000"/>
   <p:notesSz cx="6858000" cy="9144000"/>
@@ -289,7 +290,7 @@
           <a:p>
             <a:fld id="{CAE47142-16B0-4769-BA42-4A01FDA2F14A}" type="datetimeFigureOut">
               <a:rPr lang="fr-FR" smtClean="0"/>
-              <a:t>04/01/2022</a:t>
+              <a:t>21/04/2022</a:t>
             </a:fld>
             <a:endParaRPr lang="fr-FR"/>
           </a:p>
@@ -489,7 +490,7 @@
           <a:p>
             <a:fld id="{CAE47142-16B0-4769-BA42-4A01FDA2F14A}" type="datetimeFigureOut">
               <a:rPr lang="fr-FR" smtClean="0"/>
-              <a:t>04/01/2022</a:t>
+              <a:t>21/04/2022</a:t>
             </a:fld>
             <a:endParaRPr lang="fr-FR"/>
           </a:p>
@@ -699,7 +700,7 @@
           <a:p>
             <a:fld id="{CAE47142-16B0-4769-BA42-4A01FDA2F14A}" type="datetimeFigureOut">
               <a:rPr lang="fr-FR" smtClean="0"/>
-              <a:t>04/01/2022</a:t>
+              <a:t>21/04/2022</a:t>
             </a:fld>
             <a:endParaRPr lang="fr-FR"/>
           </a:p>
@@ -899,7 +900,7 @@
           <a:p>
             <a:fld id="{CAE47142-16B0-4769-BA42-4A01FDA2F14A}" type="datetimeFigureOut">
               <a:rPr lang="fr-FR" smtClean="0"/>
-              <a:t>04/01/2022</a:t>
+              <a:t>21/04/2022</a:t>
             </a:fld>
             <a:endParaRPr lang="fr-FR"/>
           </a:p>
@@ -1175,7 +1176,7 @@
           <a:p>
             <a:fld id="{CAE47142-16B0-4769-BA42-4A01FDA2F14A}" type="datetimeFigureOut">
               <a:rPr lang="fr-FR" smtClean="0"/>
-              <a:t>04/01/2022</a:t>
+              <a:t>21/04/2022</a:t>
             </a:fld>
             <a:endParaRPr lang="fr-FR"/>
           </a:p>
@@ -1443,7 +1444,7 @@
           <a:p>
             <a:fld id="{CAE47142-16B0-4769-BA42-4A01FDA2F14A}" type="datetimeFigureOut">
               <a:rPr lang="fr-FR" smtClean="0"/>
-              <a:t>04/01/2022</a:t>
+              <a:t>21/04/2022</a:t>
             </a:fld>
             <a:endParaRPr lang="fr-FR"/>
           </a:p>
@@ -1858,7 +1859,7 @@
           <a:p>
             <a:fld id="{CAE47142-16B0-4769-BA42-4A01FDA2F14A}" type="datetimeFigureOut">
               <a:rPr lang="fr-FR" smtClean="0"/>
-              <a:t>04/01/2022</a:t>
+              <a:t>21/04/2022</a:t>
             </a:fld>
             <a:endParaRPr lang="fr-FR"/>
           </a:p>
@@ -2000,7 +2001,7 @@
           <a:p>
             <a:fld id="{CAE47142-16B0-4769-BA42-4A01FDA2F14A}" type="datetimeFigureOut">
               <a:rPr lang="fr-FR" smtClean="0"/>
-              <a:t>04/01/2022</a:t>
+              <a:t>21/04/2022</a:t>
             </a:fld>
             <a:endParaRPr lang="fr-FR"/>
           </a:p>
@@ -2113,7 +2114,7 @@
           <a:p>
             <a:fld id="{CAE47142-16B0-4769-BA42-4A01FDA2F14A}" type="datetimeFigureOut">
               <a:rPr lang="fr-FR" smtClean="0"/>
-              <a:t>04/01/2022</a:t>
+              <a:t>21/04/2022</a:t>
             </a:fld>
             <a:endParaRPr lang="fr-FR"/>
           </a:p>
@@ -2426,7 +2427,7 @@
           <a:p>
             <a:fld id="{CAE47142-16B0-4769-BA42-4A01FDA2F14A}" type="datetimeFigureOut">
               <a:rPr lang="fr-FR" smtClean="0"/>
-              <a:t>04/01/2022</a:t>
+              <a:t>21/04/2022</a:t>
             </a:fld>
             <a:endParaRPr lang="fr-FR"/>
           </a:p>
@@ -2715,7 +2716,7 @@
           <a:p>
             <a:fld id="{CAE47142-16B0-4769-BA42-4A01FDA2F14A}" type="datetimeFigureOut">
               <a:rPr lang="fr-FR" smtClean="0"/>
-              <a:t>04/01/2022</a:t>
+              <a:t>21/04/2022</a:t>
             </a:fld>
             <a:endParaRPr lang="fr-FR"/>
           </a:p>
@@ -2958,7 +2959,7 @@
           <a:p>
             <a:fld id="{CAE47142-16B0-4769-BA42-4A01FDA2F14A}" type="datetimeFigureOut">
               <a:rPr lang="fr-FR" smtClean="0"/>
-              <a:t>04/01/2022</a:t>
+              <a:t>21/04/2022</a:t>
             </a:fld>
             <a:endParaRPr lang="fr-FR"/>
           </a:p>
@@ -18455,6 +18456,195 @@
 </p:sld>
 </file>
 
+<file path=ppt/slides/slide30.xml><?xml version="1.0" encoding="utf-8"?>
+<p:sld xmlns:a="http://schemas.openxmlformats.org/drawingml/2006/main" xmlns:r="http://schemas.openxmlformats.org/officeDocument/2006/relationships" xmlns:p="http://schemas.openxmlformats.org/presentationml/2006/main">
+  <p:cSld>
+    <p:spTree>
+      <p:nvGrpSpPr>
+        <p:cNvPr id="1" name=""/>
+        <p:cNvGrpSpPr/>
+        <p:nvPr/>
+      </p:nvGrpSpPr>
+      <p:grpSpPr>
+        <a:xfrm>
+          <a:off x="0" y="0"/>
+          <a:ext cx="0" cy="0"/>
+          <a:chOff x="0" y="0"/>
+          <a:chExt cx="0" cy="0"/>
+        </a:xfrm>
+      </p:grpSpPr>
+      <p:sp>
+        <p:nvSpPr>
+          <p:cNvPr id="2" name="Title 1"/>
+          <p:cNvSpPr>
+            <a:spLocks noGrp="1"/>
+          </p:cNvSpPr>
+          <p:nvPr>
+            <p:ph type="title"/>
+          </p:nvPr>
+        </p:nvSpPr>
+        <p:spPr/>
+        <p:txBody>
+          <a:bodyPr/>
+          <a:lstStyle/>
+          <a:p>
+            <a:r>
+              <a:rPr lang="fr-FR" dirty="0" smtClean="0"/>
+              <a:t>Système d’autorisation</a:t>
+            </a:r>
+            <a:endParaRPr lang="fr-FR" dirty="0"/>
+          </a:p>
+        </p:txBody>
+      </p:sp>
+      <p:sp>
+        <p:nvSpPr>
+          <p:cNvPr id="3" name="Content Placeholder 2"/>
+          <p:cNvSpPr>
+            <a:spLocks noGrp="1"/>
+          </p:cNvSpPr>
+          <p:nvPr>
+            <p:ph idx="1"/>
+          </p:nvPr>
+        </p:nvSpPr>
+        <p:spPr>
+          <a:xfrm>
+            <a:off x="838200" y="1825625"/>
+            <a:ext cx="6719047" cy="2186081"/>
+          </a:xfrm>
+        </p:spPr>
+        <p:txBody>
+          <a:bodyPr>
+            <a:normAutofit fontScale="70000" lnSpcReduction="20000"/>
+          </a:bodyPr>
+          <a:lstStyle/>
+          <a:p>
+            <a:r>
+              <a:rPr lang="fr-FR" dirty="0" smtClean="0"/>
+              <a:t>Par </a:t>
+            </a:r>
+            <a:r>
+              <a:rPr lang="fr-FR" dirty="0" err="1" smtClean="0"/>
+              <a:t>defaut</a:t>
+            </a:r>
+            <a:r>
+              <a:rPr lang="fr-FR" dirty="0" smtClean="0"/>
+              <a:t> interdire</a:t>
+            </a:r>
+          </a:p>
+          <a:p>
+            <a:r>
+              <a:rPr lang="fr-FR" dirty="0" err="1" smtClean="0"/>
+              <a:t>Recuperer</a:t>
+            </a:r>
+            <a:r>
+              <a:rPr lang="fr-FR" dirty="0" smtClean="0"/>
+              <a:t> pour un utilisateur donne sa liste de </a:t>
+            </a:r>
+            <a:r>
+              <a:rPr lang="fr-FR" dirty="0" err="1" smtClean="0"/>
+              <a:t>privileges</a:t>
+            </a:r>
+            <a:endParaRPr lang="fr-FR" dirty="0" smtClean="0"/>
+          </a:p>
+          <a:p>
+            <a:r>
+              <a:rPr lang="fr-FR" dirty="0" err="1" smtClean="0"/>
+              <a:t>Recuperer</a:t>
+            </a:r>
+            <a:r>
+              <a:rPr lang="fr-FR" dirty="0" smtClean="0"/>
+              <a:t> le nom et le verbe de la ressource</a:t>
+            </a:r>
+          </a:p>
+          <a:p>
+            <a:r>
+              <a:rPr lang="fr-FR" dirty="0" smtClean="0"/>
+              <a:t>Tableau 3 colonnes : nom, verbe, </a:t>
+            </a:r>
+            <a:r>
+              <a:rPr lang="fr-FR" dirty="0" err="1" smtClean="0"/>
+              <a:t>privileges</a:t>
+            </a:r>
+            <a:endParaRPr lang="fr-FR" dirty="0" smtClean="0"/>
+          </a:p>
+          <a:p>
+            <a:r>
+              <a:rPr lang="fr-FR" dirty="0" smtClean="0"/>
+              <a:t>Si </a:t>
+            </a:r>
+            <a:r>
+              <a:rPr lang="fr-FR" dirty="0" err="1" smtClean="0"/>
+              <a:t>utilisteur</a:t>
+            </a:r>
+            <a:r>
+              <a:rPr lang="fr-FR" dirty="0" smtClean="0"/>
+              <a:t>-&gt;</a:t>
+            </a:r>
+            <a:r>
+              <a:rPr lang="fr-FR" dirty="0" err="1" smtClean="0"/>
+              <a:t>privieleges</a:t>
+            </a:r>
+            <a:r>
+              <a:rPr lang="fr-FR" dirty="0" smtClean="0"/>
+              <a:t> intersection </a:t>
+            </a:r>
+            <a:r>
+              <a:rPr lang="fr-FR" dirty="0" err="1" smtClean="0"/>
+              <a:t>nom,verbe</a:t>
+            </a:r>
+            <a:r>
+              <a:rPr lang="fr-FR" dirty="0" smtClean="0"/>
+              <a:t>-&gt;</a:t>
+            </a:r>
+            <a:r>
+              <a:rPr lang="fr-FR" dirty="0" err="1" smtClean="0"/>
+              <a:t>privileges</a:t>
+            </a:r>
+            <a:r>
+              <a:rPr lang="fr-FR" dirty="0" smtClean="0"/>
+              <a:t> alors oui sinon non.</a:t>
+            </a:r>
+            <a:endParaRPr lang="fr-FR" dirty="0"/>
+          </a:p>
+        </p:txBody>
+      </p:sp>
+      <p:pic>
+        <p:nvPicPr>
+          <p:cNvPr id="4" name="Picture 3"/>
+          <p:cNvPicPr>
+            <a:picLocks noChangeAspect="1"/>
+          </p:cNvPicPr>
+          <p:nvPr/>
+        </p:nvPicPr>
+        <p:blipFill>
+          <a:blip r:embed="rId2"/>
+          <a:stretch>
+            <a:fillRect/>
+          </a:stretch>
+        </p:blipFill>
+        <p:spPr>
+          <a:xfrm>
+            <a:off x="2632921" y="4011706"/>
+            <a:ext cx="9251765" cy="2484962"/>
+          </a:xfrm>
+          <a:prstGeom prst="rect">
+            <a:avLst/>
+          </a:prstGeom>
+        </p:spPr>
+      </p:pic>
+    </p:spTree>
+    <p:extLst>
+      <p:ext uri="{BB962C8B-B14F-4D97-AF65-F5344CB8AC3E}">
+        <p14:creationId xmlns:p14="http://schemas.microsoft.com/office/powerpoint/2010/main" val="1713167888"/>
+      </p:ext>
+    </p:extLst>
+  </p:cSld>
+  <p:clrMapOvr>
+    <a:masterClrMapping/>
+  </p:clrMapOvr>
+</p:sld>
+</file>
+
 <file path=ppt/slides/slide4.xml><?xml version="1.0" encoding="utf-8"?>
 <p:sld xmlns:a="http://schemas.openxmlformats.org/drawingml/2006/main" xmlns:r="http://schemas.openxmlformats.org/officeDocument/2006/relationships" xmlns:p="http://schemas.openxmlformats.org/presentationml/2006/main">
   <p:cSld>
